--- a/High School/Design and Drawing for Production/Unit 4 - The Alphabet of Lines/Section 1 - Introduction to Alphabet of Lines/Assets/Unit 4 - Section 1 - Introduction to Alphabet of Line.pptx
+++ b/High School/Design and Drawing for Production/Unit 4 - The Alphabet of Lines/Section 1 - Introduction to Alphabet of Lines/Assets/Unit 4 - Section 1 - Introduction to Alphabet of Line.pptx
@@ -5,10 +5,10 @@
     <p:sldMasterId id="2147483735" r:id="rId1"/>
   </p:sldMasterIdLst>
   <p:notesMasterIdLst>
-    <p:notesMasterId r:id="rId25"/>
+    <p:notesMasterId r:id="rId27"/>
   </p:notesMasterIdLst>
   <p:handoutMasterIdLst>
-    <p:handoutMasterId r:id="rId26"/>
+    <p:handoutMasterId r:id="rId28"/>
   </p:handoutMasterIdLst>
   <p:sldIdLst>
     <p:sldId id="268" r:id="rId2"/>
@@ -34,6 +34,8 @@
     <p:sldId id="281" r:id="rId22"/>
     <p:sldId id="277" r:id="rId23"/>
     <p:sldId id="278" r:id="rId24"/>
+    <p:sldId id="293" r:id="rId25"/>
+    <p:sldId id="294" r:id="rId26"/>
   </p:sldIdLst>
   <p:sldSz cx="12192000" cy="6858000"/>
   <p:notesSz cx="6858000" cy="9144000"/>
@@ -236,7 +238,7 @@
           <a:p>
             <a:fld id="{6AC4FB8F-ED15-48AB-97BD-17129D4E699D}" type="datetimeFigureOut">
               <a:rPr lang="en-US" smtClean="0"/>
-              <a:t>10/15/2018</a:t>
+              <a:t>10/16/2018</a:t>
             </a:fld>
             <a:endParaRPr lang="en-US" dirty="0"/>
           </a:p>
@@ -401,7 +403,7 @@
           <a:p>
             <a:fld id="{BBC9D437-CD83-4825-AD0D-5E7B341BC79B}" type="datetimeFigureOut">
               <a:rPr lang="en-US" smtClean="0"/>
-              <a:t>10/15/2018</a:t>
+              <a:t>10/16/2018</a:t>
             </a:fld>
             <a:endParaRPr lang="en-US" dirty="0"/>
           </a:p>
@@ -859,7 +861,7 @@
           <a:p>
             <a:fld id="{85AB7CBB-843F-464A-A764-71D6ADC27CFA}" type="datetime1">
               <a:rPr lang="en-US" smtClean="0"/>
-              <a:t>10/15/2018</a:t>
+              <a:t>10/16/2018</a:t>
             </a:fld>
             <a:endParaRPr lang="en-US" dirty="0"/>
           </a:p>
@@ -1312,7 +1314,7 @@
           <a:p>
             <a:fld id="{3F138946-C5C1-4A11-BA69-F12F43F8A94B}" type="datetime1">
               <a:rPr lang="en-US" smtClean="0"/>
-              <a:t>10/15/2018</a:t>
+              <a:t>10/16/2018</a:t>
             </a:fld>
             <a:endParaRPr lang="en-US" dirty="0"/>
           </a:p>
@@ -1568,7 +1570,7 @@
           <a:p>
             <a:fld id="{3F138946-C5C1-4A11-BA69-F12F43F8A94B}" type="datetime1">
               <a:rPr lang="en-US" smtClean="0"/>
-              <a:t>10/15/2018</a:t>
+              <a:t>10/16/2018</a:t>
             </a:fld>
             <a:endParaRPr lang="en-US" dirty="0"/>
           </a:p>
@@ -1882,7 +1884,7 @@
           <a:p>
             <a:fld id="{3F138946-C5C1-4A11-BA69-F12F43F8A94B}" type="datetime1">
               <a:rPr lang="en-US" smtClean="0"/>
-              <a:t>10/15/2018</a:t>
+              <a:t>10/16/2018</a:t>
             </a:fld>
             <a:endParaRPr lang="en-US" dirty="0"/>
           </a:p>
@@ -2206,7 +2208,7 @@
           <a:p>
             <a:fld id="{3F138946-C5C1-4A11-BA69-F12F43F8A94B}" type="datetime1">
               <a:rPr lang="en-US" smtClean="0"/>
-              <a:t>10/15/2018</a:t>
+              <a:t>10/16/2018</a:t>
             </a:fld>
             <a:endParaRPr lang="en-US" dirty="0"/>
           </a:p>
@@ -2514,7 +2516,7 @@
           <a:p>
             <a:fld id="{3F138946-C5C1-4A11-BA69-F12F43F8A94B}" type="datetime1">
               <a:rPr lang="en-US" smtClean="0"/>
-              <a:t>10/15/2018</a:t>
+              <a:t>10/16/2018</a:t>
             </a:fld>
             <a:endParaRPr lang="en-US" dirty="0"/>
           </a:p>
@@ -2887,7 +2889,7 @@
           <a:p>
             <a:fld id="{3F138946-C5C1-4A11-BA69-F12F43F8A94B}" type="datetime1">
               <a:rPr lang="en-US" smtClean="0"/>
-              <a:t>10/15/2018</a:t>
+              <a:t>10/16/2018</a:t>
             </a:fld>
             <a:endParaRPr lang="en-US" dirty="0"/>
           </a:p>
@@ -3067,7 +3069,7 @@
           <a:p>
             <a:fld id="{CBEFC03D-3A1F-4813-9337-02411FCC3A9A}" type="datetime1">
               <a:rPr lang="en-US" smtClean="0"/>
-              <a:t>10/15/2018</a:t>
+              <a:t>10/16/2018</a:t>
             </a:fld>
             <a:endParaRPr lang="en-US" dirty="0"/>
           </a:p>
@@ -3263,7 +3265,7 @@
           <a:p>
             <a:fld id="{3D638F79-DFA0-4C26-9553-23A017B69AB6}" type="datetime1">
               <a:rPr lang="en-US" smtClean="0"/>
-              <a:t>10/15/2018</a:t>
+              <a:t>10/16/2018</a:t>
             </a:fld>
             <a:endParaRPr lang="en-US" dirty="0"/>
           </a:p>
@@ -3374,7 +3376,7 @@
           <a:p>
             <a:fld id="{AA615CA6-EC4D-4728-8AA6-534BE7E9B67C}" type="datetime1">
               <a:rPr lang="en-US" smtClean="0"/>
-              <a:t>10/15/2018</a:t>
+              <a:t>10/16/2018</a:t>
             </a:fld>
             <a:endParaRPr lang="en-US" dirty="0"/>
           </a:p>
@@ -3559,7 +3561,7 @@
           <a:p>
             <a:fld id="{A70B34E7-E1D9-4FBF-A1A0-4009669A00BF}" type="datetime1">
               <a:rPr lang="en-US" smtClean="0"/>
-              <a:t>10/15/2018</a:t>
+              <a:t>10/16/2018</a:t>
             </a:fld>
             <a:endParaRPr lang="en-US" dirty="0"/>
           </a:p>
@@ -3826,7 +3828,7 @@
           <a:p>
             <a:fld id="{C50FD434-5945-4FAF-A8C0-DAE9905532CE}" type="datetimeFigureOut">
               <a:rPr lang="en-US" smtClean="0"/>
-              <a:t>10/15/2018</a:t>
+              <a:t>10/16/2018</a:t>
             </a:fld>
             <a:endParaRPr lang="en-US"/>
           </a:p>
@@ -4074,7 +4076,7 @@
           <a:p>
             <a:fld id="{7579E8B6-2F47-420B-83EA-EB2285D13EC9}" type="datetime1">
               <a:rPr lang="en-US" smtClean="0"/>
-              <a:t>10/15/2018</a:t>
+              <a:t>10/16/2018</a:t>
             </a:fld>
             <a:endParaRPr lang="en-US" dirty="0"/>
           </a:p>
@@ -4472,7 +4474,7 @@
           <a:p>
             <a:fld id="{2304803D-B10E-4B90-8456-A0E05393E233}" type="datetime1">
               <a:rPr lang="en-US" smtClean="0"/>
-              <a:t>10/15/2018</a:t>
+              <a:t>10/16/2018</a:t>
             </a:fld>
             <a:endParaRPr lang="en-US" dirty="0"/>
           </a:p>
@@ -4606,7 +4608,7 @@
           <a:p>
             <a:fld id="{CCE1E62F-6CCE-4064-96C2-2084AF883904}" type="datetime1">
               <a:rPr lang="en-US" smtClean="0"/>
-              <a:t>10/15/2018</a:t>
+              <a:t>10/16/2018</a:t>
             </a:fld>
             <a:endParaRPr lang="en-US" dirty="0"/>
           </a:p>
@@ -4717,7 +4719,7 @@
           <a:p>
             <a:fld id="{AA615CA6-EC4D-4728-8AA6-534BE7E9B67C}" type="datetime1">
               <a:rPr lang="en-US" smtClean="0"/>
-              <a:t>10/15/2018</a:t>
+              <a:t>10/16/2018</a:t>
             </a:fld>
             <a:endParaRPr lang="en-US" dirty="0"/>
           </a:p>
@@ -4988,7 +4990,7 @@
           <a:p>
             <a:fld id="{A6139942-0A2E-443A-842F-D6DE74360370}" type="datetime1">
               <a:rPr lang="en-US" smtClean="0"/>
-              <a:t>10/15/2018</a:t>
+              <a:t>10/16/2018</a:t>
             </a:fld>
             <a:endParaRPr lang="en-US" dirty="0"/>
           </a:p>
@@ -5287,7 +5289,7 @@
           <a:p>
             <a:fld id="{C50FD434-5945-4FAF-A8C0-DAE9905532CE}" type="datetimeFigureOut">
               <a:rPr lang="en-US" smtClean="0"/>
-              <a:t>10/15/2018</a:t>
+              <a:t>10/16/2018</a:t>
             </a:fld>
             <a:endParaRPr lang="en-US"/>
           </a:p>
@@ -5757,7 +5759,7 @@
           <a:p>
             <a:fld id="{3F138946-C5C1-4A11-BA69-F12F43F8A94B}" type="datetime1">
               <a:rPr lang="en-US" smtClean="0"/>
-              <a:t>10/15/2018</a:t>
+              <a:t>10/16/2018</a:t>
             </a:fld>
             <a:endParaRPr lang="en-US" dirty="0"/>
           </a:p>
@@ -12175,6 +12177,232 @@
     <p:extLst>
       <p:ext uri="{BB962C8B-B14F-4D97-AF65-F5344CB8AC3E}">
         <p14:creationId xmlns:p14="http://schemas.microsoft.com/office/powerpoint/2010/main" val="13902868"/>
+      </p:ext>
+    </p:extLst>
+  </p:cSld>
+  <p:clrMapOvr>
+    <a:masterClrMapping/>
+  </p:clrMapOvr>
+  <mc:AlternateContent xmlns:mc="http://schemas.openxmlformats.org/markup-compatibility/2006" xmlns:p14="http://schemas.microsoft.com/office/powerpoint/2010/main">
+    <mc:Choice Requires="p14">
+      <p:transition spd="med" p14:dur="700">
+        <p:fade/>
+      </p:transition>
+    </mc:Choice>
+    <mc:Fallback xmlns="">
+      <p:transition spd="med">
+        <p:fade/>
+      </p:transition>
+    </mc:Fallback>
+  </mc:AlternateContent>
+</p:sld>
+</file>
+
+<file path=ppt/slides/slide24.xml><?xml version="1.0" encoding="utf-8"?>
+<p:sld xmlns:a="http://schemas.openxmlformats.org/drawingml/2006/main" xmlns:r="http://schemas.openxmlformats.org/officeDocument/2006/relationships" xmlns:p="http://schemas.openxmlformats.org/presentationml/2006/main">
+  <p:cSld>
+    <p:spTree>
+      <p:nvGrpSpPr>
+        <p:cNvPr id="1" name=""/>
+        <p:cNvGrpSpPr/>
+        <p:nvPr/>
+      </p:nvGrpSpPr>
+      <p:grpSpPr>
+        <a:xfrm>
+          <a:off x="0" y="0"/>
+          <a:ext cx="0" cy="0"/>
+          <a:chOff x="0" y="0"/>
+          <a:chExt cx="0" cy="0"/>
+        </a:xfrm>
+      </p:grpSpPr>
+      <p:sp>
+        <p:nvSpPr>
+          <p:cNvPr id="5" name="Title 4">
+            <a:extLst>
+              <a:ext uri="{FF2B5EF4-FFF2-40B4-BE49-F238E27FC236}">
+                <a16:creationId xmlns:a16="http://schemas.microsoft.com/office/drawing/2014/main" id="{4367301C-9E62-4A97-A776-7C2F6EAEAB9B}"/>
+              </a:ext>
+            </a:extLst>
+          </p:cNvPr>
+          <p:cNvSpPr>
+            <a:spLocks noGrp="1"/>
+          </p:cNvSpPr>
+          <p:nvPr>
+            <p:ph type="title"/>
+          </p:nvPr>
+        </p:nvSpPr>
+        <p:spPr/>
+        <p:txBody>
+          <a:bodyPr/>
+          <a:lstStyle/>
+          <a:p>
+            <a:r>
+              <a:rPr lang="en-US" dirty="0"/>
+              <a:t>LP 2</a:t>
+            </a:r>
+          </a:p>
+        </p:txBody>
+      </p:sp>
+      <p:sp>
+        <p:nvSpPr>
+          <p:cNvPr id="4" name="Footer Placeholder 3">
+            <a:extLst>
+              <a:ext uri="{FF2B5EF4-FFF2-40B4-BE49-F238E27FC236}">
+                <a16:creationId xmlns:a16="http://schemas.microsoft.com/office/drawing/2014/main" id="{79004010-F763-427D-8147-B73D87274D90}"/>
+              </a:ext>
+            </a:extLst>
+          </p:cNvPr>
+          <p:cNvSpPr>
+            <a:spLocks noGrp="1"/>
+          </p:cNvSpPr>
+          <p:nvPr>
+            <p:ph type="ftr" sz="quarter" idx="11"/>
+          </p:nvPr>
+        </p:nvSpPr>
+        <p:spPr/>
+        <p:txBody>
+          <a:bodyPr/>
+          <a:lstStyle/>
+          <a:p>
+            <a:r>
+              <a:rPr lang="en-US"/>
+              <a:t>Add a footer</a:t>
+            </a:r>
+            <a:endParaRPr lang="en-US" dirty="0"/>
+          </a:p>
+        </p:txBody>
+      </p:sp>
+    </p:spTree>
+    <p:extLst>
+      <p:ext uri="{BB962C8B-B14F-4D97-AF65-F5344CB8AC3E}">
+        <p14:creationId xmlns:p14="http://schemas.microsoft.com/office/powerpoint/2010/main" val="3019454519"/>
+      </p:ext>
+    </p:extLst>
+  </p:cSld>
+  <p:clrMapOvr>
+    <a:masterClrMapping/>
+  </p:clrMapOvr>
+  <mc:AlternateContent xmlns:mc="http://schemas.openxmlformats.org/markup-compatibility/2006" xmlns:p14="http://schemas.microsoft.com/office/powerpoint/2010/main">
+    <mc:Choice Requires="p14">
+      <p:transition spd="med" p14:dur="700">
+        <p:fade/>
+      </p:transition>
+    </mc:Choice>
+    <mc:Fallback xmlns="">
+      <p:transition spd="med">
+        <p:fade/>
+      </p:transition>
+    </mc:Fallback>
+  </mc:AlternateContent>
+</p:sld>
+</file>
+
+<file path=ppt/slides/slide25.xml><?xml version="1.0" encoding="utf-8"?>
+<p:sld xmlns:a="http://schemas.openxmlformats.org/drawingml/2006/main" xmlns:r="http://schemas.openxmlformats.org/officeDocument/2006/relationships" xmlns:p="http://schemas.openxmlformats.org/presentationml/2006/main">
+  <p:cSld>
+    <p:spTree>
+      <p:nvGrpSpPr>
+        <p:cNvPr id="1" name=""/>
+        <p:cNvGrpSpPr/>
+        <p:nvPr/>
+      </p:nvGrpSpPr>
+      <p:grpSpPr>
+        <a:xfrm>
+          <a:off x="0" y="0"/>
+          <a:ext cx="0" cy="0"/>
+          <a:chOff x="0" y="0"/>
+          <a:chExt cx="0" cy="0"/>
+        </a:xfrm>
+      </p:grpSpPr>
+      <p:sp>
+        <p:nvSpPr>
+          <p:cNvPr id="4" name="Title 3">
+            <a:extLst>
+              <a:ext uri="{FF2B5EF4-FFF2-40B4-BE49-F238E27FC236}">
+                <a16:creationId xmlns:a16="http://schemas.microsoft.com/office/drawing/2014/main" id="{07506127-40F4-46B4-AA13-9926B2BD096B}"/>
+              </a:ext>
+            </a:extLst>
+          </p:cNvPr>
+          <p:cNvSpPr>
+            <a:spLocks noGrp="1"/>
+          </p:cNvSpPr>
+          <p:nvPr>
+            <p:ph type="ctrTitle"/>
+          </p:nvPr>
+        </p:nvSpPr>
+        <p:spPr/>
+        <p:txBody>
+          <a:bodyPr/>
+          <a:lstStyle/>
+          <a:p>
+            <a:r>
+              <a:rPr lang="en-US" dirty="0"/>
+              <a:t>Alphabet of Lines</a:t>
+            </a:r>
+          </a:p>
+        </p:txBody>
+      </p:sp>
+      <p:sp>
+        <p:nvSpPr>
+          <p:cNvPr id="5" name="Subtitle 4">
+            <a:extLst>
+              <a:ext uri="{FF2B5EF4-FFF2-40B4-BE49-F238E27FC236}">
+                <a16:creationId xmlns:a16="http://schemas.microsoft.com/office/drawing/2014/main" id="{BBBCF47C-CE96-46DF-9B20-6EF8EEE99D3F}"/>
+              </a:ext>
+            </a:extLst>
+          </p:cNvPr>
+          <p:cNvSpPr>
+            <a:spLocks noGrp="1"/>
+          </p:cNvSpPr>
+          <p:nvPr>
+            <p:ph type="subTitle" idx="1"/>
+          </p:nvPr>
+        </p:nvSpPr>
+        <p:spPr/>
+        <p:txBody>
+          <a:bodyPr/>
+          <a:lstStyle/>
+          <a:p>
+            <a:r>
+              <a:rPr lang="en-US" dirty="0"/>
+              <a:t>Drawing #8</a:t>
+            </a:r>
+          </a:p>
+        </p:txBody>
+      </p:sp>
+      <p:sp>
+        <p:nvSpPr>
+          <p:cNvPr id="3" name="Footer Placeholder 2">
+            <a:extLst>
+              <a:ext uri="{FF2B5EF4-FFF2-40B4-BE49-F238E27FC236}">
+                <a16:creationId xmlns:a16="http://schemas.microsoft.com/office/drawing/2014/main" id="{1C8B0826-5E65-4731-9543-60C266E8708C}"/>
+              </a:ext>
+            </a:extLst>
+          </p:cNvPr>
+          <p:cNvSpPr>
+            <a:spLocks noGrp="1"/>
+          </p:cNvSpPr>
+          <p:nvPr>
+            <p:ph type="ftr" sz="quarter" idx="11"/>
+          </p:nvPr>
+        </p:nvSpPr>
+        <p:spPr/>
+        <p:txBody>
+          <a:bodyPr/>
+          <a:lstStyle/>
+          <a:p>
+            <a:r>
+              <a:rPr lang="en-US"/>
+              <a:t>Add a footer</a:t>
+            </a:r>
+            <a:endParaRPr lang="en-US" dirty="0"/>
+          </a:p>
+        </p:txBody>
+      </p:sp>
+    </p:spTree>
+    <p:extLst>
+      <p:ext uri="{BB962C8B-B14F-4D97-AF65-F5344CB8AC3E}">
+        <p14:creationId xmlns:p14="http://schemas.microsoft.com/office/powerpoint/2010/main" val="1448505036"/>
       </p:ext>
     </p:extLst>
   </p:cSld>

--- a/High School/Design and Drawing for Production/Unit 4 - The Alphabet of Lines/Section 1 - Introduction to Alphabet of Lines/Assets/Unit 4 - Section 1 - Introduction to Alphabet of Line.pptx
+++ b/High School/Design and Drawing for Production/Unit 4 - The Alphabet of Lines/Section 1 - Introduction to Alphabet of Lines/Assets/Unit 4 - Section 1 - Introduction to Alphabet of Line.pptx
@@ -5,10 +5,10 @@
     <p:sldMasterId id="2147483735" r:id="rId1"/>
   </p:sldMasterIdLst>
   <p:notesMasterIdLst>
-    <p:notesMasterId r:id="rId27"/>
+    <p:notesMasterId r:id="rId28"/>
   </p:notesMasterIdLst>
   <p:handoutMasterIdLst>
-    <p:handoutMasterId r:id="rId28"/>
+    <p:handoutMasterId r:id="rId29"/>
   </p:handoutMasterIdLst>
   <p:sldIdLst>
     <p:sldId id="268" r:id="rId2"/>
@@ -35,7 +35,8 @@
     <p:sldId id="277" r:id="rId23"/>
     <p:sldId id="278" r:id="rId24"/>
     <p:sldId id="293" r:id="rId25"/>
-    <p:sldId id="294" r:id="rId26"/>
+    <p:sldId id="295" r:id="rId26"/>
+    <p:sldId id="294" r:id="rId27"/>
   </p:sldIdLst>
   <p:sldSz cx="12192000" cy="6858000"/>
   <p:notesSz cx="6858000" cy="9144000"/>
@@ -12298,6 +12299,171 @@
 </file>
 
 <file path=ppt/slides/slide25.xml><?xml version="1.0" encoding="utf-8"?>
+<p:sld xmlns:a="http://schemas.openxmlformats.org/drawingml/2006/main" xmlns:r="http://schemas.openxmlformats.org/officeDocument/2006/relationships" xmlns:p="http://schemas.openxmlformats.org/presentationml/2006/main">
+  <p:cSld>
+    <p:spTree>
+      <p:nvGrpSpPr>
+        <p:cNvPr id="1" name=""/>
+        <p:cNvGrpSpPr/>
+        <p:nvPr/>
+      </p:nvGrpSpPr>
+      <p:grpSpPr>
+        <a:xfrm>
+          <a:off x="0" y="0"/>
+          <a:ext cx="0" cy="0"/>
+          <a:chOff x="0" y="0"/>
+          <a:chExt cx="0" cy="0"/>
+        </a:xfrm>
+      </p:grpSpPr>
+      <p:sp>
+        <p:nvSpPr>
+          <p:cNvPr id="2" name="Title 1">
+            <a:extLst>
+              <a:ext uri="{FF2B5EF4-FFF2-40B4-BE49-F238E27FC236}">
+                <a16:creationId xmlns:a16="http://schemas.microsoft.com/office/drawing/2014/main" id="{F10C1430-58DA-4707-A3DD-7400CEC50E47}"/>
+              </a:ext>
+            </a:extLst>
+          </p:cNvPr>
+          <p:cNvSpPr>
+            <a:spLocks noGrp="1"/>
+          </p:cNvSpPr>
+          <p:nvPr>
+            <p:ph type="title"/>
+          </p:nvPr>
+        </p:nvSpPr>
+        <p:spPr/>
+        <p:txBody>
+          <a:bodyPr/>
+          <a:lstStyle/>
+          <a:p>
+            <a:r>
+              <a:rPr lang="en-US" dirty="0"/>
+              <a:t>Alphabet of lines</a:t>
+            </a:r>
+          </a:p>
+        </p:txBody>
+      </p:sp>
+      <p:sp>
+        <p:nvSpPr>
+          <p:cNvPr id="4" name="Content Placeholder 3">
+            <a:extLst>
+              <a:ext uri="{FF2B5EF4-FFF2-40B4-BE49-F238E27FC236}">
+                <a16:creationId xmlns:a16="http://schemas.microsoft.com/office/drawing/2014/main" id="{C1B62C92-DC78-4AA7-A931-923BCFF2DA1C}"/>
+              </a:ext>
+            </a:extLst>
+          </p:cNvPr>
+          <p:cNvSpPr>
+            <a:spLocks noGrp="1"/>
+          </p:cNvSpPr>
+          <p:nvPr>
+            <p:ph idx="1"/>
+          </p:nvPr>
+        </p:nvSpPr>
+        <p:spPr/>
+        <p:txBody>
+          <a:bodyPr/>
+          <a:lstStyle/>
+          <a:p>
+            <a:r>
+              <a:rPr lang="en-US" dirty="0">
+                <a:solidFill>
+                  <a:schemeClr val="tx1"/>
+                </a:solidFill>
+                <a:cs typeface="Arial" pitchFamily="34" charset="0"/>
+              </a:rPr>
+              <a:t>There is an industry standard that has been developed for particular line weights with mechanical drawings</a:t>
+            </a:r>
+          </a:p>
+          <a:p>
+            <a:r>
+              <a:rPr lang="en-US" dirty="0">
+                <a:solidFill>
+                  <a:schemeClr val="tx1"/>
+                </a:solidFill>
+                <a:cs typeface="Arial" pitchFamily="34" charset="0"/>
+              </a:rPr>
+              <a:t>ASME stands for American Society of Mechanical Engineers</a:t>
+            </a:r>
+          </a:p>
+          <a:p>
+            <a:r>
+              <a:rPr lang="en-US" dirty="0">
+                <a:solidFill>
+                  <a:schemeClr val="tx1"/>
+                </a:solidFill>
+                <a:cs typeface="Arial" pitchFamily="34" charset="0"/>
+              </a:rPr>
+              <a:t>Alphabet of Lines reveals shape, size, details and alternate part positions</a:t>
+            </a:r>
+          </a:p>
+          <a:p>
+            <a:r>
+              <a:rPr lang="en-US" dirty="0">
+                <a:solidFill>
+                  <a:schemeClr val="tx1"/>
+                </a:solidFill>
+                <a:cs typeface="Arial" pitchFamily="34" charset="0"/>
+              </a:rPr>
+              <a:t>Different width, darkness, and line types are used to communicate a part</a:t>
+            </a:r>
+          </a:p>
+        </p:txBody>
+      </p:sp>
+      <p:sp>
+        <p:nvSpPr>
+          <p:cNvPr id="3" name="Footer Placeholder 2">
+            <a:extLst>
+              <a:ext uri="{FF2B5EF4-FFF2-40B4-BE49-F238E27FC236}">
+                <a16:creationId xmlns:a16="http://schemas.microsoft.com/office/drawing/2014/main" id="{103975A7-8EB7-469C-89C7-A9D30DEF5CEF}"/>
+              </a:ext>
+            </a:extLst>
+          </p:cNvPr>
+          <p:cNvSpPr>
+            <a:spLocks noGrp="1"/>
+          </p:cNvSpPr>
+          <p:nvPr>
+            <p:ph type="ftr" sz="quarter" idx="11"/>
+          </p:nvPr>
+        </p:nvSpPr>
+        <p:spPr/>
+        <p:txBody>
+          <a:bodyPr/>
+          <a:lstStyle/>
+          <a:p>
+            <a:r>
+              <a:rPr lang="en-US"/>
+              <a:t>Add a footer</a:t>
+            </a:r>
+            <a:endParaRPr lang="en-US" dirty="0"/>
+          </a:p>
+        </p:txBody>
+      </p:sp>
+    </p:spTree>
+    <p:extLst>
+      <p:ext uri="{BB962C8B-B14F-4D97-AF65-F5344CB8AC3E}">
+        <p14:creationId xmlns:p14="http://schemas.microsoft.com/office/powerpoint/2010/main" val="4165505998"/>
+      </p:ext>
+    </p:extLst>
+  </p:cSld>
+  <p:clrMapOvr>
+    <a:masterClrMapping/>
+  </p:clrMapOvr>
+  <mc:AlternateContent xmlns:mc="http://schemas.openxmlformats.org/markup-compatibility/2006" xmlns:p14="http://schemas.microsoft.com/office/powerpoint/2010/main">
+    <mc:Choice Requires="p14">
+      <p:transition spd="med" p14:dur="700">
+        <p:fade/>
+      </p:transition>
+    </mc:Choice>
+    <mc:Fallback xmlns="">
+      <p:transition spd="med">
+        <p:fade/>
+      </p:transition>
+    </mc:Fallback>
+  </mc:AlternateContent>
+</p:sld>
+</file>
+
+<file path=ppt/slides/slide26.xml><?xml version="1.0" encoding="utf-8"?>
 <p:sld xmlns:a="http://schemas.openxmlformats.org/drawingml/2006/main" xmlns:r="http://schemas.openxmlformats.org/officeDocument/2006/relationships" xmlns:p="http://schemas.openxmlformats.org/presentationml/2006/main">
   <p:cSld>
     <p:spTree>

--- a/High School/Design and Drawing for Production/Unit 4 - The Alphabet of Lines/Section 1 - Introduction to Alphabet of Lines/Assets/Unit 4 - Section 1 - Introduction to Alphabet of Line.pptx
+++ b/High School/Design and Drawing for Production/Unit 4 - The Alphabet of Lines/Section 1 - Introduction to Alphabet of Lines/Assets/Unit 4 - Section 1 - Introduction to Alphabet of Line.pptx
@@ -5,10 +5,10 @@
     <p:sldMasterId id="2147483735" r:id="rId1"/>
   </p:sldMasterIdLst>
   <p:notesMasterIdLst>
-    <p:notesMasterId r:id="rId28"/>
+    <p:notesMasterId r:id="rId30"/>
   </p:notesMasterIdLst>
   <p:handoutMasterIdLst>
-    <p:handoutMasterId r:id="rId29"/>
+    <p:handoutMasterId r:id="rId31"/>
   </p:handoutMasterIdLst>
   <p:sldIdLst>
     <p:sldId id="268" r:id="rId2"/>
@@ -37,6 +37,8 @@
     <p:sldId id="293" r:id="rId25"/>
     <p:sldId id="295" r:id="rId26"/>
     <p:sldId id="294" r:id="rId27"/>
+    <p:sldId id="296" r:id="rId28"/>
+    <p:sldId id="297" r:id="rId29"/>
   </p:sldIdLst>
   <p:sldSz cx="12192000" cy="6858000"/>
   <p:notesSz cx="6858000" cy="9144000"/>
@@ -239,7 +241,7 @@
           <a:p>
             <a:fld id="{6AC4FB8F-ED15-48AB-97BD-17129D4E699D}" type="datetimeFigureOut">
               <a:rPr lang="en-US" smtClean="0"/>
-              <a:t>10/16/2018</a:t>
+              <a:t>10/17/2018</a:t>
             </a:fld>
             <a:endParaRPr lang="en-US" dirty="0"/>
           </a:p>
@@ -404,7 +406,7 @@
           <a:p>
             <a:fld id="{BBC9D437-CD83-4825-AD0D-5E7B341BC79B}" type="datetimeFigureOut">
               <a:rPr lang="en-US" smtClean="0"/>
-              <a:t>10/16/2018</a:t>
+              <a:t>10/17/2018</a:t>
             </a:fld>
             <a:endParaRPr lang="en-US" dirty="0"/>
           </a:p>
@@ -862,7 +864,7 @@
           <a:p>
             <a:fld id="{85AB7CBB-843F-464A-A764-71D6ADC27CFA}" type="datetime1">
               <a:rPr lang="en-US" smtClean="0"/>
-              <a:t>10/16/2018</a:t>
+              <a:t>10/17/2018</a:t>
             </a:fld>
             <a:endParaRPr lang="en-US" dirty="0"/>
           </a:p>
@@ -1315,7 +1317,7 @@
           <a:p>
             <a:fld id="{3F138946-C5C1-4A11-BA69-F12F43F8A94B}" type="datetime1">
               <a:rPr lang="en-US" smtClean="0"/>
-              <a:t>10/16/2018</a:t>
+              <a:t>10/17/2018</a:t>
             </a:fld>
             <a:endParaRPr lang="en-US" dirty="0"/>
           </a:p>
@@ -1571,7 +1573,7 @@
           <a:p>
             <a:fld id="{3F138946-C5C1-4A11-BA69-F12F43F8A94B}" type="datetime1">
               <a:rPr lang="en-US" smtClean="0"/>
-              <a:t>10/16/2018</a:t>
+              <a:t>10/17/2018</a:t>
             </a:fld>
             <a:endParaRPr lang="en-US" dirty="0"/>
           </a:p>
@@ -1885,7 +1887,7 @@
           <a:p>
             <a:fld id="{3F138946-C5C1-4A11-BA69-F12F43F8A94B}" type="datetime1">
               <a:rPr lang="en-US" smtClean="0"/>
-              <a:t>10/16/2018</a:t>
+              <a:t>10/17/2018</a:t>
             </a:fld>
             <a:endParaRPr lang="en-US" dirty="0"/>
           </a:p>
@@ -2209,7 +2211,7 @@
           <a:p>
             <a:fld id="{3F138946-C5C1-4A11-BA69-F12F43F8A94B}" type="datetime1">
               <a:rPr lang="en-US" smtClean="0"/>
-              <a:t>10/16/2018</a:t>
+              <a:t>10/17/2018</a:t>
             </a:fld>
             <a:endParaRPr lang="en-US" dirty="0"/>
           </a:p>
@@ -2517,7 +2519,7 @@
           <a:p>
             <a:fld id="{3F138946-C5C1-4A11-BA69-F12F43F8A94B}" type="datetime1">
               <a:rPr lang="en-US" smtClean="0"/>
-              <a:t>10/16/2018</a:t>
+              <a:t>10/17/2018</a:t>
             </a:fld>
             <a:endParaRPr lang="en-US" dirty="0"/>
           </a:p>
@@ -2890,7 +2892,7 @@
           <a:p>
             <a:fld id="{3F138946-C5C1-4A11-BA69-F12F43F8A94B}" type="datetime1">
               <a:rPr lang="en-US" smtClean="0"/>
-              <a:t>10/16/2018</a:t>
+              <a:t>10/17/2018</a:t>
             </a:fld>
             <a:endParaRPr lang="en-US" dirty="0"/>
           </a:p>
@@ -3070,7 +3072,7 @@
           <a:p>
             <a:fld id="{CBEFC03D-3A1F-4813-9337-02411FCC3A9A}" type="datetime1">
               <a:rPr lang="en-US" smtClean="0"/>
-              <a:t>10/16/2018</a:t>
+              <a:t>10/17/2018</a:t>
             </a:fld>
             <a:endParaRPr lang="en-US" dirty="0"/>
           </a:p>
@@ -3266,7 +3268,7 @@
           <a:p>
             <a:fld id="{3D638F79-DFA0-4C26-9553-23A017B69AB6}" type="datetime1">
               <a:rPr lang="en-US" smtClean="0"/>
-              <a:t>10/16/2018</a:t>
+              <a:t>10/17/2018</a:t>
             </a:fld>
             <a:endParaRPr lang="en-US" dirty="0"/>
           </a:p>
@@ -3377,7 +3379,7 @@
           <a:p>
             <a:fld id="{AA615CA6-EC4D-4728-8AA6-534BE7E9B67C}" type="datetime1">
               <a:rPr lang="en-US" smtClean="0"/>
-              <a:t>10/16/2018</a:t>
+              <a:t>10/17/2018</a:t>
             </a:fld>
             <a:endParaRPr lang="en-US" dirty="0"/>
           </a:p>
@@ -3562,7 +3564,7 @@
           <a:p>
             <a:fld id="{A70B34E7-E1D9-4FBF-A1A0-4009669A00BF}" type="datetime1">
               <a:rPr lang="en-US" smtClean="0"/>
-              <a:t>10/16/2018</a:t>
+              <a:t>10/17/2018</a:t>
             </a:fld>
             <a:endParaRPr lang="en-US" dirty="0"/>
           </a:p>
@@ -3829,7 +3831,7 @@
           <a:p>
             <a:fld id="{C50FD434-5945-4FAF-A8C0-DAE9905532CE}" type="datetimeFigureOut">
               <a:rPr lang="en-US" smtClean="0"/>
-              <a:t>10/16/2018</a:t>
+              <a:t>10/17/2018</a:t>
             </a:fld>
             <a:endParaRPr lang="en-US"/>
           </a:p>
@@ -4077,7 +4079,7 @@
           <a:p>
             <a:fld id="{7579E8B6-2F47-420B-83EA-EB2285D13EC9}" type="datetime1">
               <a:rPr lang="en-US" smtClean="0"/>
-              <a:t>10/16/2018</a:t>
+              <a:t>10/17/2018</a:t>
             </a:fld>
             <a:endParaRPr lang="en-US" dirty="0"/>
           </a:p>
@@ -4475,7 +4477,7 @@
           <a:p>
             <a:fld id="{2304803D-B10E-4B90-8456-A0E05393E233}" type="datetime1">
               <a:rPr lang="en-US" smtClean="0"/>
-              <a:t>10/16/2018</a:t>
+              <a:t>10/17/2018</a:t>
             </a:fld>
             <a:endParaRPr lang="en-US" dirty="0"/>
           </a:p>
@@ -4609,7 +4611,7 @@
           <a:p>
             <a:fld id="{CCE1E62F-6CCE-4064-96C2-2084AF883904}" type="datetime1">
               <a:rPr lang="en-US" smtClean="0"/>
-              <a:t>10/16/2018</a:t>
+              <a:t>10/17/2018</a:t>
             </a:fld>
             <a:endParaRPr lang="en-US" dirty="0"/>
           </a:p>
@@ -4720,7 +4722,7 @@
           <a:p>
             <a:fld id="{AA615CA6-EC4D-4728-8AA6-534BE7E9B67C}" type="datetime1">
               <a:rPr lang="en-US" smtClean="0"/>
-              <a:t>10/16/2018</a:t>
+              <a:t>10/17/2018</a:t>
             </a:fld>
             <a:endParaRPr lang="en-US" dirty="0"/>
           </a:p>
@@ -4991,7 +4993,7 @@
           <a:p>
             <a:fld id="{A6139942-0A2E-443A-842F-D6DE74360370}" type="datetime1">
               <a:rPr lang="en-US" smtClean="0"/>
-              <a:t>10/16/2018</a:t>
+              <a:t>10/17/2018</a:t>
             </a:fld>
             <a:endParaRPr lang="en-US" dirty="0"/>
           </a:p>
@@ -5290,7 +5292,7 @@
           <a:p>
             <a:fld id="{C50FD434-5945-4FAF-A8C0-DAE9905532CE}" type="datetimeFigureOut">
               <a:rPr lang="en-US" smtClean="0"/>
-              <a:t>10/16/2018</a:t>
+              <a:t>10/17/2018</a:t>
             </a:fld>
             <a:endParaRPr lang="en-US"/>
           </a:p>
@@ -5760,7 +5762,7 @@
           <a:p>
             <a:fld id="{3F138946-C5C1-4A11-BA69-F12F43F8A94B}" type="datetime1">
               <a:rPr lang="en-US" smtClean="0"/>
-              <a:t>10/16/2018</a:t>
+              <a:t>10/17/2018</a:t>
             </a:fld>
             <a:endParaRPr lang="en-US" dirty="0"/>
           </a:p>
@@ -12569,6 +12571,232 @@
     <p:extLst>
       <p:ext uri="{BB962C8B-B14F-4D97-AF65-F5344CB8AC3E}">
         <p14:creationId xmlns:p14="http://schemas.microsoft.com/office/powerpoint/2010/main" val="1448505036"/>
+      </p:ext>
+    </p:extLst>
+  </p:cSld>
+  <p:clrMapOvr>
+    <a:masterClrMapping/>
+  </p:clrMapOvr>
+  <mc:AlternateContent xmlns:mc="http://schemas.openxmlformats.org/markup-compatibility/2006" xmlns:p14="http://schemas.microsoft.com/office/powerpoint/2010/main">
+    <mc:Choice Requires="p14">
+      <p:transition spd="med" p14:dur="700">
+        <p:fade/>
+      </p:transition>
+    </mc:Choice>
+    <mc:Fallback xmlns="">
+      <p:transition spd="med">
+        <p:fade/>
+      </p:transition>
+    </mc:Fallback>
+  </mc:AlternateContent>
+</p:sld>
+</file>
+
+<file path=ppt/slides/slide27.xml><?xml version="1.0" encoding="utf-8"?>
+<p:sld xmlns:a="http://schemas.openxmlformats.org/drawingml/2006/main" xmlns:r="http://schemas.openxmlformats.org/officeDocument/2006/relationships" xmlns:p="http://schemas.openxmlformats.org/presentationml/2006/main">
+  <p:cSld>
+    <p:spTree>
+      <p:nvGrpSpPr>
+        <p:cNvPr id="1" name=""/>
+        <p:cNvGrpSpPr/>
+        <p:nvPr/>
+      </p:nvGrpSpPr>
+      <p:grpSpPr>
+        <a:xfrm>
+          <a:off x="0" y="0"/>
+          <a:ext cx="0" cy="0"/>
+          <a:chOff x="0" y="0"/>
+          <a:chExt cx="0" cy="0"/>
+        </a:xfrm>
+      </p:grpSpPr>
+      <p:sp>
+        <p:nvSpPr>
+          <p:cNvPr id="5" name="Title 4">
+            <a:extLst>
+              <a:ext uri="{FF2B5EF4-FFF2-40B4-BE49-F238E27FC236}">
+                <a16:creationId xmlns:a16="http://schemas.microsoft.com/office/drawing/2014/main" id="{4367301C-9E62-4A97-A776-7C2F6EAEAB9B}"/>
+              </a:ext>
+            </a:extLst>
+          </p:cNvPr>
+          <p:cNvSpPr>
+            <a:spLocks noGrp="1"/>
+          </p:cNvSpPr>
+          <p:nvPr>
+            <p:ph type="title"/>
+          </p:nvPr>
+        </p:nvSpPr>
+        <p:spPr/>
+        <p:txBody>
+          <a:bodyPr/>
+          <a:lstStyle/>
+          <a:p>
+            <a:r>
+              <a:rPr lang="en-US" dirty="0"/>
+              <a:t>LP 3</a:t>
+            </a:r>
+          </a:p>
+        </p:txBody>
+      </p:sp>
+      <p:sp>
+        <p:nvSpPr>
+          <p:cNvPr id="4" name="Footer Placeholder 3">
+            <a:extLst>
+              <a:ext uri="{FF2B5EF4-FFF2-40B4-BE49-F238E27FC236}">
+                <a16:creationId xmlns:a16="http://schemas.microsoft.com/office/drawing/2014/main" id="{79004010-F763-427D-8147-B73D87274D90}"/>
+              </a:ext>
+            </a:extLst>
+          </p:cNvPr>
+          <p:cNvSpPr>
+            <a:spLocks noGrp="1"/>
+          </p:cNvSpPr>
+          <p:nvPr>
+            <p:ph type="ftr" sz="quarter" idx="11"/>
+          </p:nvPr>
+        </p:nvSpPr>
+        <p:spPr/>
+        <p:txBody>
+          <a:bodyPr/>
+          <a:lstStyle/>
+          <a:p>
+            <a:r>
+              <a:rPr lang="en-US"/>
+              <a:t>Add a footer</a:t>
+            </a:r>
+            <a:endParaRPr lang="en-US" dirty="0"/>
+          </a:p>
+        </p:txBody>
+      </p:sp>
+    </p:spTree>
+    <p:extLst>
+      <p:ext uri="{BB962C8B-B14F-4D97-AF65-F5344CB8AC3E}">
+        <p14:creationId xmlns:p14="http://schemas.microsoft.com/office/powerpoint/2010/main" val="3679690774"/>
+      </p:ext>
+    </p:extLst>
+  </p:cSld>
+  <p:clrMapOvr>
+    <a:masterClrMapping/>
+  </p:clrMapOvr>
+  <mc:AlternateContent xmlns:mc="http://schemas.openxmlformats.org/markup-compatibility/2006" xmlns:p14="http://schemas.microsoft.com/office/powerpoint/2010/main">
+    <mc:Choice Requires="p14">
+      <p:transition spd="med" p14:dur="700">
+        <p:fade/>
+      </p:transition>
+    </mc:Choice>
+    <mc:Fallback xmlns="">
+      <p:transition spd="med">
+        <p:fade/>
+      </p:transition>
+    </mc:Fallback>
+  </mc:AlternateContent>
+</p:sld>
+</file>
+
+<file path=ppt/slides/slide28.xml><?xml version="1.0" encoding="utf-8"?>
+<p:sld xmlns:a="http://schemas.openxmlformats.org/drawingml/2006/main" xmlns:r="http://schemas.openxmlformats.org/officeDocument/2006/relationships" xmlns:p="http://schemas.openxmlformats.org/presentationml/2006/main">
+  <p:cSld>
+    <p:spTree>
+      <p:nvGrpSpPr>
+        <p:cNvPr id="1" name=""/>
+        <p:cNvGrpSpPr/>
+        <p:nvPr/>
+      </p:nvGrpSpPr>
+      <p:grpSpPr>
+        <a:xfrm>
+          <a:off x="0" y="0"/>
+          <a:ext cx="0" cy="0"/>
+          <a:chOff x="0" y="0"/>
+          <a:chExt cx="0" cy="0"/>
+        </a:xfrm>
+      </p:grpSpPr>
+      <p:sp>
+        <p:nvSpPr>
+          <p:cNvPr id="4" name="Title 3">
+            <a:extLst>
+              <a:ext uri="{FF2B5EF4-FFF2-40B4-BE49-F238E27FC236}">
+                <a16:creationId xmlns:a16="http://schemas.microsoft.com/office/drawing/2014/main" id="{07506127-40F4-46B4-AA13-9926B2BD096B}"/>
+              </a:ext>
+            </a:extLst>
+          </p:cNvPr>
+          <p:cNvSpPr>
+            <a:spLocks noGrp="1"/>
+          </p:cNvSpPr>
+          <p:nvPr>
+            <p:ph type="ctrTitle"/>
+          </p:nvPr>
+        </p:nvSpPr>
+        <p:spPr/>
+        <p:txBody>
+          <a:bodyPr/>
+          <a:lstStyle/>
+          <a:p>
+            <a:r>
+              <a:rPr lang="en-US" dirty="0"/>
+              <a:t>Alphabet of Lines</a:t>
+            </a:r>
+          </a:p>
+        </p:txBody>
+      </p:sp>
+      <p:sp>
+        <p:nvSpPr>
+          <p:cNvPr id="5" name="Subtitle 4">
+            <a:extLst>
+              <a:ext uri="{FF2B5EF4-FFF2-40B4-BE49-F238E27FC236}">
+                <a16:creationId xmlns:a16="http://schemas.microsoft.com/office/drawing/2014/main" id="{BBBCF47C-CE96-46DF-9B20-6EF8EEE99D3F}"/>
+              </a:ext>
+            </a:extLst>
+          </p:cNvPr>
+          <p:cNvSpPr>
+            <a:spLocks noGrp="1"/>
+          </p:cNvSpPr>
+          <p:nvPr>
+            <p:ph type="subTitle" idx="1"/>
+          </p:nvPr>
+        </p:nvSpPr>
+        <p:spPr/>
+        <p:txBody>
+          <a:bodyPr/>
+          <a:lstStyle/>
+          <a:p>
+            <a:r>
+              <a:rPr lang="en-US" dirty="0"/>
+              <a:t>Drawing #8</a:t>
+            </a:r>
+          </a:p>
+        </p:txBody>
+      </p:sp>
+      <p:sp>
+        <p:nvSpPr>
+          <p:cNvPr id="3" name="Footer Placeholder 2">
+            <a:extLst>
+              <a:ext uri="{FF2B5EF4-FFF2-40B4-BE49-F238E27FC236}">
+                <a16:creationId xmlns:a16="http://schemas.microsoft.com/office/drawing/2014/main" id="{1C8B0826-5E65-4731-9543-60C266E8708C}"/>
+              </a:ext>
+            </a:extLst>
+          </p:cNvPr>
+          <p:cNvSpPr>
+            <a:spLocks noGrp="1"/>
+          </p:cNvSpPr>
+          <p:nvPr>
+            <p:ph type="ftr" sz="quarter" idx="11"/>
+          </p:nvPr>
+        </p:nvSpPr>
+        <p:spPr/>
+        <p:txBody>
+          <a:bodyPr/>
+          <a:lstStyle/>
+          <a:p>
+            <a:r>
+              <a:rPr lang="en-US"/>
+              <a:t>Add a footer</a:t>
+            </a:r>
+            <a:endParaRPr lang="en-US" dirty="0"/>
+          </a:p>
+        </p:txBody>
+      </p:sp>
+    </p:spTree>
+    <p:extLst>
+      <p:ext uri="{BB962C8B-B14F-4D97-AF65-F5344CB8AC3E}">
+        <p14:creationId xmlns:p14="http://schemas.microsoft.com/office/powerpoint/2010/main" val="1416710693"/>
       </p:ext>
     </p:extLst>
   </p:cSld>

--- a/High School/Design and Drawing for Production/Unit 4 - The Alphabet of Lines/Section 1 - Introduction to Alphabet of Lines/Assets/Unit 4 - Section 1 - Introduction to Alphabet of Line.pptx
+++ b/High School/Design and Drawing for Production/Unit 4 - The Alphabet of Lines/Section 1 - Introduction to Alphabet of Lines/Assets/Unit 4 - Section 1 - Introduction to Alphabet of Line.pptx
@@ -5,10 +5,10 @@
     <p:sldMasterId id="2147483735" r:id="rId1"/>
   </p:sldMasterIdLst>
   <p:notesMasterIdLst>
-    <p:notesMasterId r:id="rId30"/>
+    <p:notesMasterId r:id="rId33"/>
   </p:notesMasterIdLst>
   <p:handoutMasterIdLst>
-    <p:handoutMasterId r:id="rId31"/>
+    <p:handoutMasterId r:id="rId34"/>
   </p:handoutMasterIdLst>
   <p:sldIdLst>
     <p:sldId id="268" r:id="rId2"/>
@@ -39,6 +39,9 @@
     <p:sldId id="294" r:id="rId27"/>
     <p:sldId id="296" r:id="rId28"/>
     <p:sldId id="297" r:id="rId29"/>
+    <p:sldId id="298" r:id="rId30"/>
+    <p:sldId id="299" r:id="rId31"/>
+    <p:sldId id="300" r:id="rId32"/>
   </p:sldIdLst>
   <p:sldSz cx="12192000" cy="6858000"/>
   <p:notesSz cx="6858000" cy="9144000"/>
@@ -241,7 +244,7 @@
           <a:p>
             <a:fld id="{6AC4FB8F-ED15-48AB-97BD-17129D4E699D}" type="datetimeFigureOut">
               <a:rPr lang="en-US" smtClean="0"/>
-              <a:t>10/17/2018</a:t>
+              <a:t>10/18/2018</a:t>
             </a:fld>
             <a:endParaRPr lang="en-US" dirty="0"/>
           </a:p>
@@ -406,7 +409,7 @@
           <a:p>
             <a:fld id="{BBC9D437-CD83-4825-AD0D-5E7B341BC79B}" type="datetimeFigureOut">
               <a:rPr lang="en-US" smtClean="0"/>
-              <a:t>10/17/2018</a:t>
+              <a:t>10/18/2018</a:t>
             </a:fld>
             <a:endParaRPr lang="en-US" dirty="0"/>
           </a:p>
@@ -864,7 +867,7 @@
           <a:p>
             <a:fld id="{85AB7CBB-843F-464A-A764-71D6ADC27CFA}" type="datetime1">
               <a:rPr lang="en-US" smtClean="0"/>
-              <a:t>10/17/2018</a:t>
+              <a:t>10/18/2018</a:t>
             </a:fld>
             <a:endParaRPr lang="en-US" dirty="0"/>
           </a:p>
@@ -1317,7 +1320,7 @@
           <a:p>
             <a:fld id="{3F138946-C5C1-4A11-BA69-F12F43F8A94B}" type="datetime1">
               <a:rPr lang="en-US" smtClean="0"/>
-              <a:t>10/17/2018</a:t>
+              <a:t>10/18/2018</a:t>
             </a:fld>
             <a:endParaRPr lang="en-US" dirty="0"/>
           </a:p>
@@ -1573,7 +1576,7 @@
           <a:p>
             <a:fld id="{3F138946-C5C1-4A11-BA69-F12F43F8A94B}" type="datetime1">
               <a:rPr lang="en-US" smtClean="0"/>
-              <a:t>10/17/2018</a:t>
+              <a:t>10/18/2018</a:t>
             </a:fld>
             <a:endParaRPr lang="en-US" dirty="0"/>
           </a:p>
@@ -1887,7 +1890,7 @@
           <a:p>
             <a:fld id="{3F138946-C5C1-4A11-BA69-F12F43F8A94B}" type="datetime1">
               <a:rPr lang="en-US" smtClean="0"/>
-              <a:t>10/17/2018</a:t>
+              <a:t>10/18/2018</a:t>
             </a:fld>
             <a:endParaRPr lang="en-US" dirty="0"/>
           </a:p>
@@ -2211,7 +2214,7 @@
           <a:p>
             <a:fld id="{3F138946-C5C1-4A11-BA69-F12F43F8A94B}" type="datetime1">
               <a:rPr lang="en-US" smtClean="0"/>
-              <a:t>10/17/2018</a:t>
+              <a:t>10/18/2018</a:t>
             </a:fld>
             <a:endParaRPr lang="en-US" dirty="0"/>
           </a:p>
@@ -2519,7 +2522,7 @@
           <a:p>
             <a:fld id="{3F138946-C5C1-4A11-BA69-F12F43F8A94B}" type="datetime1">
               <a:rPr lang="en-US" smtClean="0"/>
-              <a:t>10/17/2018</a:t>
+              <a:t>10/18/2018</a:t>
             </a:fld>
             <a:endParaRPr lang="en-US" dirty="0"/>
           </a:p>
@@ -2892,7 +2895,7 @@
           <a:p>
             <a:fld id="{3F138946-C5C1-4A11-BA69-F12F43F8A94B}" type="datetime1">
               <a:rPr lang="en-US" smtClean="0"/>
-              <a:t>10/17/2018</a:t>
+              <a:t>10/18/2018</a:t>
             </a:fld>
             <a:endParaRPr lang="en-US" dirty="0"/>
           </a:p>
@@ -3072,7 +3075,7 @@
           <a:p>
             <a:fld id="{CBEFC03D-3A1F-4813-9337-02411FCC3A9A}" type="datetime1">
               <a:rPr lang="en-US" smtClean="0"/>
-              <a:t>10/17/2018</a:t>
+              <a:t>10/18/2018</a:t>
             </a:fld>
             <a:endParaRPr lang="en-US" dirty="0"/>
           </a:p>
@@ -3268,7 +3271,7 @@
           <a:p>
             <a:fld id="{3D638F79-DFA0-4C26-9553-23A017B69AB6}" type="datetime1">
               <a:rPr lang="en-US" smtClean="0"/>
-              <a:t>10/17/2018</a:t>
+              <a:t>10/18/2018</a:t>
             </a:fld>
             <a:endParaRPr lang="en-US" dirty="0"/>
           </a:p>
@@ -3379,7 +3382,7 @@
           <a:p>
             <a:fld id="{AA615CA6-EC4D-4728-8AA6-534BE7E9B67C}" type="datetime1">
               <a:rPr lang="en-US" smtClean="0"/>
-              <a:t>10/17/2018</a:t>
+              <a:t>10/18/2018</a:t>
             </a:fld>
             <a:endParaRPr lang="en-US" dirty="0"/>
           </a:p>
@@ -3564,7 +3567,7 @@
           <a:p>
             <a:fld id="{A70B34E7-E1D9-4FBF-A1A0-4009669A00BF}" type="datetime1">
               <a:rPr lang="en-US" smtClean="0"/>
-              <a:t>10/17/2018</a:t>
+              <a:t>10/18/2018</a:t>
             </a:fld>
             <a:endParaRPr lang="en-US" dirty="0"/>
           </a:p>
@@ -3831,7 +3834,7 @@
           <a:p>
             <a:fld id="{C50FD434-5945-4FAF-A8C0-DAE9905532CE}" type="datetimeFigureOut">
               <a:rPr lang="en-US" smtClean="0"/>
-              <a:t>10/17/2018</a:t>
+              <a:t>10/18/2018</a:t>
             </a:fld>
             <a:endParaRPr lang="en-US"/>
           </a:p>
@@ -4079,7 +4082,7 @@
           <a:p>
             <a:fld id="{7579E8B6-2F47-420B-83EA-EB2285D13EC9}" type="datetime1">
               <a:rPr lang="en-US" smtClean="0"/>
-              <a:t>10/17/2018</a:t>
+              <a:t>10/18/2018</a:t>
             </a:fld>
             <a:endParaRPr lang="en-US" dirty="0"/>
           </a:p>
@@ -4477,7 +4480,7 @@
           <a:p>
             <a:fld id="{2304803D-B10E-4B90-8456-A0E05393E233}" type="datetime1">
               <a:rPr lang="en-US" smtClean="0"/>
-              <a:t>10/17/2018</a:t>
+              <a:t>10/18/2018</a:t>
             </a:fld>
             <a:endParaRPr lang="en-US" dirty="0"/>
           </a:p>
@@ -4611,7 +4614,7 @@
           <a:p>
             <a:fld id="{CCE1E62F-6CCE-4064-96C2-2084AF883904}" type="datetime1">
               <a:rPr lang="en-US" smtClean="0"/>
-              <a:t>10/17/2018</a:t>
+              <a:t>10/18/2018</a:t>
             </a:fld>
             <a:endParaRPr lang="en-US" dirty="0"/>
           </a:p>
@@ -4722,7 +4725,7 @@
           <a:p>
             <a:fld id="{AA615CA6-EC4D-4728-8AA6-534BE7E9B67C}" type="datetime1">
               <a:rPr lang="en-US" smtClean="0"/>
-              <a:t>10/17/2018</a:t>
+              <a:t>10/18/2018</a:t>
             </a:fld>
             <a:endParaRPr lang="en-US" dirty="0"/>
           </a:p>
@@ -4993,7 +4996,7 @@
           <a:p>
             <a:fld id="{A6139942-0A2E-443A-842F-D6DE74360370}" type="datetime1">
               <a:rPr lang="en-US" smtClean="0"/>
-              <a:t>10/17/2018</a:t>
+              <a:t>10/18/2018</a:t>
             </a:fld>
             <a:endParaRPr lang="en-US" dirty="0"/>
           </a:p>
@@ -5292,7 +5295,7 @@
           <a:p>
             <a:fld id="{C50FD434-5945-4FAF-A8C0-DAE9905532CE}" type="datetimeFigureOut">
               <a:rPr lang="en-US" smtClean="0"/>
-              <a:t>10/17/2018</a:t>
+              <a:t>10/18/2018</a:t>
             </a:fld>
             <a:endParaRPr lang="en-US"/>
           </a:p>
@@ -5762,7 +5765,7 @@
           <a:p>
             <a:fld id="{3F138946-C5C1-4A11-BA69-F12F43F8A94B}" type="datetime1">
               <a:rPr lang="en-US" smtClean="0"/>
-              <a:t>10/17/2018</a:t>
+              <a:t>10/18/2018</a:t>
             </a:fld>
             <a:endParaRPr lang="en-US" dirty="0"/>
           </a:p>
@@ -12818,6 +12821,105 @@
 </p:sld>
 </file>
 
+<file path=ppt/slides/slide29.xml><?xml version="1.0" encoding="utf-8"?>
+<p:sld xmlns:a="http://schemas.openxmlformats.org/drawingml/2006/main" xmlns:r="http://schemas.openxmlformats.org/officeDocument/2006/relationships" xmlns:p="http://schemas.openxmlformats.org/presentationml/2006/main">
+  <p:cSld>
+    <p:spTree>
+      <p:nvGrpSpPr>
+        <p:cNvPr id="1" name=""/>
+        <p:cNvGrpSpPr/>
+        <p:nvPr/>
+      </p:nvGrpSpPr>
+      <p:grpSpPr>
+        <a:xfrm>
+          <a:off x="0" y="0"/>
+          <a:ext cx="0" cy="0"/>
+          <a:chOff x="0" y="0"/>
+          <a:chExt cx="0" cy="0"/>
+        </a:xfrm>
+      </p:grpSpPr>
+      <p:sp>
+        <p:nvSpPr>
+          <p:cNvPr id="5" name="Title 4">
+            <a:extLst>
+              <a:ext uri="{FF2B5EF4-FFF2-40B4-BE49-F238E27FC236}">
+                <a16:creationId xmlns:a16="http://schemas.microsoft.com/office/drawing/2014/main" id="{4367301C-9E62-4A97-A776-7C2F6EAEAB9B}"/>
+              </a:ext>
+            </a:extLst>
+          </p:cNvPr>
+          <p:cNvSpPr>
+            <a:spLocks noGrp="1"/>
+          </p:cNvSpPr>
+          <p:nvPr>
+            <p:ph type="title"/>
+          </p:nvPr>
+        </p:nvSpPr>
+        <p:spPr/>
+        <p:txBody>
+          <a:bodyPr/>
+          <a:lstStyle/>
+          <a:p>
+            <a:r>
+              <a:rPr lang="en-US" dirty="0"/>
+              <a:t>LP 4</a:t>
+            </a:r>
+          </a:p>
+        </p:txBody>
+      </p:sp>
+      <p:sp>
+        <p:nvSpPr>
+          <p:cNvPr id="4" name="Footer Placeholder 3">
+            <a:extLst>
+              <a:ext uri="{FF2B5EF4-FFF2-40B4-BE49-F238E27FC236}">
+                <a16:creationId xmlns:a16="http://schemas.microsoft.com/office/drawing/2014/main" id="{79004010-F763-427D-8147-B73D87274D90}"/>
+              </a:ext>
+            </a:extLst>
+          </p:cNvPr>
+          <p:cNvSpPr>
+            <a:spLocks noGrp="1"/>
+          </p:cNvSpPr>
+          <p:nvPr>
+            <p:ph type="ftr" sz="quarter" idx="11"/>
+          </p:nvPr>
+        </p:nvSpPr>
+        <p:spPr/>
+        <p:txBody>
+          <a:bodyPr/>
+          <a:lstStyle/>
+          <a:p>
+            <a:r>
+              <a:rPr lang="en-US"/>
+              <a:t>Add a footer</a:t>
+            </a:r>
+            <a:endParaRPr lang="en-US" dirty="0"/>
+          </a:p>
+        </p:txBody>
+      </p:sp>
+    </p:spTree>
+    <p:extLst>
+      <p:ext uri="{BB962C8B-B14F-4D97-AF65-F5344CB8AC3E}">
+        <p14:creationId xmlns:p14="http://schemas.microsoft.com/office/powerpoint/2010/main" val="1091710875"/>
+      </p:ext>
+    </p:extLst>
+  </p:cSld>
+  <p:clrMapOvr>
+    <a:masterClrMapping/>
+  </p:clrMapOvr>
+  <mc:AlternateContent xmlns:mc="http://schemas.openxmlformats.org/markup-compatibility/2006" xmlns:p14="http://schemas.microsoft.com/office/powerpoint/2010/main">
+    <mc:Choice Requires="p14">
+      <p:transition spd="med" p14:dur="700">
+        <p:fade/>
+      </p:transition>
+    </mc:Choice>
+    <mc:Fallback xmlns="">
+      <p:transition spd="med">
+        <p:fade/>
+      </p:transition>
+    </mc:Fallback>
+  </mc:AlternateContent>
+</p:sld>
+</file>
+
 <file path=ppt/slides/slide3.xml><?xml version="1.0" encoding="utf-8"?>
 <p:sld xmlns:a="http://schemas.openxmlformats.org/drawingml/2006/main" xmlns:r="http://schemas.openxmlformats.org/officeDocument/2006/relationships" xmlns:p="http://schemas.openxmlformats.org/presentationml/2006/main">
   <p:cSld>
@@ -12949,6 +13051,296 @@
     <p:extLst>
       <p:ext uri="{BB962C8B-B14F-4D97-AF65-F5344CB8AC3E}">
         <p14:creationId xmlns:p14="http://schemas.microsoft.com/office/powerpoint/2010/main" val="2763204688"/>
+      </p:ext>
+    </p:extLst>
+  </p:cSld>
+  <p:clrMapOvr>
+    <a:masterClrMapping/>
+  </p:clrMapOvr>
+  <mc:AlternateContent xmlns:mc="http://schemas.openxmlformats.org/markup-compatibility/2006" xmlns:p14="http://schemas.microsoft.com/office/powerpoint/2010/main">
+    <mc:Choice Requires="p14">
+      <p:transition spd="med" p14:dur="700">
+        <p:fade/>
+      </p:transition>
+    </mc:Choice>
+    <mc:Fallback xmlns="">
+      <p:transition spd="med">
+        <p:fade/>
+      </p:transition>
+    </mc:Fallback>
+  </mc:AlternateContent>
+</p:sld>
+</file>
+
+<file path=ppt/slides/slide30.xml><?xml version="1.0" encoding="utf-8"?>
+<p:sld xmlns:a="http://schemas.openxmlformats.org/drawingml/2006/main" xmlns:r="http://schemas.openxmlformats.org/officeDocument/2006/relationships" xmlns:p="http://schemas.openxmlformats.org/presentationml/2006/main">
+  <p:cSld>
+    <p:spTree>
+      <p:nvGrpSpPr>
+        <p:cNvPr id="1" name=""/>
+        <p:cNvGrpSpPr/>
+        <p:nvPr/>
+      </p:nvGrpSpPr>
+      <p:grpSpPr>
+        <a:xfrm>
+          <a:off x="0" y="0"/>
+          <a:ext cx="0" cy="0"/>
+          <a:chOff x="0" y="0"/>
+          <a:chExt cx="0" cy="0"/>
+        </a:xfrm>
+      </p:grpSpPr>
+      <p:sp>
+        <p:nvSpPr>
+          <p:cNvPr id="4" name="Title 3">
+            <a:extLst>
+              <a:ext uri="{FF2B5EF4-FFF2-40B4-BE49-F238E27FC236}">
+                <a16:creationId xmlns:a16="http://schemas.microsoft.com/office/drawing/2014/main" id="{C261C424-AA7E-4C83-A265-373D787780AF}"/>
+              </a:ext>
+            </a:extLst>
+          </p:cNvPr>
+          <p:cNvSpPr>
+            <a:spLocks noGrp="1"/>
+          </p:cNvSpPr>
+          <p:nvPr>
+            <p:ph type="title"/>
+          </p:nvPr>
+        </p:nvSpPr>
+        <p:spPr/>
+        <p:txBody>
+          <a:bodyPr/>
+          <a:lstStyle/>
+          <a:p>
+            <a:r>
+              <a:rPr lang="en-US" dirty="0"/>
+              <a:t>Drafting neatness</a:t>
+            </a:r>
+          </a:p>
+        </p:txBody>
+      </p:sp>
+      <p:sp>
+        <p:nvSpPr>
+          <p:cNvPr id="5" name="Content Placeholder 4">
+            <a:extLst>
+              <a:ext uri="{FF2B5EF4-FFF2-40B4-BE49-F238E27FC236}">
+                <a16:creationId xmlns:a16="http://schemas.microsoft.com/office/drawing/2014/main" id="{5FB15BB9-DF65-4384-92F0-41EA410C768D}"/>
+              </a:ext>
+            </a:extLst>
+          </p:cNvPr>
+          <p:cNvSpPr>
+            <a:spLocks noGrp="1"/>
+          </p:cNvSpPr>
+          <p:nvPr>
+            <p:ph idx="1"/>
+          </p:nvPr>
+        </p:nvSpPr>
+        <p:spPr/>
+        <p:txBody>
+          <a:bodyPr/>
+          <a:lstStyle/>
+          <a:p>
+            <a:r>
+              <a:rPr lang="en-US" dirty="0"/>
+              <a:t>Use your erasing shield as often as possible</a:t>
+            </a:r>
+          </a:p>
+          <a:p>
+            <a:r>
+              <a:rPr lang="en-US" dirty="0"/>
+              <a:t>Try and wash hands before starting to draw</a:t>
+            </a:r>
+          </a:p>
+          <a:p>
+            <a:r>
+              <a:rPr lang="en-US" dirty="0"/>
+              <a:t>Always wipe dust and dirt from your instruments</a:t>
+            </a:r>
+          </a:p>
+          <a:p>
+            <a:r>
+              <a:rPr lang="en-US" dirty="0"/>
+              <a:t>Lay out all views with construction lines then ‘heavy-in’</a:t>
+            </a:r>
+          </a:p>
+          <a:p>
+            <a:r>
+              <a:rPr lang="en-US" dirty="0"/>
+              <a:t>Remove dust or eraser pieces as soon as possible</a:t>
+            </a:r>
+          </a:p>
+          <a:p>
+            <a:r>
+              <a:rPr lang="en-US" dirty="0"/>
+              <a:t>Don’t slide instruments, try and lift and put down</a:t>
+            </a:r>
+          </a:p>
+          <a:p>
+            <a:r>
+              <a:rPr lang="en-US" sz="2800" b="1" dirty="0"/>
+              <a:t>Keep an organized orderly drafting area</a:t>
+            </a:r>
+          </a:p>
+        </p:txBody>
+      </p:sp>
+      <p:sp>
+        <p:nvSpPr>
+          <p:cNvPr id="3" name="Footer Placeholder 2">
+            <a:extLst>
+              <a:ext uri="{FF2B5EF4-FFF2-40B4-BE49-F238E27FC236}">
+                <a16:creationId xmlns:a16="http://schemas.microsoft.com/office/drawing/2014/main" id="{D03FB568-79CA-4314-A86F-F38E112F7BC8}"/>
+              </a:ext>
+            </a:extLst>
+          </p:cNvPr>
+          <p:cNvSpPr>
+            <a:spLocks noGrp="1"/>
+          </p:cNvSpPr>
+          <p:nvPr>
+            <p:ph type="ftr" sz="quarter" idx="11"/>
+          </p:nvPr>
+        </p:nvSpPr>
+        <p:spPr/>
+        <p:txBody>
+          <a:bodyPr/>
+          <a:lstStyle/>
+          <a:p>
+            <a:r>
+              <a:rPr lang="en-US"/>
+              <a:t>Add a footer</a:t>
+            </a:r>
+            <a:endParaRPr lang="en-US" dirty="0"/>
+          </a:p>
+        </p:txBody>
+      </p:sp>
+    </p:spTree>
+    <p:extLst>
+      <p:ext uri="{BB962C8B-B14F-4D97-AF65-F5344CB8AC3E}">
+        <p14:creationId xmlns:p14="http://schemas.microsoft.com/office/powerpoint/2010/main" val="185260185"/>
+      </p:ext>
+    </p:extLst>
+  </p:cSld>
+  <p:clrMapOvr>
+    <a:masterClrMapping/>
+  </p:clrMapOvr>
+  <mc:AlternateContent xmlns:mc="http://schemas.openxmlformats.org/markup-compatibility/2006" xmlns:p14="http://schemas.microsoft.com/office/powerpoint/2010/main">
+    <mc:Choice Requires="p14">
+      <p:transition spd="med" p14:dur="700">
+        <p:fade/>
+      </p:transition>
+    </mc:Choice>
+    <mc:Fallback xmlns="">
+      <p:transition spd="med">
+        <p:fade/>
+      </p:transition>
+    </mc:Fallback>
+  </mc:AlternateContent>
+</p:sld>
+</file>
+
+<file path=ppt/slides/slide31.xml><?xml version="1.0" encoding="utf-8"?>
+<p:sld xmlns:a="http://schemas.openxmlformats.org/drawingml/2006/main" xmlns:r="http://schemas.openxmlformats.org/officeDocument/2006/relationships" xmlns:p="http://schemas.openxmlformats.org/presentationml/2006/main">
+  <p:cSld>
+    <p:spTree>
+      <p:nvGrpSpPr>
+        <p:cNvPr id="1" name=""/>
+        <p:cNvGrpSpPr/>
+        <p:nvPr/>
+      </p:nvGrpSpPr>
+      <p:grpSpPr>
+        <a:xfrm>
+          <a:off x="0" y="0"/>
+          <a:ext cx="0" cy="0"/>
+          <a:chOff x="0" y="0"/>
+          <a:chExt cx="0" cy="0"/>
+        </a:xfrm>
+      </p:grpSpPr>
+      <p:sp>
+        <p:nvSpPr>
+          <p:cNvPr id="4" name="Title 3">
+            <a:extLst>
+              <a:ext uri="{FF2B5EF4-FFF2-40B4-BE49-F238E27FC236}">
+                <a16:creationId xmlns:a16="http://schemas.microsoft.com/office/drawing/2014/main" id="{07506127-40F4-46B4-AA13-9926B2BD096B}"/>
+              </a:ext>
+            </a:extLst>
+          </p:cNvPr>
+          <p:cNvSpPr>
+            <a:spLocks noGrp="1"/>
+          </p:cNvSpPr>
+          <p:nvPr>
+            <p:ph type="ctrTitle"/>
+          </p:nvPr>
+        </p:nvSpPr>
+        <p:spPr/>
+        <p:txBody>
+          <a:bodyPr/>
+          <a:lstStyle/>
+          <a:p>
+            <a:r>
+              <a:rPr lang="en-US" dirty="0"/>
+              <a:t>Alphabet of Lines</a:t>
+            </a:r>
+          </a:p>
+        </p:txBody>
+      </p:sp>
+      <p:sp>
+        <p:nvSpPr>
+          <p:cNvPr id="5" name="Subtitle 4">
+            <a:extLst>
+              <a:ext uri="{FF2B5EF4-FFF2-40B4-BE49-F238E27FC236}">
+                <a16:creationId xmlns:a16="http://schemas.microsoft.com/office/drawing/2014/main" id="{BBBCF47C-CE96-46DF-9B20-6EF8EEE99D3F}"/>
+              </a:ext>
+            </a:extLst>
+          </p:cNvPr>
+          <p:cNvSpPr>
+            <a:spLocks noGrp="1"/>
+          </p:cNvSpPr>
+          <p:nvPr>
+            <p:ph type="subTitle" idx="1"/>
+          </p:nvPr>
+        </p:nvSpPr>
+        <p:spPr/>
+        <p:txBody>
+          <a:bodyPr/>
+          <a:lstStyle/>
+          <a:p>
+            <a:r>
+              <a:rPr lang="en-US" dirty="0"/>
+              <a:t>Drawing #8</a:t>
+            </a:r>
+          </a:p>
+        </p:txBody>
+      </p:sp>
+      <p:sp>
+        <p:nvSpPr>
+          <p:cNvPr id="3" name="Footer Placeholder 2">
+            <a:extLst>
+              <a:ext uri="{FF2B5EF4-FFF2-40B4-BE49-F238E27FC236}">
+                <a16:creationId xmlns:a16="http://schemas.microsoft.com/office/drawing/2014/main" id="{1C8B0826-5E65-4731-9543-60C266E8708C}"/>
+              </a:ext>
+            </a:extLst>
+          </p:cNvPr>
+          <p:cNvSpPr>
+            <a:spLocks noGrp="1"/>
+          </p:cNvSpPr>
+          <p:nvPr>
+            <p:ph type="ftr" sz="quarter" idx="11"/>
+          </p:nvPr>
+        </p:nvSpPr>
+        <p:spPr/>
+        <p:txBody>
+          <a:bodyPr/>
+          <a:lstStyle/>
+          <a:p>
+            <a:r>
+              <a:rPr lang="en-US"/>
+              <a:t>Add a footer</a:t>
+            </a:r>
+            <a:endParaRPr lang="en-US" dirty="0"/>
+          </a:p>
+        </p:txBody>
+      </p:sp>
+    </p:spTree>
+    <p:extLst>
+      <p:ext uri="{BB962C8B-B14F-4D97-AF65-F5344CB8AC3E}">
+        <p14:creationId xmlns:p14="http://schemas.microsoft.com/office/powerpoint/2010/main" val="1204286146"/>
       </p:ext>
     </p:extLst>
   </p:cSld>

--- a/High School/Design and Drawing for Production/Unit 4 - The Alphabet of Lines/Section 1 - Introduction to Alphabet of Lines/Assets/Unit 4 - Section 1 - Introduction to Alphabet of Line.pptx
+++ b/High School/Design and Drawing for Production/Unit 4 - The Alphabet of Lines/Section 1 - Introduction to Alphabet of Lines/Assets/Unit 4 - Section 1 - Introduction to Alphabet of Line.pptx
@@ -5,10 +5,10 @@
     <p:sldMasterId id="2147483735" r:id="rId1"/>
   </p:sldMasterIdLst>
   <p:notesMasterIdLst>
-    <p:notesMasterId r:id="rId33"/>
+    <p:notesMasterId r:id="rId35"/>
   </p:notesMasterIdLst>
   <p:handoutMasterIdLst>
-    <p:handoutMasterId r:id="rId34"/>
+    <p:handoutMasterId r:id="rId36"/>
   </p:handoutMasterIdLst>
   <p:sldIdLst>
     <p:sldId id="268" r:id="rId2"/>
@@ -40,8 +40,10 @@
     <p:sldId id="296" r:id="rId28"/>
     <p:sldId id="297" r:id="rId29"/>
     <p:sldId id="298" r:id="rId30"/>
-    <p:sldId id="299" r:id="rId31"/>
-    <p:sldId id="300" r:id="rId32"/>
+    <p:sldId id="301" r:id="rId31"/>
+    <p:sldId id="302" r:id="rId32"/>
+    <p:sldId id="299" r:id="rId33"/>
+    <p:sldId id="300" r:id="rId34"/>
   </p:sldIdLst>
   <p:sldSz cx="12192000" cy="6858000"/>
   <p:notesSz cx="6858000" cy="9144000"/>
@@ -244,7 +246,7 @@
           <a:p>
             <a:fld id="{6AC4FB8F-ED15-48AB-97BD-17129D4E699D}" type="datetimeFigureOut">
               <a:rPr lang="en-US" smtClean="0"/>
-              <a:t>10/18/2018</a:t>
+              <a:t>10/19/2018</a:t>
             </a:fld>
             <a:endParaRPr lang="en-US" dirty="0"/>
           </a:p>
@@ -409,7 +411,7 @@
           <a:p>
             <a:fld id="{BBC9D437-CD83-4825-AD0D-5E7B341BC79B}" type="datetimeFigureOut">
               <a:rPr lang="en-US" smtClean="0"/>
-              <a:t>10/18/2018</a:t>
+              <a:t>10/19/2018</a:t>
             </a:fld>
             <a:endParaRPr lang="en-US" dirty="0"/>
           </a:p>
@@ -867,7 +869,7 @@
           <a:p>
             <a:fld id="{85AB7CBB-843F-464A-A764-71D6ADC27CFA}" type="datetime1">
               <a:rPr lang="en-US" smtClean="0"/>
-              <a:t>10/18/2018</a:t>
+              <a:t>10/19/2018</a:t>
             </a:fld>
             <a:endParaRPr lang="en-US" dirty="0"/>
           </a:p>
@@ -1320,7 +1322,7 @@
           <a:p>
             <a:fld id="{3F138946-C5C1-4A11-BA69-F12F43F8A94B}" type="datetime1">
               <a:rPr lang="en-US" smtClean="0"/>
-              <a:t>10/18/2018</a:t>
+              <a:t>10/19/2018</a:t>
             </a:fld>
             <a:endParaRPr lang="en-US" dirty="0"/>
           </a:p>
@@ -1576,7 +1578,7 @@
           <a:p>
             <a:fld id="{3F138946-C5C1-4A11-BA69-F12F43F8A94B}" type="datetime1">
               <a:rPr lang="en-US" smtClean="0"/>
-              <a:t>10/18/2018</a:t>
+              <a:t>10/19/2018</a:t>
             </a:fld>
             <a:endParaRPr lang="en-US" dirty="0"/>
           </a:p>
@@ -1890,7 +1892,7 @@
           <a:p>
             <a:fld id="{3F138946-C5C1-4A11-BA69-F12F43F8A94B}" type="datetime1">
               <a:rPr lang="en-US" smtClean="0"/>
-              <a:t>10/18/2018</a:t>
+              <a:t>10/19/2018</a:t>
             </a:fld>
             <a:endParaRPr lang="en-US" dirty="0"/>
           </a:p>
@@ -2214,7 +2216,7 @@
           <a:p>
             <a:fld id="{3F138946-C5C1-4A11-BA69-F12F43F8A94B}" type="datetime1">
               <a:rPr lang="en-US" smtClean="0"/>
-              <a:t>10/18/2018</a:t>
+              <a:t>10/19/2018</a:t>
             </a:fld>
             <a:endParaRPr lang="en-US" dirty="0"/>
           </a:p>
@@ -2522,7 +2524,7 @@
           <a:p>
             <a:fld id="{3F138946-C5C1-4A11-BA69-F12F43F8A94B}" type="datetime1">
               <a:rPr lang="en-US" smtClean="0"/>
-              <a:t>10/18/2018</a:t>
+              <a:t>10/19/2018</a:t>
             </a:fld>
             <a:endParaRPr lang="en-US" dirty="0"/>
           </a:p>
@@ -2895,7 +2897,7 @@
           <a:p>
             <a:fld id="{3F138946-C5C1-4A11-BA69-F12F43F8A94B}" type="datetime1">
               <a:rPr lang="en-US" smtClean="0"/>
-              <a:t>10/18/2018</a:t>
+              <a:t>10/19/2018</a:t>
             </a:fld>
             <a:endParaRPr lang="en-US" dirty="0"/>
           </a:p>
@@ -3075,7 +3077,7 @@
           <a:p>
             <a:fld id="{CBEFC03D-3A1F-4813-9337-02411FCC3A9A}" type="datetime1">
               <a:rPr lang="en-US" smtClean="0"/>
-              <a:t>10/18/2018</a:t>
+              <a:t>10/19/2018</a:t>
             </a:fld>
             <a:endParaRPr lang="en-US" dirty="0"/>
           </a:p>
@@ -3271,7 +3273,7 @@
           <a:p>
             <a:fld id="{3D638F79-DFA0-4C26-9553-23A017B69AB6}" type="datetime1">
               <a:rPr lang="en-US" smtClean="0"/>
-              <a:t>10/18/2018</a:t>
+              <a:t>10/19/2018</a:t>
             </a:fld>
             <a:endParaRPr lang="en-US" dirty="0"/>
           </a:p>
@@ -3382,7 +3384,7 @@
           <a:p>
             <a:fld id="{AA615CA6-EC4D-4728-8AA6-534BE7E9B67C}" type="datetime1">
               <a:rPr lang="en-US" smtClean="0"/>
-              <a:t>10/18/2018</a:t>
+              <a:t>10/19/2018</a:t>
             </a:fld>
             <a:endParaRPr lang="en-US" dirty="0"/>
           </a:p>
@@ -3567,7 +3569,7 @@
           <a:p>
             <a:fld id="{A70B34E7-E1D9-4FBF-A1A0-4009669A00BF}" type="datetime1">
               <a:rPr lang="en-US" smtClean="0"/>
-              <a:t>10/18/2018</a:t>
+              <a:t>10/19/2018</a:t>
             </a:fld>
             <a:endParaRPr lang="en-US" dirty="0"/>
           </a:p>
@@ -3834,7 +3836,7 @@
           <a:p>
             <a:fld id="{C50FD434-5945-4FAF-A8C0-DAE9905532CE}" type="datetimeFigureOut">
               <a:rPr lang="en-US" smtClean="0"/>
-              <a:t>10/18/2018</a:t>
+              <a:t>10/19/2018</a:t>
             </a:fld>
             <a:endParaRPr lang="en-US"/>
           </a:p>
@@ -4082,7 +4084,7 @@
           <a:p>
             <a:fld id="{7579E8B6-2F47-420B-83EA-EB2285D13EC9}" type="datetime1">
               <a:rPr lang="en-US" smtClean="0"/>
-              <a:t>10/18/2018</a:t>
+              <a:t>10/19/2018</a:t>
             </a:fld>
             <a:endParaRPr lang="en-US" dirty="0"/>
           </a:p>
@@ -4480,7 +4482,7 @@
           <a:p>
             <a:fld id="{2304803D-B10E-4B90-8456-A0E05393E233}" type="datetime1">
               <a:rPr lang="en-US" smtClean="0"/>
-              <a:t>10/18/2018</a:t>
+              <a:t>10/19/2018</a:t>
             </a:fld>
             <a:endParaRPr lang="en-US" dirty="0"/>
           </a:p>
@@ -4614,7 +4616,7 @@
           <a:p>
             <a:fld id="{CCE1E62F-6CCE-4064-96C2-2084AF883904}" type="datetime1">
               <a:rPr lang="en-US" smtClean="0"/>
-              <a:t>10/18/2018</a:t>
+              <a:t>10/19/2018</a:t>
             </a:fld>
             <a:endParaRPr lang="en-US" dirty="0"/>
           </a:p>
@@ -4725,7 +4727,7 @@
           <a:p>
             <a:fld id="{AA615CA6-EC4D-4728-8AA6-534BE7E9B67C}" type="datetime1">
               <a:rPr lang="en-US" smtClean="0"/>
-              <a:t>10/18/2018</a:t>
+              <a:t>10/19/2018</a:t>
             </a:fld>
             <a:endParaRPr lang="en-US" dirty="0"/>
           </a:p>
@@ -4996,7 +4998,7 @@
           <a:p>
             <a:fld id="{A6139942-0A2E-443A-842F-D6DE74360370}" type="datetime1">
               <a:rPr lang="en-US" smtClean="0"/>
-              <a:t>10/18/2018</a:t>
+              <a:t>10/19/2018</a:t>
             </a:fld>
             <a:endParaRPr lang="en-US" dirty="0"/>
           </a:p>
@@ -5295,7 +5297,7 @@
           <a:p>
             <a:fld id="{C50FD434-5945-4FAF-A8C0-DAE9905532CE}" type="datetimeFigureOut">
               <a:rPr lang="en-US" smtClean="0"/>
-              <a:t>10/18/2018</a:t>
+              <a:t>10/19/2018</a:t>
             </a:fld>
             <a:endParaRPr lang="en-US"/>
           </a:p>
@@ -5765,7 +5767,7 @@
           <a:p>
             <a:fld id="{3F138946-C5C1-4A11-BA69-F12F43F8A94B}" type="datetime1">
               <a:rPr lang="en-US" smtClean="0"/>
-              <a:t>10/18/2018</a:t>
+              <a:t>10/19/2018</a:t>
             </a:fld>
             <a:endParaRPr lang="en-US" dirty="0"/>
           </a:p>
@@ -12861,7 +12863,7 @@
           <a:p>
             <a:r>
               <a:rPr lang="en-US" dirty="0"/>
-              <a:t>LP 4</a:t>
+              <a:t>LP 5</a:t>
             </a:r>
           </a:p>
         </p:txBody>
@@ -13094,6 +13096,308 @@
           <p:cNvPr id="4" name="Title 3">
             <a:extLst>
               <a:ext uri="{FF2B5EF4-FFF2-40B4-BE49-F238E27FC236}">
+                <a16:creationId xmlns:a16="http://schemas.microsoft.com/office/drawing/2014/main" id="{07506127-40F4-46B4-AA13-9926B2BD096B}"/>
+              </a:ext>
+            </a:extLst>
+          </p:cNvPr>
+          <p:cNvSpPr>
+            <a:spLocks noGrp="1"/>
+          </p:cNvSpPr>
+          <p:nvPr>
+            <p:ph type="ctrTitle"/>
+          </p:nvPr>
+        </p:nvSpPr>
+        <p:spPr/>
+        <p:txBody>
+          <a:bodyPr/>
+          <a:lstStyle/>
+          <a:p>
+            <a:r>
+              <a:rPr lang="en-US" dirty="0"/>
+              <a:t>Unit 4 Alphabet of Lines</a:t>
+            </a:r>
+          </a:p>
+        </p:txBody>
+      </p:sp>
+      <p:sp>
+        <p:nvSpPr>
+          <p:cNvPr id="5" name="Subtitle 4">
+            <a:extLst>
+              <a:ext uri="{FF2B5EF4-FFF2-40B4-BE49-F238E27FC236}">
+                <a16:creationId xmlns:a16="http://schemas.microsoft.com/office/drawing/2014/main" id="{BBBCF47C-CE96-46DF-9B20-6EF8EEE99D3F}"/>
+              </a:ext>
+            </a:extLst>
+          </p:cNvPr>
+          <p:cNvSpPr>
+            <a:spLocks noGrp="1"/>
+          </p:cNvSpPr>
+          <p:nvPr>
+            <p:ph type="subTitle" idx="1"/>
+          </p:nvPr>
+        </p:nvSpPr>
+        <p:spPr/>
+        <p:txBody>
+          <a:bodyPr/>
+          <a:lstStyle/>
+          <a:p>
+            <a:endParaRPr lang="en-US" dirty="0"/>
+          </a:p>
+        </p:txBody>
+      </p:sp>
+      <p:sp>
+        <p:nvSpPr>
+          <p:cNvPr id="3" name="Footer Placeholder 2">
+            <a:extLst>
+              <a:ext uri="{FF2B5EF4-FFF2-40B4-BE49-F238E27FC236}">
+                <a16:creationId xmlns:a16="http://schemas.microsoft.com/office/drawing/2014/main" id="{1C8B0826-5E65-4731-9543-60C266E8708C}"/>
+              </a:ext>
+            </a:extLst>
+          </p:cNvPr>
+          <p:cNvSpPr>
+            <a:spLocks noGrp="1"/>
+          </p:cNvSpPr>
+          <p:nvPr>
+            <p:ph type="ftr" sz="quarter" idx="11"/>
+          </p:nvPr>
+        </p:nvSpPr>
+        <p:spPr/>
+        <p:txBody>
+          <a:bodyPr/>
+          <a:lstStyle/>
+          <a:p>
+            <a:r>
+              <a:rPr lang="en-US"/>
+              <a:t>Add a footer</a:t>
+            </a:r>
+            <a:endParaRPr lang="en-US" dirty="0"/>
+          </a:p>
+        </p:txBody>
+      </p:sp>
+    </p:spTree>
+    <p:extLst>
+      <p:ext uri="{BB962C8B-B14F-4D97-AF65-F5344CB8AC3E}">
+        <p14:creationId xmlns:p14="http://schemas.microsoft.com/office/powerpoint/2010/main" val="4148143906"/>
+      </p:ext>
+    </p:extLst>
+  </p:cSld>
+  <p:clrMapOvr>
+    <a:masterClrMapping/>
+  </p:clrMapOvr>
+  <mc:AlternateContent xmlns:mc="http://schemas.openxmlformats.org/markup-compatibility/2006" xmlns:p14="http://schemas.microsoft.com/office/powerpoint/2010/main">
+    <mc:Choice Requires="p14">
+      <p:transition spd="med" p14:dur="700">
+        <p:fade/>
+      </p:transition>
+    </mc:Choice>
+    <mc:Fallback xmlns="">
+      <p:transition spd="med">
+        <p:fade/>
+      </p:transition>
+    </mc:Fallback>
+  </mc:AlternateContent>
+</p:sld>
+</file>
+
+<file path=ppt/slides/slide31.xml><?xml version="1.0" encoding="utf-8"?>
+<p:sld xmlns:a="http://schemas.openxmlformats.org/drawingml/2006/main" xmlns:r="http://schemas.openxmlformats.org/officeDocument/2006/relationships" xmlns:p="http://schemas.openxmlformats.org/presentationml/2006/main">
+  <p:cSld>
+    <p:bg>
+      <p:bgPr>
+        <a:gradFill rotWithShape="1">
+          <a:gsLst>
+            <a:gs pos="10000">
+              <a:schemeClr val="bg2">
+                <a:tint val="97000"/>
+                <a:hueMod val="92000"/>
+                <a:satMod val="169000"/>
+                <a:lumMod val="164000"/>
+              </a:schemeClr>
+            </a:gs>
+            <a:gs pos="100000">
+              <a:schemeClr val="bg2">
+                <a:shade val="96000"/>
+                <a:satMod val="120000"/>
+                <a:lumMod val="90000"/>
+              </a:schemeClr>
+            </a:gs>
+          </a:gsLst>
+          <a:lin ang="6120000" scaled="1"/>
+        </a:gradFill>
+        <a:effectLst/>
+      </p:bgPr>
+    </p:bg>
+    <p:spTree>
+      <p:nvGrpSpPr>
+        <p:cNvPr id="1" name=""/>
+        <p:cNvGrpSpPr/>
+        <p:nvPr/>
+      </p:nvGrpSpPr>
+      <p:grpSpPr>
+        <a:xfrm>
+          <a:off x="0" y="0"/>
+          <a:ext cx="0" cy="0"/>
+          <a:chOff x="0" y="0"/>
+          <a:chExt cx="0" cy="0"/>
+        </a:xfrm>
+      </p:grpSpPr>
+      <p:sp>
+        <p:nvSpPr>
+          <p:cNvPr id="2" name="Title 1"/>
+          <p:cNvSpPr>
+            <a:spLocks noGrp="1"/>
+          </p:cNvSpPr>
+          <p:nvPr>
+            <p:ph type="title"/>
+          </p:nvPr>
+        </p:nvSpPr>
+        <p:spPr>
+          <a:xfrm>
+            <a:off x="684213" y="639762"/>
+            <a:ext cx="4781147" cy="5574771"/>
+          </a:xfrm>
+        </p:spPr>
+        <p:txBody>
+          <a:bodyPr vert="horz" lIns="91440" tIns="45720" rIns="91440" bIns="45720" rtlCol="0" anchor="ctr">
+            <a:normAutofit/>
+          </a:bodyPr>
+          <a:lstStyle/>
+          <a:p>
+            <a:pPr algn="r"/>
+            <a:r>
+              <a:rPr lang="en-US" sz="5200"/>
+              <a:t>Google classroom code</a:t>
+            </a:r>
+          </a:p>
+        </p:txBody>
+      </p:sp>
+      <p:sp>
+        <p:nvSpPr>
+          <p:cNvPr id="3" name="Content Placeholder 2"/>
+          <p:cNvSpPr>
+            <a:spLocks noGrp="1"/>
+          </p:cNvSpPr>
+          <p:nvPr>
+            <p:ph idx="1"/>
+          </p:nvPr>
+        </p:nvSpPr>
+        <p:spPr>
+          <a:xfrm>
+            <a:off x="6491625" y="685799"/>
+            <a:ext cx="4816572" cy="4869981"/>
+          </a:xfrm>
+        </p:spPr>
+        <p:txBody>
+          <a:bodyPr vert="horz" lIns="91440" tIns="45720" rIns="91440" bIns="45720" rtlCol="0" anchor="ctr">
+            <a:normAutofit/>
+          </a:bodyPr>
+          <a:lstStyle/>
+          <a:p>
+            <a:pPr marL="0" indent="0">
+              <a:buNone/>
+            </a:pPr>
+            <a:r>
+              <a:rPr lang="en-US" sz="4000" b="1">
+                <a:solidFill>
+                  <a:schemeClr val="tx2"/>
+                </a:solidFill>
+              </a:rPr>
+              <a:t>okia9n</a:t>
+            </a:r>
+          </a:p>
+        </p:txBody>
+      </p:sp>
+      <p:sp>
+        <p:nvSpPr>
+          <p:cNvPr id="4" name="Footer Placeholder 3">
+            <a:extLst>
+              <a:ext uri="{FF2B5EF4-FFF2-40B4-BE49-F238E27FC236}">
+                <a16:creationId xmlns:a16="http://schemas.microsoft.com/office/drawing/2014/main" id="{EADFB87E-2A3F-4815-8F5E-3CF3521EBF24}"/>
+              </a:ext>
+            </a:extLst>
+          </p:cNvPr>
+          <p:cNvSpPr>
+            <a:spLocks noGrp="1"/>
+          </p:cNvSpPr>
+          <p:nvPr>
+            <p:ph type="ftr" sz="quarter" idx="11"/>
+          </p:nvPr>
+        </p:nvSpPr>
+        <p:spPr/>
+        <p:txBody>
+          <a:bodyPr vert="horz" lIns="91440" tIns="45720" rIns="91440" bIns="45720" rtlCol="0" anchor="t">
+            <a:normAutofit/>
+          </a:bodyPr>
+          <a:lstStyle/>
+          <a:p>
+            <a:pPr>
+              <a:spcAft>
+                <a:spcPts val="600"/>
+              </a:spcAft>
+            </a:pPr>
+            <a:r>
+              <a:rPr lang="en-US" b="0" i="0" kern="1200">
+                <a:solidFill>
+                  <a:schemeClr val="tx1">
+                    <a:alpha val="60000"/>
+                  </a:schemeClr>
+                </a:solidFill>
+                <a:effectLst/>
+                <a:latin typeface="+mn-lt"/>
+                <a:ea typeface="+mn-ea"/>
+                <a:cs typeface="+mn-cs"/>
+              </a:rPr>
+              <a:t>Unit 1 – Section 1 - Day 1</a:t>
+            </a:r>
+          </a:p>
+        </p:txBody>
+      </p:sp>
+    </p:spTree>
+    <p:extLst>
+      <p:ext uri="{BB962C8B-B14F-4D97-AF65-F5344CB8AC3E}">
+        <p14:creationId xmlns:p14="http://schemas.microsoft.com/office/powerpoint/2010/main" val="2539566710"/>
+      </p:ext>
+    </p:extLst>
+  </p:cSld>
+  <p:clrMapOvr>
+    <a:masterClrMapping/>
+  </p:clrMapOvr>
+  <mc:AlternateContent xmlns:mc="http://schemas.openxmlformats.org/markup-compatibility/2006" xmlns:p14="http://schemas.microsoft.com/office/powerpoint/2010/main">
+    <mc:Choice Requires="p14">
+      <p:transition spd="med" p14:dur="700">
+        <p:fade/>
+      </p:transition>
+    </mc:Choice>
+    <mc:Fallback xmlns="">
+      <p:transition spd="med">
+        <p:fade/>
+      </p:transition>
+    </mc:Fallback>
+  </mc:AlternateContent>
+</p:sld>
+</file>
+
+<file path=ppt/slides/slide32.xml><?xml version="1.0" encoding="utf-8"?>
+<p:sld xmlns:a="http://schemas.openxmlformats.org/drawingml/2006/main" xmlns:r="http://schemas.openxmlformats.org/officeDocument/2006/relationships" xmlns:p="http://schemas.openxmlformats.org/presentationml/2006/main">
+  <p:cSld>
+    <p:spTree>
+      <p:nvGrpSpPr>
+        <p:cNvPr id="1" name=""/>
+        <p:cNvGrpSpPr/>
+        <p:nvPr/>
+      </p:nvGrpSpPr>
+      <p:grpSpPr>
+        <a:xfrm>
+          <a:off x="0" y="0"/>
+          <a:ext cx="0" cy="0"/>
+          <a:chOff x="0" y="0"/>
+          <a:chExt cx="0" cy="0"/>
+        </a:xfrm>
+      </p:grpSpPr>
+      <p:sp>
+        <p:nvSpPr>
+          <p:cNvPr id="4" name="Title 3">
+            <a:extLst>
+              <a:ext uri="{FF2B5EF4-FFF2-40B4-BE49-F238E27FC236}">
                 <a16:creationId xmlns:a16="http://schemas.microsoft.com/office/drawing/2014/main" id="{C261C424-AA7E-4C83-A265-373D787780AF}"/>
               </a:ext>
             </a:extLst>
@@ -13235,7 +13539,7 @@
 </p:sld>
 </file>
 
-<file path=ppt/slides/slide31.xml><?xml version="1.0" encoding="utf-8"?>
+<file path=ppt/slides/slide33.xml><?xml version="1.0" encoding="utf-8"?>
 <p:sld xmlns:a="http://schemas.openxmlformats.org/drawingml/2006/main" xmlns:r="http://schemas.openxmlformats.org/officeDocument/2006/relationships" xmlns:p="http://schemas.openxmlformats.org/presentationml/2006/main">
   <p:cSld>
     <p:spTree>

--- a/High School/Design and Drawing for Production/Unit 4 - The Alphabet of Lines/Section 1 - Introduction to Alphabet of Lines/Assets/Unit 4 - Section 1 - Introduction to Alphabet of Line.pptx
+++ b/High School/Design and Drawing for Production/Unit 4 - The Alphabet of Lines/Section 1 - Introduction to Alphabet of Lines/Assets/Unit 4 - Section 1 - Introduction to Alphabet of Line.pptx
@@ -5,10 +5,10 @@
     <p:sldMasterId id="2147483735" r:id="rId1"/>
   </p:sldMasterIdLst>
   <p:notesMasterIdLst>
-    <p:notesMasterId r:id="rId35"/>
+    <p:notesMasterId r:id="rId38"/>
   </p:notesMasterIdLst>
   <p:handoutMasterIdLst>
-    <p:handoutMasterId r:id="rId36"/>
+    <p:handoutMasterId r:id="rId39"/>
   </p:handoutMasterIdLst>
   <p:sldIdLst>
     <p:sldId id="268" r:id="rId2"/>
@@ -44,6 +44,9 @@
     <p:sldId id="302" r:id="rId32"/>
     <p:sldId id="299" r:id="rId33"/>
     <p:sldId id="300" r:id="rId34"/>
+    <p:sldId id="303" r:id="rId35"/>
+    <p:sldId id="304" r:id="rId36"/>
+    <p:sldId id="305" r:id="rId37"/>
   </p:sldIdLst>
   <p:sldSz cx="12192000" cy="6858000"/>
   <p:notesSz cx="6858000" cy="9144000"/>
@@ -246,7 +249,7 @@
           <a:p>
             <a:fld id="{6AC4FB8F-ED15-48AB-97BD-17129D4E699D}" type="datetimeFigureOut">
               <a:rPr lang="en-US" smtClean="0"/>
-              <a:t>10/19/2018</a:t>
+              <a:t>10/22/2018</a:t>
             </a:fld>
             <a:endParaRPr lang="en-US" dirty="0"/>
           </a:p>
@@ -411,7 +414,7 @@
           <a:p>
             <a:fld id="{BBC9D437-CD83-4825-AD0D-5E7B341BC79B}" type="datetimeFigureOut">
               <a:rPr lang="en-US" smtClean="0"/>
-              <a:t>10/19/2018</a:t>
+              <a:t>10/22/2018</a:t>
             </a:fld>
             <a:endParaRPr lang="en-US" dirty="0"/>
           </a:p>
@@ -869,7 +872,7 @@
           <a:p>
             <a:fld id="{85AB7CBB-843F-464A-A764-71D6ADC27CFA}" type="datetime1">
               <a:rPr lang="en-US" smtClean="0"/>
-              <a:t>10/19/2018</a:t>
+              <a:t>10/22/2018</a:t>
             </a:fld>
             <a:endParaRPr lang="en-US" dirty="0"/>
           </a:p>
@@ -1322,7 +1325,7 @@
           <a:p>
             <a:fld id="{3F138946-C5C1-4A11-BA69-F12F43F8A94B}" type="datetime1">
               <a:rPr lang="en-US" smtClean="0"/>
-              <a:t>10/19/2018</a:t>
+              <a:t>10/22/2018</a:t>
             </a:fld>
             <a:endParaRPr lang="en-US" dirty="0"/>
           </a:p>
@@ -1578,7 +1581,7 @@
           <a:p>
             <a:fld id="{3F138946-C5C1-4A11-BA69-F12F43F8A94B}" type="datetime1">
               <a:rPr lang="en-US" smtClean="0"/>
-              <a:t>10/19/2018</a:t>
+              <a:t>10/22/2018</a:t>
             </a:fld>
             <a:endParaRPr lang="en-US" dirty="0"/>
           </a:p>
@@ -1892,7 +1895,7 @@
           <a:p>
             <a:fld id="{3F138946-C5C1-4A11-BA69-F12F43F8A94B}" type="datetime1">
               <a:rPr lang="en-US" smtClean="0"/>
-              <a:t>10/19/2018</a:t>
+              <a:t>10/22/2018</a:t>
             </a:fld>
             <a:endParaRPr lang="en-US" dirty="0"/>
           </a:p>
@@ -2216,7 +2219,7 @@
           <a:p>
             <a:fld id="{3F138946-C5C1-4A11-BA69-F12F43F8A94B}" type="datetime1">
               <a:rPr lang="en-US" smtClean="0"/>
-              <a:t>10/19/2018</a:t>
+              <a:t>10/22/2018</a:t>
             </a:fld>
             <a:endParaRPr lang="en-US" dirty="0"/>
           </a:p>
@@ -2524,7 +2527,7 @@
           <a:p>
             <a:fld id="{3F138946-C5C1-4A11-BA69-F12F43F8A94B}" type="datetime1">
               <a:rPr lang="en-US" smtClean="0"/>
-              <a:t>10/19/2018</a:t>
+              <a:t>10/22/2018</a:t>
             </a:fld>
             <a:endParaRPr lang="en-US" dirty="0"/>
           </a:p>
@@ -2897,7 +2900,7 @@
           <a:p>
             <a:fld id="{3F138946-C5C1-4A11-BA69-F12F43F8A94B}" type="datetime1">
               <a:rPr lang="en-US" smtClean="0"/>
-              <a:t>10/19/2018</a:t>
+              <a:t>10/22/2018</a:t>
             </a:fld>
             <a:endParaRPr lang="en-US" dirty="0"/>
           </a:p>
@@ -3077,7 +3080,7 @@
           <a:p>
             <a:fld id="{CBEFC03D-3A1F-4813-9337-02411FCC3A9A}" type="datetime1">
               <a:rPr lang="en-US" smtClean="0"/>
-              <a:t>10/19/2018</a:t>
+              <a:t>10/22/2018</a:t>
             </a:fld>
             <a:endParaRPr lang="en-US" dirty="0"/>
           </a:p>
@@ -3273,7 +3276,7 @@
           <a:p>
             <a:fld id="{3D638F79-DFA0-4C26-9553-23A017B69AB6}" type="datetime1">
               <a:rPr lang="en-US" smtClean="0"/>
-              <a:t>10/19/2018</a:t>
+              <a:t>10/22/2018</a:t>
             </a:fld>
             <a:endParaRPr lang="en-US" dirty="0"/>
           </a:p>
@@ -3384,7 +3387,7 @@
           <a:p>
             <a:fld id="{AA615CA6-EC4D-4728-8AA6-534BE7E9B67C}" type="datetime1">
               <a:rPr lang="en-US" smtClean="0"/>
-              <a:t>10/19/2018</a:t>
+              <a:t>10/22/2018</a:t>
             </a:fld>
             <a:endParaRPr lang="en-US" dirty="0"/>
           </a:p>
@@ -3569,7 +3572,7 @@
           <a:p>
             <a:fld id="{A70B34E7-E1D9-4FBF-A1A0-4009669A00BF}" type="datetime1">
               <a:rPr lang="en-US" smtClean="0"/>
-              <a:t>10/19/2018</a:t>
+              <a:t>10/22/2018</a:t>
             </a:fld>
             <a:endParaRPr lang="en-US" dirty="0"/>
           </a:p>
@@ -3836,7 +3839,7 @@
           <a:p>
             <a:fld id="{C50FD434-5945-4FAF-A8C0-DAE9905532CE}" type="datetimeFigureOut">
               <a:rPr lang="en-US" smtClean="0"/>
-              <a:t>10/19/2018</a:t>
+              <a:t>10/22/2018</a:t>
             </a:fld>
             <a:endParaRPr lang="en-US"/>
           </a:p>
@@ -4084,7 +4087,7 @@
           <a:p>
             <a:fld id="{7579E8B6-2F47-420B-83EA-EB2285D13EC9}" type="datetime1">
               <a:rPr lang="en-US" smtClean="0"/>
-              <a:t>10/19/2018</a:t>
+              <a:t>10/22/2018</a:t>
             </a:fld>
             <a:endParaRPr lang="en-US" dirty="0"/>
           </a:p>
@@ -4482,7 +4485,7 @@
           <a:p>
             <a:fld id="{2304803D-B10E-4B90-8456-A0E05393E233}" type="datetime1">
               <a:rPr lang="en-US" smtClean="0"/>
-              <a:t>10/19/2018</a:t>
+              <a:t>10/22/2018</a:t>
             </a:fld>
             <a:endParaRPr lang="en-US" dirty="0"/>
           </a:p>
@@ -4616,7 +4619,7 @@
           <a:p>
             <a:fld id="{CCE1E62F-6CCE-4064-96C2-2084AF883904}" type="datetime1">
               <a:rPr lang="en-US" smtClean="0"/>
-              <a:t>10/19/2018</a:t>
+              <a:t>10/22/2018</a:t>
             </a:fld>
             <a:endParaRPr lang="en-US" dirty="0"/>
           </a:p>
@@ -4727,7 +4730,7 @@
           <a:p>
             <a:fld id="{AA615CA6-EC4D-4728-8AA6-534BE7E9B67C}" type="datetime1">
               <a:rPr lang="en-US" smtClean="0"/>
-              <a:t>10/19/2018</a:t>
+              <a:t>10/22/2018</a:t>
             </a:fld>
             <a:endParaRPr lang="en-US" dirty="0"/>
           </a:p>
@@ -4998,7 +5001,7 @@
           <a:p>
             <a:fld id="{A6139942-0A2E-443A-842F-D6DE74360370}" type="datetime1">
               <a:rPr lang="en-US" smtClean="0"/>
-              <a:t>10/19/2018</a:t>
+              <a:t>10/22/2018</a:t>
             </a:fld>
             <a:endParaRPr lang="en-US" dirty="0"/>
           </a:p>
@@ -5297,7 +5300,7 @@
           <a:p>
             <a:fld id="{C50FD434-5945-4FAF-A8C0-DAE9905532CE}" type="datetimeFigureOut">
               <a:rPr lang="en-US" smtClean="0"/>
-              <a:t>10/19/2018</a:t>
+              <a:t>10/22/2018</a:t>
             </a:fld>
             <a:endParaRPr lang="en-US"/>
           </a:p>
@@ -5350,7 +5353,7 @@
           <p:cNvPr id="8" name="Rectangle 7">
             <a:extLst>
               <a:ext uri="{FF2B5EF4-FFF2-40B4-BE49-F238E27FC236}">
-                <a16:creationId xmlns:a16="http://schemas.microsoft.com/office/drawing/2014/main" id="{CEC947AC-3793-4C58-9767-D55CE5C13326}"/>
+                <a16:creationId xmlns:a16="http://schemas.microsoft.com/office/drawing/2014/main" xmlns="" id="{CEC947AC-3793-4C58-9767-D55CE5C13326}"/>
               </a:ext>
             </a:extLst>
           </p:cNvPr>
@@ -5767,7 +5770,7 @@
           <a:p>
             <a:fld id="{3F138946-C5C1-4A11-BA69-F12F43F8A94B}" type="datetime1">
               <a:rPr lang="en-US" smtClean="0"/>
-              <a:t>10/19/2018</a:t>
+              <a:t>10/22/2018</a:t>
             </a:fld>
             <a:endParaRPr lang="en-US" dirty="0"/>
           </a:p>
@@ -6471,7 +6474,7 @@
           <p:cNvPr id="4" name="Footer Placeholder 3">
             <a:extLst>
               <a:ext uri="{FF2B5EF4-FFF2-40B4-BE49-F238E27FC236}">
-                <a16:creationId xmlns:a16="http://schemas.microsoft.com/office/drawing/2014/main" id="{1BD89EEB-0D82-48BB-B45A-39C4807CF951}"/>
+                <a16:creationId xmlns:a16="http://schemas.microsoft.com/office/drawing/2014/main" xmlns="" id="{1BD89EEB-0D82-48BB-B45A-39C4807CF951}"/>
               </a:ext>
             </a:extLst>
           </p:cNvPr>
@@ -6577,10 +6580,10 @@
           <p:cNvPr id="72" name="Group 71">
             <a:extLst>
               <a:ext uri="{FF2B5EF4-FFF2-40B4-BE49-F238E27FC236}">
-                <a16:creationId xmlns:a16="http://schemas.microsoft.com/office/drawing/2014/main" id="{2103B461-323C-4912-BFFD-C37582662085}"/>
+                <a16:creationId xmlns:a16="http://schemas.microsoft.com/office/drawing/2014/main" xmlns="" id="{2103B461-323C-4912-BFFD-C37582662085}"/>
               </a:ext>
               <a:ext uri="{C183D7F6-B498-43B3-948B-1728B52AA6E4}">
-                <adec:decorative xmlns:adec="http://schemas.microsoft.com/office/drawing/2017/decorative" val="1"/>
+                <adec:decorative xmlns:adec="http://schemas.microsoft.com/office/drawing/2017/decorative" xmlns="" val="1"/>
               </a:ext>
             </a:extLst>
           </p:cNvPr>
@@ -6590,7 +6593,7 @@
           <p:nvPr>
             <p:extLst>
               <p:ext uri="{386F3935-93C4-4BCD-93E2-E3B085C9AB24}">
-                <p16:designElem xmlns:p16="http://schemas.microsoft.com/office/powerpoint/2015/main" val="1"/>
+                <p16:designElem xmlns:p16="http://schemas.microsoft.com/office/powerpoint/2015/main" xmlns="" val="1"/>
               </p:ext>
             </p:extLst>
           </p:nvPr>
@@ -6608,10 +6611,10 @@
             <p:cNvPr id="73" name="Straight Connector 72">
               <a:extLst>
                 <a:ext uri="{FF2B5EF4-FFF2-40B4-BE49-F238E27FC236}">
-                  <a16:creationId xmlns:a16="http://schemas.microsoft.com/office/drawing/2014/main" id="{FBC21318-F4F4-4524-95D1-6B7FE0A788A3}"/>
+                  <a16:creationId xmlns:a16="http://schemas.microsoft.com/office/drawing/2014/main" xmlns="" id="{FBC21318-F4F4-4524-95D1-6B7FE0A788A3}"/>
                 </a:ext>
                 <a:ext uri="{C183D7F6-B498-43B3-948B-1728B52AA6E4}">
-                  <adec:decorative xmlns:adec="http://schemas.microsoft.com/office/drawing/2017/decorative" val="1"/>
+                  <adec:decorative xmlns:adec="http://schemas.microsoft.com/office/drawing/2017/decorative" xmlns="" val="1"/>
                 </a:ext>
               </a:extLst>
             </p:cNvPr>
@@ -6619,7 +6622,7 @@
             <p:nvPr>
               <p:extLst>
                 <p:ext uri="{386F3935-93C4-4BCD-93E2-E3B085C9AB24}">
-                  <p16:designElem xmlns:p16="http://schemas.microsoft.com/office/powerpoint/2015/main" val="1"/>
+                  <p16:designElem xmlns:p16="http://schemas.microsoft.com/office/powerpoint/2015/main" xmlns="" val="1"/>
                 </p:ext>
               </p:extLst>
             </p:nvPr>
@@ -6658,10 +6661,10 @@
             <p:cNvPr id="74" name="Straight Connector 73">
               <a:extLst>
                 <a:ext uri="{FF2B5EF4-FFF2-40B4-BE49-F238E27FC236}">
-                  <a16:creationId xmlns:a16="http://schemas.microsoft.com/office/drawing/2014/main" id="{D9FFA8E5-974F-409E-89C6-E185BD90933C}"/>
+                  <a16:creationId xmlns:a16="http://schemas.microsoft.com/office/drawing/2014/main" xmlns="" id="{D9FFA8E5-974F-409E-89C6-E185BD90933C}"/>
                 </a:ext>
                 <a:ext uri="{C183D7F6-B498-43B3-948B-1728B52AA6E4}">
-                  <adec:decorative xmlns:adec="http://schemas.microsoft.com/office/drawing/2017/decorative" val="1"/>
+                  <adec:decorative xmlns:adec="http://schemas.microsoft.com/office/drawing/2017/decorative" xmlns="" val="1"/>
                 </a:ext>
               </a:extLst>
             </p:cNvPr>
@@ -6669,7 +6672,7 @@
             <p:nvPr>
               <p:extLst>
                 <p:ext uri="{386F3935-93C4-4BCD-93E2-E3B085C9AB24}">
-                  <p16:designElem xmlns:p16="http://schemas.microsoft.com/office/powerpoint/2015/main" val="1"/>
+                  <p16:designElem xmlns:p16="http://schemas.microsoft.com/office/powerpoint/2015/main" xmlns="" val="1"/>
                 </p:ext>
               </p:extLst>
             </p:nvPr>
@@ -6708,10 +6711,10 @@
             <p:cNvPr id="75" name="Straight Connector 74">
               <a:extLst>
                 <a:ext uri="{FF2B5EF4-FFF2-40B4-BE49-F238E27FC236}">
-                  <a16:creationId xmlns:a16="http://schemas.microsoft.com/office/drawing/2014/main" id="{C384E2B1-7008-45EE-9F2E-FEF3A089780F}"/>
+                  <a16:creationId xmlns:a16="http://schemas.microsoft.com/office/drawing/2014/main" xmlns="" id="{C384E2B1-7008-45EE-9F2E-FEF3A089780F}"/>
                 </a:ext>
                 <a:ext uri="{C183D7F6-B498-43B3-948B-1728B52AA6E4}">
-                  <adec:decorative xmlns:adec="http://schemas.microsoft.com/office/drawing/2017/decorative" val="1"/>
+                  <adec:decorative xmlns:adec="http://schemas.microsoft.com/office/drawing/2017/decorative" xmlns="" val="1"/>
                 </a:ext>
               </a:extLst>
             </p:cNvPr>
@@ -6719,7 +6722,7 @@
             <p:nvPr>
               <p:extLst>
                 <p:ext uri="{386F3935-93C4-4BCD-93E2-E3B085C9AB24}">
-                  <p16:designElem xmlns:p16="http://schemas.microsoft.com/office/powerpoint/2015/main" val="1"/>
+                  <p16:designElem xmlns:p16="http://schemas.microsoft.com/office/powerpoint/2015/main" xmlns="" val="1"/>
                 </p:ext>
               </p:extLst>
             </p:nvPr>
@@ -6758,10 +6761,10 @@
             <p:cNvPr id="76" name="Straight Connector 75">
               <a:extLst>
                 <a:ext uri="{FF2B5EF4-FFF2-40B4-BE49-F238E27FC236}">
-                  <a16:creationId xmlns:a16="http://schemas.microsoft.com/office/drawing/2014/main" id="{D4563410-7FE9-4955-89C6-0FB9326CD3A8}"/>
+                  <a16:creationId xmlns:a16="http://schemas.microsoft.com/office/drawing/2014/main" xmlns="" id="{D4563410-7FE9-4955-89C6-0FB9326CD3A8}"/>
                 </a:ext>
                 <a:ext uri="{C183D7F6-B498-43B3-948B-1728B52AA6E4}">
-                  <adec:decorative xmlns:adec="http://schemas.microsoft.com/office/drawing/2017/decorative" val="1"/>
+                  <adec:decorative xmlns:adec="http://schemas.microsoft.com/office/drawing/2017/decorative" xmlns="" val="1"/>
                 </a:ext>
               </a:extLst>
             </p:cNvPr>
@@ -6769,7 +6772,7 @@
             <p:nvPr>
               <p:extLst>
                 <p:ext uri="{386F3935-93C4-4BCD-93E2-E3B085C9AB24}">
-                  <p16:designElem xmlns:p16="http://schemas.microsoft.com/office/powerpoint/2015/main" val="1"/>
+                  <p16:designElem xmlns:p16="http://schemas.microsoft.com/office/powerpoint/2015/main" xmlns="" val="1"/>
                 </p:ext>
               </p:extLst>
             </p:nvPr>
@@ -6808,10 +6811,10 @@
             <p:cNvPr id="77" name="Straight Connector 76">
               <a:extLst>
                 <a:ext uri="{FF2B5EF4-FFF2-40B4-BE49-F238E27FC236}">
-                  <a16:creationId xmlns:a16="http://schemas.microsoft.com/office/drawing/2014/main" id="{3AD14C0E-D5DF-4BDC-BD92-642CFF18018D}"/>
+                  <a16:creationId xmlns:a16="http://schemas.microsoft.com/office/drawing/2014/main" xmlns="" id="{3AD14C0E-D5DF-4BDC-BD92-642CFF18018D}"/>
                 </a:ext>
                 <a:ext uri="{C183D7F6-B498-43B3-948B-1728B52AA6E4}">
-                  <adec:decorative xmlns:adec="http://schemas.microsoft.com/office/drawing/2017/decorative" val="1"/>
+                  <adec:decorative xmlns:adec="http://schemas.microsoft.com/office/drawing/2017/decorative" xmlns="" val="1"/>
                 </a:ext>
               </a:extLst>
             </p:cNvPr>
@@ -6819,7 +6822,7 @@
             <p:nvPr>
               <p:extLst>
                 <p:ext uri="{386F3935-93C4-4BCD-93E2-E3B085C9AB24}">
-                  <p16:designElem xmlns:p16="http://schemas.microsoft.com/office/powerpoint/2015/main" val="1"/>
+                  <p16:designElem xmlns:p16="http://schemas.microsoft.com/office/powerpoint/2015/main" xmlns="" val="1"/>
                 </p:ext>
               </p:extLst>
             </p:nvPr>
@@ -6859,10 +6862,10 @@
           <p:cNvPr id="79" name="Rectangle 78">
             <a:extLst>
               <a:ext uri="{FF2B5EF4-FFF2-40B4-BE49-F238E27FC236}">
-                <a16:creationId xmlns:a16="http://schemas.microsoft.com/office/drawing/2014/main" id="{9A212F8F-D812-4A16-BE82-F3500DE32174}"/>
+                <a16:creationId xmlns:a16="http://schemas.microsoft.com/office/drawing/2014/main" xmlns="" id="{9A212F8F-D812-4A16-BE82-F3500DE32174}"/>
               </a:ext>
               <a:ext uri="{C183D7F6-B498-43B3-948B-1728B52AA6E4}">
-                <adec:decorative xmlns:adec="http://schemas.microsoft.com/office/drawing/2017/decorative" val="1"/>
+                <adec:decorative xmlns:adec="http://schemas.microsoft.com/office/drawing/2017/decorative" xmlns="" val="1"/>
               </a:ext>
             </a:extLst>
           </p:cNvPr>
@@ -6872,7 +6875,7 @@
           <p:nvPr>
             <p:extLst>
               <p:ext uri="{386F3935-93C4-4BCD-93E2-E3B085C9AB24}">
-                <p16:designElem xmlns:p16="http://schemas.microsoft.com/office/powerpoint/2015/main" val="1"/>
+                <p16:designElem xmlns:p16="http://schemas.microsoft.com/office/powerpoint/2015/main" xmlns="" val="1"/>
               </p:ext>
             </p:extLst>
           </p:nvPr>
@@ -6919,7 +6922,7 @@
           <p:cNvPr id="4" name="Footer Placeholder 3">
             <a:extLst>
               <a:ext uri="{FF2B5EF4-FFF2-40B4-BE49-F238E27FC236}">
-                <a16:creationId xmlns:a16="http://schemas.microsoft.com/office/drawing/2014/main" id="{A60BB73E-3144-49F5-80EC-02B38390AD45}"/>
+                <a16:creationId xmlns:a16="http://schemas.microsoft.com/office/drawing/2014/main" xmlns="" id="{A60BB73E-3144-49F5-80EC-02B38390AD45}"/>
               </a:ext>
             </a:extLst>
           </p:cNvPr>
@@ -6969,10 +6972,10 @@
           <p:cNvPr id="81" name="Snip Diagonal Corner Rectangle 24">
             <a:extLst>
               <a:ext uri="{FF2B5EF4-FFF2-40B4-BE49-F238E27FC236}">
-                <a16:creationId xmlns:a16="http://schemas.microsoft.com/office/drawing/2014/main" id="{D2CF1D1B-04ED-443D-A9FE-68BF8859BDD6}"/>
+                <a16:creationId xmlns:a16="http://schemas.microsoft.com/office/drawing/2014/main" xmlns="" id="{D2CF1D1B-04ED-443D-A9FE-68BF8859BDD6}"/>
               </a:ext>
               <a:ext uri="{C183D7F6-B498-43B3-948B-1728B52AA6E4}">
-                <adec:decorative xmlns:adec="http://schemas.microsoft.com/office/drawing/2017/decorative" val="1"/>
+                <adec:decorative xmlns:adec="http://schemas.microsoft.com/office/drawing/2017/decorative" xmlns="" val="1"/>
               </a:ext>
             </a:extLst>
           </p:cNvPr>
@@ -6982,7 +6985,7 @@
           <p:nvPr>
             <p:extLst>
               <p:ext uri="{386F3935-93C4-4BCD-93E2-E3B085C9AB24}">
-                <p16:designElem xmlns:p16="http://schemas.microsoft.com/office/powerpoint/2015/main" val="1"/>
+                <p16:designElem xmlns:p16="http://schemas.microsoft.com/office/powerpoint/2015/main" xmlns="" val="1"/>
               </p:ext>
             </p:extLst>
           </p:nvPr>
@@ -7042,7 +7045,7 @@
           <p:cNvPr id="11269" name="Picture 2" descr="Forms response chart. Question title: The lettering guide slides on what tool?. Number of responses: 14 / 14 correct responses.">
             <a:extLst>
               <a:ext uri="{FF2B5EF4-FFF2-40B4-BE49-F238E27FC236}">
-                <a16:creationId xmlns:a16="http://schemas.microsoft.com/office/drawing/2014/main" id="{99CD7AC6-563B-449E-B9B3-14A5AF9BF449}"/>
+                <a16:creationId xmlns:a16="http://schemas.microsoft.com/office/drawing/2014/main" xmlns="" id="{99CD7AC6-563B-449E-B9B3-14A5AF9BF449}"/>
               </a:ext>
             </a:extLst>
           </p:cNvPr>
@@ -7217,10 +7220,10 @@
           <p:cNvPr id="72" name="Group 71">
             <a:extLst>
               <a:ext uri="{FF2B5EF4-FFF2-40B4-BE49-F238E27FC236}">
-                <a16:creationId xmlns:a16="http://schemas.microsoft.com/office/drawing/2014/main" id="{2103B461-323C-4912-BFFD-C37582662085}"/>
+                <a16:creationId xmlns:a16="http://schemas.microsoft.com/office/drawing/2014/main" xmlns="" id="{2103B461-323C-4912-BFFD-C37582662085}"/>
               </a:ext>
               <a:ext uri="{C183D7F6-B498-43B3-948B-1728B52AA6E4}">
-                <adec:decorative xmlns:adec="http://schemas.microsoft.com/office/drawing/2017/decorative" val="1"/>
+                <adec:decorative xmlns:adec="http://schemas.microsoft.com/office/drawing/2017/decorative" xmlns="" val="1"/>
               </a:ext>
             </a:extLst>
           </p:cNvPr>
@@ -7230,7 +7233,7 @@
           <p:nvPr>
             <p:extLst>
               <p:ext uri="{386F3935-93C4-4BCD-93E2-E3B085C9AB24}">
-                <p16:designElem xmlns:p16="http://schemas.microsoft.com/office/powerpoint/2015/main" val="1"/>
+                <p16:designElem xmlns:p16="http://schemas.microsoft.com/office/powerpoint/2015/main" xmlns="" val="1"/>
               </p:ext>
             </p:extLst>
           </p:nvPr>
@@ -7248,10 +7251,10 @@
             <p:cNvPr id="73" name="Straight Connector 72">
               <a:extLst>
                 <a:ext uri="{FF2B5EF4-FFF2-40B4-BE49-F238E27FC236}">
-                  <a16:creationId xmlns:a16="http://schemas.microsoft.com/office/drawing/2014/main" id="{FBC21318-F4F4-4524-95D1-6B7FE0A788A3}"/>
+                  <a16:creationId xmlns:a16="http://schemas.microsoft.com/office/drawing/2014/main" xmlns="" id="{FBC21318-F4F4-4524-95D1-6B7FE0A788A3}"/>
                 </a:ext>
                 <a:ext uri="{C183D7F6-B498-43B3-948B-1728B52AA6E4}">
-                  <adec:decorative xmlns:adec="http://schemas.microsoft.com/office/drawing/2017/decorative" val="1"/>
+                  <adec:decorative xmlns:adec="http://schemas.microsoft.com/office/drawing/2017/decorative" xmlns="" val="1"/>
                 </a:ext>
               </a:extLst>
             </p:cNvPr>
@@ -7259,7 +7262,7 @@
             <p:nvPr>
               <p:extLst>
                 <p:ext uri="{386F3935-93C4-4BCD-93E2-E3B085C9AB24}">
-                  <p16:designElem xmlns:p16="http://schemas.microsoft.com/office/powerpoint/2015/main" val="1"/>
+                  <p16:designElem xmlns:p16="http://schemas.microsoft.com/office/powerpoint/2015/main" xmlns="" val="1"/>
                 </p:ext>
               </p:extLst>
             </p:nvPr>
@@ -7298,10 +7301,10 @@
             <p:cNvPr id="74" name="Straight Connector 73">
               <a:extLst>
                 <a:ext uri="{FF2B5EF4-FFF2-40B4-BE49-F238E27FC236}">
-                  <a16:creationId xmlns:a16="http://schemas.microsoft.com/office/drawing/2014/main" id="{D9FFA8E5-974F-409E-89C6-E185BD90933C}"/>
+                  <a16:creationId xmlns:a16="http://schemas.microsoft.com/office/drawing/2014/main" xmlns="" id="{D9FFA8E5-974F-409E-89C6-E185BD90933C}"/>
                 </a:ext>
                 <a:ext uri="{C183D7F6-B498-43B3-948B-1728B52AA6E4}">
-                  <adec:decorative xmlns:adec="http://schemas.microsoft.com/office/drawing/2017/decorative" val="1"/>
+                  <adec:decorative xmlns:adec="http://schemas.microsoft.com/office/drawing/2017/decorative" xmlns="" val="1"/>
                 </a:ext>
               </a:extLst>
             </p:cNvPr>
@@ -7309,7 +7312,7 @@
             <p:nvPr>
               <p:extLst>
                 <p:ext uri="{386F3935-93C4-4BCD-93E2-E3B085C9AB24}">
-                  <p16:designElem xmlns:p16="http://schemas.microsoft.com/office/powerpoint/2015/main" val="1"/>
+                  <p16:designElem xmlns:p16="http://schemas.microsoft.com/office/powerpoint/2015/main" xmlns="" val="1"/>
                 </p:ext>
               </p:extLst>
             </p:nvPr>
@@ -7348,10 +7351,10 @@
             <p:cNvPr id="75" name="Straight Connector 74">
               <a:extLst>
                 <a:ext uri="{FF2B5EF4-FFF2-40B4-BE49-F238E27FC236}">
-                  <a16:creationId xmlns:a16="http://schemas.microsoft.com/office/drawing/2014/main" id="{C384E2B1-7008-45EE-9F2E-FEF3A089780F}"/>
+                  <a16:creationId xmlns:a16="http://schemas.microsoft.com/office/drawing/2014/main" xmlns="" id="{C384E2B1-7008-45EE-9F2E-FEF3A089780F}"/>
                 </a:ext>
                 <a:ext uri="{C183D7F6-B498-43B3-948B-1728B52AA6E4}">
-                  <adec:decorative xmlns:adec="http://schemas.microsoft.com/office/drawing/2017/decorative" val="1"/>
+                  <adec:decorative xmlns:adec="http://schemas.microsoft.com/office/drawing/2017/decorative" xmlns="" val="1"/>
                 </a:ext>
               </a:extLst>
             </p:cNvPr>
@@ -7359,7 +7362,7 @@
             <p:nvPr>
               <p:extLst>
                 <p:ext uri="{386F3935-93C4-4BCD-93E2-E3B085C9AB24}">
-                  <p16:designElem xmlns:p16="http://schemas.microsoft.com/office/powerpoint/2015/main" val="1"/>
+                  <p16:designElem xmlns:p16="http://schemas.microsoft.com/office/powerpoint/2015/main" xmlns="" val="1"/>
                 </p:ext>
               </p:extLst>
             </p:nvPr>
@@ -7398,10 +7401,10 @@
             <p:cNvPr id="76" name="Straight Connector 75">
               <a:extLst>
                 <a:ext uri="{FF2B5EF4-FFF2-40B4-BE49-F238E27FC236}">
-                  <a16:creationId xmlns:a16="http://schemas.microsoft.com/office/drawing/2014/main" id="{D4563410-7FE9-4955-89C6-0FB9326CD3A8}"/>
+                  <a16:creationId xmlns:a16="http://schemas.microsoft.com/office/drawing/2014/main" xmlns="" id="{D4563410-7FE9-4955-89C6-0FB9326CD3A8}"/>
                 </a:ext>
                 <a:ext uri="{C183D7F6-B498-43B3-948B-1728B52AA6E4}">
-                  <adec:decorative xmlns:adec="http://schemas.microsoft.com/office/drawing/2017/decorative" val="1"/>
+                  <adec:decorative xmlns:adec="http://schemas.microsoft.com/office/drawing/2017/decorative" xmlns="" val="1"/>
                 </a:ext>
               </a:extLst>
             </p:cNvPr>
@@ -7409,7 +7412,7 @@
             <p:nvPr>
               <p:extLst>
                 <p:ext uri="{386F3935-93C4-4BCD-93E2-E3B085C9AB24}">
-                  <p16:designElem xmlns:p16="http://schemas.microsoft.com/office/powerpoint/2015/main" val="1"/>
+                  <p16:designElem xmlns:p16="http://schemas.microsoft.com/office/powerpoint/2015/main" xmlns="" val="1"/>
                 </p:ext>
               </p:extLst>
             </p:nvPr>
@@ -7448,10 +7451,10 @@
             <p:cNvPr id="77" name="Straight Connector 76">
               <a:extLst>
                 <a:ext uri="{FF2B5EF4-FFF2-40B4-BE49-F238E27FC236}">
-                  <a16:creationId xmlns:a16="http://schemas.microsoft.com/office/drawing/2014/main" id="{3AD14C0E-D5DF-4BDC-BD92-642CFF18018D}"/>
+                  <a16:creationId xmlns:a16="http://schemas.microsoft.com/office/drawing/2014/main" xmlns="" id="{3AD14C0E-D5DF-4BDC-BD92-642CFF18018D}"/>
                 </a:ext>
                 <a:ext uri="{C183D7F6-B498-43B3-948B-1728B52AA6E4}">
-                  <adec:decorative xmlns:adec="http://schemas.microsoft.com/office/drawing/2017/decorative" val="1"/>
+                  <adec:decorative xmlns:adec="http://schemas.microsoft.com/office/drawing/2017/decorative" xmlns="" val="1"/>
                 </a:ext>
               </a:extLst>
             </p:cNvPr>
@@ -7459,7 +7462,7 @@
             <p:nvPr>
               <p:extLst>
                 <p:ext uri="{386F3935-93C4-4BCD-93E2-E3B085C9AB24}">
-                  <p16:designElem xmlns:p16="http://schemas.microsoft.com/office/powerpoint/2015/main" val="1"/>
+                  <p16:designElem xmlns:p16="http://schemas.microsoft.com/office/powerpoint/2015/main" xmlns="" val="1"/>
                 </p:ext>
               </p:extLst>
             </p:nvPr>
@@ -7499,10 +7502,10 @@
           <p:cNvPr id="79" name="Rectangle 78">
             <a:extLst>
               <a:ext uri="{FF2B5EF4-FFF2-40B4-BE49-F238E27FC236}">
-                <a16:creationId xmlns:a16="http://schemas.microsoft.com/office/drawing/2014/main" id="{9A212F8F-D812-4A16-BE82-F3500DE32174}"/>
+                <a16:creationId xmlns:a16="http://schemas.microsoft.com/office/drawing/2014/main" xmlns="" id="{9A212F8F-D812-4A16-BE82-F3500DE32174}"/>
               </a:ext>
               <a:ext uri="{C183D7F6-B498-43B3-948B-1728B52AA6E4}">
-                <adec:decorative xmlns:adec="http://schemas.microsoft.com/office/drawing/2017/decorative" val="1"/>
+                <adec:decorative xmlns:adec="http://schemas.microsoft.com/office/drawing/2017/decorative" xmlns="" val="1"/>
               </a:ext>
             </a:extLst>
           </p:cNvPr>
@@ -7512,7 +7515,7 @@
           <p:nvPr>
             <p:extLst>
               <p:ext uri="{386F3935-93C4-4BCD-93E2-E3B085C9AB24}">
-                <p16:designElem xmlns:p16="http://schemas.microsoft.com/office/powerpoint/2015/main" val="1"/>
+                <p16:designElem xmlns:p16="http://schemas.microsoft.com/office/powerpoint/2015/main" xmlns="" val="1"/>
               </p:ext>
             </p:extLst>
           </p:nvPr>
@@ -7559,7 +7562,7 @@
           <p:cNvPr id="4" name="Footer Placeholder 3">
             <a:extLst>
               <a:ext uri="{FF2B5EF4-FFF2-40B4-BE49-F238E27FC236}">
-                <a16:creationId xmlns:a16="http://schemas.microsoft.com/office/drawing/2014/main" id="{38DF41E2-F088-4BAC-AD22-E3A9A65040A5}"/>
+                <a16:creationId xmlns:a16="http://schemas.microsoft.com/office/drawing/2014/main" xmlns="" id="{38DF41E2-F088-4BAC-AD22-E3A9A65040A5}"/>
               </a:ext>
             </a:extLst>
           </p:cNvPr>
@@ -7609,10 +7612,10 @@
           <p:cNvPr id="81" name="Snip Diagonal Corner Rectangle 24">
             <a:extLst>
               <a:ext uri="{FF2B5EF4-FFF2-40B4-BE49-F238E27FC236}">
-                <a16:creationId xmlns:a16="http://schemas.microsoft.com/office/drawing/2014/main" id="{D2CF1D1B-04ED-443D-A9FE-68BF8859BDD6}"/>
+                <a16:creationId xmlns:a16="http://schemas.microsoft.com/office/drawing/2014/main" xmlns="" id="{D2CF1D1B-04ED-443D-A9FE-68BF8859BDD6}"/>
               </a:ext>
               <a:ext uri="{C183D7F6-B498-43B3-948B-1728B52AA6E4}">
-                <adec:decorative xmlns:adec="http://schemas.microsoft.com/office/drawing/2017/decorative" val="1"/>
+                <adec:decorative xmlns:adec="http://schemas.microsoft.com/office/drawing/2017/decorative" xmlns="" val="1"/>
               </a:ext>
             </a:extLst>
           </p:cNvPr>
@@ -7622,7 +7625,7 @@
           <p:nvPr>
             <p:extLst>
               <p:ext uri="{386F3935-93C4-4BCD-93E2-E3B085C9AB24}">
-                <p16:designElem xmlns:p16="http://schemas.microsoft.com/office/powerpoint/2015/main" val="1"/>
+                <p16:designElem xmlns:p16="http://schemas.microsoft.com/office/powerpoint/2015/main" xmlns="" val="1"/>
               </p:ext>
             </p:extLst>
           </p:nvPr>
@@ -7682,7 +7685,7 @@
           <p:cNvPr id="12293" name="Picture 2" descr="Forms response chart. Question title: Each hole located on the left-hand side of the lettering guide is spaced apart by how many inches?. Number of responses: 13 / 14 correct responses.">
             <a:extLst>
               <a:ext uri="{FF2B5EF4-FFF2-40B4-BE49-F238E27FC236}">
-                <a16:creationId xmlns:a16="http://schemas.microsoft.com/office/drawing/2014/main" id="{414C191C-6BA9-4F0A-9024-B5AF7D0225DE}"/>
+                <a16:creationId xmlns:a16="http://schemas.microsoft.com/office/drawing/2014/main" xmlns="" id="{414C191C-6BA9-4F0A-9024-B5AF7D0225DE}"/>
               </a:ext>
             </a:extLst>
           </p:cNvPr>
@@ -7857,10 +7860,10 @@
           <p:cNvPr id="72" name="Group 71">
             <a:extLst>
               <a:ext uri="{FF2B5EF4-FFF2-40B4-BE49-F238E27FC236}">
-                <a16:creationId xmlns:a16="http://schemas.microsoft.com/office/drawing/2014/main" id="{2103B461-323C-4912-BFFD-C37582662085}"/>
+                <a16:creationId xmlns:a16="http://schemas.microsoft.com/office/drawing/2014/main" xmlns="" id="{2103B461-323C-4912-BFFD-C37582662085}"/>
               </a:ext>
               <a:ext uri="{C183D7F6-B498-43B3-948B-1728B52AA6E4}">
-                <adec:decorative xmlns:adec="http://schemas.microsoft.com/office/drawing/2017/decorative" val="1"/>
+                <adec:decorative xmlns:adec="http://schemas.microsoft.com/office/drawing/2017/decorative" xmlns="" val="1"/>
               </a:ext>
             </a:extLst>
           </p:cNvPr>
@@ -7870,7 +7873,7 @@
           <p:nvPr>
             <p:extLst>
               <p:ext uri="{386F3935-93C4-4BCD-93E2-E3B085C9AB24}">
-                <p16:designElem xmlns:p16="http://schemas.microsoft.com/office/powerpoint/2015/main" val="1"/>
+                <p16:designElem xmlns:p16="http://schemas.microsoft.com/office/powerpoint/2015/main" xmlns="" val="1"/>
               </p:ext>
             </p:extLst>
           </p:nvPr>
@@ -7888,10 +7891,10 @@
             <p:cNvPr id="73" name="Straight Connector 72">
               <a:extLst>
                 <a:ext uri="{FF2B5EF4-FFF2-40B4-BE49-F238E27FC236}">
-                  <a16:creationId xmlns:a16="http://schemas.microsoft.com/office/drawing/2014/main" id="{FBC21318-F4F4-4524-95D1-6B7FE0A788A3}"/>
+                  <a16:creationId xmlns:a16="http://schemas.microsoft.com/office/drawing/2014/main" xmlns="" id="{FBC21318-F4F4-4524-95D1-6B7FE0A788A3}"/>
                 </a:ext>
                 <a:ext uri="{C183D7F6-B498-43B3-948B-1728B52AA6E4}">
-                  <adec:decorative xmlns:adec="http://schemas.microsoft.com/office/drawing/2017/decorative" val="1"/>
+                  <adec:decorative xmlns:adec="http://schemas.microsoft.com/office/drawing/2017/decorative" xmlns="" val="1"/>
                 </a:ext>
               </a:extLst>
             </p:cNvPr>
@@ -7899,7 +7902,7 @@
             <p:nvPr>
               <p:extLst>
                 <p:ext uri="{386F3935-93C4-4BCD-93E2-E3B085C9AB24}">
-                  <p16:designElem xmlns:p16="http://schemas.microsoft.com/office/powerpoint/2015/main" val="1"/>
+                  <p16:designElem xmlns:p16="http://schemas.microsoft.com/office/powerpoint/2015/main" xmlns="" val="1"/>
                 </p:ext>
               </p:extLst>
             </p:nvPr>
@@ -7938,10 +7941,10 @@
             <p:cNvPr id="74" name="Straight Connector 73">
               <a:extLst>
                 <a:ext uri="{FF2B5EF4-FFF2-40B4-BE49-F238E27FC236}">
-                  <a16:creationId xmlns:a16="http://schemas.microsoft.com/office/drawing/2014/main" id="{D9FFA8E5-974F-409E-89C6-E185BD90933C}"/>
+                  <a16:creationId xmlns:a16="http://schemas.microsoft.com/office/drawing/2014/main" xmlns="" id="{D9FFA8E5-974F-409E-89C6-E185BD90933C}"/>
                 </a:ext>
                 <a:ext uri="{C183D7F6-B498-43B3-948B-1728B52AA6E4}">
-                  <adec:decorative xmlns:adec="http://schemas.microsoft.com/office/drawing/2017/decorative" val="1"/>
+                  <adec:decorative xmlns:adec="http://schemas.microsoft.com/office/drawing/2017/decorative" xmlns="" val="1"/>
                 </a:ext>
               </a:extLst>
             </p:cNvPr>
@@ -7949,7 +7952,7 @@
             <p:nvPr>
               <p:extLst>
                 <p:ext uri="{386F3935-93C4-4BCD-93E2-E3B085C9AB24}">
-                  <p16:designElem xmlns:p16="http://schemas.microsoft.com/office/powerpoint/2015/main" val="1"/>
+                  <p16:designElem xmlns:p16="http://schemas.microsoft.com/office/powerpoint/2015/main" xmlns="" val="1"/>
                 </p:ext>
               </p:extLst>
             </p:nvPr>
@@ -7988,10 +7991,10 @@
             <p:cNvPr id="75" name="Straight Connector 74">
               <a:extLst>
                 <a:ext uri="{FF2B5EF4-FFF2-40B4-BE49-F238E27FC236}">
-                  <a16:creationId xmlns:a16="http://schemas.microsoft.com/office/drawing/2014/main" id="{C384E2B1-7008-45EE-9F2E-FEF3A089780F}"/>
+                  <a16:creationId xmlns:a16="http://schemas.microsoft.com/office/drawing/2014/main" xmlns="" id="{C384E2B1-7008-45EE-9F2E-FEF3A089780F}"/>
                 </a:ext>
                 <a:ext uri="{C183D7F6-B498-43B3-948B-1728B52AA6E4}">
-                  <adec:decorative xmlns:adec="http://schemas.microsoft.com/office/drawing/2017/decorative" val="1"/>
+                  <adec:decorative xmlns:adec="http://schemas.microsoft.com/office/drawing/2017/decorative" xmlns="" val="1"/>
                 </a:ext>
               </a:extLst>
             </p:cNvPr>
@@ -7999,7 +8002,7 @@
             <p:nvPr>
               <p:extLst>
                 <p:ext uri="{386F3935-93C4-4BCD-93E2-E3B085C9AB24}">
-                  <p16:designElem xmlns:p16="http://schemas.microsoft.com/office/powerpoint/2015/main" val="1"/>
+                  <p16:designElem xmlns:p16="http://schemas.microsoft.com/office/powerpoint/2015/main" xmlns="" val="1"/>
                 </p:ext>
               </p:extLst>
             </p:nvPr>
@@ -8038,10 +8041,10 @@
             <p:cNvPr id="76" name="Straight Connector 75">
               <a:extLst>
                 <a:ext uri="{FF2B5EF4-FFF2-40B4-BE49-F238E27FC236}">
-                  <a16:creationId xmlns:a16="http://schemas.microsoft.com/office/drawing/2014/main" id="{D4563410-7FE9-4955-89C6-0FB9326CD3A8}"/>
+                  <a16:creationId xmlns:a16="http://schemas.microsoft.com/office/drawing/2014/main" xmlns="" id="{D4563410-7FE9-4955-89C6-0FB9326CD3A8}"/>
                 </a:ext>
                 <a:ext uri="{C183D7F6-B498-43B3-948B-1728B52AA6E4}">
-                  <adec:decorative xmlns:adec="http://schemas.microsoft.com/office/drawing/2017/decorative" val="1"/>
+                  <adec:decorative xmlns:adec="http://schemas.microsoft.com/office/drawing/2017/decorative" xmlns="" val="1"/>
                 </a:ext>
               </a:extLst>
             </p:cNvPr>
@@ -8049,7 +8052,7 @@
             <p:nvPr>
               <p:extLst>
                 <p:ext uri="{386F3935-93C4-4BCD-93E2-E3B085C9AB24}">
-                  <p16:designElem xmlns:p16="http://schemas.microsoft.com/office/powerpoint/2015/main" val="1"/>
+                  <p16:designElem xmlns:p16="http://schemas.microsoft.com/office/powerpoint/2015/main" xmlns="" val="1"/>
                 </p:ext>
               </p:extLst>
             </p:nvPr>
@@ -8088,10 +8091,10 @@
             <p:cNvPr id="77" name="Straight Connector 76">
               <a:extLst>
                 <a:ext uri="{FF2B5EF4-FFF2-40B4-BE49-F238E27FC236}">
-                  <a16:creationId xmlns:a16="http://schemas.microsoft.com/office/drawing/2014/main" id="{3AD14C0E-D5DF-4BDC-BD92-642CFF18018D}"/>
+                  <a16:creationId xmlns:a16="http://schemas.microsoft.com/office/drawing/2014/main" xmlns="" id="{3AD14C0E-D5DF-4BDC-BD92-642CFF18018D}"/>
                 </a:ext>
                 <a:ext uri="{C183D7F6-B498-43B3-948B-1728B52AA6E4}">
-                  <adec:decorative xmlns:adec="http://schemas.microsoft.com/office/drawing/2017/decorative" val="1"/>
+                  <adec:decorative xmlns:adec="http://schemas.microsoft.com/office/drawing/2017/decorative" xmlns="" val="1"/>
                 </a:ext>
               </a:extLst>
             </p:cNvPr>
@@ -8099,7 +8102,7 @@
             <p:nvPr>
               <p:extLst>
                 <p:ext uri="{386F3935-93C4-4BCD-93E2-E3B085C9AB24}">
-                  <p16:designElem xmlns:p16="http://schemas.microsoft.com/office/powerpoint/2015/main" val="1"/>
+                  <p16:designElem xmlns:p16="http://schemas.microsoft.com/office/powerpoint/2015/main" xmlns="" val="1"/>
                 </p:ext>
               </p:extLst>
             </p:nvPr>
@@ -8139,10 +8142,10 @@
           <p:cNvPr id="79" name="Rectangle 78">
             <a:extLst>
               <a:ext uri="{FF2B5EF4-FFF2-40B4-BE49-F238E27FC236}">
-                <a16:creationId xmlns:a16="http://schemas.microsoft.com/office/drawing/2014/main" id="{9A212F8F-D812-4A16-BE82-F3500DE32174}"/>
+                <a16:creationId xmlns:a16="http://schemas.microsoft.com/office/drawing/2014/main" xmlns="" id="{9A212F8F-D812-4A16-BE82-F3500DE32174}"/>
               </a:ext>
               <a:ext uri="{C183D7F6-B498-43B3-948B-1728B52AA6E4}">
-                <adec:decorative xmlns:adec="http://schemas.microsoft.com/office/drawing/2017/decorative" val="1"/>
+                <adec:decorative xmlns:adec="http://schemas.microsoft.com/office/drawing/2017/decorative" xmlns="" val="1"/>
               </a:ext>
             </a:extLst>
           </p:cNvPr>
@@ -8152,7 +8155,7 @@
           <p:nvPr>
             <p:extLst>
               <p:ext uri="{386F3935-93C4-4BCD-93E2-E3B085C9AB24}">
-                <p16:designElem xmlns:p16="http://schemas.microsoft.com/office/powerpoint/2015/main" val="1"/>
+                <p16:designElem xmlns:p16="http://schemas.microsoft.com/office/powerpoint/2015/main" xmlns="" val="1"/>
               </p:ext>
             </p:extLst>
           </p:nvPr>
@@ -8199,7 +8202,7 @@
           <p:cNvPr id="4" name="Footer Placeholder 3">
             <a:extLst>
               <a:ext uri="{FF2B5EF4-FFF2-40B4-BE49-F238E27FC236}">
-                <a16:creationId xmlns:a16="http://schemas.microsoft.com/office/drawing/2014/main" id="{34CE558B-7E70-4896-9D55-360998738964}"/>
+                <a16:creationId xmlns:a16="http://schemas.microsoft.com/office/drawing/2014/main" xmlns="" id="{34CE558B-7E70-4896-9D55-360998738964}"/>
               </a:ext>
             </a:extLst>
           </p:cNvPr>
@@ -8249,10 +8252,10 @@
           <p:cNvPr id="81" name="Snip Diagonal Corner Rectangle 24">
             <a:extLst>
               <a:ext uri="{FF2B5EF4-FFF2-40B4-BE49-F238E27FC236}">
-                <a16:creationId xmlns:a16="http://schemas.microsoft.com/office/drawing/2014/main" id="{D2CF1D1B-04ED-443D-A9FE-68BF8859BDD6}"/>
+                <a16:creationId xmlns:a16="http://schemas.microsoft.com/office/drawing/2014/main" xmlns="" id="{D2CF1D1B-04ED-443D-A9FE-68BF8859BDD6}"/>
               </a:ext>
               <a:ext uri="{C183D7F6-B498-43B3-948B-1728B52AA6E4}">
-                <adec:decorative xmlns:adec="http://schemas.microsoft.com/office/drawing/2017/decorative" val="1"/>
+                <adec:decorative xmlns:adec="http://schemas.microsoft.com/office/drawing/2017/decorative" xmlns="" val="1"/>
               </a:ext>
             </a:extLst>
           </p:cNvPr>
@@ -8262,7 +8265,7 @@
           <p:nvPr>
             <p:extLst>
               <p:ext uri="{386F3935-93C4-4BCD-93E2-E3B085C9AB24}">
-                <p16:designElem xmlns:p16="http://schemas.microsoft.com/office/powerpoint/2015/main" val="1"/>
+                <p16:designElem xmlns:p16="http://schemas.microsoft.com/office/powerpoint/2015/main" xmlns="" val="1"/>
               </p:ext>
             </p:extLst>
           </p:nvPr>
@@ -8322,7 +8325,7 @@
           <p:cNvPr id="13317" name="Picture 2" descr="Forms response chart. Question title: On our Drawing #5 titled Lettering, the left-hand side section required letters at what height?. Number of responses: 10 / 14 correct responses.">
             <a:extLst>
               <a:ext uri="{FF2B5EF4-FFF2-40B4-BE49-F238E27FC236}">
-                <a16:creationId xmlns:a16="http://schemas.microsoft.com/office/drawing/2014/main" id="{F016F6C0-7BE6-4219-9F05-DEB7524DBFF3}"/>
+                <a16:creationId xmlns:a16="http://schemas.microsoft.com/office/drawing/2014/main" xmlns="" id="{F016F6C0-7BE6-4219-9F05-DEB7524DBFF3}"/>
               </a:ext>
             </a:extLst>
           </p:cNvPr>
@@ -8497,10 +8500,10 @@
           <p:cNvPr id="72" name="Group 71">
             <a:extLst>
               <a:ext uri="{FF2B5EF4-FFF2-40B4-BE49-F238E27FC236}">
-                <a16:creationId xmlns:a16="http://schemas.microsoft.com/office/drawing/2014/main" id="{2103B461-323C-4912-BFFD-C37582662085}"/>
+                <a16:creationId xmlns:a16="http://schemas.microsoft.com/office/drawing/2014/main" xmlns="" id="{2103B461-323C-4912-BFFD-C37582662085}"/>
               </a:ext>
               <a:ext uri="{C183D7F6-B498-43B3-948B-1728B52AA6E4}">
-                <adec:decorative xmlns:adec="http://schemas.microsoft.com/office/drawing/2017/decorative" val="1"/>
+                <adec:decorative xmlns:adec="http://schemas.microsoft.com/office/drawing/2017/decorative" xmlns="" val="1"/>
               </a:ext>
             </a:extLst>
           </p:cNvPr>
@@ -8510,7 +8513,7 @@
           <p:nvPr>
             <p:extLst>
               <p:ext uri="{386F3935-93C4-4BCD-93E2-E3B085C9AB24}">
-                <p16:designElem xmlns:p16="http://schemas.microsoft.com/office/powerpoint/2015/main" val="1"/>
+                <p16:designElem xmlns:p16="http://schemas.microsoft.com/office/powerpoint/2015/main" xmlns="" val="1"/>
               </p:ext>
             </p:extLst>
           </p:nvPr>
@@ -8528,10 +8531,10 @@
             <p:cNvPr id="73" name="Straight Connector 72">
               <a:extLst>
                 <a:ext uri="{FF2B5EF4-FFF2-40B4-BE49-F238E27FC236}">
-                  <a16:creationId xmlns:a16="http://schemas.microsoft.com/office/drawing/2014/main" id="{FBC21318-F4F4-4524-95D1-6B7FE0A788A3}"/>
+                  <a16:creationId xmlns:a16="http://schemas.microsoft.com/office/drawing/2014/main" xmlns="" id="{FBC21318-F4F4-4524-95D1-6B7FE0A788A3}"/>
                 </a:ext>
                 <a:ext uri="{C183D7F6-B498-43B3-948B-1728B52AA6E4}">
-                  <adec:decorative xmlns:adec="http://schemas.microsoft.com/office/drawing/2017/decorative" val="1"/>
+                  <adec:decorative xmlns:adec="http://schemas.microsoft.com/office/drawing/2017/decorative" xmlns="" val="1"/>
                 </a:ext>
               </a:extLst>
             </p:cNvPr>
@@ -8539,7 +8542,7 @@
             <p:nvPr>
               <p:extLst>
                 <p:ext uri="{386F3935-93C4-4BCD-93E2-E3B085C9AB24}">
-                  <p16:designElem xmlns:p16="http://schemas.microsoft.com/office/powerpoint/2015/main" val="1"/>
+                  <p16:designElem xmlns:p16="http://schemas.microsoft.com/office/powerpoint/2015/main" xmlns="" val="1"/>
                 </p:ext>
               </p:extLst>
             </p:nvPr>
@@ -8578,10 +8581,10 @@
             <p:cNvPr id="74" name="Straight Connector 73">
               <a:extLst>
                 <a:ext uri="{FF2B5EF4-FFF2-40B4-BE49-F238E27FC236}">
-                  <a16:creationId xmlns:a16="http://schemas.microsoft.com/office/drawing/2014/main" id="{D9FFA8E5-974F-409E-89C6-E185BD90933C}"/>
+                  <a16:creationId xmlns:a16="http://schemas.microsoft.com/office/drawing/2014/main" xmlns="" id="{D9FFA8E5-974F-409E-89C6-E185BD90933C}"/>
                 </a:ext>
                 <a:ext uri="{C183D7F6-B498-43B3-948B-1728B52AA6E4}">
-                  <adec:decorative xmlns:adec="http://schemas.microsoft.com/office/drawing/2017/decorative" val="1"/>
+                  <adec:decorative xmlns:adec="http://schemas.microsoft.com/office/drawing/2017/decorative" xmlns="" val="1"/>
                 </a:ext>
               </a:extLst>
             </p:cNvPr>
@@ -8589,7 +8592,7 @@
             <p:nvPr>
               <p:extLst>
                 <p:ext uri="{386F3935-93C4-4BCD-93E2-E3B085C9AB24}">
-                  <p16:designElem xmlns:p16="http://schemas.microsoft.com/office/powerpoint/2015/main" val="1"/>
+                  <p16:designElem xmlns:p16="http://schemas.microsoft.com/office/powerpoint/2015/main" xmlns="" val="1"/>
                 </p:ext>
               </p:extLst>
             </p:nvPr>
@@ -8628,10 +8631,10 @@
             <p:cNvPr id="75" name="Straight Connector 74">
               <a:extLst>
                 <a:ext uri="{FF2B5EF4-FFF2-40B4-BE49-F238E27FC236}">
-                  <a16:creationId xmlns:a16="http://schemas.microsoft.com/office/drawing/2014/main" id="{C384E2B1-7008-45EE-9F2E-FEF3A089780F}"/>
+                  <a16:creationId xmlns:a16="http://schemas.microsoft.com/office/drawing/2014/main" xmlns="" id="{C384E2B1-7008-45EE-9F2E-FEF3A089780F}"/>
                 </a:ext>
                 <a:ext uri="{C183D7F6-B498-43B3-948B-1728B52AA6E4}">
-                  <adec:decorative xmlns:adec="http://schemas.microsoft.com/office/drawing/2017/decorative" val="1"/>
+                  <adec:decorative xmlns:adec="http://schemas.microsoft.com/office/drawing/2017/decorative" xmlns="" val="1"/>
                 </a:ext>
               </a:extLst>
             </p:cNvPr>
@@ -8639,7 +8642,7 @@
             <p:nvPr>
               <p:extLst>
                 <p:ext uri="{386F3935-93C4-4BCD-93E2-E3B085C9AB24}">
-                  <p16:designElem xmlns:p16="http://schemas.microsoft.com/office/powerpoint/2015/main" val="1"/>
+                  <p16:designElem xmlns:p16="http://schemas.microsoft.com/office/powerpoint/2015/main" xmlns="" val="1"/>
                 </p:ext>
               </p:extLst>
             </p:nvPr>
@@ -8678,10 +8681,10 @@
             <p:cNvPr id="76" name="Straight Connector 75">
               <a:extLst>
                 <a:ext uri="{FF2B5EF4-FFF2-40B4-BE49-F238E27FC236}">
-                  <a16:creationId xmlns:a16="http://schemas.microsoft.com/office/drawing/2014/main" id="{D4563410-7FE9-4955-89C6-0FB9326CD3A8}"/>
+                  <a16:creationId xmlns:a16="http://schemas.microsoft.com/office/drawing/2014/main" xmlns="" id="{D4563410-7FE9-4955-89C6-0FB9326CD3A8}"/>
                 </a:ext>
                 <a:ext uri="{C183D7F6-B498-43B3-948B-1728B52AA6E4}">
-                  <adec:decorative xmlns:adec="http://schemas.microsoft.com/office/drawing/2017/decorative" val="1"/>
+                  <adec:decorative xmlns:adec="http://schemas.microsoft.com/office/drawing/2017/decorative" xmlns="" val="1"/>
                 </a:ext>
               </a:extLst>
             </p:cNvPr>
@@ -8689,7 +8692,7 @@
             <p:nvPr>
               <p:extLst>
                 <p:ext uri="{386F3935-93C4-4BCD-93E2-E3B085C9AB24}">
-                  <p16:designElem xmlns:p16="http://schemas.microsoft.com/office/powerpoint/2015/main" val="1"/>
+                  <p16:designElem xmlns:p16="http://schemas.microsoft.com/office/powerpoint/2015/main" xmlns="" val="1"/>
                 </p:ext>
               </p:extLst>
             </p:nvPr>
@@ -8728,10 +8731,10 @@
             <p:cNvPr id="77" name="Straight Connector 76">
               <a:extLst>
                 <a:ext uri="{FF2B5EF4-FFF2-40B4-BE49-F238E27FC236}">
-                  <a16:creationId xmlns:a16="http://schemas.microsoft.com/office/drawing/2014/main" id="{3AD14C0E-D5DF-4BDC-BD92-642CFF18018D}"/>
+                  <a16:creationId xmlns:a16="http://schemas.microsoft.com/office/drawing/2014/main" xmlns="" id="{3AD14C0E-D5DF-4BDC-BD92-642CFF18018D}"/>
                 </a:ext>
                 <a:ext uri="{C183D7F6-B498-43B3-948B-1728B52AA6E4}">
-                  <adec:decorative xmlns:adec="http://schemas.microsoft.com/office/drawing/2017/decorative" val="1"/>
+                  <adec:decorative xmlns:adec="http://schemas.microsoft.com/office/drawing/2017/decorative" xmlns="" val="1"/>
                 </a:ext>
               </a:extLst>
             </p:cNvPr>
@@ -8739,7 +8742,7 @@
             <p:nvPr>
               <p:extLst>
                 <p:ext uri="{386F3935-93C4-4BCD-93E2-E3B085C9AB24}">
-                  <p16:designElem xmlns:p16="http://schemas.microsoft.com/office/powerpoint/2015/main" val="1"/>
+                  <p16:designElem xmlns:p16="http://schemas.microsoft.com/office/powerpoint/2015/main" xmlns="" val="1"/>
                 </p:ext>
               </p:extLst>
             </p:nvPr>
@@ -8779,10 +8782,10 @@
           <p:cNvPr id="79" name="Rectangle 78">
             <a:extLst>
               <a:ext uri="{FF2B5EF4-FFF2-40B4-BE49-F238E27FC236}">
-                <a16:creationId xmlns:a16="http://schemas.microsoft.com/office/drawing/2014/main" id="{9A212F8F-D812-4A16-BE82-F3500DE32174}"/>
+                <a16:creationId xmlns:a16="http://schemas.microsoft.com/office/drawing/2014/main" xmlns="" id="{9A212F8F-D812-4A16-BE82-F3500DE32174}"/>
               </a:ext>
               <a:ext uri="{C183D7F6-B498-43B3-948B-1728B52AA6E4}">
-                <adec:decorative xmlns:adec="http://schemas.microsoft.com/office/drawing/2017/decorative" val="1"/>
+                <adec:decorative xmlns:adec="http://schemas.microsoft.com/office/drawing/2017/decorative" xmlns="" val="1"/>
               </a:ext>
             </a:extLst>
           </p:cNvPr>
@@ -8792,7 +8795,7 @@
           <p:nvPr>
             <p:extLst>
               <p:ext uri="{386F3935-93C4-4BCD-93E2-E3B085C9AB24}">
-                <p16:designElem xmlns:p16="http://schemas.microsoft.com/office/powerpoint/2015/main" val="1"/>
+                <p16:designElem xmlns:p16="http://schemas.microsoft.com/office/powerpoint/2015/main" xmlns="" val="1"/>
               </p:ext>
             </p:extLst>
           </p:nvPr>
@@ -8839,7 +8842,7 @@
           <p:cNvPr id="4" name="Footer Placeholder 3">
             <a:extLst>
               <a:ext uri="{FF2B5EF4-FFF2-40B4-BE49-F238E27FC236}">
-                <a16:creationId xmlns:a16="http://schemas.microsoft.com/office/drawing/2014/main" id="{BD74D8D4-0872-4ABC-BC1C-B9B30673A4C3}"/>
+                <a16:creationId xmlns:a16="http://schemas.microsoft.com/office/drawing/2014/main" xmlns="" id="{BD74D8D4-0872-4ABC-BC1C-B9B30673A4C3}"/>
               </a:ext>
             </a:extLst>
           </p:cNvPr>
@@ -8889,10 +8892,10 @@
           <p:cNvPr id="81" name="Snip Diagonal Corner Rectangle 24">
             <a:extLst>
               <a:ext uri="{FF2B5EF4-FFF2-40B4-BE49-F238E27FC236}">
-                <a16:creationId xmlns:a16="http://schemas.microsoft.com/office/drawing/2014/main" id="{D2CF1D1B-04ED-443D-A9FE-68BF8859BDD6}"/>
+                <a16:creationId xmlns:a16="http://schemas.microsoft.com/office/drawing/2014/main" xmlns="" id="{D2CF1D1B-04ED-443D-A9FE-68BF8859BDD6}"/>
               </a:ext>
               <a:ext uri="{C183D7F6-B498-43B3-948B-1728B52AA6E4}">
-                <adec:decorative xmlns:adec="http://schemas.microsoft.com/office/drawing/2017/decorative" val="1"/>
+                <adec:decorative xmlns:adec="http://schemas.microsoft.com/office/drawing/2017/decorative" xmlns="" val="1"/>
               </a:ext>
             </a:extLst>
           </p:cNvPr>
@@ -8902,7 +8905,7 @@
           <p:nvPr>
             <p:extLst>
               <p:ext uri="{386F3935-93C4-4BCD-93E2-E3B085C9AB24}">
-                <p16:designElem xmlns:p16="http://schemas.microsoft.com/office/powerpoint/2015/main" val="1"/>
+                <p16:designElem xmlns:p16="http://schemas.microsoft.com/office/powerpoint/2015/main" xmlns="" val="1"/>
               </p:ext>
             </p:extLst>
           </p:nvPr>
@@ -8962,7 +8965,7 @@
           <p:cNvPr id="14341" name="Picture 2" descr="Forms response chart. Question title: On our Drawing #5 titled Lettering, what scale was this drawing made at?. Number of responses: 6 / 14 correct responses.">
             <a:extLst>
               <a:ext uri="{FF2B5EF4-FFF2-40B4-BE49-F238E27FC236}">
-                <a16:creationId xmlns:a16="http://schemas.microsoft.com/office/drawing/2014/main" id="{C9648429-C74D-4AA5-AEB9-0870D15D3715}"/>
+                <a16:creationId xmlns:a16="http://schemas.microsoft.com/office/drawing/2014/main" xmlns="" id="{C9648429-C74D-4AA5-AEB9-0870D15D3715}"/>
               </a:ext>
             </a:extLst>
           </p:cNvPr>
@@ -9234,7 +9237,7 @@
           <p:cNvPr id="4" name="Footer Placeholder 3">
             <a:extLst>
               <a:ext uri="{FF2B5EF4-FFF2-40B4-BE49-F238E27FC236}">
-                <a16:creationId xmlns:a16="http://schemas.microsoft.com/office/drawing/2014/main" id="{EADFB87E-2A3F-4815-8F5E-3CF3521EBF24}"/>
+                <a16:creationId xmlns:a16="http://schemas.microsoft.com/office/drawing/2014/main" xmlns="" id="{EADFB87E-2A3F-4815-8F5E-3CF3521EBF24}"/>
               </a:ext>
             </a:extLst>
           </p:cNvPr>
@@ -9342,10 +9345,10 @@
           <p:cNvPr id="71" name="Group 70">
             <a:extLst>
               <a:ext uri="{FF2B5EF4-FFF2-40B4-BE49-F238E27FC236}">
-                <a16:creationId xmlns:a16="http://schemas.microsoft.com/office/drawing/2014/main" id="{2103B461-323C-4912-BFFD-C37582662085}"/>
+                <a16:creationId xmlns:a16="http://schemas.microsoft.com/office/drawing/2014/main" xmlns="" id="{2103B461-323C-4912-BFFD-C37582662085}"/>
               </a:ext>
               <a:ext uri="{C183D7F6-B498-43B3-948B-1728B52AA6E4}">
-                <adec:decorative xmlns:adec="http://schemas.microsoft.com/office/drawing/2017/decorative" val="1"/>
+                <adec:decorative xmlns:adec="http://schemas.microsoft.com/office/drawing/2017/decorative" xmlns="" val="1"/>
               </a:ext>
             </a:extLst>
           </p:cNvPr>
@@ -9355,7 +9358,7 @@
           <p:nvPr>
             <p:extLst>
               <p:ext uri="{386F3935-93C4-4BCD-93E2-E3B085C9AB24}">
-                <p16:designElem xmlns:p16="http://schemas.microsoft.com/office/powerpoint/2015/main" val="1"/>
+                <p16:designElem xmlns:p16="http://schemas.microsoft.com/office/powerpoint/2015/main" xmlns="" val="1"/>
               </p:ext>
             </p:extLst>
           </p:nvPr>
@@ -9373,10 +9376,10 @@
             <p:cNvPr id="72" name="Straight Connector 71">
               <a:extLst>
                 <a:ext uri="{FF2B5EF4-FFF2-40B4-BE49-F238E27FC236}">
-                  <a16:creationId xmlns:a16="http://schemas.microsoft.com/office/drawing/2014/main" id="{FBC21318-F4F4-4524-95D1-6B7FE0A788A3}"/>
+                  <a16:creationId xmlns:a16="http://schemas.microsoft.com/office/drawing/2014/main" xmlns="" id="{FBC21318-F4F4-4524-95D1-6B7FE0A788A3}"/>
                 </a:ext>
                 <a:ext uri="{C183D7F6-B498-43B3-948B-1728B52AA6E4}">
-                  <adec:decorative xmlns:adec="http://schemas.microsoft.com/office/drawing/2017/decorative" val="1"/>
+                  <adec:decorative xmlns:adec="http://schemas.microsoft.com/office/drawing/2017/decorative" xmlns="" val="1"/>
                 </a:ext>
               </a:extLst>
             </p:cNvPr>
@@ -9384,7 +9387,7 @@
             <p:nvPr>
               <p:extLst>
                 <p:ext uri="{386F3935-93C4-4BCD-93E2-E3B085C9AB24}">
-                  <p16:designElem xmlns:p16="http://schemas.microsoft.com/office/powerpoint/2015/main" val="1"/>
+                  <p16:designElem xmlns:p16="http://schemas.microsoft.com/office/powerpoint/2015/main" xmlns="" val="1"/>
                 </p:ext>
               </p:extLst>
             </p:nvPr>
@@ -9423,10 +9426,10 @@
             <p:cNvPr id="73" name="Straight Connector 72">
               <a:extLst>
                 <a:ext uri="{FF2B5EF4-FFF2-40B4-BE49-F238E27FC236}">
-                  <a16:creationId xmlns:a16="http://schemas.microsoft.com/office/drawing/2014/main" id="{D9FFA8E5-974F-409E-89C6-E185BD90933C}"/>
+                  <a16:creationId xmlns:a16="http://schemas.microsoft.com/office/drawing/2014/main" xmlns="" id="{D9FFA8E5-974F-409E-89C6-E185BD90933C}"/>
                 </a:ext>
                 <a:ext uri="{C183D7F6-B498-43B3-948B-1728B52AA6E4}">
-                  <adec:decorative xmlns:adec="http://schemas.microsoft.com/office/drawing/2017/decorative" val="1"/>
+                  <adec:decorative xmlns:adec="http://schemas.microsoft.com/office/drawing/2017/decorative" xmlns="" val="1"/>
                 </a:ext>
               </a:extLst>
             </p:cNvPr>
@@ -9434,7 +9437,7 @@
             <p:nvPr>
               <p:extLst>
                 <p:ext uri="{386F3935-93C4-4BCD-93E2-E3B085C9AB24}">
-                  <p16:designElem xmlns:p16="http://schemas.microsoft.com/office/powerpoint/2015/main" val="1"/>
+                  <p16:designElem xmlns:p16="http://schemas.microsoft.com/office/powerpoint/2015/main" xmlns="" val="1"/>
                 </p:ext>
               </p:extLst>
             </p:nvPr>
@@ -9473,10 +9476,10 @@
             <p:cNvPr id="74" name="Straight Connector 73">
               <a:extLst>
                 <a:ext uri="{FF2B5EF4-FFF2-40B4-BE49-F238E27FC236}">
-                  <a16:creationId xmlns:a16="http://schemas.microsoft.com/office/drawing/2014/main" id="{C384E2B1-7008-45EE-9F2E-FEF3A089780F}"/>
+                  <a16:creationId xmlns:a16="http://schemas.microsoft.com/office/drawing/2014/main" xmlns="" id="{C384E2B1-7008-45EE-9F2E-FEF3A089780F}"/>
                 </a:ext>
                 <a:ext uri="{C183D7F6-B498-43B3-948B-1728B52AA6E4}">
-                  <adec:decorative xmlns:adec="http://schemas.microsoft.com/office/drawing/2017/decorative" val="1"/>
+                  <adec:decorative xmlns:adec="http://schemas.microsoft.com/office/drawing/2017/decorative" xmlns="" val="1"/>
                 </a:ext>
               </a:extLst>
             </p:cNvPr>
@@ -9484,7 +9487,7 @@
             <p:nvPr>
               <p:extLst>
                 <p:ext uri="{386F3935-93C4-4BCD-93E2-E3B085C9AB24}">
-                  <p16:designElem xmlns:p16="http://schemas.microsoft.com/office/powerpoint/2015/main" val="1"/>
+                  <p16:designElem xmlns:p16="http://schemas.microsoft.com/office/powerpoint/2015/main" xmlns="" val="1"/>
                 </p:ext>
               </p:extLst>
             </p:nvPr>
@@ -9523,10 +9526,10 @@
             <p:cNvPr id="75" name="Straight Connector 74">
               <a:extLst>
                 <a:ext uri="{FF2B5EF4-FFF2-40B4-BE49-F238E27FC236}">
-                  <a16:creationId xmlns:a16="http://schemas.microsoft.com/office/drawing/2014/main" id="{D4563410-7FE9-4955-89C6-0FB9326CD3A8}"/>
+                  <a16:creationId xmlns:a16="http://schemas.microsoft.com/office/drawing/2014/main" xmlns="" id="{D4563410-7FE9-4955-89C6-0FB9326CD3A8}"/>
                 </a:ext>
                 <a:ext uri="{C183D7F6-B498-43B3-948B-1728B52AA6E4}">
-                  <adec:decorative xmlns:adec="http://schemas.microsoft.com/office/drawing/2017/decorative" val="1"/>
+                  <adec:decorative xmlns:adec="http://schemas.microsoft.com/office/drawing/2017/decorative" xmlns="" val="1"/>
                 </a:ext>
               </a:extLst>
             </p:cNvPr>
@@ -9534,7 +9537,7 @@
             <p:nvPr>
               <p:extLst>
                 <p:ext uri="{386F3935-93C4-4BCD-93E2-E3B085C9AB24}">
-                  <p16:designElem xmlns:p16="http://schemas.microsoft.com/office/powerpoint/2015/main" val="1"/>
+                  <p16:designElem xmlns:p16="http://schemas.microsoft.com/office/powerpoint/2015/main" xmlns="" val="1"/>
                 </p:ext>
               </p:extLst>
             </p:nvPr>
@@ -9573,10 +9576,10 @@
             <p:cNvPr id="76" name="Straight Connector 75">
               <a:extLst>
                 <a:ext uri="{FF2B5EF4-FFF2-40B4-BE49-F238E27FC236}">
-                  <a16:creationId xmlns:a16="http://schemas.microsoft.com/office/drawing/2014/main" id="{3AD14C0E-D5DF-4BDC-BD92-642CFF18018D}"/>
+                  <a16:creationId xmlns:a16="http://schemas.microsoft.com/office/drawing/2014/main" xmlns="" id="{3AD14C0E-D5DF-4BDC-BD92-642CFF18018D}"/>
                 </a:ext>
                 <a:ext uri="{C183D7F6-B498-43B3-948B-1728B52AA6E4}">
-                  <adec:decorative xmlns:adec="http://schemas.microsoft.com/office/drawing/2017/decorative" val="1"/>
+                  <adec:decorative xmlns:adec="http://schemas.microsoft.com/office/drawing/2017/decorative" xmlns="" val="1"/>
                 </a:ext>
               </a:extLst>
             </p:cNvPr>
@@ -9584,7 +9587,7 @@
             <p:nvPr>
               <p:extLst>
                 <p:ext uri="{386F3935-93C4-4BCD-93E2-E3B085C9AB24}">
-                  <p16:designElem xmlns:p16="http://schemas.microsoft.com/office/powerpoint/2015/main" val="1"/>
+                  <p16:designElem xmlns:p16="http://schemas.microsoft.com/office/powerpoint/2015/main" xmlns="" val="1"/>
                 </p:ext>
               </p:extLst>
             </p:nvPr>
@@ -9624,10 +9627,10 @@
           <p:cNvPr id="78" name="Rectangle 77">
             <a:extLst>
               <a:ext uri="{FF2B5EF4-FFF2-40B4-BE49-F238E27FC236}">
-                <a16:creationId xmlns:a16="http://schemas.microsoft.com/office/drawing/2014/main" id="{9A212F8F-D812-4A16-BE82-F3500DE32174}"/>
+                <a16:creationId xmlns:a16="http://schemas.microsoft.com/office/drawing/2014/main" xmlns="" id="{9A212F8F-D812-4A16-BE82-F3500DE32174}"/>
               </a:ext>
               <a:ext uri="{C183D7F6-B498-43B3-948B-1728B52AA6E4}">
-                <adec:decorative xmlns:adec="http://schemas.microsoft.com/office/drawing/2017/decorative" val="1"/>
+                <adec:decorative xmlns:adec="http://schemas.microsoft.com/office/drawing/2017/decorative" xmlns="" val="1"/>
               </a:ext>
             </a:extLst>
           </p:cNvPr>
@@ -9637,7 +9640,7 @@
           <p:nvPr>
             <p:extLst>
               <p:ext uri="{386F3935-93C4-4BCD-93E2-E3B085C9AB24}">
-                <p16:designElem xmlns:p16="http://schemas.microsoft.com/office/powerpoint/2015/main" val="1"/>
+                <p16:designElem xmlns:p16="http://schemas.microsoft.com/office/powerpoint/2015/main" xmlns="" val="1"/>
               </p:ext>
             </p:extLst>
           </p:nvPr>
@@ -9684,7 +9687,7 @@
           <p:cNvPr id="4" name="Footer Placeholder 3">
             <a:extLst>
               <a:ext uri="{FF2B5EF4-FFF2-40B4-BE49-F238E27FC236}">
-                <a16:creationId xmlns:a16="http://schemas.microsoft.com/office/drawing/2014/main" id="{1A13F9D0-A26E-47FF-9732-AD6BC7F334E0}"/>
+                <a16:creationId xmlns:a16="http://schemas.microsoft.com/office/drawing/2014/main" xmlns="" id="{1A13F9D0-A26E-47FF-9732-AD6BC7F334E0}"/>
               </a:ext>
             </a:extLst>
           </p:cNvPr>
@@ -9734,10 +9737,10 @@
           <p:cNvPr id="80" name="Snip Diagonal Corner Rectangle 24">
             <a:extLst>
               <a:ext uri="{FF2B5EF4-FFF2-40B4-BE49-F238E27FC236}">
-                <a16:creationId xmlns:a16="http://schemas.microsoft.com/office/drawing/2014/main" id="{D2CF1D1B-04ED-443D-A9FE-68BF8859BDD6}"/>
+                <a16:creationId xmlns:a16="http://schemas.microsoft.com/office/drawing/2014/main" xmlns="" id="{D2CF1D1B-04ED-443D-A9FE-68BF8859BDD6}"/>
               </a:ext>
               <a:ext uri="{C183D7F6-B498-43B3-948B-1728B52AA6E4}">
-                <adec:decorative xmlns:adec="http://schemas.microsoft.com/office/drawing/2017/decorative" val="1"/>
+                <adec:decorative xmlns:adec="http://schemas.microsoft.com/office/drawing/2017/decorative" xmlns="" val="1"/>
               </a:ext>
             </a:extLst>
           </p:cNvPr>
@@ -9747,7 +9750,7 @@
           <p:nvPr>
             <p:extLst>
               <p:ext uri="{386F3935-93C4-4BCD-93E2-E3B085C9AB24}">
-                <p16:designElem xmlns:p16="http://schemas.microsoft.com/office/powerpoint/2015/main" val="1"/>
+                <p16:designElem xmlns:p16="http://schemas.microsoft.com/office/powerpoint/2015/main" xmlns="" val="1"/>
               </p:ext>
             </p:extLst>
           </p:nvPr>
@@ -9807,7 +9810,7 @@
           <p:cNvPr id="1026" name="Picture 2" descr="Image result for alphabet of lines">
             <a:extLst>
               <a:ext uri="{FF2B5EF4-FFF2-40B4-BE49-F238E27FC236}">
-                <a16:creationId xmlns:a16="http://schemas.microsoft.com/office/drawing/2014/main" id="{12A57023-52B4-47CC-8A57-323171CE01C1}"/>
+                <a16:creationId xmlns:a16="http://schemas.microsoft.com/office/drawing/2014/main" xmlns="" id="{12A57023-52B4-47CC-8A57-323171CE01C1}"/>
               </a:ext>
             </a:extLst>
           </p:cNvPr>
@@ -9955,7 +9958,7 @@
           <p:cNvPr id="3" name="Title 2">
             <a:extLst>
               <a:ext uri="{FF2B5EF4-FFF2-40B4-BE49-F238E27FC236}">
-                <a16:creationId xmlns:a16="http://schemas.microsoft.com/office/drawing/2014/main" id="{1D0AAD2F-BFCC-4A49-9DBA-E53A3C7F68BC}"/>
+                <a16:creationId xmlns:a16="http://schemas.microsoft.com/office/drawing/2014/main" xmlns="" id="{1D0AAD2F-BFCC-4A49-9DBA-E53A3C7F68BC}"/>
               </a:ext>
             </a:extLst>
           </p:cNvPr>
@@ -9983,7 +9986,7 @@
           <p:cNvPr id="4" name="Content Placeholder 3">
             <a:extLst>
               <a:ext uri="{FF2B5EF4-FFF2-40B4-BE49-F238E27FC236}">
-                <a16:creationId xmlns:a16="http://schemas.microsoft.com/office/drawing/2014/main" id="{B14F2403-6C75-46F0-8A7B-4068277643E3}"/>
+                <a16:creationId xmlns:a16="http://schemas.microsoft.com/office/drawing/2014/main" xmlns="" id="{B14F2403-6C75-46F0-8A7B-4068277643E3}"/>
               </a:ext>
             </a:extLst>
           </p:cNvPr>
@@ -10029,7 +10032,7 @@
           <p:cNvPr id="2" name="Footer Placeholder 1">
             <a:extLst>
               <a:ext uri="{FF2B5EF4-FFF2-40B4-BE49-F238E27FC236}">
-                <a16:creationId xmlns:a16="http://schemas.microsoft.com/office/drawing/2014/main" id="{553CAEDC-0A73-46A2-B721-D8F49351B4A7}"/>
+                <a16:creationId xmlns:a16="http://schemas.microsoft.com/office/drawing/2014/main" xmlns="" id="{553CAEDC-0A73-46A2-B721-D8F49351B4A7}"/>
               </a:ext>
             </a:extLst>
           </p:cNvPr>
@@ -10125,10 +10128,10 @@
           <p:cNvPr id="71" name="Group 70">
             <a:extLst>
               <a:ext uri="{FF2B5EF4-FFF2-40B4-BE49-F238E27FC236}">
-                <a16:creationId xmlns:a16="http://schemas.microsoft.com/office/drawing/2014/main" id="{2103B461-323C-4912-BFFD-C37582662085}"/>
+                <a16:creationId xmlns:a16="http://schemas.microsoft.com/office/drawing/2014/main" xmlns="" id="{2103B461-323C-4912-BFFD-C37582662085}"/>
               </a:ext>
               <a:ext uri="{C183D7F6-B498-43B3-948B-1728B52AA6E4}">
-                <adec:decorative xmlns:adec="http://schemas.microsoft.com/office/drawing/2017/decorative" val="1"/>
+                <adec:decorative xmlns:adec="http://schemas.microsoft.com/office/drawing/2017/decorative" xmlns="" val="1"/>
               </a:ext>
             </a:extLst>
           </p:cNvPr>
@@ -10138,7 +10141,7 @@
           <p:nvPr>
             <p:extLst>
               <p:ext uri="{386F3935-93C4-4BCD-93E2-E3B085C9AB24}">
-                <p16:designElem xmlns:p16="http://schemas.microsoft.com/office/powerpoint/2015/main" val="1"/>
+                <p16:designElem xmlns:p16="http://schemas.microsoft.com/office/powerpoint/2015/main" xmlns="" val="1"/>
               </p:ext>
             </p:extLst>
           </p:nvPr>
@@ -10156,10 +10159,10 @@
             <p:cNvPr id="72" name="Straight Connector 71">
               <a:extLst>
                 <a:ext uri="{FF2B5EF4-FFF2-40B4-BE49-F238E27FC236}">
-                  <a16:creationId xmlns:a16="http://schemas.microsoft.com/office/drawing/2014/main" id="{FBC21318-F4F4-4524-95D1-6B7FE0A788A3}"/>
+                  <a16:creationId xmlns:a16="http://schemas.microsoft.com/office/drawing/2014/main" xmlns="" id="{FBC21318-F4F4-4524-95D1-6B7FE0A788A3}"/>
                 </a:ext>
                 <a:ext uri="{C183D7F6-B498-43B3-948B-1728B52AA6E4}">
-                  <adec:decorative xmlns:adec="http://schemas.microsoft.com/office/drawing/2017/decorative" val="1"/>
+                  <adec:decorative xmlns:adec="http://schemas.microsoft.com/office/drawing/2017/decorative" xmlns="" val="1"/>
                 </a:ext>
               </a:extLst>
             </p:cNvPr>
@@ -10167,7 +10170,7 @@
             <p:nvPr>
               <p:extLst>
                 <p:ext uri="{386F3935-93C4-4BCD-93E2-E3B085C9AB24}">
-                  <p16:designElem xmlns:p16="http://schemas.microsoft.com/office/powerpoint/2015/main" val="1"/>
+                  <p16:designElem xmlns:p16="http://schemas.microsoft.com/office/powerpoint/2015/main" xmlns="" val="1"/>
                 </p:ext>
               </p:extLst>
             </p:nvPr>
@@ -10206,10 +10209,10 @@
             <p:cNvPr id="73" name="Straight Connector 72">
               <a:extLst>
                 <a:ext uri="{FF2B5EF4-FFF2-40B4-BE49-F238E27FC236}">
-                  <a16:creationId xmlns:a16="http://schemas.microsoft.com/office/drawing/2014/main" id="{D9FFA8E5-974F-409E-89C6-E185BD90933C}"/>
+                  <a16:creationId xmlns:a16="http://schemas.microsoft.com/office/drawing/2014/main" xmlns="" id="{D9FFA8E5-974F-409E-89C6-E185BD90933C}"/>
                 </a:ext>
                 <a:ext uri="{C183D7F6-B498-43B3-948B-1728B52AA6E4}">
-                  <adec:decorative xmlns:adec="http://schemas.microsoft.com/office/drawing/2017/decorative" val="1"/>
+                  <adec:decorative xmlns:adec="http://schemas.microsoft.com/office/drawing/2017/decorative" xmlns="" val="1"/>
                 </a:ext>
               </a:extLst>
             </p:cNvPr>
@@ -10217,7 +10220,7 @@
             <p:nvPr>
               <p:extLst>
                 <p:ext uri="{386F3935-93C4-4BCD-93E2-E3B085C9AB24}">
-                  <p16:designElem xmlns:p16="http://schemas.microsoft.com/office/powerpoint/2015/main" val="1"/>
+                  <p16:designElem xmlns:p16="http://schemas.microsoft.com/office/powerpoint/2015/main" xmlns="" val="1"/>
                 </p:ext>
               </p:extLst>
             </p:nvPr>
@@ -10256,10 +10259,10 @@
             <p:cNvPr id="74" name="Straight Connector 73">
               <a:extLst>
                 <a:ext uri="{FF2B5EF4-FFF2-40B4-BE49-F238E27FC236}">
-                  <a16:creationId xmlns:a16="http://schemas.microsoft.com/office/drawing/2014/main" id="{C384E2B1-7008-45EE-9F2E-FEF3A089780F}"/>
+                  <a16:creationId xmlns:a16="http://schemas.microsoft.com/office/drawing/2014/main" xmlns="" id="{C384E2B1-7008-45EE-9F2E-FEF3A089780F}"/>
                 </a:ext>
                 <a:ext uri="{C183D7F6-B498-43B3-948B-1728B52AA6E4}">
-                  <adec:decorative xmlns:adec="http://schemas.microsoft.com/office/drawing/2017/decorative" val="1"/>
+                  <adec:decorative xmlns:adec="http://schemas.microsoft.com/office/drawing/2017/decorative" xmlns="" val="1"/>
                 </a:ext>
               </a:extLst>
             </p:cNvPr>
@@ -10267,7 +10270,7 @@
             <p:nvPr>
               <p:extLst>
                 <p:ext uri="{386F3935-93C4-4BCD-93E2-E3B085C9AB24}">
-                  <p16:designElem xmlns:p16="http://schemas.microsoft.com/office/powerpoint/2015/main" val="1"/>
+                  <p16:designElem xmlns:p16="http://schemas.microsoft.com/office/powerpoint/2015/main" xmlns="" val="1"/>
                 </p:ext>
               </p:extLst>
             </p:nvPr>
@@ -10306,10 +10309,10 @@
             <p:cNvPr id="75" name="Straight Connector 74">
               <a:extLst>
                 <a:ext uri="{FF2B5EF4-FFF2-40B4-BE49-F238E27FC236}">
-                  <a16:creationId xmlns:a16="http://schemas.microsoft.com/office/drawing/2014/main" id="{D4563410-7FE9-4955-89C6-0FB9326CD3A8}"/>
+                  <a16:creationId xmlns:a16="http://schemas.microsoft.com/office/drawing/2014/main" xmlns="" id="{D4563410-7FE9-4955-89C6-0FB9326CD3A8}"/>
                 </a:ext>
                 <a:ext uri="{C183D7F6-B498-43B3-948B-1728B52AA6E4}">
-                  <adec:decorative xmlns:adec="http://schemas.microsoft.com/office/drawing/2017/decorative" val="1"/>
+                  <adec:decorative xmlns:adec="http://schemas.microsoft.com/office/drawing/2017/decorative" xmlns="" val="1"/>
                 </a:ext>
               </a:extLst>
             </p:cNvPr>
@@ -10317,7 +10320,7 @@
             <p:nvPr>
               <p:extLst>
                 <p:ext uri="{386F3935-93C4-4BCD-93E2-E3B085C9AB24}">
-                  <p16:designElem xmlns:p16="http://schemas.microsoft.com/office/powerpoint/2015/main" val="1"/>
+                  <p16:designElem xmlns:p16="http://schemas.microsoft.com/office/powerpoint/2015/main" xmlns="" val="1"/>
                 </p:ext>
               </p:extLst>
             </p:nvPr>
@@ -10356,10 +10359,10 @@
             <p:cNvPr id="76" name="Straight Connector 75">
               <a:extLst>
                 <a:ext uri="{FF2B5EF4-FFF2-40B4-BE49-F238E27FC236}">
-                  <a16:creationId xmlns:a16="http://schemas.microsoft.com/office/drawing/2014/main" id="{3AD14C0E-D5DF-4BDC-BD92-642CFF18018D}"/>
+                  <a16:creationId xmlns:a16="http://schemas.microsoft.com/office/drawing/2014/main" xmlns="" id="{3AD14C0E-D5DF-4BDC-BD92-642CFF18018D}"/>
                 </a:ext>
                 <a:ext uri="{C183D7F6-B498-43B3-948B-1728B52AA6E4}">
-                  <adec:decorative xmlns:adec="http://schemas.microsoft.com/office/drawing/2017/decorative" val="1"/>
+                  <adec:decorative xmlns:adec="http://schemas.microsoft.com/office/drawing/2017/decorative" xmlns="" val="1"/>
                 </a:ext>
               </a:extLst>
             </p:cNvPr>
@@ -10367,7 +10370,7 @@
             <p:nvPr>
               <p:extLst>
                 <p:ext uri="{386F3935-93C4-4BCD-93E2-E3B085C9AB24}">
-                  <p16:designElem xmlns:p16="http://schemas.microsoft.com/office/powerpoint/2015/main" val="1"/>
+                  <p16:designElem xmlns:p16="http://schemas.microsoft.com/office/powerpoint/2015/main" xmlns="" val="1"/>
                 </p:ext>
               </p:extLst>
             </p:nvPr>
@@ -10407,10 +10410,10 @@
           <p:cNvPr id="78" name="Rectangle 77">
             <a:extLst>
               <a:ext uri="{FF2B5EF4-FFF2-40B4-BE49-F238E27FC236}">
-                <a16:creationId xmlns:a16="http://schemas.microsoft.com/office/drawing/2014/main" id="{9A212F8F-D812-4A16-BE82-F3500DE32174}"/>
+                <a16:creationId xmlns:a16="http://schemas.microsoft.com/office/drawing/2014/main" xmlns="" id="{9A212F8F-D812-4A16-BE82-F3500DE32174}"/>
               </a:ext>
               <a:ext uri="{C183D7F6-B498-43B3-948B-1728B52AA6E4}">
-                <adec:decorative xmlns:adec="http://schemas.microsoft.com/office/drawing/2017/decorative" val="1"/>
+                <adec:decorative xmlns:adec="http://schemas.microsoft.com/office/drawing/2017/decorative" xmlns="" val="1"/>
               </a:ext>
             </a:extLst>
           </p:cNvPr>
@@ -10420,7 +10423,7 @@
           <p:nvPr>
             <p:extLst>
               <p:ext uri="{386F3935-93C4-4BCD-93E2-E3B085C9AB24}">
-                <p16:designElem xmlns:p16="http://schemas.microsoft.com/office/powerpoint/2015/main" val="1"/>
+                <p16:designElem xmlns:p16="http://schemas.microsoft.com/office/powerpoint/2015/main" xmlns="" val="1"/>
               </p:ext>
             </p:extLst>
           </p:nvPr>
@@ -10467,7 +10470,7 @@
           <p:cNvPr id="4" name="Footer Placeholder 3">
             <a:extLst>
               <a:ext uri="{FF2B5EF4-FFF2-40B4-BE49-F238E27FC236}">
-                <a16:creationId xmlns:a16="http://schemas.microsoft.com/office/drawing/2014/main" id="{7C72ADF2-A6BC-4530-ABFC-340FC0510C21}"/>
+                <a16:creationId xmlns:a16="http://schemas.microsoft.com/office/drawing/2014/main" xmlns="" id="{7C72ADF2-A6BC-4530-ABFC-340FC0510C21}"/>
               </a:ext>
             </a:extLst>
           </p:cNvPr>
@@ -10517,10 +10520,10 @@
           <p:cNvPr id="80" name="Snip Diagonal Corner Rectangle 24">
             <a:extLst>
               <a:ext uri="{FF2B5EF4-FFF2-40B4-BE49-F238E27FC236}">
-                <a16:creationId xmlns:a16="http://schemas.microsoft.com/office/drawing/2014/main" id="{D2CF1D1B-04ED-443D-A9FE-68BF8859BDD6}"/>
+                <a16:creationId xmlns:a16="http://schemas.microsoft.com/office/drawing/2014/main" xmlns="" id="{D2CF1D1B-04ED-443D-A9FE-68BF8859BDD6}"/>
               </a:ext>
               <a:ext uri="{C183D7F6-B498-43B3-948B-1728B52AA6E4}">
-                <adec:decorative xmlns:adec="http://schemas.microsoft.com/office/drawing/2017/decorative" val="1"/>
+                <adec:decorative xmlns:adec="http://schemas.microsoft.com/office/drawing/2017/decorative" xmlns="" val="1"/>
               </a:ext>
             </a:extLst>
           </p:cNvPr>
@@ -10530,7 +10533,7 @@
           <p:nvPr>
             <p:extLst>
               <p:ext uri="{386F3935-93C4-4BCD-93E2-E3B085C9AB24}">
-                <p16:designElem xmlns:p16="http://schemas.microsoft.com/office/powerpoint/2015/main" val="1"/>
+                <p16:designElem xmlns:p16="http://schemas.microsoft.com/office/powerpoint/2015/main" xmlns="" val="1"/>
               </p:ext>
             </p:extLst>
           </p:nvPr>
@@ -10590,7 +10593,7 @@
           <p:cNvPr id="2050" name="Picture 2" descr="Image result for drafting visible lines">
             <a:extLst>
               <a:ext uri="{FF2B5EF4-FFF2-40B4-BE49-F238E27FC236}">
-                <a16:creationId xmlns:a16="http://schemas.microsoft.com/office/drawing/2014/main" id="{0273E5D8-9DC0-4005-B937-E874F41A0C63}"/>
+                <a16:creationId xmlns:a16="http://schemas.microsoft.com/office/drawing/2014/main" xmlns="" id="{0273E5D8-9DC0-4005-B937-E874F41A0C63}"/>
               </a:ext>
             </a:extLst>
           </p:cNvPr>
@@ -10738,7 +10741,7 @@
           <p:cNvPr id="2" name="Title 1">
             <a:extLst>
               <a:ext uri="{FF2B5EF4-FFF2-40B4-BE49-F238E27FC236}">
-                <a16:creationId xmlns:a16="http://schemas.microsoft.com/office/drawing/2014/main" id="{A19710E6-09E9-4302-AA1F-8CFF3550F4E2}"/>
+                <a16:creationId xmlns:a16="http://schemas.microsoft.com/office/drawing/2014/main" xmlns="" id="{A19710E6-09E9-4302-AA1F-8CFF3550F4E2}"/>
               </a:ext>
             </a:extLst>
           </p:cNvPr>
@@ -10766,7 +10769,7 @@
           <p:cNvPr id="3" name="Content Placeholder 2">
             <a:extLst>
               <a:ext uri="{FF2B5EF4-FFF2-40B4-BE49-F238E27FC236}">
-                <a16:creationId xmlns:a16="http://schemas.microsoft.com/office/drawing/2014/main" id="{4DD6E9DA-3A41-4F33-A77F-4442DC5A7A80}"/>
+                <a16:creationId xmlns:a16="http://schemas.microsoft.com/office/drawing/2014/main" xmlns="" id="{4DD6E9DA-3A41-4F33-A77F-4442DC5A7A80}"/>
               </a:ext>
             </a:extLst>
           </p:cNvPr>
@@ -10806,7 +10809,7 @@
           <p:cNvPr id="4" name="Footer Placeholder 3">
             <a:extLst>
               <a:ext uri="{FF2B5EF4-FFF2-40B4-BE49-F238E27FC236}">
-                <a16:creationId xmlns:a16="http://schemas.microsoft.com/office/drawing/2014/main" id="{4698B857-E39E-49B8-9F12-8A048B7A8A23}"/>
+                <a16:creationId xmlns:a16="http://schemas.microsoft.com/office/drawing/2014/main" xmlns="" id="{4698B857-E39E-49B8-9F12-8A048B7A8A23}"/>
               </a:ext>
             </a:extLst>
           </p:cNvPr>
@@ -10902,10 +10905,10 @@
           <p:cNvPr id="71" name="Group 70">
             <a:extLst>
               <a:ext uri="{FF2B5EF4-FFF2-40B4-BE49-F238E27FC236}">
-                <a16:creationId xmlns:a16="http://schemas.microsoft.com/office/drawing/2014/main" id="{2103B461-323C-4912-BFFD-C37582662085}"/>
+                <a16:creationId xmlns:a16="http://schemas.microsoft.com/office/drawing/2014/main" xmlns="" id="{2103B461-323C-4912-BFFD-C37582662085}"/>
               </a:ext>
               <a:ext uri="{C183D7F6-B498-43B3-948B-1728B52AA6E4}">
-                <adec:decorative xmlns:adec="http://schemas.microsoft.com/office/drawing/2017/decorative" val="1"/>
+                <adec:decorative xmlns:adec="http://schemas.microsoft.com/office/drawing/2017/decorative" xmlns="" val="1"/>
               </a:ext>
             </a:extLst>
           </p:cNvPr>
@@ -10915,7 +10918,7 @@
           <p:nvPr>
             <p:extLst>
               <p:ext uri="{386F3935-93C4-4BCD-93E2-E3B085C9AB24}">
-                <p16:designElem xmlns:p16="http://schemas.microsoft.com/office/powerpoint/2015/main" val="1"/>
+                <p16:designElem xmlns:p16="http://schemas.microsoft.com/office/powerpoint/2015/main" xmlns="" val="1"/>
               </p:ext>
             </p:extLst>
           </p:nvPr>
@@ -10933,10 +10936,10 @@
             <p:cNvPr id="72" name="Straight Connector 71">
               <a:extLst>
                 <a:ext uri="{FF2B5EF4-FFF2-40B4-BE49-F238E27FC236}">
-                  <a16:creationId xmlns:a16="http://schemas.microsoft.com/office/drawing/2014/main" id="{FBC21318-F4F4-4524-95D1-6B7FE0A788A3}"/>
+                  <a16:creationId xmlns:a16="http://schemas.microsoft.com/office/drawing/2014/main" xmlns="" id="{FBC21318-F4F4-4524-95D1-6B7FE0A788A3}"/>
                 </a:ext>
                 <a:ext uri="{C183D7F6-B498-43B3-948B-1728B52AA6E4}">
-                  <adec:decorative xmlns:adec="http://schemas.microsoft.com/office/drawing/2017/decorative" val="1"/>
+                  <adec:decorative xmlns:adec="http://schemas.microsoft.com/office/drawing/2017/decorative" xmlns="" val="1"/>
                 </a:ext>
               </a:extLst>
             </p:cNvPr>
@@ -10944,7 +10947,7 @@
             <p:nvPr>
               <p:extLst>
                 <p:ext uri="{386F3935-93C4-4BCD-93E2-E3B085C9AB24}">
-                  <p16:designElem xmlns:p16="http://schemas.microsoft.com/office/powerpoint/2015/main" val="1"/>
+                  <p16:designElem xmlns:p16="http://schemas.microsoft.com/office/powerpoint/2015/main" xmlns="" val="1"/>
                 </p:ext>
               </p:extLst>
             </p:nvPr>
@@ -10983,10 +10986,10 @@
             <p:cNvPr id="73" name="Straight Connector 72">
               <a:extLst>
                 <a:ext uri="{FF2B5EF4-FFF2-40B4-BE49-F238E27FC236}">
-                  <a16:creationId xmlns:a16="http://schemas.microsoft.com/office/drawing/2014/main" id="{D9FFA8E5-974F-409E-89C6-E185BD90933C}"/>
+                  <a16:creationId xmlns:a16="http://schemas.microsoft.com/office/drawing/2014/main" xmlns="" id="{D9FFA8E5-974F-409E-89C6-E185BD90933C}"/>
                 </a:ext>
                 <a:ext uri="{C183D7F6-B498-43B3-948B-1728B52AA6E4}">
-                  <adec:decorative xmlns:adec="http://schemas.microsoft.com/office/drawing/2017/decorative" val="1"/>
+                  <adec:decorative xmlns:adec="http://schemas.microsoft.com/office/drawing/2017/decorative" xmlns="" val="1"/>
                 </a:ext>
               </a:extLst>
             </p:cNvPr>
@@ -10994,7 +10997,7 @@
             <p:nvPr>
               <p:extLst>
                 <p:ext uri="{386F3935-93C4-4BCD-93E2-E3B085C9AB24}">
-                  <p16:designElem xmlns:p16="http://schemas.microsoft.com/office/powerpoint/2015/main" val="1"/>
+                  <p16:designElem xmlns:p16="http://schemas.microsoft.com/office/powerpoint/2015/main" xmlns="" val="1"/>
                 </p:ext>
               </p:extLst>
             </p:nvPr>
@@ -11033,10 +11036,10 @@
             <p:cNvPr id="74" name="Straight Connector 73">
               <a:extLst>
                 <a:ext uri="{FF2B5EF4-FFF2-40B4-BE49-F238E27FC236}">
-                  <a16:creationId xmlns:a16="http://schemas.microsoft.com/office/drawing/2014/main" id="{C384E2B1-7008-45EE-9F2E-FEF3A089780F}"/>
+                  <a16:creationId xmlns:a16="http://schemas.microsoft.com/office/drawing/2014/main" xmlns="" id="{C384E2B1-7008-45EE-9F2E-FEF3A089780F}"/>
                 </a:ext>
                 <a:ext uri="{C183D7F6-B498-43B3-948B-1728B52AA6E4}">
-                  <adec:decorative xmlns:adec="http://schemas.microsoft.com/office/drawing/2017/decorative" val="1"/>
+                  <adec:decorative xmlns:adec="http://schemas.microsoft.com/office/drawing/2017/decorative" xmlns="" val="1"/>
                 </a:ext>
               </a:extLst>
             </p:cNvPr>
@@ -11044,7 +11047,7 @@
             <p:nvPr>
               <p:extLst>
                 <p:ext uri="{386F3935-93C4-4BCD-93E2-E3B085C9AB24}">
-                  <p16:designElem xmlns:p16="http://schemas.microsoft.com/office/powerpoint/2015/main" val="1"/>
+                  <p16:designElem xmlns:p16="http://schemas.microsoft.com/office/powerpoint/2015/main" xmlns="" val="1"/>
                 </p:ext>
               </p:extLst>
             </p:nvPr>
@@ -11083,10 +11086,10 @@
             <p:cNvPr id="75" name="Straight Connector 74">
               <a:extLst>
                 <a:ext uri="{FF2B5EF4-FFF2-40B4-BE49-F238E27FC236}">
-                  <a16:creationId xmlns:a16="http://schemas.microsoft.com/office/drawing/2014/main" id="{D4563410-7FE9-4955-89C6-0FB9326CD3A8}"/>
+                  <a16:creationId xmlns:a16="http://schemas.microsoft.com/office/drawing/2014/main" xmlns="" id="{D4563410-7FE9-4955-89C6-0FB9326CD3A8}"/>
                 </a:ext>
                 <a:ext uri="{C183D7F6-B498-43B3-948B-1728B52AA6E4}">
-                  <adec:decorative xmlns:adec="http://schemas.microsoft.com/office/drawing/2017/decorative" val="1"/>
+                  <adec:decorative xmlns:adec="http://schemas.microsoft.com/office/drawing/2017/decorative" xmlns="" val="1"/>
                 </a:ext>
               </a:extLst>
             </p:cNvPr>
@@ -11094,7 +11097,7 @@
             <p:nvPr>
               <p:extLst>
                 <p:ext uri="{386F3935-93C4-4BCD-93E2-E3B085C9AB24}">
-                  <p16:designElem xmlns:p16="http://schemas.microsoft.com/office/powerpoint/2015/main" val="1"/>
+                  <p16:designElem xmlns:p16="http://schemas.microsoft.com/office/powerpoint/2015/main" xmlns="" val="1"/>
                 </p:ext>
               </p:extLst>
             </p:nvPr>
@@ -11133,10 +11136,10 @@
             <p:cNvPr id="76" name="Straight Connector 75">
               <a:extLst>
                 <a:ext uri="{FF2B5EF4-FFF2-40B4-BE49-F238E27FC236}">
-                  <a16:creationId xmlns:a16="http://schemas.microsoft.com/office/drawing/2014/main" id="{3AD14C0E-D5DF-4BDC-BD92-642CFF18018D}"/>
+                  <a16:creationId xmlns:a16="http://schemas.microsoft.com/office/drawing/2014/main" xmlns="" id="{3AD14C0E-D5DF-4BDC-BD92-642CFF18018D}"/>
                 </a:ext>
                 <a:ext uri="{C183D7F6-B498-43B3-948B-1728B52AA6E4}">
-                  <adec:decorative xmlns:adec="http://schemas.microsoft.com/office/drawing/2017/decorative" val="1"/>
+                  <adec:decorative xmlns:adec="http://schemas.microsoft.com/office/drawing/2017/decorative" xmlns="" val="1"/>
                 </a:ext>
               </a:extLst>
             </p:cNvPr>
@@ -11144,7 +11147,7 @@
             <p:nvPr>
               <p:extLst>
                 <p:ext uri="{386F3935-93C4-4BCD-93E2-E3B085C9AB24}">
-                  <p16:designElem xmlns:p16="http://schemas.microsoft.com/office/powerpoint/2015/main" val="1"/>
+                  <p16:designElem xmlns:p16="http://schemas.microsoft.com/office/powerpoint/2015/main" xmlns="" val="1"/>
                 </p:ext>
               </p:extLst>
             </p:nvPr>
@@ -11184,10 +11187,10 @@
           <p:cNvPr id="78" name="Rectangle 77">
             <a:extLst>
               <a:ext uri="{FF2B5EF4-FFF2-40B4-BE49-F238E27FC236}">
-                <a16:creationId xmlns:a16="http://schemas.microsoft.com/office/drawing/2014/main" id="{9A212F8F-D812-4A16-BE82-F3500DE32174}"/>
+                <a16:creationId xmlns:a16="http://schemas.microsoft.com/office/drawing/2014/main" xmlns="" id="{9A212F8F-D812-4A16-BE82-F3500DE32174}"/>
               </a:ext>
               <a:ext uri="{C183D7F6-B498-43B3-948B-1728B52AA6E4}">
-                <adec:decorative xmlns:adec="http://schemas.microsoft.com/office/drawing/2017/decorative" val="1"/>
+                <adec:decorative xmlns:adec="http://schemas.microsoft.com/office/drawing/2017/decorative" xmlns="" val="1"/>
               </a:ext>
             </a:extLst>
           </p:cNvPr>
@@ -11197,7 +11200,7 @@
           <p:nvPr>
             <p:extLst>
               <p:ext uri="{386F3935-93C4-4BCD-93E2-E3B085C9AB24}">
-                <p16:designElem xmlns:p16="http://schemas.microsoft.com/office/powerpoint/2015/main" val="1"/>
+                <p16:designElem xmlns:p16="http://schemas.microsoft.com/office/powerpoint/2015/main" xmlns="" val="1"/>
               </p:ext>
             </p:extLst>
           </p:nvPr>
@@ -11244,7 +11247,7 @@
           <p:cNvPr id="4" name="Footer Placeholder 3">
             <a:extLst>
               <a:ext uri="{FF2B5EF4-FFF2-40B4-BE49-F238E27FC236}">
-                <a16:creationId xmlns:a16="http://schemas.microsoft.com/office/drawing/2014/main" id="{3EFDAF7D-2A92-4F7F-9622-570983BA3195}"/>
+                <a16:creationId xmlns:a16="http://schemas.microsoft.com/office/drawing/2014/main" xmlns="" id="{3EFDAF7D-2A92-4F7F-9622-570983BA3195}"/>
               </a:ext>
             </a:extLst>
           </p:cNvPr>
@@ -11294,10 +11297,10 @@
           <p:cNvPr id="80" name="Snip Diagonal Corner Rectangle 24">
             <a:extLst>
               <a:ext uri="{FF2B5EF4-FFF2-40B4-BE49-F238E27FC236}">
-                <a16:creationId xmlns:a16="http://schemas.microsoft.com/office/drawing/2014/main" id="{D2CF1D1B-04ED-443D-A9FE-68BF8859BDD6}"/>
+                <a16:creationId xmlns:a16="http://schemas.microsoft.com/office/drawing/2014/main" xmlns="" id="{D2CF1D1B-04ED-443D-A9FE-68BF8859BDD6}"/>
               </a:ext>
               <a:ext uri="{C183D7F6-B498-43B3-948B-1728B52AA6E4}">
-                <adec:decorative xmlns:adec="http://schemas.microsoft.com/office/drawing/2017/decorative" val="1"/>
+                <adec:decorative xmlns:adec="http://schemas.microsoft.com/office/drawing/2017/decorative" xmlns="" val="1"/>
               </a:ext>
             </a:extLst>
           </p:cNvPr>
@@ -11307,7 +11310,7 @@
           <p:nvPr>
             <p:extLst>
               <p:ext uri="{386F3935-93C4-4BCD-93E2-E3B085C9AB24}">
-                <p16:designElem xmlns:p16="http://schemas.microsoft.com/office/powerpoint/2015/main" val="1"/>
+                <p16:designElem xmlns:p16="http://schemas.microsoft.com/office/powerpoint/2015/main" xmlns="" val="1"/>
               </p:ext>
             </p:extLst>
           </p:nvPr>
@@ -11367,7 +11370,7 @@
           <p:cNvPr id="3074" name="Picture 2" descr="Image result for drafting hidden lines">
             <a:extLst>
               <a:ext uri="{FF2B5EF4-FFF2-40B4-BE49-F238E27FC236}">
-                <a16:creationId xmlns:a16="http://schemas.microsoft.com/office/drawing/2014/main" id="{3D4C5850-2ED7-4879-AA79-DB82B0FF49F7}"/>
+                <a16:creationId xmlns:a16="http://schemas.microsoft.com/office/drawing/2014/main" xmlns="" id="{3D4C5850-2ED7-4879-AA79-DB82B0FF49F7}"/>
               </a:ext>
             </a:extLst>
           </p:cNvPr>
@@ -11606,7 +11609,7 @@
           <p:cNvPr id="4" name="Footer Placeholder 3">
             <a:extLst>
               <a:ext uri="{FF2B5EF4-FFF2-40B4-BE49-F238E27FC236}">
-                <a16:creationId xmlns:a16="http://schemas.microsoft.com/office/drawing/2014/main" id="{EADFB87E-2A3F-4815-8F5E-3CF3521EBF24}"/>
+                <a16:creationId xmlns:a16="http://schemas.microsoft.com/office/drawing/2014/main" xmlns="" id="{EADFB87E-2A3F-4815-8F5E-3CF3521EBF24}"/>
               </a:ext>
             </a:extLst>
           </p:cNvPr>
@@ -11693,7 +11696,7 @@
           <p:cNvPr id="2" name="Title 1">
             <a:extLst>
               <a:ext uri="{FF2B5EF4-FFF2-40B4-BE49-F238E27FC236}">
-                <a16:creationId xmlns:a16="http://schemas.microsoft.com/office/drawing/2014/main" id="{C0A4AF7C-A673-4907-93FF-A9AE1DC17D8C}"/>
+                <a16:creationId xmlns:a16="http://schemas.microsoft.com/office/drawing/2014/main" xmlns="" id="{C0A4AF7C-A673-4907-93FF-A9AE1DC17D8C}"/>
               </a:ext>
             </a:extLst>
           </p:cNvPr>
@@ -11721,7 +11724,7 @@
           <p:cNvPr id="3" name="Content Placeholder 2">
             <a:extLst>
               <a:ext uri="{FF2B5EF4-FFF2-40B4-BE49-F238E27FC236}">
-                <a16:creationId xmlns:a16="http://schemas.microsoft.com/office/drawing/2014/main" id="{2EA28BED-FAA6-4C3E-B676-A79F7A8E3E28}"/>
+                <a16:creationId xmlns:a16="http://schemas.microsoft.com/office/drawing/2014/main" xmlns="" id="{2EA28BED-FAA6-4C3E-B676-A79F7A8E3E28}"/>
               </a:ext>
             </a:extLst>
           </p:cNvPr>
@@ -11761,7 +11764,7 @@
           <p:cNvPr id="4" name="Footer Placeholder 3">
             <a:extLst>
               <a:ext uri="{FF2B5EF4-FFF2-40B4-BE49-F238E27FC236}">
-                <a16:creationId xmlns:a16="http://schemas.microsoft.com/office/drawing/2014/main" id="{B4185092-4D64-43DA-8207-75D99EC15E7F}"/>
+                <a16:creationId xmlns:a16="http://schemas.microsoft.com/office/drawing/2014/main" xmlns="" id="{B4185092-4D64-43DA-8207-75D99EC15E7F}"/>
               </a:ext>
             </a:extLst>
           </p:cNvPr>
@@ -11832,7 +11835,7 @@
           <p:cNvPr id="4" name="Footer Placeholder 3">
             <a:extLst>
               <a:ext uri="{FF2B5EF4-FFF2-40B4-BE49-F238E27FC236}">
-                <a16:creationId xmlns:a16="http://schemas.microsoft.com/office/drawing/2014/main" id="{9FB77634-5DA4-4C93-BA9B-0CB4B1B53A71}"/>
+                <a16:creationId xmlns:a16="http://schemas.microsoft.com/office/drawing/2014/main" xmlns="" id="{9FB77634-5DA4-4C93-BA9B-0CB4B1B53A71}"/>
               </a:ext>
             </a:extLst>
           </p:cNvPr>
@@ -11861,7 +11864,7 @@
           <p:cNvPr id="4098" name="Picture 2" descr="Image result for drafting center lines">
             <a:extLst>
               <a:ext uri="{FF2B5EF4-FFF2-40B4-BE49-F238E27FC236}">
-                <a16:creationId xmlns:a16="http://schemas.microsoft.com/office/drawing/2014/main" id="{81563763-1283-4784-9D05-4178E5A9D45F}"/>
+                <a16:creationId xmlns:a16="http://schemas.microsoft.com/office/drawing/2014/main" xmlns="" id="{81563763-1283-4784-9D05-4178E5A9D45F}"/>
               </a:ext>
             </a:extLst>
           </p:cNvPr>
@@ -11950,7 +11953,7 @@
           <p:cNvPr id="2" name="Title 1">
             <a:extLst>
               <a:ext uri="{FF2B5EF4-FFF2-40B4-BE49-F238E27FC236}">
-                <a16:creationId xmlns:a16="http://schemas.microsoft.com/office/drawing/2014/main" id="{0DC6AD2D-6B9A-4203-926F-C110B33ED60A}"/>
+                <a16:creationId xmlns:a16="http://schemas.microsoft.com/office/drawing/2014/main" xmlns="" id="{0DC6AD2D-6B9A-4203-926F-C110B33ED60A}"/>
               </a:ext>
             </a:extLst>
           </p:cNvPr>
@@ -11978,7 +11981,7 @@
           <p:cNvPr id="3" name="Content Placeholder 2">
             <a:extLst>
               <a:ext uri="{FF2B5EF4-FFF2-40B4-BE49-F238E27FC236}">
-                <a16:creationId xmlns:a16="http://schemas.microsoft.com/office/drawing/2014/main" id="{67943F3C-4AD5-4BB6-9179-C7A1C093A6AC}"/>
+                <a16:creationId xmlns:a16="http://schemas.microsoft.com/office/drawing/2014/main" xmlns="" id="{67943F3C-4AD5-4BB6-9179-C7A1C093A6AC}"/>
               </a:ext>
             </a:extLst>
           </p:cNvPr>
@@ -12024,7 +12027,7 @@
           <p:cNvPr id="4" name="Footer Placeholder 3">
             <a:extLst>
               <a:ext uri="{FF2B5EF4-FFF2-40B4-BE49-F238E27FC236}">
-                <a16:creationId xmlns:a16="http://schemas.microsoft.com/office/drawing/2014/main" id="{7805BBE0-29DE-44CE-BDB7-642F85C4C790}"/>
+                <a16:creationId xmlns:a16="http://schemas.microsoft.com/office/drawing/2014/main" xmlns="" id="{7805BBE0-29DE-44CE-BDB7-642F85C4C790}"/>
               </a:ext>
             </a:extLst>
           </p:cNvPr>
@@ -12095,7 +12098,7 @@
           <p:cNvPr id="2" name="Title 1">
             <a:extLst>
               <a:ext uri="{FF2B5EF4-FFF2-40B4-BE49-F238E27FC236}">
-                <a16:creationId xmlns:a16="http://schemas.microsoft.com/office/drawing/2014/main" id="{F5445042-34C5-456B-AEF7-2A514BD8A5E3}"/>
+                <a16:creationId xmlns:a16="http://schemas.microsoft.com/office/drawing/2014/main" xmlns="" id="{F5445042-34C5-456B-AEF7-2A514BD8A5E3}"/>
               </a:ext>
             </a:extLst>
           </p:cNvPr>
@@ -12123,7 +12126,7 @@
           <p:cNvPr id="3" name="Content Placeholder 2">
             <a:extLst>
               <a:ext uri="{FF2B5EF4-FFF2-40B4-BE49-F238E27FC236}">
-                <a16:creationId xmlns:a16="http://schemas.microsoft.com/office/drawing/2014/main" id="{04F6C04A-2451-4D8C-A601-779B961B660A}"/>
+                <a16:creationId xmlns:a16="http://schemas.microsoft.com/office/drawing/2014/main" xmlns="" id="{04F6C04A-2451-4D8C-A601-779B961B660A}"/>
               </a:ext>
             </a:extLst>
           </p:cNvPr>
@@ -12157,7 +12160,7 @@
           <p:cNvPr id="4" name="Footer Placeholder 3">
             <a:extLst>
               <a:ext uri="{FF2B5EF4-FFF2-40B4-BE49-F238E27FC236}">
-                <a16:creationId xmlns:a16="http://schemas.microsoft.com/office/drawing/2014/main" id="{E1529614-A9DD-43D8-968E-C07D7F357356}"/>
+                <a16:creationId xmlns:a16="http://schemas.microsoft.com/office/drawing/2014/main" xmlns="" id="{E1529614-A9DD-43D8-968E-C07D7F357356}"/>
               </a:ext>
             </a:extLst>
           </p:cNvPr>
@@ -12228,7 +12231,7 @@
           <p:cNvPr id="5" name="Title 4">
             <a:extLst>
               <a:ext uri="{FF2B5EF4-FFF2-40B4-BE49-F238E27FC236}">
-                <a16:creationId xmlns:a16="http://schemas.microsoft.com/office/drawing/2014/main" id="{4367301C-9E62-4A97-A776-7C2F6EAEAB9B}"/>
+                <a16:creationId xmlns:a16="http://schemas.microsoft.com/office/drawing/2014/main" xmlns="" id="{4367301C-9E62-4A97-A776-7C2F6EAEAB9B}"/>
               </a:ext>
             </a:extLst>
           </p:cNvPr>
@@ -12256,7 +12259,7 @@
           <p:cNvPr id="4" name="Footer Placeholder 3">
             <a:extLst>
               <a:ext uri="{FF2B5EF4-FFF2-40B4-BE49-F238E27FC236}">
-                <a16:creationId xmlns:a16="http://schemas.microsoft.com/office/drawing/2014/main" id="{79004010-F763-427D-8147-B73D87274D90}"/>
+                <a16:creationId xmlns:a16="http://schemas.microsoft.com/office/drawing/2014/main" xmlns="" id="{79004010-F763-427D-8147-B73D87274D90}"/>
               </a:ext>
             </a:extLst>
           </p:cNvPr>
@@ -12327,7 +12330,7 @@
           <p:cNvPr id="2" name="Title 1">
             <a:extLst>
               <a:ext uri="{FF2B5EF4-FFF2-40B4-BE49-F238E27FC236}">
-                <a16:creationId xmlns:a16="http://schemas.microsoft.com/office/drawing/2014/main" id="{F10C1430-58DA-4707-A3DD-7400CEC50E47}"/>
+                <a16:creationId xmlns:a16="http://schemas.microsoft.com/office/drawing/2014/main" xmlns="" id="{F10C1430-58DA-4707-A3DD-7400CEC50E47}"/>
               </a:ext>
             </a:extLst>
           </p:cNvPr>
@@ -12355,7 +12358,7 @@
           <p:cNvPr id="4" name="Content Placeholder 3">
             <a:extLst>
               <a:ext uri="{FF2B5EF4-FFF2-40B4-BE49-F238E27FC236}">
-                <a16:creationId xmlns:a16="http://schemas.microsoft.com/office/drawing/2014/main" id="{C1B62C92-DC78-4AA7-A931-923BCFF2DA1C}"/>
+                <a16:creationId xmlns:a16="http://schemas.microsoft.com/office/drawing/2014/main" xmlns="" id="{C1B62C92-DC78-4AA7-A931-923BCFF2DA1C}"/>
               </a:ext>
             </a:extLst>
           </p:cNvPr>
@@ -12421,7 +12424,7 @@
           <p:cNvPr id="3" name="Footer Placeholder 2">
             <a:extLst>
               <a:ext uri="{FF2B5EF4-FFF2-40B4-BE49-F238E27FC236}">
-                <a16:creationId xmlns:a16="http://schemas.microsoft.com/office/drawing/2014/main" id="{103975A7-8EB7-469C-89C7-A9D30DEF5CEF}"/>
+                <a16:creationId xmlns:a16="http://schemas.microsoft.com/office/drawing/2014/main" xmlns="" id="{103975A7-8EB7-469C-89C7-A9D30DEF5CEF}"/>
               </a:ext>
             </a:extLst>
           </p:cNvPr>
@@ -12492,7 +12495,7 @@
           <p:cNvPr id="4" name="Title 3">
             <a:extLst>
               <a:ext uri="{FF2B5EF4-FFF2-40B4-BE49-F238E27FC236}">
-                <a16:creationId xmlns:a16="http://schemas.microsoft.com/office/drawing/2014/main" id="{07506127-40F4-46B4-AA13-9926B2BD096B}"/>
+                <a16:creationId xmlns:a16="http://schemas.microsoft.com/office/drawing/2014/main" xmlns="" id="{07506127-40F4-46B4-AA13-9926B2BD096B}"/>
               </a:ext>
             </a:extLst>
           </p:cNvPr>
@@ -12520,7 +12523,7 @@
           <p:cNvPr id="5" name="Subtitle 4">
             <a:extLst>
               <a:ext uri="{FF2B5EF4-FFF2-40B4-BE49-F238E27FC236}">
-                <a16:creationId xmlns:a16="http://schemas.microsoft.com/office/drawing/2014/main" id="{BBBCF47C-CE96-46DF-9B20-6EF8EEE99D3F}"/>
+                <a16:creationId xmlns:a16="http://schemas.microsoft.com/office/drawing/2014/main" xmlns="" id="{BBBCF47C-CE96-46DF-9B20-6EF8EEE99D3F}"/>
               </a:ext>
             </a:extLst>
           </p:cNvPr>
@@ -12548,7 +12551,7 @@
           <p:cNvPr id="3" name="Footer Placeholder 2">
             <a:extLst>
               <a:ext uri="{FF2B5EF4-FFF2-40B4-BE49-F238E27FC236}">
-                <a16:creationId xmlns:a16="http://schemas.microsoft.com/office/drawing/2014/main" id="{1C8B0826-5E65-4731-9543-60C266E8708C}"/>
+                <a16:creationId xmlns:a16="http://schemas.microsoft.com/office/drawing/2014/main" xmlns="" id="{1C8B0826-5E65-4731-9543-60C266E8708C}"/>
               </a:ext>
             </a:extLst>
           </p:cNvPr>
@@ -12619,7 +12622,7 @@
           <p:cNvPr id="5" name="Title 4">
             <a:extLst>
               <a:ext uri="{FF2B5EF4-FFF2-40B4-BE49-F238E27FC236}">
-                <a16:creationId xmlns:a16="http://schemas.microsoft.com/office/drawing/2014/main" id="{4367301C-9E62-4A97-A776-7C2F6EAEAB9B}"/>
+                <a16:creationId xmlns:a16="http://schemas.microsoft.com/office/drawing/2014/main" xmlns="" id="{4367301C-9E62-4A97-A776-7C2F6EAEAB9B}"/>
               </a:ext>
             </a:extLst>
           </p:cNvPr>
@@ -12647,7 +12650,7 @@
           <p:cNvPr id="4" name="Footer Placeholder 3">
             <a:extLst>
               <a:ext uri="{FF2B5EF4-FFF2-40B4-BE49-F238E27FC236}">
-                <a16:creationId xmlns:a16="http://schemas.microsoft.com/office/drawing/2014/main" id="{79004010-F763-427D-8147-B73D87274D90}"/>
+                <a16:creationId xmlns:a16="http://schemas.microsoft.com/office/drawing/2014/main" xmlns="" id="{79004010-F763-427D-8147-B73D87274D90}"/>
               </a:ext>
             </a:extLst>
           </p:cNvPr>
@@ -12718,7 +12721,7 @@
           <p:cNvPr id="4" name="Title 3">
             <a:extLst>
               <a:ext uri="{FF2B5EF4-FFF2-40B4-BE49-F238E27FC236}">
-                <a16:creationId xmlns:a16="http://schemas.microsoft.com/office/drawing/2014/main" id="{07506127-40F4-46B4-AA13-9926B2BD096B}"/>
+                <a16:creationId xmlns:a16="http://schemas.microsoft.com/office/drawing/2014/main" xmlns="" id="{07506127-40F4-46B4-AA13-9926B2BD096B}"/>
               </a:ext>
             </a:extLst>
           </p:cNvPr>
@@ -12746,7 +12749,7 @@
           <p:cNvPr id="5" name="Subtitle 4">
             <a:extLst>
               <a:ext uri="{FF2B5EF4-FFF2-40B4-BE49-F238E27FC236}">
-                <a16:creationId xmlns:a16="http://schemas.microsoft.com/office/drawing/2014/main" id="{BBBCF47C-CE96-46DF-9B20-6EF8EEE99D3F}"/>
+                <a16:creationId xmlns:a16="http://schemas.microsoft.com/office/drawing/2014/main" xmlns="" id="{BBBCF47C-CE96-46DF-9B20-6EF8EEE99D3F}"/>
               </a:ext>
             </a:extLst>
           </p:cNvPr>
@@ -12774,7 +12777,7 @@
           <p:cNvPr id="3" name="Footer Placeholder 2">
             <a:extLst>
               <a:ext uri="{FF2B5EF4-FFF2-40B4-BE49-F238E27FC236}">
-                <a16:creationId xmlns:a16="http://schemas.microsoft.com/office/drawing/2014/main" id="{1C8B0826-5E65-4731-9543-60C266E8708C}"/>
+                <a16:creationId xmlns:a16="http://schemas.microsoft.com/office/drawing/2014/main" xmlns="" id="{1C8B0826-5E65-4731-9543-60C266E8708C}"/>
               </a:ext>
             </a:extLst>
           </p:cNvPr>
@@ -12845,7 +12848,7 @@
           <p:cNvPr id="5" name="Title 4">
             <a:extLst>
               <a:ext uri="{FF2B5EF4-FFF2-40B4-BE49-F238E27FC236}">
-                <a16:creationId xmlns:a16="http://schemas.microsoft.com/office/drawing/2014/main" id="{4367301C-9E62-4A97-A776-7C2F6EAEAB9B}"/>
+                <a16:creationId xmlns:a16="http://schemas.microsoft.com/office/drawing/2014/main" xmlns="" id="{4367301C-9E62-4A97-A776-7C2F6EAEAB9B}"/>
               </a:ext>
             </a:extLst>
           </p:cNvPr>
@@ -12873,7 +12876,7 @@
           <p:cNvPr id="4" name="Footer Placeholder 3">
             <a:extLst>
               <a:ext uri="{FF2B5EF4-FFF2-40B4-BE49-F238E27FC236}">
-                <a16:creationId xmlns:a16="http://schemas.microsoft.com/office/drawing/2014/main" id="{79004010-F763-427D-8147-B73D87274D90}"/>
+                <a16:creationId xmlns:a16="http://schemas.microsoft.com/office/drawing/2014/main" xmlns="" id="{79004010-F763-427D-8147-B73D87274D90}"/>
               </a:ext>
             </a:extLst>
           </p:cNvPr>
@@ -12944,7 +12947,7 @@
           <p:cNvPr id="2" name="Title 1">
             <a:extLst>
               <a:ext uri="{FF2B5EF4-FFF2-40B4-BE49-F238E27FC236}">
-                <a16:creationId xmlns:a16="http://schemas.microsoft.com/office/drawing/2014/main" id="{E40688EB-621D-42E0-B625-CD1D9B60F1AE}"/>
+                <a16:creationId xmlns:a16="http://schemas.microsoft.com/office/drawing/2014/main" xmlns="" id="{E40688EB-621D-42E0-B625-CD1D9B60F1AE}"/>
               </a:ext>
             </a:extLst>
           </p:cNvPr>
@@ -12972,7 +12975,7 @@
           <p:cNvPr id="3" name="Content Placeholder 2">
             <a:extLst>
               <a:ext uri="{FF2B5EF4-FFF2-40B4-BE49-F238E27FC236}">
-                <a16:creationId xmlns:a16="http://schemas.microsoft.com/office/drawing/2014/main" id="{22E88ED5-1D68-41B1-9126-A9E5B767C05E}"/>
+                <a16:creationId xmlns:a16="http://schemas.microsoft.com/office/drawing/2014/main" xmlns="" id="{22E88ED5-1D68-41B1-9126-A9E5B767C05E}"/>
               </a:ext>
             </a:extLst>
           </p:cNvPr>
@@ -13025,7 +13028,7 @@
           <p:cNvPr id="4" name="Footer Placeholder 3">
             <a:extLst>
               <a:ext uri="{FF2B5EF4-FFF2-40B4-BE49-F238E27FC236}">
-                <a16:creationId xmlns:a16="http://schemas.microsoft.com/office/drawing/2014/main" id="{E412153F-FE17-4D4D-847D-1FF5D1664F8C}"/>
+                <a16:creationId xmlns:a16="http://schemas.microsoft.com/office/drawing/2014/main" xmlns="" id="{E412153F-FE17-4D4D-847D-1FF5D1664F8C}"/>
               </a:ext>
             </a:extLst>
           </p:cNvPr>
@@ -13096,7 +13099,7 @@
           <p:cNvPr id="4" name="Title 3">
             <a:extLst>
               <a:ext uri="{FF2B5EF4-FFF2-40B4-BE49-F238E27FC236}">
-                <a16:creationId xmlns:a16="http://schemas.microsoft.com/office/drawing/2014/main" id="{07506127-40F4-46B4-AA13-9926B2BD096B}"/>
+                <a16:creationId xmlns:a16="http://schemas.microsoft.com/office/drawing/2014/main" xmlns="" id="{07506127-40F4-46B4-AA13-9926B2BD096B}"/>
               </a:ext>
             </a:extLst>
           </p:cNvPr>
@@ -13124,7 +13127,7 @@
           <p:cNvPr id="5" name="Subtitle 4">
             <a:extLst>
               <a:ext uri="{FF2B5EF4-FFF2-40B4-BE49-F238E27FC236}">
-                <a16:creationId xmlns:a16="http://schemas.microsoft.com/office/drawing/2014/main" id="{BBBCF47C-CE96-46DF-9B20-6EF8EEE99D3F}"/>
+                <a16:creationId xmlns:a16="http://schemas.microsoft.com/office/drawing/2014/main" xmlns="" id="{BBBCF47C-CE96-46DF-9B20-6EF8EEE99D3F}"/>
               </a:ext>
             </a:extLst>
           </p:cNvPr>
@@ -13149,7 +13152,7 @@
           <p:cNvPr id="3" name="Footer Placeholder 2">
             <a:extLst>
               <a:ext uri="{FF2B5EF4-FFF2-40B4-BE49-F238E27FC236}">
-                <a16:creationId xmlns:a16="http://schemas.microsoft.com/office/drawing/2014/main" id="{1C8B0826-5E65-4731-9543-60C266E8708C}"/>
+                <a16:creationId xmlns:a16="http://schemas.microsoft.com/office/drawing/2014/main" xmlns="" id="{1C8B0826-5E65-4731-9543-60C266E8708C}"/>
               </a:ext>
             </a:extLst>
           </p:cNvPr>
@@ -13311,7 +13314,7 @@
           <p:cNvPr id="4" name="Footer Placeholder 3">
             <a:extLst>
               <a:ext uri="{FF2B5EF4-FFF2-40B4-BE49-F238E27FC236}">
-                <a16:creationId xmlns:a16="http://schemas.microsoft.com/office/drawing/2014/main" id="{EADFB87E-2A3F-4815-8F5E-3CF3521EBF24}"/>
+                <a16:creationId xmlns:a16="http://schemas.microsoft.com/office/drawing/2014/main" xmlns="" id="{EADFB87E-2A3F-4815-8F5E-3CF3521EBF24}"/>
               </a:ext>
             </a:extLst>
           </p:cNvPr>
@@ -13398,7 +13401,7 @@
           <p:cNvPr id="4" name="Title 3">
             <a:extLst>
               <a:ext uri="{FF2B5EF4-FFF2-40B4-BE49-F238E27FC236}">
-                <a16:creationId xmlns:a16="http://schemas.microsoft.com/office/drawing/2014/main" id="{C261C424-AA7E-4C83-A265-373D787780AF}"/>
+                <a16:creationId xmlns:a16="http://schemas.microsoft.com/office/drawing/2014/main" xmlns="" id="{C261C424-AA7E-4C83-A265-373D787780AF}"/>
               </a:ext>
             </a:extLst>
           </p:cNvPr>
@@ -13426,7 +13429,7 @@
           <p:cNvPr id="5" name="Content Placeholder 4">
             <a:extLst>
               <a:ext uri="{FF2B5EF4-FFF2-40B4-BE49-F238E27FC236}">
-                <a16:creationId xmlns:a16="http://schemas.microsoft.com/office/drawing/2014/main" id="{5FB15BB9-DF65-4384-92F0-41EA410C768D}"/>
+                <a16:creationId xmlns:a16="http://schemas.microsoft.com/office/drawing/2014/main" xmlns="" id="{5FB15BB9-DF65-4384-92F0-41EA410C768D}"/>
               </a:ext>
             </a:extLst>
           </p:cNvPr>
@@ -13490,7 +13493,7 @@
           <p:cNvPr id="3" name="Footer Placeholder 2">
             <a:extLst>
               <a:ext uri="{FF2B5EF4-FFF2-40B4-BE49-F238E27FC236}">
-                <a16:creationId xmlns:a16="http://schemas.microsoft.com/office/drawing/2014/main" id="{D03FB568-79CA-4314-A86F-F38E112F7BC8}"/>
+                <a16:creationId xmlns:a16="http://schemas.microsoft.com/office/drawing/2014/main" xmlns="" id="{D03FB568-79CA-4314-A86F-F38E112F7BC8}"/>
               </a:ext>
             </a:extLst>
           </p:cNvPr>
@@ -13561,7 +13564,7 @@
           <p:cNvPr id="4" name="Title 3">
             <a:extLst>
               <a:ext uri="{FF2B5EF4-FFF2-40B4-BE49-F238E27FC236}">
-                <a16:creationId xmlns:a16="http://schemas.microsoft.com/office/drawing/2014/main" id="{07506127-40F4-46B4-AA13-9926B2BD096B}"/>
+                <a16:creationId xmlns:a16="http://schemas.microsoft.com/office/drawing/2014/main" xmlns="" id="{07506127-40F4-46B4-AA13-9926B2BD096B}"/>
               </a:ext>
             </a:extLst>
           </p:cNvPr>
@@ -13589,7 +13592,7 @@
           <p:cNvPr id="5" name="Subtitle 4">
             <a:extLst>
               <a:ext uri="{FF2B5EF4-FFF2-40B4-BE49-F238E27FC236}">
-                <a16:creationId xmlns:a16="http://schemas.microsoft.com/office/drawing/2014/main" id="{BBBCF47C-CE96-46DF-9B20-6EF8EEE99D3F}"/>
+                <a16:creationId xmlns:a16="http://schemas.microsoft.com/office/drawing/2014/main" xmlns="" id="{BBBCF47C-CE96-46DF-9B20-6EF8EEE99D3F}"/>
               </a:ext>
             </a:extLst>
           </p:cNvPr>
@@ -13617,7 +13620,7 @@
           <p:cNvPr id="3" name="Footer Placeholder 2">
             <a:extLst>
               <a:ext uri="{FF2B5EF4-FFF2-40B4-BE49-F238E27FC236}">
-                <a16:creationId xmlns:a16="http://schemas.microsoft.com/office/drawing/2014/main" id="{1C8B0826-5E65-4731-9543-60C266E8708C}"/>
+                <a16:creationId xmlns:a16="http://schemas.microsoft.com/office/drawing/2014/main" xmlns="" id="{1C8B0826-5E65-4731-9543-60C266E8708C}"/>
               </a:ext>
             </a:extLst>
           </p:cNvPr>
@@ -13645,6 +13648,420 @@
     <p:extLst>
       <p:ext uri="{BB962C8B-B14F-4D97-AF65-F5344CB8AC3E}">
         <p14:creationId xmlns:p14="http://schemas.microsoft.com/office/powerpoint/2010/main" val="1204286146"/>
+      </p:ext>
+    </p:extLst>
+  </p:cSld>
+  <p:clrMapOvr>
+    <a:masterClrMapping/>
+  </p:clrMapOvr>
+  <mc:AlternateContent xmlns:mc="http://schemas.openxmlformats.org/markup-compatibility/2006" xmlns:p14="http://schemas.microsoft.com/office/powerpoint/2010/main">
+    <mc:Choice Requires="p14">
+      <p:transition spd="med" p14:dur="700">
+        <p:fade/>
+      </p:transition>
+    </mc:Choice>
+    <mc:Fallback xmlns="">
+      <p:transition spd="med">
+        <p:fade/>
+      </p:transition>
+    </mc:Fallback>
+  </mc:AlternateContent>
+</p:sld>
+</file>
+
+<file path=ppt/slides/slide34.xml><?xml version="1.0" encoding="utf-8"?>
+<p:sld xmlns:a="http://schemas.openxmlformats.org/drawingml/2006/main" xmlns:r="http://schemas.openxmlformats.org/officeDocument/2006/relationships" xmlns:p="http://schemas.openxmlformats.org/presentationml/2006/main">
+  <p:cSld>
+    <p:spTree>
+      <p:nvGrpSpPr>
+        <p:cNvPr id="1" name=""/>
+        <p:cNvGrpSpPr/>
+        <p:nvPr/>
+      </p:nvGrpSpPr>
+      <p:grpSpPr>
+        <a:xfrm>
+          <a:off x="0" y="0"/>
+          <a:ext cx="0" cy="0"/>
+          <a:chOff x="0" y="0"/>
+          <a:chExt cx="0" cy="0"/>
+        </a:xfrm>
+      </p:grpSpPr>
+      <p:sp>
+        <p:nvSpPr>
+          <p:cNvPr id="5" name="Title 4">
+            <a:extLst>
+              <a:ext uri="{FF2B5EF4-FFF2-40B4-BE49-F238E27FC236}">
+                <a16:creationId xmlns:a16="http://schemas.microsoft.com/office/drawing/2014/main" xmlns="" id="{4367301C-9E62-4A97-A776-7C2F6EAEAB9B}"/>
+              </a:ext>
+            </a:extLst>
+          </p:cNvPr>
+          <p:cNvSpPr>
+            <a:spLocks noGrp="1"/>
+          </p:cNvSpPr>
+          <p:nvPr>
+            <p:ph type="title"/>
+          </p:nvPr>
+        </p:nvSpPr>
+        <p:spPr/>
+        <p:txBody>
+          <a:bodyPr/>
+          <a:lstStyle/>
+          <a:p>
+            <a:r>
+              <a:rPr lang="en-US" dirty="0"/>
+              <a:t>LP </a:t>
+            </a:r>
+            <a:r>
+              <a:rPr lang="en-US" dirty="0" smtClean="0"/>
+              <a:t>6</a:t>
+            </a:r>
+            <a:endParaRPr lang="en-US" dirty="0"/>
+          </a:p>
+        </p:txBody>
+      </p:sp>
+      <p:sp>
+        <p:nvSpPr>
+          <p:cNvPr id="4" name="Footer Placeholder 3">
+            <a:extLst>
+              <a:ext uri="{FF2B5EF4-FFF2-40B4-BE49-F238E27FC236}">
+                <a16:creationId xmlns:a16="http://schemas.microsoft.com/office/drawing/2014/main" xmlns="" id="{79004010-F763-427D-8147-B73D87274D90}"/>
+              </a:ext>
+            </a:extLst>
+          </p:cNvPr>
+          <p:cNvSpPr>
+            <a:spLocks noGrp="1"/>
+          </p:cNvSpPr>
+          <p:nvPr>
+            <p:ph type="ftr" sz="quarter" idx="11"/>
+          </p:nvPr>
+        </p:nvSpPr>
+        <p:spPr/>
+        <p:txBody>
+          <a:bodyPr/>
+          <a:lstStyle/>
+          <a:p>
+            <a:r>
+              <a:rPr lang="en-US"/>
+              <a:t>Add a footer</a:t>
+            </a:r>
+            <a:endParaRPr lang="en-US" dirty="0"/>
+          </a:p>
+        </p:txBody>
+      </p:sp>
+    </p:spTree>
+    <p:extLst>
+      <p:ext uri="{BB962C8B-B14F-4D97-AF65-F5344CB8AC3E}">
+        <p14:creationId xmlns:p14="http://schemas.microsoft.com/office/powerpoint/2010/main" val="2567764081"/>
+      </p:ext>
+    </p:extLst>
+  </p:cSld>
+  <p:clrMapOvr>
+    <a:masterClrMapping/>
+  </p:clrMapOvr>
+  <mc:AlternateContent xmlns:mc="http://schemas.openxmlformats.org/markup-compatibility/2006" xmlns:p14="http://schemas.microsoft.com/office/powerpoint/2010/main">
+    <mc:Choice Requires="p14">
+      <p:transition spd="med" p14:dur="700">
+        <p:fade/>
+      </p:transition>
+    </mc:Choice>
+    <mc:Fallback xmlns="">
+      <p:transition spd="med">
+        <p:fade/>
+      </p:transition>
+    </mc:Fallback>
+  </mc:AlternateContent>
+</p:sld>
+</file>
+
+<file path=ppt/slides/slide35.xml><?xml version="1.0" encoding="utf-8"?>
+<p:sld xmlns:a="http://schemas.openxmlformats.org/drawingml/2006/main" xmlns:r="http://schemas.openxmlformats.org/officeDocument/2006/relationships" xmlns:p="http://schemas.openxmlformats.org/presentationml/2006/main">
+  <p:cSld>
+    <p:spTree>
+      <p:nvGrpSpPr>
+        <p:cNvPr id="1" name=""/>
+        <p:cNvGrpSpPr/>
+        <p:nvPr/>
+      </p:nvGrpSpPr>
+      <p:grpSpPr>
+        <a:xfrm>
+          <a:off x="0" y="0"/>
+          <a:ext cx="0" cy="0"/>
+          <a:chOff x="0" y="0"/>
+          <a:chExt cx="0" cy="0"/>
+        </a:xfrm>
+      </p:grpSpPr>
+      <p:sp>
+        <p:nvSpPr>
+          <p:cNvPr id="4" name="Title 3">
+            <a:extLst>
+              <a:ext uri="{FF2B5EF4-FFF2-40B4-BE49-F238E27FC236}">
+                <a16:creationId xmlns:a16="http://schemas.microsoft.com/office/drawing/2014/main" xmlns="" id="{07506127-40F4-46B4-AA13-9926B2BD096B}"/>
+              </a:ext>
+            </a:extLst>
+          </p:cNvPr>
+          <p:cNvSpPr>
+            <a:spLocks noGrp="1"/>
+          </p:cNvSpPr>
+          <p:nvPr>
+            <p:ph type="ctrTitle"/>
+          </p:nvPr>
+        </p:nvSpPr>
+        <p:spPr/>
+        <p:txBody>
+          <a:bodyPr/>
+          <a:lstStyle/>
+          <a:p>
+            <a:r>
+              <a:rPr lang="en-US" dirty="0"/>
+              <a:t>Unit 4 Alphabet of Lines</a:t>
+            </a:r>
+          </a:p>
+        </p:txBody>
+      </p:sp>
+      <p:sp>
+        <p:nvSpPr>
+          <p:cNvPr id="5" name="Subtitle 4">
+            <a:extLst>
+              <a:ext uri="{FF2B5EF4-FFF2-40B4-BE49-F238E27FC236}">
+                <a16:creationId xmlns:a16="http://schemas.microsoft.com/office/drawing/2014/main" xmlns="" id="{BBBCF47C-CE96-46DF-9B20-6EF8EEE99D3F}"/>
+              </a:ext>
+            </a:extLst>
+          </p:cNvPr>
+          <p:cNvSpPr>
+            <a:spLocks noGrp="1"/>
+          </p:cNvSpPr>
+          <p:nvPr>
+            <p:ph type="subTitle" idx="1"/>
+          </p:nvPr>
+        </p:nvSpPr>
+        <p:spPr/>
+        <p:txBody>
+          <a:bodyPr/>
+          <a:lstStyle/>
+          <a:p>
+            <a:endParaRPr lang="en-US" dirty="0"/>
+          </a:p>
+        </p:txBody>
+      </p:sp>
+      <p:sp>
+        <p:nvSpPr>
+          <p:cNvPr id="3" name="Footer Placeholder 2">
+            <a:extLst>
+              <a:ext uri="{FF2B5EF4-FFF2-40B4-BE49-F238E27FC236}">
+                <a16:creationId xmlns:a16="http://schemas.microsoft.com/office/drawing/2014/main" xmlns="" id="{1C8B0826-5E65-4731-9543-60C266E8708C}"/>
+              </a:ext>
+            </a:extLst>
+          </p:cNvPr>
+          <p:cNvSpPr>
+            <a:spLocks noGrp="1"/>
+          </p:cNvSpPr>
+          <p:nvPr>
+            <p:ph type="ftr" sz="quarter" idx="11"/>
+          </p:nvPr>
+        </p:nvSpPr>
+        <p:spPr/>
+        <p:txBody>
+          <a:bodyPr/>
+          <a:lstStyle/>
+          <a:p>
+            <a:r>
+              <a:rPr lang="en-US"/>
+              <a:t>Add a footer</a:t>
+            </a:r>
+            <a:endParaRPr lang="en-US" dirty="0"/>
+          </a:p>
+        </p:txBody>
+      </p:sp>
+    </p:spTree>
+    <p:extLst>
+      <p:ext uri="{BB962C8B-B14F-4D97-AF65-F5344CB8AC3E}">
+        <p14:creationId xmlns:p14="http://schemas.microsoft.com/office/powerpoint/2010/main" val="4286215121"/>
+      </p:ext>
+    </p:extLst>
+  </p:cSld>
+  <p:clrMapOvr>
+    <a:masterClrMapping/>
+  </p:clrMapOvr>
+  <mc:AlternateContent xmlns:mc="http://schemas.openxmlformats.org/markup-compatibility/2006" xmlns:p14="http://schemas.microsoft.com/office/powerpoint/2010/main">
+    <mc:Choice Requires="p14">
+      <p:transition spd="med" p14:dur="700">
+        <p:fade/>
+      </p:transition>
+    </mc:Choice>
+    <mc:Fallback xmlns="">
+      <p:transition spd="med">
+        <p:fade/>
+      </p:transition>
+    </mc:Fallback>
+  </mc:AlternateContent>
+</p:sld>
+</file>
+
+<file path=ppt/slides/slide36.xml><?xml version="1.0" encoding="utf-8"?>
+<p:sld xmlns:a="http://schemas.openxmlformats.org/drawingml/2006/main" xmlns:r="http://schemas.openxmlformats.org/officeDocument/2006/relationships" xmlns:p="http://schemas.openxmlformats.org/presentationml/2006/main">
+  <p:cSld>
+    <p:spTree>
+      <p:nvGrpSpPr>
+        <p:cNvPr id="1" name=""/>
+        <p:cNvGrpSpPr/>
+        <p:nvPr/>
+      </p:nvGrpSpPr>
+      <p:grpSpPr>
+        <a:xfrm>
+          <a:off x="0" y="0"/>
+          <a:ext cx="0" cy="0"/>
+          <a:chOff x="0" y="0"/>
+          <a:chExt cx="0" cy="0"/>
+        </a:xfrm>
+      </p:grpSpPr>
+      <p:sp>
+        <p:nvSpPr>
+          <p:cNvPr id="4" name="Title 3">
+            <a:extLst>
+              <a:ext uri="{FF2B5EF4-FFF2-40B4-BE49-F238E27FC236}">
+                <a16:creationId xmlns:a16="http://schemas.microsoft.com/office/drawing/2014/main" xmlns="" id="{07506127-40F4-46B4-AA13-9926B2BD096B}"/>
+              </a:ext>
+            </a:extLst>
+          </p:cNvPr>
+          <p:cNvSpPr>
+            <a:spLocks noGrp="1"/>
+          </p:cNvSpPr>
+          <p:nvPr>
+            <p:ph type="title"/>
+          </p:nvPr>
+        </p:nvSpPr>
+        <p:spPr/>
+        <p:txBody>
+          <a:bodyPr/>
+          <a:lstStyle/>
+          <a:p>
+            <a:r>
+              <a:rPr lang="en-US" dirty="0" smtClean="0"/>
+              <a:t>DDP This week </a:t>
+            </a:r>
+            <a:endParaRPr lang="en-US" dirty="0"/>
+          </a:p>
+        </p:txBody>
+      </p:sp>
+      <p:sp>
+        <p:nvSpPr>
+          <p:cNvPr id="2" name="Content Placeholder 1"/>
+          <p:cNvSpPr>
+            <a:spLocks noGrp="1"/>
+          </p:cNvSpPr>
+          <p:nvPr>
+            <p:ph idx="1"/>
+          </p:nvPr>
+        </p:nvSpPr>
+        <p:spPr/>
+        <p:txBody>
+          <a:bodyPr/>
+          <a:lstStyle/>
+          <a:p>
+            <a:r>
+              <a:rPr lang="en-US" dirty="0" smtClean="0"/>
+              <a:t>Drawing </a:t>
+            </a:r>
+            <a:r>
+              <a:rPr lang="en-US" b="1" dirty="0" smtClean="0"/>
+              <a:t>#8 DUE TODAY</a:t>
+            </a:r>
+            <a:r>
+              <a:rPr lang="en-US" dirty="0" smtClean="0"/>
+              <a:t>!</a:t>
+            </a:r>
+          </a:p>
+          <a:p>
+            <a:pPr lvl="1"/>
+            <a:r>
+              <a:rPr lang="en-US" dirty="0" smtClean="0"/>
+              <a:t>Every missed day is </a:t>
+            </a:r>
+            <a:r>
+              <a:rPr lang="en-US" b="1" dirty="0" smtClean="0"/>
+              <a:t>-10 points</a:t>
+            </a:r>
+          </a:p>
+          <a:p>
+            <a:r>
+              <a:rPr lang="en-US" dirty="0" smtClean="0"/>
+              <a:t>Start </a:t>
+            </a:r>
+            <a:r>
+              <a:rPr lang="en-US" b="1" dirty="0" smtClean="0"/>
+              <a:t>drawing #9 Tuesday</a:t>
+            </a:r>
+          </a:p>
+          <a:p>
+            <a:pPr lvl="1"/>
+            <a:r>
+              <a:rPr lang="en-US" dirty="0" smtClean="0"/>
+              <a:t>Handout</a:t>
+            </a:r>
+          </a:p>
+          <a:p>
+            <a:pPr lvl="1"/>
+            <a:r>
+              <a:rPr lang="en-US" b="1" dirty="0" smtClean="0"/>
+              <a:t>DUE Thursday 10/25</a:t>
+            </a:r>
+          </a:p>
+          <a:p>
+            <a:r>
+              <a:rPr lang="en-US" b="1" dirty="0" smtClean="0"/>
+              <a:t>Unit 4 quiz opens up Friday </a:t>
+            </a:r>
+            <a:r>
+              <a:rPr lang="en-US" dirty="0" smtClean="0"/>
+              <a:t>at 9AM</a:t>
+            </a:r>
+          </a:p>
+          <a:p>
+            <a:r>
+              <a:rPr lang="en-US" dirty="0" smtClean="0"/>
+              <a:t>Keep in mind about an </a:t>
+            </a:r>
+            <a:r>
+              <a:rPr lang="en-US" b="1" dirty="0" smtClean="0"/>
+              <a:t>80/20 rule project</a:t>
+            </a:r>
+            <a:endParaRPr lang="en-US" b="1" dirty="0"/>
+          </a:p>
+        </p:txBody>
+      </p:sp>
+      <p:sp>
+        <p:nvSpPr>
+          <p:cNvPr id="3" name="Footer Placeholder 2">
+            <a:extLst>
+              <a:ext uri="{FF2B5EF4-FFF2-40B4-BE49-F238E27FC236}">
+                <a16:creationId xmlns:a16="http://schemas.microsoft.com/office/drawing/2014/main" xmlns="" id="{1C8B0826-5E65-4731-9543-60C266E8708C}"/>
+              </a:ext>
+            </a:extLst>
+          </p:cNvPr>
+          <p:cNvSpPr>
+            <a:spLocks noGrp="1"/>
+          </p:cNvSpPr>
+          <p:nvPr>
+            <p:ph type="ftr" sz="quarter" idx="11"/>
+          </p:nvPr>
+        </p:nvSpPr>
+        <p:spPr/>
+        <p:txBody>
+          <a:bodyPr/>
+          <a:lstStyle/>
+          <a:p>
+            <a:r>
+              <a:rPr lang="en-US"/>
+              <a:t>Add a footer</a:t>
+            </a:r>
+            <a:endParaRPr lang="en-US" dirty="0"/>
+          </a:p>
+        </p:txBody>
+      </p:sp>
+    </p:spTree>
+    <p:extLst>
+      <p:ext uri="{BB962C8B-B14F-4D97-AF65-F5344CB8AC3E}">
+        <p14:creationId xmlns:p14="http://schemas.microsoft.com/office/powerpoint/2010/main" val="3173656015"/>
       </p:ext>
     </p:extLst>
   </p:cSld>
@@ -13713,10 +14130,10 @@
           <p:cNvPr id="72" name="Group 71">
             <a:extLst>
               <a:ext uri="{FF2B5EF4-FFF2-40B4-BE49-F238E27FC236}">
-                <a16:creationId xmlns:a16="http://schemas.microsoft.com/office/drawing/2014/main" id="{2103B461-323C-4912-BFFD-C37582662085}"/>
+                <a16:creationId xmlns:a16="http://schemas.microsoft.com/office/drawing/2014/main" xmlns="" id="{2103B461-323C-4912-BFFD-C37582662085}"/>
               </a:ext>
               <a:ext uri="{C183D7F6-B498-43B3-948B-1728B52AA6E4}">
-                <adec:decorative xmlns:adec="http://schemas.microsoft.com/office/drawing/2017/decorative" val="1"/>
+                <adec:decorative xmlns:adec="http://schemas.microsoft.com/office/drawing/2017/decorative" xmlns="" val="1"/>
               </a:ext>
             </a:extLst>
           </p:cNvPr>
@@ -13726,7 +14143,7 @@
           <p:nvPr>
             <p:extLst>
               <p:ext uri="{386F3935-93C4-4BCD-93E2-E3B085C9AB24}">
-                <p16:designElem xmlns:p16="http://schemas.microsoft.com/office/powerpoint/2015/main" val="1"/>
+                <p16:designElem xmlns:p16="http://schemas.microsoft.com/office/powerpoint/2015/main" xmlns="" val="1"/>
               </p:ext>
             </p:extLst>
           </p:nvPr>
@@ -13744,10 +14161,10 @@
             <p:cNvPr id="73" name="Straight Connector 72">
               <a:extLst>
                 <a:ext uri="{FF2B5EF4-FFF2-40B4-BE49-F238E27FC236}">
-                  <a16:creationId xmlns:a16="http://schemas.microsoft.com/office/drawing/2014/main" id="{FBC21318-F4F4-4524-95D1-6B7FE0A788A3}"/>
+                  <a16:creationId xmlns:a16="http://schemas.microsoft.com/office/drawing/2014/main" xmlns="" id="{FBC21318-F4F4-4524-95D1-6B7FE0A788A3}"/>
                 </a:ext>
                 <a:ext uri="{C183D7F6-B498-43B3-948B-1728B52AA6E4}">
-                  <adec:decorative xmlns:adec="http://schemas.microsoft.com/office/drawing/2017/decorative" val="1"/>
+                  <adec:decorative xmlns:adec="http://schemas.microsoft.com/office/drawing/2017/decorative" xmlns="" val="1"/>
                 </a:ext>
               </a:extLst>
             </p:cNvPr>
@@ -13755,7 +14172,7 @@
             <p:nvPr>
               <p:extLst>
                 <p:ext uri="{386F3935-93C4-4BCD-93E2-E3B085C9AB24}">
-                  <p16:designElem xmlns:p16="http://schemas.microsoft.com/office/powerpoint/2015/main" val="1"/>
+                  <p16:designElem xmlns:p16="http://schemas.microsoft.com/office/powerpoint/2015/main" xmlns="" val="1"/>
                 </p:ext>
               </p:extLst>
             </p:nvPr>
@@ -13794,10 +14211,10 @@
             <p:cNvPr id="74" name="Straight Connector 73">
               <a:extLst>
                 <a:ext uri="{FF2B5EF4-FFF2-40B4-BE49-F238E27FC236}">
-                  <a16:creationId xmlns:a16="http://schemas.microsoft.com/office/drawing/2014/main" id="{D9FFA8E5-974F-409E-89C6-E185BD90933C}"/>
+                  <a16:creationId xmlns:a16="http://schemas.microsoft.com/office/drawing/2014/main" xmlns="" id="{D9FFA8E5-974F-409E-89C6-E185BD90933C}"/>
                 </a:ext>
                 <a:ext uri="{C183D7F6-B498-43B3-948B-1728B52AA6E4}">
-                  <adec:decorative xmlns:adec="http://schemas.microsoft.com/office/drawing/2017/decorative" val="1"/>
+                  <adec:decorative xmlns:adec="http://schemas.microsoft.com/office/drawing/2017/decorative" xmlns="" val="1"/>
                 </a:ext>
               </a:extLst>
             </p:cNvPr>
@@ -13805,7 +14222,7 @@
             <p:nvPr>
               <p:extLst>
                 <p:ext uri="{386F3935-93C4-4BCD-93E2-E3B085C9AB24}">
-                  <p16:designElem xmlns:p16="http://schemas.microsoft.com/office/powerpoint/2015/main" val="1"/>
+                  <p16:designElem xmlns:p16="http://schemas.microsoft.com/office/powerpoint/2015/main" xmlns="" val="1"/>
                 </p:ext>
               </p:extLst>
             </p:nvPr>
@@ -13844,10 +14261,10 @@
             <p:cNvPr id="75" name="Straight Connector 74">
               <a:extLst>
                 <a:ext uri="{FF2B5EF4-FFF2-40B4-BE49-F238E27FC236}">
-                  <a16:creationId xmlns:a16="http://schemas.microsoft.com/office/drawing/2014/main" id="{C384E2B1-7008-45EE-9F2E-FEF3A089780F}"/>
+                  <a16:creationId xmlns:a16="http://schemas.microsoft.com/office/drawing/2014/main" xmlns="" id="{C384E2B1-7008-45EE-9F2E-FEF3A089780F}"/>
                 </a:ext>
                 <a:ext uri="{C183D7F6-B498-43B3-948B-1728B52AA6E4}">
-                  <adec:decorative xmlns:adec="http://schemas.microsoft.com/office/drawing/2017/decorative" val="1"/>
+                  <adec:decorative xmlns:adec="http://schemas.microsoft.com/office/drawing/2017/decorative" xmlns="" val="1"/>
                 </a:ext>
               </a:extLst>
             </p:cNvPr>
@@ -13855,7 +14272,7 @@
             <p:nvPr>
               <p:extLst>
                 <p:ext uri="{386F3935-93C4-4BCD-93E2-E3B085C9AB24}">
-                  <p16:designElem xmlns:p16="http://schemas.microsoft.com/office/powerpoint/2015/main" val="1"/>
+                  <p16:designElem xmlns:p16="http://schemas.microsoft.com/office/powerpoint/2015/main" xmlns="" val="1"/>
                 </p:ext>
               </p:extLst>
             </p:nvPr>
@@ -13894,10 +14311,10 @@
             <p:cNvPr id="76" name="Straight Connector 75">
               <a:extLst>
                 <a:ext uri="{FF2B5EF4-FFF2-40B4-BE49-F238E27FC236}">
-                  <a16:creationId xmlns:a16="http://schemas.microsoft.com/office/drawing/2014/main" id="{D4563410-7FE9-4955-89C6-0FB9326CD3A8}"/>
+                  <a16:creationId xmlns:a16="http://schemas.microsoft.com/office/drawing/2014/main" xmlns="" id="{D4563410-7FE9-4955-89C6-0FB9326CD3A8}"/>
                 </a:ext>
                 <a:ext uri="{C183D7F6-B498-43B3-948B-1728B52AA6E4}">
-                  <adec:decorative xmlns:adec="http://schemas.microsoft.com/office/drawing/2017/decorative" val="1"/>
+                  <adec:decorative xmlns:adec="http://schemas.microsoft.com/office/drawing/2017/decorative" xmlns="" val="1"/>
                 </a:ext>
               </a:extLst>
             </p:cNvPr>
@@ -13905,7 +14322,7 @@
             <p:nvPr>
               <p:extLst>
                 <p:ext uri="{386F3935-93C4-4BCD-93E2-E3B085C9AB24}">
-                  <p16:designElem xmlns:p16="http://schemas.microsoft.com/office/powerpoint/2015/main" val="1"/>
+                  <p16:designElem xmlns:p16="http://schemas.microsoft.com/office/powerpoint/2015/main" xmlns="" val="1"/>
                 </p:ext>
               </p:extLst>
             </p:nvPr>
@@ -13944,10 +14361,10 @@
             <p:cNvPr id="77" name="Straight Connector 76">
               <a:extLst>
                 <a:ext uri="{FF2B5EF4-FFF2-40B4-BE49-F238E27FC236}">
-                  <a16:creationId xmlns:a16="http://schemas.microsoft.com/office/drawing/2014/main" id="{3AD14C0E-D5DF-4BDC-BD92-642CFF18018D}"/>
+                  <a16:creationId xmlns:a16="http://schemas.microsoft.com/office/drawing/2014/main" xmlns="" id="{3AD14C0E-D5DF-4BDC-BD92-642CFF18018D}"/>
                 </a:ext>
                 <a:ext uri="{C183D7F6-B498-43B3-948B-1728B52AA6E4}">
-                  <adec:decorative xmlns:adec="http://schemas.microsoft.com/office/drawing/2017/decorative" val="1"/>
+                  <adec:decorative xmlns:adec="http://schemas.microsoft.com/office/drawing/2017/decorative" xmlns="" val="1"/>
                 </a:ext>
               </a:extLst>
             </p:cNvPr>
@@ -13955,7 +14372,7 @@
             <p:nvPr>
               <p:extLst>
                 <p:ext uri="{386F3935-93C4-4BCD-93E2-E3B085C9AB24}">
-                  <p16:designElem xmlns:p16="http://schemas.microsoft.com/office/powerpoint/2015/main" val="1"/>
+                  <p16:designElem xmlns:p16="http://schemas.microsoft.com/office/powerpoint/2015/main" xmlns="" val="1"/>
                 </p:ext>
               </p:extLst>
             </p:nvPr>
@@ -13995,10 +14412,10 @@
           <p:cNvPr id="79" name="Rectangle 78">
             <a:extLst>
               <a:ext uri="{FF2B5EF4-FFF2-40B4-BE49-F238E27FC236}">
-                <a16:creationId xmlns:a16="http://schemas.microsoft.com/office/drawing/2014/main" id="{9A212F8F-D812-4A16-BE82-F3500DE32174}"/>
+                <a16:creationId xmlns:a16="http://schemas.microsoft.com/office/drawing/2014/main" xmlns="" id="{9A212F8F-D812-4A16-BE82-F3500DE32174}"/>
               </a:ext>
               <a:ext uri="{C183D7F6-B498-43B3-948B-1728B52AA6E4}">
-                <adec:decorative xmlns:adec="http://schemas.microsoft.com/office/drawing/2017/decorative" val="1"/>
+                <adec:decorative xmlns:adec="http://schemas.microsoft.com/office/drawing/2017/decorative" xmlns="" val="1"/>
               </a:ext>
             </a:extLst>
           </p:cNvPr>
@@ -14008,7 +14425,7 @@
           <p:nvPr>
             <p:extLst>
               <p:ext uri="{386F3935-93C4-4BCD-93E2-E3B085C9AB24}">
-                <p16:designElem xmlns:p16="http://schemas.microsoft.com/office/powerpoint/2015/main" val="1"/>
+                <p16:designElem xmlns:p16="http://schemas.microsoft.com/office/powerpoint/2015/main" xmlns="" val="1"/>
               </p:ext>
             </p:extLst>
           </p:nvPr>
@@ -14055,7 +14472,7 @@
           <p:cNvPr id="4" name="Footer Placeholder 3">
             <a:extLst>
               <a:ext uri="{FF2B5EF4-FFF2-40B4-BE49-F238E27FC236}">
-                <a16:creationId xmlns:a16="http://schemas.microsoft.com/office/drawing/2014/main" id="{15F9798A-E339-43DA-A69F-CA4C3A8139DA}"/>
+                <a16:creationId xmlns:a16="http://schemas.microsoft.com/office/drawing/2014/main" xmlns="" id="{15F9798A-E339-43DA-A69F-CA4C3A8139DA}"/>
               </a:ext>
             </a:extLst>
           </p:cNvPr>
@@ -14105,10 +14522,10 @@
           <p:cNvPr id="81" name="Snip Diagonal Corner Rectangle 24">
             <a:extLst>
               <a:ext uri="{FF2B5EF4-FFF2-40B4-BE49-F238E27FC236}">
-                <a16:creationId xmlns:a16="http://schemas.microsoft.com/office/drawing/2014/main" id="{D2CF1D1B-04ED-443D-A9FE-68BF8859BDD6}"/>
+                <a16:creationId xmlns:a16="http://schemas.microsoft.com/office/drawing/2014/main" xmlns="" id="{D2CF1D1B-04ED-443D-A9FE-68BF8859BDD6}"/>
               </a:ext>
               <a:ext uri="{C183D7F6-B498-43B3-948B-1728B52AA6E4}">
-                <adec:decorative xmlns:adec="http://schemas.microsoft.com/office/drawing/2017/decorative" val="1"/>
+                <adec:decorative xmlns:adec="http://schemas.microsoft.com/office/drawing/2017/decorative" xmlns="" val="1"/>
               </a:ext>
             </a:extLst>
           </p:cNvPr>
@@ -14118,7 +14535,7 @@
           <p:nvPr>
             <p:extLst>
               <p:ext uri="{386F3935-93C4-4BCD-93E2-E3B085C9AB24}">
-                <p16:designElem xmlns:p16="http://schemas.microsoft.com/office/powerpoint/2015/main" val="1"/>
+                <p16:designElem xmlns:p16="http://schemas.microsoft.com/office/powerpoint/2015/main" xmlns="" val="1"/>
               </p:ext>
             </p:extLst>
           </p:nvPr>
@@ -14178,7 +14595,7 @@
           <p:cNvPr id="5125" name="Picture 2" descr="Forms response chart. Question title: Why is lettering so important?. Number of responses: 7 / 14 correct responses.">
             <a:extLst>
               <a:ext uri="{FF2B5EF4-FFF2-40B4-BE49-F238E27FC236}">
-                <a16:creationId xmlns:a16="http://schemas.microsoft.com/office/drawing/2014/main" id="{9CF9E375-9C80-49B2-BABF-352EAE60886B}"/>
+                <a16:creationId xmlns:a16="http://schemas.microsoft.com/office/drawing/2014/main" xmlns="" id="{9CF9E375-9C80-49B2-BABF-352EAE60886B}"/>
               </a:ext>
             </a:extLst>
           </p:cNvPr>
@@ -14353,10 +14770,10 @@
           <p:cNvPr id="72" name="Group 71">
             <a:extLst>
               <a:ext uri="{FF2B5EF4-FFF2-40B4-BE49-F238E27FC236}">
-                <a16:creationId xmlns:a16="http://schemas.microsoft.com/office/drawing/2014/main" id="{2103B461-323C-4912-BFFD-C37582662085}"/>
+                <a16:creationId xmlns:a16="http://schemas.microsoft.com/office/drawing/2014/main" xmlns="" id="{2103B461-323C-4912-BFFD-C37582662085}"/>
               </a:ext>
               <a:ext uri="{C183D7F6-B498-43B3-948B-1728B52AA6E4}">
-                <adec:decorative xmlns:adec="http://schemas.microsoft.com/office/drawing/2017/decorative" val="1"/>
+                <adec:decorative xmlns:adec="http://schemas.microsoft.com/office/drawing/2017/decorative" xmlns="" val="1"/>
               </a:ext>
             </a:extLst>
           </p:cNvPr>
@@ -14366,7 +14783,7 @@
           <p:nvPr>
             <p:extLst>
               <p:ext uri="{386F3935-93C4-4BCD-93E2-E3B085C9AB24}">
-                <p16:designElem xmlns:p16="http://schemas.microsoft.com/office/powerpoint/2015/main" val="1"/>
+                <p16:designElem xmlns:p16="http://schemas.microsoft.com/office/powerpoint/2015/main" xmlns="" val="1"/>
               </p:ext>
             </p:extLst>
           </p:nvPr>
@@ -14384,10 +14801,10 @@
             <p:cNvPr id="73" name="Straight Connector 72">
               <a:extLst>
                 <a:ext uri="{FF2B5EF4-FFF2-40B4-BE49-F238E27FC236}">
-                  <a16:creationId xmlns:a16="http://schemas.microsoft.com/office/drawing/2014/main" id="{FBC21318-F4F4-4524-95D1-6B7FE0A788A3}"/>
+                  <a16:creationId xmlns:a16="http://schemas.microsoft.com/office/drawing/2014/main" xmlns="" id="{FBC21318-F4F4-4524-95D1-6B7FE0A788A3}"/>
                 </a:ext>
                 <a:ext uri="{C183D7F6-B498-43B3-948B-1728B52AA6E4}">
-                  <adec:decorative xmlns:adec="http://schemas.microsoft.com/office/drawing/2017/decorative" val="1"/>
+                  <adec:decorative xmlns:adec="http://schemas.microsoft.com/office/drawing/2017/decorative" xmlns="" val="1"/>
                 </a:ext>
               </a:extLst>
             </p:cNvPr>
@@ -14395,7 +14812,7 @@
             <p:nvPr>
               <p:extLst>
                 <p:ext uri="{386F3935-93C4-4BCD-93E2-E3B085C9AB24}">
-                  <p16:designElem xmlns:p16="http://schemas.microsoft.com/office/powerpoint/2015/main" val="1"/>
+                  <p16:designElem xmlns:p16="http://schemas.microsoft.com/office/powerpoint/2015/main" xmlns="" val="1"/>
                 </p:ext>
               </p:extLst>
             </p:nvPr>
@@ -14434,10 +14851,10 @@
             <p:cNvPr id="74" name="Straight Connector 73">
               <a:extLst>
                 <a:ext uri="{FF2B5EF4-FFF2-40B4-BE49-F238E27FC236}">
-                  <a16:creationId xmlns:a16="http://schemas.microsoft.com/office/drawing/2014/main" id="{D9FFA8E5-974F-409E-89C6-E185BD90933C}"/>
+                  <a16:creationId xmlns:a16="http://schemas.microsoft.com/office/drawing/2014/main" xmlns="" id="{D9FFA8E5-974F-409E-89C6-E185BD90933C}"/>
                 </a:ext>
                 <a:ext uri="{C183D7F6-B498-43B3-948B-1728B52AA6E4}">
-                  <adec:decorative xmlns:adec="http://schemas.microsoft.com/office/drawing/2017/decorative" val="1"/>
+                  <adec:decorative xmlns:adec="http://schemas.microsoft.com/office/drawing/2017/decorative" xmlns="" val="1"/>
                 </a:ext>
               </a:extLst>
             </p:cNvPr>
@@ -14445,7 +14862,7 @@
             <p:nvPr>
               <p:extLst>
                 <p:ext uri="{386F3935-93C4-4BCD-93E2-E3B085C9AB24}">
-                  <p16:designElem xmlns:p16="http://schemas.microsoft.com/office/powerpoint/2015/main" val="1"/>
+                  <p16:designElem xmlns:p16="http://schemas.microsoft.com/office/powerpoint/2015/main" xmlns="" val="1"/>
                 </p:ext>
               </p:extLst>
             </p:nvPr>
@@ -14484,10 +14901,10 @@
             <p:cNvPr id="75" name="Straight Connector 74">
               <a:extLst>
                 <a:ext uri="{FF2B5EF4-FFF2-40B4-BE49-F238E27FC236}">
-                  <a16:creationId xmlns:a16="http://schemas.microsoft.com/office/drawing/2014/main" id="{C384E2B1-7008-45EE-9F2E-FEF3A089780F}"/>
+                  <a16:creationId xmlns:a16="http://schemas.microsoft.com/office/drawing/2014/main" xmlns="" id="{C384E2B1-7008-45EE-9F2E-FEF3A089780F}"/>
                 </a:ext>
                 <a:ext uri="{C183D7F6-B498-43B3-948B-1728B52AA6E4}">
-                  <adec:decorative xmlns:adec="http://schemas.microsoft.com/office/drawing/2017/decorative" val="1"/>
+                  <adec:decorative xmlns:adec="http://schemas.microsoft.com/office/drawing/2017/decorative" xmlns="" val="1"/>
                 </a:ext>
               </a:extLst>
             </p:cNvPr>
@@ -14495,7 +14912,7 @@
             <p:nvPr>
               <p:extLst>
                 <p:ext uri="{386F3935-93C4-4BCD-93E2-E3B085C9AB24}">
-                  <p16:designElem xmlns:p16="http://schemas.microsoft.com/office/powerpoint/2015/main" val="1"/>
+                  <p16:designElem xmlns:p16="http://schemas.microsoft.com/office/powerpoint/2015/main" xmlns="" val="1"/>
                 </p:ext>
               </p:extLst>
             </p:nvPr>
@@ -14534,10 +14951,10 @@
             <p:cNvPr id="76" name="Straight Connector 75">
               <a:extLst>
                 <a:ext uri="{FF2B5EF4-FFF2-40B4-BE49-F238E27FC236}">
-                  <a16:creationId xmlns:a16="http://schemas.microsoft.com/office/drawing/2014/main" id="{D4563410-7FE9-4955-89C6-0FB9326CD3A8}"/>
+                  <a16:creationId xmlns:a16="http://schemas.microsoft.com/office/drawing/2014/main" xmlns="" id="{D4563410-7FE9-4955-89C6-0FB9326CD3A8}"/>
                 </a:ext>
                 <a:ext uri="{C183D7F6-B498-43B3-948B-1728B52AA6E4}">
-                  <adec:decorative xmlns:adec="http://schemas.microsoft.com/office/drawing/2017/decorative" val="1"/>
+                  <adec:decorative xmlns:adec="http://schemas.microsoft.com/office/drawing/2017/decorative" xmlns="" val="1"/>
                 </a:ext>
               </a:extLst>
             </p:cNvPr>
@@ -14545,7 +14962,7 @@
             <p:nvPr>
               <p:extLst>
                 <p:ext uri="{386F3935-93C4-4BCD-93E2-E3B085C9AB24}">
-                  <p16:designElem xmlns:p16="http://schemas.microsoft.com/office/powerpoint/2015/main" val="1"/>
+                  <p16:designElem xmlns:p16="http://schemas.microsoft.com/office/powerpoint/2015/main" xmlns="" val="1"/>
                 </p:ext>
               </p:extLst>
             </p:nvPr>
@@ -14584,10 +15001,10 @@
             <p:cNvPr id="77" name="Straight Connector 76">
               <a:extLst>
                 <a:ext uri="{FF2B5EF4-FFF2-40B4-BE49-F238E27FC236}">
-                  <a16:creationId xmlns:a16="http://schemas.microsoft.com/office/drawing/2014/main" id="{3AD14C0E-D5DF-4BDC-BD92-642CFF18018D}"/>
+                  <a16:creationId xmlns:a16="http://schemas.microsoft.com/office/drawing/2014/main" xmlns="" id="{3AD14C0E-D5DF-4BDC-BD92-642CFF18018D}"/>
                 </a:ext>
                 <a:ext uri="{C183D7F6-B498-43B3-948B-1728B52AA6E4}">
-                  <adec:decorative xmlns:adec="http://schemas.microsoft.com/office/drawing/2017/decorative" val="1"/>
+                  <adec:decorative xmlns:adec="http://schemas.microsoft.com/office/drawing/2017/decorative" xmlns="" val="1"/>
                 </a:ext>
               </a:extLst>
             </p:cNvPr>
@@ -14595,7 +15012,7 @@
             <p:nvPr>
               <p:extLst>
                 <p:ext uri="{386F3935-93C4-4BCD-93E2-E3B085C9AB24}">
-                  <p16:designElem xmlns:p16="http://schemas.microsoft.com/office/powerpoint/2015/main" val="1"/>
+                  <p16:designElem xmlns:p16="http://schemas.microsoft.com/office/powerpoint/2015/main" xmlns="" val="1"/>
                 </p:ext>
               </p:extLst>
             </p:nvPr>
@@ -14635,10 +15052,10 @@
           <p:cNvPr id="79" name="Rectangle 78">
             <a:extLst>
               <a:ext uri="{FF2B5EF4-FFF2-40B4-BE49-F238E27FC236}">
-                <a16:creationId xmlns:a16="http://schemas.microsoft.com/office/drawing/2014/main" id="{9A212F8F-D812-4A16-BE82-F3500DE32174}"/>
+                <a16:creationId xmlns:a16="http://schemas.microsoft.com/office/drawing/2014/main" xmlns="" id="{9A212F8F-D812-4A16-BE82-F3500DE32174}"/>
               </a:ext>
               <a:ext uri="{C183D7F6-B498-43B3-948B-1728B52AA6E4}">
-                <adec:decorative xmlns:adec="http://schemas.microsoft.com/office/drawing/2017/decorative" val="1"/>
+                <adec:decorative xmlns:adec="http://schemas.microsoft.com/office/drawing/2017/decorative" xmlns="" val="1"/>
               </a:ext>
             </a:extLst>
           </p:cNvPr>
@@ -14648,7 +15065,7 @@
           <p:nvPr>
             <p:extLst>
               <p:ext uri="{386F3935-93C4-4BCD-93E2-E3B085C9AB24}">
-                <p16:designElem xmlns:p16="http://schemas.microsoft.com/office/powerpoint/2015/main" val="1"/>
+                <p16:designElem xmlns:p16="http://schemas.microsoft.com/office/powerpoint/2015/main" xmlns="" val="1"/>
               </p:ext>
             </p:extLst>
           </p:nvPr>
@@ -14695,7 +15112,7 @@
           <p:cNvPr id="4" name="Footer Placeholder 3">
             <a:extLst>
               <a:ext uri="{FF2B5EF4-FFF2-40B4-BE49-F238E27FC236}">
-                <a16:creationId xmlns:a16="http://schemas.microsoft.com/office/drawing/2014/main" id="{1706A07F-523B-4EB7-8912-0BC49C2A7E6F}"/>
+                <a16:creationId xmlns:a16="http://schemas.microsoft.com/office/drawing/2014/main" xmlns="" id="{1706A07F-523B-4EB7-8912-0BC49C2A7E6F}"/>
               </a:ext>
             </a:extLst>
           </p:cNvPr>
@@ -14745,10 +15162,10 @@
           <p:cNvPr id="81" name="Snip Diagonal Corner Rectangle 24">
             <a:extLst>
               <a:ext uri="{FF2B5EF4-FFF2-40B4-BE49-F238E27FC236}">
-                <a16:creationId xmlns:a16="http://schemas.microsoft.com/office/drawing/2014/main" id="{D2CF1D1B-04ED-443D-A9FE-68BF8859BDD6}"/>
+                <a16:creationId xmlns:a16="http://schemas.microsoft.com/office/drawing/2014/main" xmlns="" id="{D2CF1D1B-04ED-443D-A9FE-68BF8859BDD6}"/>
               </a:ext>
               <a:ext uri="{C183D7F6-B498-43B3-948B-1728B52AA6E4}">
-                <adec:decorative xmlns:adec="http://schemas.microsoft.com/office/drawing/2017/decorative" val="1"/>
+                <adec:decorative xmlns:adec="http://schemas.microsoft.com/office/drawing/2017/decorative" xmlns="" val="1"/>
               </a:ext>
             </a:extLst>
           </p:cNvPr>
@@ -14758,7 +15175,7 @@
           <p:nvPr>
             <p:extLst>
               <p:ext uri="{386F3935-93C4-4BCD-93E2-E3B085C9AB24}">
-                <p16:designElem xmlns:p16="http://schemas.microsoft.com/office/powerpoint/2015/main" val="1"/>
+                <p16:designElem xmlns:p16="http://schemas.microsoft.com/office/powerpoint/2015/main" xmlns="" val="1"/>
               </p:ext>
             </p:extLst>
           </p:nvPr>
@@ -14818,7 +15235,7 @@
           <p:cNvPr id="6149" name="Picture 2" descr="Forms response chart. Question title: On average, lettering consumes how much of a drafters time per project?. Number of responses: 11 / 14 correct responses.">
             <a:extLst>
               <a:ext uri="{FF2B5EF4-FFF2-40B4-BE49-F238E27FC236}">
-                <a16:creationId xmlns:a16="http://schemas.microsoft.com/office/drawing/2014/main" id="{FAC1FEFB-41ED-4ACD-8561-97AFC72922CE}"/>
+                <a16:creationId xmlns:a16="http://schemas.microsoft.com/office/drawing/2014/main" xmlns="" id="{FAC1FEFB-41ED-4ACD-8561-97AFC72922CE}"/>
               </a:ext>
             </a:extLst>
           </p:cNvPr>
@@ -14993,10 +15410,10 @@
           <p:cNvPr id="80" name="Group 79">
             <a:extLst>
               <a:ext uri="{FF2B5EF4-FFF2-40B4-BE49-F238E27FC236}">
-                <a16:creationId xmlns:a16="http://schemas.microsoft.com/office/drawing/2014/main" id="{2103B461-323C-4912-BFFD-C37582662085}"/>
+                <a16:creationId xmlns:a16="http://schemas.microsoft.com/office/drawing/2014/main" xmlns="" id="{2103B461-323C-4912-BFFD-C37582662085}"/>
               </a:ext>
               <a:ext uri="{C183D7F6-B498-43B3-948B-1728B52AA6E4}">
-                <adec:decorative xmlns:adec="http://schemas.microsoft.com/office/drawing/2017/decorative" val="1"/>
+                <adec:decorative xmlns:adec="http://schemas.microsoft.com/office/drawing/2017/decorative" xmlns="" val="1"/>
               </a:ext>
             </a:extLst>
           </p:cNvPr>
@@ -15006,7 +15423,7 @@
           <p:nvPr>
             <p:extLst>
               <p:ext uri="{386F3935-93C4-4BCD-93E2-E3B085C9AB24}">
-                <p16:designElem xmlns:p16="http://schemas.microsoft.com/office/powerpoint/2015/main" val="1"/>
+                <p16:designElem xmlns:p16="http://schemas.microsoft.com/office/powerpoint/2015/main" xmlns="" val="1"/>
               </p:ext>
             </p:extLst>
           </p:nvPr>
@@ -15024,10 +15441,10 @@
             <p:cNvPr id="7175" name="Straight Connector 80">
               <a:extLst>
                 <a:ext uri="{FF2B5EF4-FFF2-40B4-BE49-F238E27FC236}">
-                  <a16:creationId xmlns:a16="http://schemas.microsoft.com/office/drawing/2014/main" id="{FBC21318-F4F4-4524-95D1-6B7FE0A788A3}"/>
+                  <a16:creationId xmlns:a16="http://schemas.microsoft.com/office/drawing/2014/main" xmlns="" id="{FBC21318-F4F4-4524-95D1-6B7FE0A788A3}"/>
                 </a:ext>
                 <a:ext uri="{C183D7F6-B498-43B3-948B-1728B52AA6E4}">
-                  <adec:decorative xmlns:adec="http://schemas.microsoft.com/office/drawing/2017/decorative" val="1"/>
+                  <adec:decorative xmlns:adec="http://schemas.microsoft.com/office/drawing/2017/decorative" xmlns="" val="1"/>
                 </a:ext>
               </a:extLst>
             </p:cNvPr>
@@ -15035,7 +15452,7 @@
             <p:nvPr>
               <p:extLst>
                 <p:ext uri="{386F3935-93C4-4BCD-93E2-E3B085C9AB24}">
-                  <p16:designElem xmlns:p16="http://schemas.microsoft.com/office/powerpoint/2015/main" val="1"/>
+                  <p16:designElem xmlns:p16="http://schemas.microsoft.com/office/powerpoint/2015/main" xmlns="" val="1"/>
                 </p:ext>
               </p:extLst>
             </p:nvPr>
@@ -15074,10 +15491,10 @@
             <p:cNvPr id="88" name="Straight Connector 87">
               <a:extLst>
                 <a:ext uri="{FF2B5EF4-FFF2-40B4-BE49-F238E27FC236}">
-                  <a16:creationId xmlns:a16="http://schemas.microsoft.com/office/drawing/2014/main" id="{D9FFA8E5-974F-409E-89C6-E185BD90933C}"/>
+                  <a16:creationId xmlns:a16="http://schemas.microsoft.com/office/drawing/2014/main" xmlns="" id="{D9FFA8E5-974F-409E-89C6-E185BD90933C}"/>
                 </a:ext>
                 <a:ext uri="{C183D7F6-B498-43B3-948B-1728B52AA6E4}">
-                  <adec:decorative xmlns:adec="http://schemas.microsoft.com/office/drawing/2017/decorative" val="1"/>
+                  <adec:decorative xmlns:adec="http://schemas.microsoft.com/office/drawing/2017/decorative" xmlns="" val="1"/>
                 </a:ext>
               </a:extLst>
             </p:cNvPr>
@@ -15085,7 +15502,7 @@
             <p:nvPr>
               <p:extLst>
                 <p:ext uri="{386F3935-93C4-4BCD-93E2-E3B085C9AB24}">
-                  <p16:designElem xmlns:p16="http://schemas.microsoft.com/office/powerpoint/2015/main" val="1"/>
+                  <p16:designElem xmlns:p16="http://schemas.microsoft.com/office/powerpoint/2015/main" xmlns="" val="1"/>
                 </p:ext>
               </p:extLst>
             </p:nvPr>
@@ -15124,10 +15541,10 @@
             <p:cNvPr id="89" name="Straight Connector 88">
               <a:extLst>
                 <a:ext uri="{FF2B5EF4-FFF2-40B4-BE49-F238E27FC236}">
-                  <a16:creationId xmlns:a16="http://schemas.microsoft.com/office/drawing/2014/main" id="{C384E2B1-7008-45EE-9F2E-FEF3A089780F}"/>
+                  <a16:creationId xmlns:a16="http://schemas.microsoft.com/office/drawing/2014/main" xmlns="" id="{C384E2B1-7008-45EE-9F2E-FEF3A089780F}"/>
                 </a:ext>
                 <a:ext uri="{C183D7F6-B498-43B3-948B-1728B52AA6E4}">
-                  <adec:decorative xmlns:adec="http://schemas.microsoft.com/office/drawing/2017/decorative" val="1"/>
+                  <adec:decorative xmlns:adec="http://schemas.microsoft.com/office/drawing/2017/decorative" xmlns="" val="1"/>
                 </a:ext>
               </a:extLst>
             </p:cNvPr>
@@ -15135,7 +15552,7 @@
             <p:nvPr>
               <p:extLst>
                 <p:ext uri="{386F3935-93C4-4BCD-93E2-E3B085C9AB24}">
-                  <p16:designElem xmlns:p16="http://schemas.microsoft.com/office/powerpoint/2015/main" val="1"/>
+                  <p16:designElem xmlns:p16="http://schemas.microsoft.com/office/powerpoint/2015/main" xmlns="" val="1"/>
                 </p:ext>
               </p:extLst>
             </p:nvPr>
@@ -15174,10 +15591,10 @@
             <p:cNvPr id="90" name="Straight Connector 89">
               <a:extLst>
                 <a:ext uri="{FF2B5EF4-FFF2-40B4-BE49-F238E27FC236}">
-                  <a16:creationId xmlns:a16="http://schemas.microsoft.com/office/drawing/2014/main" id="{D4563410-7FE9-4955-89C6-0FB9326CD3A8}"/>
+                  <a16:creationId xmlns:a16="http://schemas.microsoft.com/office/drawing/2014/main" xmlns="" id="{D4563410-7FE9-4955-89C6-0FB9326CD3A8}"/>
                 </a:ext>
                 <a:ext uri="{C183D7F6-B498-43B3-948B-1728B52AA6E4}">
-                  <adec:decorative xmlns:adec="http://schemas.microsoft.com/office/drawing/2017/decorative" val="1"/>
+                  <adec:decorative xmlns:adec="http://schemas.microsoft.com/office/drawing/2017/decorative" xmlns="" val="1"/>
                 </a:ext>
               </a:extLst>
             </p:cNvPr>
@@ -15185,7 +15602,7 @@
             <p:nvPr>
               <p:extLst>
                 <p:ext uri="{386F3935-93C4-4BCD-93E2-E3B085C9AB24}">
-                  <p16:designElem xmlns:p16="http://schemas.microsoft.com/office/powerpoint/2015/main" val="1"/>
+                  <p16:designElem xmlns:p16="http://schemas.microsoft.com/office/powerpoint/2015/main" xmlns="" val="1"/>
                 </p:ext>
               </p:extLst>
             </p:nvPr>
@@ -15224,10 +15641,10 @@
             <p:cNvPr id="91" name="Straight Connector 90">
               <a:extLst>
                 <a:ext uri="{FF2B5EF4-FFF2-40B4-BE49-F238E27FC236}">
-                  <a16:creationId xmlns:a16="http://schemas.microsoft.com/office/drawing/2014/main" id="{3AD14C0E-D5DF-4BDC-BD92-642CFF18018D}"/>
+                  <a16:creationId xmlns:a16="http://schemas.microsoft.com/office/drawing/2014/main" xmlns="" id="{3AD14C0E-D5DF-4BDC-BD92-642CFF18018D}"/>
                 </a:ext>
                 <a:ext uri="{C183D7F6-B498-43B3-948B-1728B52AA6E4}">
-                  <adec:decorative xmlns:adec="http://schemas.microsoft.com/office/drawing/2017/decorative" val="1"/>
+                  <adec:decorative xmlns:adec="http://schemas.microsoft.com/office/drawing/2017/decorative" xmlns="" val="1"/>
                 </a:ext>
               </a:extLst>
             </p:cNvPr>
@@ -15235,7 +15652,7 @@
             <p:nvPr>
               <p:extLst>
                 <p:ext uri="{386F3935-93C4-4BCD-93E2-E3B085C9AB24}">
-                  <p16:designElem xmlns:p16="http://schemas.microsoft.com/office/powerpoint/2015/main" val="1"/>
+                  <p16:designElem xmlns:p16="http://schemas.microsoft.com/office/powerpoint/2015/main" xmlns="" val="1"/>
                 </p:ext>
               </p:extLst>
             </p:nvPr>
@@ -15275,10 +15692,10 @@
           <p:cNvPr id="92" name="Rectangle 91">
             <a:extLst>
               <a:ext uri="{FF2B5EF4-FFF2-40B4-BE49-F238E27FC236}">
-                <a16:creationId xmlns:a16="http://schemas.microsoft.com/office/drawing/2014/main" id="{9A212F8F-D812-4A16-BE82-F3500DE32174}"/>
+                <a16:creationId xmlns:a16="http://schemas.microsoft.com/office/drawing/2014/main" xmlns="" id="{9A212F8F-D812-4A16-BE82-F3500DE32174}"/>
               </a:ext>
               <a:ext uri="{C183D7F6-B498-43B3-948B-1728B52AA6E4}">
-                <adec:decorative xmlns:adec="http://schemas.microsoft.com/office/drawing/2017/decorative" val="1"/>
+                <adec:decorative xmlns:adec="http://schemas.microsoft.com/office/drawing/2017/decorative" xmlns="" val="1"/>
               </a:ext>
             </a:extLst>
           </p:cNvPr>
@@ -15288,7 +15705,7 @@
           <p:nvPr>
             <p:extLst>
               <p:ext uri="{386F3935-93C4-4BCD-93E2-E3B085C9AB24}">
-                <p16:designElem xmlns:p16="http://schemas.microsoft.com/office/powerpoint/2015/main" val="1"/>
+                <p16:designElem xmlns:p16="http://schemas.microsoft.com/office/powerpoint/2015/main" xmlns="" val="1"/>
               </p:ext>
             </p:extLst>
           </p:nvPr>
@@ -15335,7 +15752,7 @@
           <p:cNvPr id="4" name="Footer Placeholder 3">
             <a:extLst>
               <a:ext uri="{FF2B5EF4-FFF2-40B4-BE49-F238E27FC236}">
-                <a16:creationId xmlns:a16="http://schemas.microsoft.com/office/drawing/2014/main" id="{397A5A4B-B901-4898-9A58-FECE2B7385A2}"/>
+                <a16:creationId xmlns:a16="http://schemas.microsoft.com/office/drawing/2014/main" xmlns="" id="{397A5A4B-B901-4898-9A58-FECE2B7385A2}"/>
               </a:ext>
             </a:extLst>
           </p:cNvPr>
@@ -15385,10 +15802,10 @@
           <p:cNvPr id="93" name="Snip Diagonal Corner Rectangle 24">
             <a:extLst>
               <a:ext uri="{FF2B5EF4-FFF2-40B4-BE49-F238E27FC236}">
-                <a16:creationId xmlns:a16="http://schemas.microsoft.com/office/drawing/2014/main" id="{D2CF1D1B-04ED-443D-A9FE-68BF8859BDD6}"/>
+                <a16:creationId xmlns:a16="http://schemas.microsoft.com/office/drawing/2014/main" xmlns="" id="{D2CF1D1B-04ED-443D-A9FE-68BF8859BDD6}"/>
               </a:ext>
               <a:ext uri="{C183D7F6-B498-43B3-948B-1728B52AA6E4}">
-                <adec:decorative xmlns:adec="http://schemas.microsoft.com/office/drawing/2017/decorative" val="1"/>
+                <adec:decorative xmlns:adec="http://schemas.microsoft.com/office/drawing/2017/decorative" xmlns="" val="1"/>
               </a:ext>
             </a:extLst>
           </p:cNvPr>
@@ -15398,7 +15815,7 @@
           <p:nvPr>
             <p:extLst>
               <p:ext uri="{386F3935-93C4-4BCD-93E2-E3B085C9AB24}">
-                <p16:designElem xmlns:p16="http://schemas.microsoft.com/office/powerpoint/2015/main" val="1"/>
+                <p16:designElem xmlns:p16="http://schemas.microsoft.com/office/powerpoint/2015/main" xmlns="" val="1"/>
               </p:ext>
             </p:extLst>
           </p:nvPr>
@@ -15458,7 +15875,7 @@
           <p:cNvPr id="7173" name="Picture 2" descr="Forms response chart. Question title: When lettering should you push or pull your pencil so that you do not dig into your drawing?. Number of responses: 14 / 14 correct responses.">
             <a:extLst>
               <a:ext uri="{FF2B5EF4-FFF2-40B4-BE49-F238E27FC236}">
-                <a16:creationId xmlns:a16="http://schemas.microsoft.com/office/drawing/2014/main" id="{721B2843-28FF-4AD7-8E2A-B7D65E16E66B}"/>
+                <a16:creationId xmlns:a16="http://schemas.microsoft.com/office/drawing/2014/main" xmlns="" id="{721B2843-28FF-4AD7-8E2A-B7D65E16E66B}"/>
               </a:ext>
             </a:extLst>
           </p:cNvPr>
@@ -15631,10 +16048,10 @@
           <p:cNvPr id="138" name="Group 137">
             <a:extLst>
               <a:ext uri="{FF2B5EF4-FFF2-40B4-BE49-F238E27FC236}">
-                <a16:creationId xmlns:a16="http://schemas.microsoft.com/office/drawing/2014/main" id="{2103B461-323C-4912-BFFD-C37582662085}"/>
+                <a16:creationId xmlns:a16="http://schemas.microsoft.com/office/drawing/2014/main" xmlns="" id="{2103B461-323C-4912-BFFD-C37582662085}"/>
               </a:ext>
               <a:ext uri="{C183D7F6-B498-43B3-948B-1728B52AA6E4}">
-                <adec:decorative xmlns:adec="http://schemas.microsoft.com/office/drawing/2017/decorative" val="1"/>
+                <adec:decorative xmlns:adec="http://schemas.microsoft.com/office/drawing/2017/decorative" xmlns="" val="1"/>
               </a:ext>
             </a:extLst>
           </p:cNvPr>
@@ -15644,7 +16061,7 @@
           <p:nvPr>
             <p:extLst>
               <p:ext uri="{386F3935-93C4-4BCD-93E2-E3B085C9AB24}">
-                <p16:designElem xmlns:p16="http://schemas.microsoft.com/office/powerpoint/2015/main" val="1"/>
+                <p16:designElem xmlns:p16="http://schemas.microsoft.com/office/powerpoint/2015/main" xmlns="" val="1"/>
               </p:ext>
             </p:extLst>
           </p:nvPr>
@@ -15662,10 +16079,10 @@
             <p:cNvPr id="139" name="Straight Connector 138">
               <a:extLst>
                 <a:ext uri="{FF2B5EF4-FFF2-40B4-BE49-F238E27FC236}">
-                  <a16:creationId xmlns:a16="http://schemas.microsoft.com/office/drawing/2014/main" id="{FBC21318-F4F4-4524-95D1-6B7FE0A788A3}"/>
+                  <a16:creationId xmlns:a16="http://schemas.microsoft.com/office/drawing/2014/main" xmlns="" id="{FBC21318-F4F4-4524-95D1-6B7FE0A788A3}"/>
                 </a:ext>
                 <a:ext uri="{C183D7F6-B498-43B3-948B-1728B52AA6E4}">
-                  <adec:decorative xmlns:adec="http://schemas.microsoft.com/office/drawing/2017/decorative" val="1"/>
+                  <adec:decorative xmlns:adec="http://schemas.microsoft.com/office/drawing/2017/decorative" xmlns="" val="1"/>
                 </a:ext>
               </a:extLst>
             </p:cNvPr>
@@ -15673,7 +16090,7 @@
             <p:nvPr>
               <p:extLst>
                 <p:ext uri="{386F3935-93C4-4BCD-93E2-E3B085C9AB24}">
-                  <p16:designElem xmlns:p16="http://schemas.microsoft.com/office/powerpoint/2015/main" val="1"/>
+                  <p16:designElem xmlns:p16="http://schemas.microsoft.com/office/powerpoint/2015/main" xmlns="" val="1"/>
                 </p:ext>
               </p:extLst>
             </p:nvPr>
@@ -15712,10 +16129,10 @@
             <p:cNvPr id="140" name="Straight Connector 139">
               <a:extLst>
                 <a:ext uri="{FF2B5EF4-FFF2-40B4-BE49-F238E27FC236}">
-                  <a16:creationId xmlns:a16="http://schemas.microsoft.com/office/drawing/2014/main" id="{D9FFA8E5-974F-409E-89C6-E185BD90933C}"/>
+                  <a16:creationId xmlns:a16="http://schemas.microsoft.com/office/drawing/2014/main" xmlns="" id="{D9FFA8E5-974F-409E-89C6-E185BD90933C}"/>
                 </a:ext>
                 <a:ext uri="{C183D7F6-B498-43B3-948B-1728B52AA6E4}">
-                  <adec:decorative xmlns:adec="http://schemas.microsoft.com/office/drawing/2017/decorative" val="1"/>
+                  <adec:decorative xmlns:adec="http://schemas.microsoft.com/office/drawing/2017/decorative" xmlns="" val="1"/>
                 </a:ext>
               </a:extLst>
             </p:cNvPr>
@@ -15723,7 +16140,7 @@
             <p:nvPr>
               <p:extLst>
                 <p:ext uri="{386F3935-93C4-4BCD-93E2-E3B085C9AB24}">
-                  <p16:designElem xmlns:p16="http://schemas.microsoft.com/office/powerpoint/2015/main" val="1"/>
+                  <p16:designElem xmlns:p16="http://schemas.microsoft.com/office/powerpoint/2015/main" xmlns="" val="1"/>
                 </p:ext>
               </p:extLst>
             </p:nvPr>
@@ -15762,10 +16179,10 @@
             <p:cNvPr id="141" name="Straight Connector 140">
               <a:extLst>
                 <a:ext uri="{FF2B5EF4-FFF2-40B4-BE49-F238E27FC236}">
-                  <a16:creationId xmlns:a16="http://schemas.microsoft.com/office/drawing/2014/main" id="{C384E2B1-7008-45EE-9F2E-FEF3A089780F}"/>
+                  <a16:creationId xmlns:a16="http://schemas.microsoft.com/office/drawing/2014/main" xmlns="" id="{C384E2B1-7008-45EE-9F2E-FEF3A089780F}"/>
                 </a:ext>
                 <a:ext uri="{C183D7F6-B498-43B3-948B-1728B52AA6E4}">
-                  <adec:decorative xmlns:adec="http://schemas.microsoft.com/office/drawing/2017/decorative" val="1"/>
+                  <adec:decorative xmlns:adec="http://schemas.microsoft.com/office/drawing/2017/decorative" xmlns="" val="1"/>
                 </a:ext>
               </a:extLst>
             </p:cNvPr>
@@ -15773,7 +16190,7 @@
             <p:nvPr>
               <p:extLst>
                 <p:ext uri="{386F3935-93C4-4BCD-93E2-E3B085C9AB24}">
-                  <p16:designElem xmlns:p16="http://schemas.microsoft.com/office/powerpoint/2015/main" val="1"/>
+                  <p16:designElem xmlns:p16="http://schemas.microsoft.com/office/powerpoint/2015/main" xmlns="" val="1"/>
                 </p:ext>
               </p:extLst>
             </p:nvPr>
@@ -15812,10 +16229,10 @@
             <p:cNvPr id="142" name="Straight Connector 141">
               <a:extLst>
                 <a:ext uri="{FF2B5EF4-FFF2-40B4-BE49-F238E27FC236}">
-                  <a16:creationId xmlns:a16="http://schemas.microsoft.com/office/drawing/2014/main" id="{D4563410-7FE9-4955-89C6-0FB9326CD3A8}"/>
+                  <a16:creationId xmlns:a16="http://schemas.microsoft.com/office/drawing/2014/main" xmlns="" id="{D4563410-7FE9-4955-89C6-0FB9326CD3A8}"/>
                 </a:ext>
                 <a:ext uri="{C183D7F6-B498-43B3-948B-1728B52AA6E4}">
-                  <adec:decorative xmlns:adec="http://schemas.microsoft.com/office/drawing/2017/decorative" val="1"/>
+                  <adec:decorative xmlns:adec="http://schemas.microsoft.com/office/drawing/2017/decorative" xmlns="" val="1"/>
                 </a:ext>
               </a:extLst>
             </p:cNvPr>
@@ -15823,7 +16240,7 @@
             <p:nvPr>
               <p:extLst>
                 <p:ext uri="{386F3935-93C4-4BCD-93E2-E3B085C9AB24}">
-                  <p16:designElem xmlns:p16="http://schemas.microsoft.com/office/powerpoint/2015/main" val="1"/>
+                  <p16:designElem xmlns:p16="http://schemas.microsoft.com/office/powerpoint/2015/main" xmlns="" val="1"/>
                 </p:ext>
               </p:extLst>
             </p:nvPr>
@@ -15862,10 +16279,10 @@
             <p:cNvPr id="143" name="Straight Connector 142">
               <a:extLst>
                 <a:ext uri="{FF2B5EF4-FFF2-40B4-BE49-F238E27FC236}">
-                  <a16:creationId xmlns:a16="http://schemas.microsoft.com/office/drawing/2014/main" id="{3AD14C0E-D5DF-4BDC-BD92-642CFF18018D}"/>
+                  <a16:creationId xmlns:a16="http://schemas.microsoft.com/office/drawing/2014/main" xmlns="" id="{3AD14C0E-D5DF-4BDC-BD92-642CFF18018D}"/>
                 </a:ext>
                 <a:ext uri="{C183D7F6-B498-43B3-948B-1728B52AA6E4}">
-                  <adec:decorative xmlns:adec="http://schemas.microsoft.com/office/drawing/2017/decorative" val="1"/>
+                  <adec:decorative xmlns:adec="http://schemas.microsoft.com/office/drawing/2017/decorative" xmlns="" val="1"/>
                 </a:ext>
               </a:extLst>
             </p:cNvPr>
@@ -15873,7 +16290,7 @@
             <p:nvPr>
               <p:extLst>
                 <p:ext uri="{386F3935-93C4-4BCD-93E2-E3B085C9AB24}">
-                  <p16:designElem xmlns:p16="http://schemas.microsoft.com/office/powerpoint/2015/main" val="1"/>
+                  <p16:designElem xmlns:p16="http://schemas.microsoft.com/office/powerpoint/2015/main" xmlns="" val="1"/>
                 </p:ext>
               </p:extLst>
             </p:nvPr>
@@ -15913,10 +16330,10 @@
           <p:cNvPr id="145" name="Rectangle 144">
             <a:extLst>
               <a:ext uri="{FF2B5EF4-FFF2-40B4-BE49-F238E27FC236}">
-                <a16:creationId xmlns:a16="http://schemas.microsoft.com/office/drawing/2014/main" id="{9A212F8F-D812-4A16-BE82-F3500DE32174}"/>
+                <a16:creationId xmlns:a16="http://schemas.microsoft.com/office/drawing/2014/main" xmlns="" id="{9A212F8F-D812-4A16-BE82-F3500DE32174}"/>
               </a:ext>
               <a:ext uri="{C183D7F6-B498-43B3-948B-1728B52AA6E4}">
-                <adec:decorative xmlns:adec="http://schemas.microsoft.com/office/drawing/2017/decorative" val="1"/>
+                <adec:decorative xmlns:adec="http://schemas.microsoft.com/office/drawing/2017/decorative" xmlns="" val="1"/>
               </a:ext>
             </a:extLst>
           </p:cNvPr>
@@ -15926,7 +16343,7 @@
           <p:nvPr>
             <p:extLst>
               <p:ext uri="{386F3935-93C4-4BCD-93E2-E3B085C9AB24}">
-                <p16:designElem xmlns:p16="http://schemas.microsoft.com/office/powerpoint/2015/main" val="1"/>
+                <p16:designElem xmlns:p16="http://schemas.microsoft.com/office/powerpoint/2015/main" xmlns="" val="1"/>
               </p:ext>
             </p:extLst>
           </p:nvPr>
@@ -15973,7 +16390,7 @@
           <p:cNvPr id="4" name="Footer Placeholder 3">
             <a:extLst>
               <a:ext uri="{FF2B5EF4-FFF2-40B4-BE49-F238E27FC236}">
-                <a16:creationId xmlns:a16="http://schemas.microsoft.com/office/drawing/2014/main" id="{61B82636-F4E2-43F5-9A85-6373BC319BA9}"/>
+                <a16:creationId xmlns:a16="http://schemas.microsoft.com/office/drawing/2014/main" xmlns="" id="{61B82636-F4E2-43F5-9A85-6373BC319BA9}"/>
               </a:ext>
             </a:extLst>
           </p:cNvPr>
@@ -16023,10 +16440,10 @@
           <p:cNvPr id="147" name="Snip Diagonal Corner Rectangle 24">
             <a:extLst>
               <a:ext uri="{FF2B5EF4-FFF2-40B4-BE49-F238E27FC236}">
-                <a16:creationId xmlns:a16="http://schemas.microsoft.com/office/drawing/2014/main" id="{D2CF1D1B-04ED-443D-A9FE-68BF8859BDD6}"/>
+                <a16:creationId xmlns:a16="http://schemas.microsoft.com/office/drawing/2014/main" xmlns="" id="{D2CF1D1B-04ED-443D-A9FE-68BF8859BDD6}"/>
               </a:ext>
               <a:ext uri="{C183D7F6-B498-43B3-948B-1728B52AA6E4}">
-                <adec:decorative xmlns:adec="http://schemas.microsoft.com/office/drawing/2017/decorative" val="1"/>
+                <adec:decorative xmlns:adec="http://schemas.microsoft.com/office/drawing/2017/decorative" xmlns="" val="1"/>
               </a:ext>
             </a:extLst>
           </p:cNvPr>
@@ -16036,7 +16453,7 @@
           <p:nvPr>
             <p:extLst>
               <p:ext uri="{386F3935-93C4-4BCD-93E2-E3B085C9AB24}">
-                <p16:designElem xmlns:p16="http://schemas.microsoft.com/office/powerpoint/2015/main" val="1"/>
+                <p16:designElem xmlns:p16="http://schemas.microsoft.com/office/powerpoint/2015/main" xmlns="" val="1"/>
               </p:ext>
             </p:extLst>
           </p:nvPr>
@@ -16096,7 +16513,7 @@
           <p:cNvPr id="8197" name="Picture 2" descr="Forms response chart. Question title: Select proper lettering techinques. There may be more then one right answer. Number of responses: 6 / 14 correct responses.">
             <a:extLst>
               <a:ext uri="{FF2B5EF4-FFF2-40B4-BE49-F238E27FC236}">
-                <a16:creationId xmlns:a16="http://schemas.microsoft.com/office/drawing/2014/main" id="{95AF92CF-8D97-4C54-B7B6-B0A0E3FFD1FB}"/>
+                <a16:creationId xmlns:a16="http://schemas.microsoft.com/office/drawing/2014/main" xmlns="" id="{95AF92CF-8D97-4C54-B7B6-B0A0E3FFD1FB}"/>
               </a:ext>
             </a:extLst>
           </p:cNvPr>
@@ -16269,10 +16686,10 @@
           <p:cNvPr id="72" name="Group 71">
             <a:extLst>
               <a:ext uri="{FF2B5EF4-FFF2-40B4-BE49-F238E27FC236}">
-                <a16:creationId xmlns:a16="http://schemas.microsoft.com/office/drawing/2014/main" id="{2103B461-323C-4912-BFFD-C37582662085}"/>
+                <a16:creationId xmlns:a16="http://schemas.microsoft.com/office/drawing/2014/main" xmlns="" id="{2103B461-323C-4912-BFFD-C37582662085}"/>
               </a:ext>
               <a:ext uri="{C183D7F6-B498-43B3-948B-1728B52AA6E4}">
-                <adec:decorative xmlns:adec="http://schemas.microsoft.com/office/drawing/2017/decorative" val="1"/>
+                <adec:decorative xmlns:adec="http://schemas.microsoft.com/office/drawing/2017/decorative" xmlns="" val="1"/>
               </a:ext>
             </a:extLst>
           </p:cNvPr>
@@ -16282,7 +16699,7 @@
           <p:nvPr>
             <p:extLst>
               <p:ext uri="{386F3935-93C4-4BCD-93E2-E3B085C9AB24}">
-                <p16:designElem xmlns:p16="http://schemas.microsoft.com/office/powerpoint/2015/main" val="1"/>
+                <p16:designElem xmlns:p16="http://schemas.microsoft.com/office/powerpoint/2015/main" xmlns="" val="1"/>
               </p:ext>
             </p:extLst>
           </p:nvPr>
@@ -16300,10 +16717,10 @@
             <p:cNvPr id="73" name="Straight Connector 72">
               <a:extLst>
                 <a:ext uri="{FF2B5EF4-FFF2-40B4-BE49-F238E27FC236}">
-                  <a16:creationId xmlns:a16="http://schemas.microsoft.com/office/drawing/2014/main" id="{FBC21318-F4F4-4524-95D1-6B7FE0A788A3}"/>
+                  <a16:creationId xmlns:a16="http://schemas.microsoft.com/office/drawing/2014/main" xmlns="" id="{FBC21318-F4F4-4524-95D1-6B7FE0A788A3}"/>
                 </a:ext>
                 <a:ext uri="{C183D7F6-B498-43B3-948B-1728B52AA6E4}">
-                  <adec:decorative xmlns:adec="http://schemas.microsoft.com/office/drawing/2017/decorative" val="1"/>
+                  <adec:decorative xmlns:adec="http://schemas.microsoft.com/office/drawing/2017/decorative" xmlns="" val="1"/>
                 </a:ext>
               </a:extLst>
             </p:cNvPr>
@@ -16311,7 +16728,7 @@
             <p:nvPr>
               <p:extLst>
                 <p:ext uri="{386F3935-93C4-4BCD-93E2-E3B085C9AB24}">
-                  <p16:designElem xmlns:p16="http://schemas.microsoft.com/office/powerpoint/2015/main" val="1"/>
+                  <p16:designElem xmlns:p16="http://schemas.microsoft.com/office/powerpoint/2015/main" xmlns="" val="1"/>
                 </p:ext>
               </p:extLst>
             </p:nvPr>
@@ -16350,10 +16767,10 @@
             <p:cNvPr id="74" name="Straight Connector 73">
               <a:extLst>
                 <a:ext uri="{FF2B5EF4-FFF2-40B4-BE49-F238E27FC236}">
-                  <a16:creationId xmlns:a16="http://schemas.microsoft.com/office/drawing/2014/main" id="{D9FFA8E5-974F-409E-89C6-E185BD90933C}"/>
+                  <a16:creationId xmlns:a16="http://schemas.microsoft.com/office/drawing/2014/main" xmlns="" id="{D9FFA8E5-974F-409E-89C6-E185BD90933C}"/>
                 </a:ext>
                 <a:ext uri="{C183D7F6-B498-43B3-948B-1728B52AA6E4}">
-                  <adec:decorative xmlns:adec="http://schemas.microsoft.com/office/drawing/2017/decorative" val="1"/>
+                  <adec:decorative xmlns:adec="http://schemas.microsoft.com/office/drawing/2017/decorative" xmlns="" val="1"/>
                 </a:ext>
               </a:extLst>
             </p:cNvPr>
@@ -16361,7 +16778,7 @@
             <p:nvPr>
               <p:extLst>
                 <p:ext uri="{386F3935-93C4-4BCD-93E2-E3B085C9AB24}">
-                  <p16:designElem xmlns:p16="http://schemas.microsoft.com/office/powerpoint/2015/main" val="1"/>
+                  <p16:designElem xmlns:p16="http://schemas.microsoft.com/office/powerpoint/2015/main" xmlns="" val="1"/>
                 </p:ext>
               </p:extLst>
             </p:nvPr>
@@ -16400,10 +16817,10 @@
             <p:cNvPr id="75" name="Straight Connector 74">
               <a:extLst>
                 <a:ext uri="{FF2B5EF4-FFF2-40B4-BE49-F238E27FC236}">
-                  <a16:creationId xmlns:a16="http://schemas.microsoft.com/office/drawing/2014/main" id="{C384E2B1-7008-45EE-9F2E-FEF3A089780F}"/>
+                  <a16:creationId xmlns:a16="http://schemas.microsoft.com/office/drawing/2014/main" xmlns="" id="{C384E2B1-7008-45EE-9F2E-FEF3A089780F}"/>
                 </a:ext>
                 <a:ext uri="{C183D7F6-B498-43B3-948B-1728B52AA6E4}">
-                  <adec:decorative xmlns:adec="http://schemas.microsoft.com/office/drawing/2017/decorative" val="1"/>
+                  <adec:decorative xmlns:adec="http://schemas.microsoft.com/office/drawing/2017/decorative" xmlns="" val="1"/>
                 </a:ext>
               </a:extLst>
             </p:cNvPr>
@@ -16411,7 +16828,7 @@
             <p:nvPr>
               <p:extLst>
                 <p:ext uri="{386F3935-93C4-4BCD-93E2-E3B085C9AB24}">
-                  <p16:designElem xmlns:p16="http://schemas.microsoft.com/office/powerpoint/2015/main" val="1"/>
+                  <p16:designElem xmlns:p16="http://schemas.microsoft.com/office/powerpoint/2015/main" xmlns="" val="1"/>
                 </p:ext>
               </p:extLst>
             </p:nvPr>
@@ -16450,10 +16867,10 @@
             <p:cNvPr id="76" name="Straight Connector 75">
               <a:extLst>
                 <a:ext uri="{FF2B5EF4-FFF2-40B4-BE49-F238E27FC236}">
-                  <a16:creationId xmlns:a16="http://schemas.microsoft.com/office/drawing/2014/main" id="{D4563410-7FE9-4955-89C6-0FB9326CD3A8}"/>
+                  <a16:creationId xmlns:a16="http://schemas.microsoft.com/office/drawing/2014/main" xmlns="" id="{D4563410-7FE9-4955-89C6-0FB9326CD3A8}"/>
                 </a:ext>
                 <a:ext uri="{C183D7F6-B498-43B3-948B-1728B52AA6E4}">
-                  <adec:decorative xmlns:adec="http://schemas.microsoft.com/office/drawing/2017/decorative" val="1"/>
+                  <adec:decorative xmlns:adec="http://schemas.microsoft.com/office/drawing/2017/decorative" xmlns="" val="1"/>
                 </a:ext>
               </a:extLst>
             </p:cNvPr>
@@ -16461,7 +16878,7 @@
             <p:nvPr>
               <p:extLst>
                 <p:ext uri="{386F3935-93C4-4BCD-93E2-E3B085C9AB24}">
-                  <p16:designElem xmlns:p16="http://schemas.microsoft.com/office/powerpoint/2015/main" val="1"/>
+                  <p16:designElem xmlns:p16="http://schemas.microsoft.com/office/powerpoint/2015/main" xmlns="" val="1"/>
                 </p:ext>
               </p:extLst>
             </p:nvPr>
@@ -16500,10 +16917,10 @@
             <p:cNvPr id="77" name="Straight Connector 76">
               <a:extLst>
                 <a:ext uri="{FF2B5EF4-FFF2-40B4-BE49-F238E27FC236}">
-                  <a16:creationId xmlns:a16="http://schemas.microsoft.com/office/drawing/2014/main" id="{3AD14C0E-D5DF-4BDC-BD92-642CFF18018D}"/>
+                  <a16:creationId xmlns:a16="http://schemas.microsoft.com/office/drawing/2014/main" xmlns="" id="{3AD14C0E-D5DF-4BDC-BD92-642CFF18018D}"/>
                 </a:ext>
                 <a:ext uri="{C183D7F6-B498-43B3-948B-1728B52AA6E4}">
-                  <adec:decorative xmlns:adec="http://schemas.microsoft.com/office/drawing/2017/decorative" val="1"/>
+                  <adec:decorative xmlns:adec="http://schemas.microsoft.com/office/drawing/2017/decorative" xmlns="" val="1"/>
                 </a:ext>
               </a:extLst>
             </p:cNvPr>
@@ -16511,7 +16928,7 @@
             <p:nvPr>
               <p:extLst>
                 <p:ext uri="{386F3935-93C4-4BCD-93E2-E3B085C9AB24}">
-                  <p16:designElem xmlns:p16="http://schemas.microsoft.com/office/powerpoint/2015/main" val="1"/>
+                  <p16:designElem xmlns:p16="http://schemas.microsoft.com/office/powerpoint/2015/main" xmlns="" val="1"/>
                 </p:ext>
               </p:extLst>
             </p:nvPr>
@@ -16551,10 +16968,10 @@
           <p:cNvPr id="79" name="Rectangle 78">
             <a:extLst>
               <a:ext uri="{FF2B5EF4-FFF2-40B4-BE49-F238E27FC236}">
-                <a16:creationId xmlns:a16="http://schemas.microsoft.com/office/drawing/2014/main" id="{9A212F8F-D812-4A16-BE82-F3500DE32174}"/>
+                <a16:creationId xmlns:a16="http://schemas.microsoft.com/office/drawing/2014/main" xmlns="" id="{9A212F8F-D812-4A16-BE82-F3500DE32174}"/>
               </a:ext>
               <a:ext uri="{C183D7F6-B498-43B3-948B-1728B52AA6E4}">
-                <adec:decorative xmlns:adec="http://schemas.microsoft.com/office/drawing/2017/decorative" val="1"/>
+                <adec:decorative xmlns:adec="http://schemas.microsoft.com/office/drawing/2017/decorative" xmlns="" val="1"/>
               </a:ext>
             </a:extLst>
           </p:cNvPr>
@@ -16564,7 +16981,7 @@
           <p:nvPr>
             <p:extLst>
               <p:ext uri="{386F3935-93C4-4BCD-93E2-E3B085C9AB24}">
-                <p16:designElem xmlns:p16="http://schemas.microsoft.com/office/powerpoint/2015/main" val="1"/>
+                <p16:designElem xmlns:p16="http://schemas.microsoft.com/office/powerpoint/2015/main" xmlns="" val="1"/>
               </p:ext>
             </p:extLst>
           </p:nvPr>
@@ -16611,7 +17028,7 @@
           <p:cNvPr id="4" name="Footer Placeholder 3">
             <a:extLst>
               <a:ext uri="{FF2B5EF4-FFF2-40B4-BE49-F238E27FC236}">
-                <a16:creationId xmlns:a16="http://schemas.microsoft.com/office/drawing/2014/main" id="{FE2F3BE3-9F9C-4C1E-A7D6-B7CA2F8C659B}"/>
+                <a16:creationId xmlns:a16="http://schemas.microsoft.com/office/drawing/2014/main" xmlns="" id="{FE2F3BE3-9F9C-4C1E-A7D6-B7CA2F8C659B}"/>
               </a:ext>
             </a:extLst>
           </p:cNvPr>
@@ -16661,10 +17078,10 @@
           <p:cNvPr id="81" name="Snip Diagonal Corner Rectangle 24">
             <a:extLst>
               <a:ext uri="{FF2B5EF4-FFF2-40B4-BE49-F238E27FC236}">
-                <a16:creationId xmlns:a16="http://schemas.microsoft.com/office/drawing/2014/main" id="{D2CF1D1B-04ED-443D-A9FE-68BF8859BDD6}"/>
+                <a16:creationId xmlns:a16="http://schemas.microsoft.com/office/drawing/2014/main" xmlns="" id="{D2CF1D1B-04ED-443D-A9FE-68BF8859BDD6}"/>
               </a:ext>
               <a:ext uri="{C183D7F6-B498-43B3-948B-1728B52AA6E4}">
-                <adec:decorative xmlns:adec="http://schemas.microsoft.com/office/drawing/2017/decorative" val="1"/>
+                <adec:decorative xmlns:adec="http://schemas.microsoft.com/office/drawing/2017/decorative" xmlns="" val="1"/>
               </a:ext>
             </a:extLst>
           </p:cNvPr>
@@ -16674,7 +17091,7 @@
           <p:nvPr>
             <p:extLst>
               <p:ext uri="{386F3935-93C4-4BCD-93E2-E3B085C9AB24}">
-                <p16:designElem xmlns:p16="http://schemas.microsoft.com/office/powerpoint/2015/main" val="1"/>
+                <p16:designElem xmlns:p16="http://schemas.microsoft.com/office/powerpoint/2015/main" xmlns="" val="1"/>
               </p:ext>
             </p:extLst>
           </p:nvPr>
@@ -16734,7 +17151,7 @@
           <p:cNvPr id="9221" name="Picture 2" descr="Forms response chart. Question title: What tool helps provide guidelines for freehand techinical drawing?. Number of responses: 9 / 14 correct responses.">
             <a:extLst>
               <a:ext uri="{FF2B5EF4-FFF2-40B4-BE49-F238E27FC236}">
-                <a16:creationId xmlns:a16="http://schemas.microsoft.com/office/drawing/2014/main" id="{67E70AA8-8BF1-4042-9F46-C30EFDF91E4A}"/>
+                <a16:creationId xmlns:a16="http://schemas.microsoft.com/office/drawing/2014/main" xmlns="" id="{67E70AA8-8BF1-4042-9F46-C30EFDF91E4A}"/>
               </a:ext>
             </a:extLst>
           </p:cNvPr>
@@ -16909,10 +17326,10 @@
           <p:cNvPr id="72" name="Group 71">
             <a:extLst>
               <a:ext uri="{FF2B5EF4-FFF2-40B4-BE49-F238E27FC236}">
-                <a16:creationId xmlns:a16="http://schemas.microsoft.com/office/drawing/2014/main" id="{2103B461-323C-4912-BFFD-C37582662085}"/>
+                <a16:creationId xmlns:a16="http://schemas.microsoft.com/office/drawing/2014/main" xmlns="" id="{2103B461-323C-4912-BFFD-C37582662085}"/>
               </a:ext>
               <a:ext uri="{C183D7F6-B498-43B3-948B-1728B52AA6E4}">
-                <adec:decorative xmlns:adec="http://schemas.microsoft.com/office/drawing/2017/decorative" val="1"/>
+                <adec:decorative xmlns:adec="http://schemas.microsoft.com/office/drawing/2017/decorative" xmlns="" val="1"/>
               </a:ext>
             </a:extLst>
           </p:cNvPr>
@@ -16922,7 +17339,7 @@
           <p:nvPr>
             <p:extLst>
               <p:ext uri="{386F3935-93C4-4BCD-93E2-E3B085C9AB24}">
-                <p16:designElem xmlns:p16="http://schemas.microsoft.com/office/powerpoint/2015/main" val="1"/>
+                <p16:designElem xmlns:p16="http://schemas.microsoft.com/office/powerpoint/2015/main" xmlns="" val="1"/>
               </p:ext>
             </p:extLst>
           </p:nvPr>
@@ -16940,10 +17357,10 @@
             <p:cNvPr id="73" name="Straight Connector 72">
               <a:extLst>
                 <a:ext uri="{FF2B5EF4-FFF2-40B4-BE49-F238E27FC236}">
-                  <a16:creationId xmlns:a16="http://schemas.microsoft.com/office/drawing/2014/main" id="{FBC21318-F4F4-4524-95D1-6B7FE0A788A3}"/>
+                  <a16:creationId xmlns:a16="http://schemas.microsoft.com/office/drawing/2014/main" xmlns="" id="{FBC21318-F4F4-4524-95D1-6B7FE0A788A3}"/>
                 </a:ext>
                 <a:ext uri="{C183D7F6-B498-43B3-948B-1728B52AA6E4}">
-                  <adec:decorative xmlns:adec="http://schemas.microsoft.com/office/drawing/2017/decorative" val="1"/>
+                  <adec:decorative xmlns:adec="http://schemas.microsoft.com/office/drawing/2017/decorative" xmlns="" val="1"/>
                 </a:ext>
               </a:extLst>
             </p:cNvPr>
@@ -16951,7 +17368,7 @@
             <p:nvPr>
               <p:extLst>
                 <p:ext uri="{386F3935-93C4-4BCD-93E2-E3B085C9AB24}">
-                  <p16:designElem xmlns:p16="http://schemas.microsoft.com/office/powerpoint/2015/main" val="1"/>
+                  <p16:designElem xmlns:p16="http://schemas.microsoft.com/office/powerpoint/2015/main" xmlns="" val="1"/>
                 </p:ext>
               </p:extLst>
             </p:nvPr>
@@ -16990,10 +17407,10 @@
             <p:cNvPr id="74" name="Straight Connector 73">
               <a:extLst>
                 <a:ext uri="{FF2B5EF4-FFF2-40B4-BE49-F238E27FC236}">
-                  <a16:creationId xmlns:a16="http://schemas.microsoft.com/office/drawing/2014/main" id="{D9FFA8E5-974F-409E-89C6-E185BD90933C}"/>
+                  <a16:creationId xmlns:a16="http://schemas.microsoft.com/office/drawing/2014/main" xmlns="" id="{D9FFA8E5-974F-409E-89C6-E185BD90933C}"/>
                 </a:ext>
                 <a:ext uri="{C183D7F6-B498-43B3-948B-1728B52AA6E4}">
-                  <adec:decorative xmlns:adec="http://schemas.microsoft.com/office/drawing/2017/decorative" val="1"/>
+                  <adec:decorative xmlns:adec="http://schemas.microsoft.com/office/drawing/2017/decorative" xmlns="" val="1"/>
                 </a:ext>
               </a:extLst>
             </p:cNvPr>
@@ -17001,7 +17418,7 @@
             <p:nvPr>
               <p:extLst>
                 <p:ext uri="{386F3935-93C4-4BCD-93E2-E3B085C9AB24}">
-                  <p16:designElem xmlns:p16="http://schemas.microsoft.com/office/powerpoint/2015/main" val="1"/>
+                  <p16:designElem xmlns:p16="http://schemas.microsoft.com/office/powerpoint/2015/main" xmlns="" val="1"/>
                 </p:ext>
               </p:extLst>
             </p:nvPr>
@@ -17040,10 +17457,10 @@
             <p:cNvPr id="75" name="Straight Connector 74">
               <a:extLst>
                 <a:ext uri="{FF2B5EF4-FFF2-40B4-BE49-F238E27FC236}">
-                  <a16:creationId xmlns:a16="http://schemas.microsoft.com/office/drawing/2014/main" id="{C384E2B1-7008-45EE-9F2E-FEF3A089780F}"/>
+                  <a16:creationId xmlns:a16="http://schemas.microsoft.com/office/drawing/2014/main" xmlns="" id="{C384E2B1-7008-45EE-9F2E-FEF3A089780F}"/>
                 </a:ext>
                 <a:ext uri="{C183D7F6-B498-43B3-948B-1728B52AA6E4}">
-                  <adec:decorative xmlns:adec="http://schemas.microsoft.com/office/drawing/2017/decorative" val="1"/>
+                  <adec:decorative xmlns:adec="http://schemas.microsoft.com/office/drawing/2017/decorative" xmlns="" val="1"/>
                 </a:ext>
               </a:extLst>
             </p:cNvPr>
@@ -17051,7 +17468,7 @@
             <p:nvPr>
               <p:extLst>
                 <p:ext uri="{386F3935-93C4-4BCD-93E2-E3B085C9AB24}">
-                  <p16:designElem xmlns:p16="http://schemas.microsoft.com/office/powerpoint/2015/main" val="1"/>
+                  <p16:designElem xmlns:p16="http://schemas.microsoft.com/office/powerpoint/2015/main" xmlns="" val="1"/>
                 </p:ext>
               </p:extLst>
             </p:nvPr>
@@ -17090,10 +17507,10 @@
             <p:cNvPr id="76" name="Straight Connector 75">
               <a:extLst>
                 <a:ext uri="{FF2B5EF4-FFF2-40B4-BE49-F238E27FC236}">
-                  <a16:creationId xmlns:a16="http://schemas.microsoft.com/office/drawing/2014/main" id="{D4563410-7FE9-4955-89C6-0FB9326CD3A8}"/>
+                  <a16:creationId xmlns:a16="http://schemas.microsoft.com/office/drawing/2014/main" xmlns="" id="{D4563410-7FE9-4955-89C6-0FB9326CD3A8}"/>
                 </a:ext>
                 <a:ext uri="{C183D7F6-B498-43B3-948B-1728B52AA6E4}">
-                  <adec:decorative xmlns:adec="http://schemas.microsoft.com/office/drawing/2017/decorative" val="1"/>
+                  <adec:decorative xmlns:adec="http://schemas.microsoft.com/office/drawing/2017/decorative" xmlns="" val="1"/>
                 </a:ext>
               </a:extLst>
             </p:cNvPr>
@@ -17101,7 +17518,7 @@
             <p:nvPr>
               <p:extLst>
                 <p:ext uri="{386F3935-93C4-4BCD-93E2-E3B085C9AB24}">
-                  <p16:designElem xmlns:p16="http://schemas.microsoft.com/office/powerpoint/2015/main" val="1"/>
+                  <p16:designElem xmlns:p16="http://schemas.microsoft.com/office/powerpoint/2015/main" xmlns="" val="1"/>
                 </p:ext>
               </p:extLst>
             </p:nvPr>
@@ -17140,10 +17557,10 @@
             <p:cNvPr id="77" name="Straight Connector 76">
               <a:extLst>
                 <a:ext uri="{FF2B5EF4-FFF2-40B4-BE49-F238E27FC236}">
-                  <a16:creationId xmlns:a16="http://schemas.microsoft.com/office/drawing/2014/main" id="{3AD14C0E-D5DF-4BDC-BD92-642CFF18018D}"/>
+                  <a16:creationId xmlns:a16="http://schemas.microsoft.com/office/drawing/2014/main" xmlns="" id="{3AD14C0E-D5DF-4BDC-BD92-642CFF18018D}"/>
                 </a:ext>
                 <a:ext uri="{C183D7F6-B498-43B3-948B-1728B52AA6E4}">
-                  <adec:decorative xmlns:adec="http://schemas.microsoft.com/office/drawing/2017/decorative" val="1"/>
+                  <adec:decorative xmlns:adec="http://schemas.microsoft.com/office/drawing/2017/decorative" xmlns="" val="1"/>
                 </a:ext>
               </a:extLst>
             </p:cNvPr>
@@ -17151,7 +17568,7 @@
             <p:nvPr>
               <p:extLst>
                 <p:ext uri="{386F3935-93C4-4BCD-93E2-E3B085C9AB24}">
-                  <p16:designElem xmlns:p16="http://schemas.microsoft.com/office/powerpoint/2015/main" val="1"/>
+                  <p16:designElem xmlns:p16="http://schemas.microsoft.com/office/powerpoint/2015/main" xmlns="" val="1"/>
                 </p:ext>
               </p:extLst>
             </p:nvPr>
@@ -17191,10 +17608,10 @@
           <p:cNvPr id="79" name="Rectangle 78">
             <a:extLst>
               <a:ext uri="{FF2B5EF4-FFF2-40B4-BE49-F238E27FC236}">
-                <a16:creationId xmlns:a16="http://schemas.microsoft.com/office/drawing/2014/main" id="{9A212F8F-D812-4A16-BE82-F3500DE32174}"/>
+                <a16:creationId xmlns:a16="http://schemas.microsoft.com/office/drawing/2014/main" xmlns="" id="{9A212F8F-D812-4A16-BE82-F3500DE32174}"/>
               </a:ext>
               <a:ext uri="{C183D7F6-B498-43B3-948B-1728B52AA6E4}">
-                <adec:decorative xmlns:adec="http://schemas.microsoft.com/office/drawing/2017/decorative" val="1"/>
+                <adec:decorative xmlns:adec="http://schemas.microsoft.com/office/drawing/2017/decorative" xmlns="" val="1"/>
               </a:ext>
             </a:extLst>
           </p:cNvPr>
@@ -17204,7 +17621,7 @@
           <p:nvPr>
             <p:extLst>
               <p:ext uri="{386F3935-93C4-4BCD-93E2-E3B085C9AB24}">
-                <p16:designElem xmlns:p16="http://schemas.microsoft.com/office/powerpoint/2015/main" val="1"/>
+                <p16:designElem xmlns:p16="http://schemas.microsoft.com/office/powerpoint/2015/main" xmlns="" val="1"/>
               </p:ext>
             </p:extLst>
           </p:nvPr>
@@ -17251,7 +17668,7 @@
           <p:cNvPr id="4" name="Footer Placeholder 3">
             <a:extLst>
               <a:ext uri="{FF2B5EF4-FFF2-40B4-BE49-F238E27FC236}">
-                <a16:creationId xmlns:a16="http://schemas.microsoft.com/office/drawing/2014/main" id="{DCB1DBFB-1BB2-426C-807E-304AF87F8EBE}"/>
+                <a16:creationId xmlns:a16="http://schemas.microsoft.com/office/drawing/2014/main" xmlns="" id="{DCB1DBFB-1BB2-426C-807E-304AF87F8EBE}"/>
               </a:ext>
             </a:extLst>
           </p:cNvPr>
@@ -17301,10 +17718,10 @@
           <p:cNvPr id="81" name="Snip Diagonal Corner Rectangle 24">
             <a:extLst>
               <a:ext uri="{FF2B5EF4-FFF2-40B4-BE49-F238E27FC236}">
-                <a16:creationId xmlns:a16="http://schemas.microsoft.com/office/drawing/2014/main" id="{D2CF1D1B-04ED-443D-A9FE-68BF8859BDD6}"/>
+                <a16:creationId xmlns:a16="http://schemas.microsoft.com/office/drawing/2014/main" xmlns="" id="{D2CF1D1B-04ED-443D-A9FE-68BF8859BDD6}"/>
               </a:ext>
               <a:ext uri="{C183D7F6-B498-43B3-948B-1728B52AA6E4}">
-                <adec:decorative xmlns:adec="http://schemas.microsoft.com/office/drawing/2017/decorative" val="1"/>
+                <adec:decorative xmlns:adec="http://schemas.microsoft.com/office/drawing/2017/decorative" xmlns="" val="1"/>
               </a:ext>
             </a:extLst>
           </p:cNvPr>
@@ -17314,7 +17731,7 @@
           <p:nvPr>
             <p:extLst>
               <p:ext uri="{386F3935-93C4-4BCD-93E2-E3B085C9AB24}">
-                <p16:designElem xmlns:p16="http://schemas.microsoft.com/office/powerpoint/2015/main" val="1"/>
+                <p16:designElem xmlns:p16="http://schemas.microsoft.com/office/powerpoint/2015/main" xmlns="" val="1"/>
               </p:ext>
             </p:extLst>
           </p:nvPr>
@@ -17374,7 +17791,7 @@
           <p:cNvPr id="10245" name="Picture 2" descr="Forms response chart. Question title: Lettering is primarily done in. Number of responses: 14 / 14 correct responses.">
             <a:extLst>
               <a:ext uri="{FF2B5EF4-FFF2-40B4-BE49-F238E27FC236}">
-                <a16:creationId xmlns:a16="http://schemas.microsoft.com/office/drawing/2014/main" id="{B455112D-CDD2-466C-A9DF-EA3C38639884}"/>
+                <a16:creationId xmlns:a16="http://schemas.microsoft.com/office/drawing/2014/main" xmlns="" id="{B455112D-CDD2-466C-A9DF-EA3C38639884}"/>
               </a:ext>
             </a:extLst>
           </p:cNvPr>

--- a/High School/Design and Drawing for Production/Unit 4 - The Alphabet of Lines/Section 1 - Introduction to Alphabet of Lines/Assets/Unit 4 - Section 1 - Introduction to Alphabet of Line.pptx
+++ b/High School/Design and Drawing for Production/Unit 4 - The Alphabet of Lines/Section 1 - Introduction to Alphabet of Lines/Assets/Unit 4 - Section 1 - Introduction to Alphabet of Line.pptx
@@ -5,10 +5,10 @@
     <p:sldMasterId id="2147483735" r:id="rId1"/>
   </p:sldMasterIdLst>
   <p:notesMasterIdLst>
-    <p:notesMasterId r:id="rId38"/>
+    <p:notesMasterId r:id="rId40"/>
   </p:notesMasterIdLst>
   <p:handoutMasterIdLst>
-    <p:handoutMasterId r:id="rId39"/>
+    <p:handoutMasterId r:id="rId41"/>
   </p:handoutMasterIdLst>
   <p:sldIdLst>
     <p:sldId id="268" r:id="rId2"/>
@@ -47,6 +47,8 @@
     <p:sldId id="303" r:id="rId35"/>
     <p:sldId id="304" r:id="rId36"/>
     <p:sldId id="305" r:id="rId37"/>
+    <p:sldId id="306" r:id="rId38"/>
+    <p:sldId id="307" r:id="rId39"/>
   </p:sldIdLst>
   <p:sldSz cx="12192000" cy="6858000"/>
   <p:notesSz cx="6858000" cy="9144000"/>
@@ -249,7 +251,7 @@
           <a:p>
             <a:fld id="{6AC4FB8F-ED15-48AB-97BD-17129D4E699D}" type="datetimeFigureOut">
               <a:rPr lang="en-US" smtClean="0"/>
-              <a:t>10/22/2018</a:t>
+              <a:t>10/25/2018</a:t>
             </a:fld>
             <a:endParaRPr lang="en-US" dirty="0"/>
           </a:p>
@@ -414,7 +416,7 @@
           <a:p>
             <a:fld id="{BBC9D437-CD83-4825-AD0D-5E7B341BC79B}" type="datetimeFigureOut">
               <a:rPr lang="en-US" smtClean="0"/>
-              <a:t>10/22/2018</a:t>
+              <a:t>10/25/2018</a:t>
             </a:fld>
             <a:endParaRPr lang="en-US" dirty="0"/>
           </a:p>
@@ -872,7 +874,7 @@
           <a:p>
             <a:fld id="{85AB7CBB-843F-464A-A764-71D6ADC27CFA}" type="datetime1">
               <a:rPr lang="en-US" smtClean="0"/>
-              <a:t>10/22/2018</a:t>
+              <a:t>10/25/2018</a:t>
             </a:fld>
             <a:endParaRPr lang="en-US" dirty="0"/>
           </a:p>
@@ -1325,7 +1327,7 @@
           <a:p>
             <a:fld id="{3F138946-C5C1-4A11-BA69-F12F43F8A94B}" type="datetime1">
               <a:rPr lang="en-US" smtClean="0"/>
-              <a:t>10/22/2018</a:t>
+              <a:t>10/25/2018</a:t>
             </a:fld>
             <a:endParaRPr lang="en-US" dirty="0"/>
           </a:p>
@@ -1581,7 +1583,7 @@
           <a:p>
             <a:fld id="{3F138946-C5C1-4A11-BA69-F12F43F8A94B}" type="datetime1">
               <a:rPr lang="en-US" smtClean="0"/>
-              <a:t>10/22/2018</a:t>
+              <a:t>10/25/2018</a:t>
             </a:fld>
             <a:endParaRPr lang="en-US" dirty="0"/>
           </a:p>
@@ -1895,7 +1897,7 @@
           <a:p>
             <a:fld id="{3F138946-C5C1-4A11-BA69-F12F43F8A94B}" type="datetime1">
               <a:rPr lang="en-US" smtClean="0"/>
-              <a:t>10/22/2018</a:t>
+              <a:t>10/25/2018</a:t>
             </a:fld>
             <a:endParaRPr lang="en-US" dirty="0"/>
           </a:p>
@@ -2219,7 +2221,7 @@
           <a:p>
             <a:fld id="{3F138946-C5C1-4A11-BA69-F12F43F8A94B}" type="datetime1">
               <a:rPr lang="en-US" smtClean="0"/>
-              <a:t>10/22/2018</a:t>
+              <a:t>10/25/2018</a:t>
             </a:fld>
             <a:endParaRPr lang="en-US" dirty="0"/>
           </a:p>
@@ -2527,7 +2529,7 @@
           <a:p>
             <a:fld id="{3F138946-C5C1-4A11-BA69-F12F43F8A94B}" type="datetime1">
               <a:rPr lang="en-US" smtClean="0"/>
-              <a:t>10/22/2018</a:t>
+              <a:t>10/25/2018</a:t>
             </a:fld>
             <a:endParaRPr lang="en-US" dirty="0"/>
           </a:p>
@@ -2900,7 +2902,7 @@
           <a:p>
             <a:fld id="{3F138946-C5C1-4A11-BA69-F12F43F8A94B}" type="datetime1">
               <a:rPr lang="en-US" smtClean="0"/>
-              <a:t>10/22/2018</a:t>
+              <a:t>10/25/2018</a:t>
             </a:fld>
             <a:endParaRPr lang="en-US" dirty="0"/>
           </a:p>
@@ -3080,7 +3082,7 @@
           <a:p>
             <a:fld id="{CBEFC03D-3A1F-4813-9337-02411FCC3A9A}" type="datetime1">
               <a:rPr lang="en-US" smtClean="0"/>
-              <a:t>10/22/2018</a:t>
+              <a:t>10/25/2018</a:t>
             </a:fld>
             <a:endParaRPr lang="en-US" dirty="0"/>
           </a:p>
@@ -3276,7 +3278,7 @@
           <a:p>
             <a:fld id="{3D638F79-DFA0-4C26-9553-23A017B69AB6}" type="datetime1">
               <a:rPr lang="en-US" smtClean="0"/>
-              <a:t>10/22/2018</a:t>
+              <a:t>10/25/2018</a:t>
             </a:fld>
             <a:endParaRPr lang="en-US" dirty="0"/>
           </a:p>
@@ -3387,7 +3389,7 @@
           <a:p>
             <a:fld id="{AA615CA6-EC4D-4728-8AA6-534BE7E9B67C}" type="datetime1">
               <a:rPr lang="en-US" smtClean="0"/>
-              <a:t>10/22/2018</a:t>
+              <a:t>10/25/2018</a:t>
             </a:fld>
             <a:endParaRPr lang="en-US" dirty="0"/>
           </a:p>
@@ -3572,7 +3574,7 @@
           <a:p>
             <a:fld id="{A70B34E7-E1D9-4FBF-A1A0-4009669A00BF}" type="datetime1">
               <a:rPr lang="en-US" smtClean="0"/>
-              <a:t>10/22/2018</a:t>
+              <a:t>10/25/2018</a:t>
             </a:fld>
             <a:endParaRPr lang="en-US" dirty="0"/>
           </a:p>
@@ -3839,7 +3841,7 @@
           <a:p>
             <a:fld id="{C50FD434-5945-4FAF-A8C0-DAE9905532CE}" type="datetimeFigureOut">
               <a:rPr lang="en-US" smtClean="0"/>
-              <a:t>10/22/2018</a:t>
+              <a:t>10/25/2018</a:t>
             </a:fld>
             <a:endParaRPr lang="en-US"/>
           </a:p>
@@ -4087,7 +4089,7 @@
           <a:p>
             <a:fld id="{7579E8B6-2F47-420B-83EA-EB2285D13EC9}" type="datetime1">
               <a:rPr lang="en-US" smtClean="0"/>
-              <a:t>10/22/2018</a:t>
+              <a:t>10/25/2018</a:t>
             </a:fld>
             <a:endParaRPr lang="en-US" dirty="0"/>
           </a:p>
@@ -4485,7 +4487,7 @@
           <a:p>
             <a:fld id="{2304803D-B10E-4B90-8456-A0E05393E233}" type="datetime1">
               <a:rPr lang="en-US" smtClean="0"/>
-              <a:t>10/22/2018</a:t>
+              <a:t>10/25/2018</a:t>
             </a:fld>
             <a:endParaRPr lang="en-US" dirty="0"/>
           </a:p>
@@ -4619,7 +4621,7 @@
           <a:p>
             <a:fld id="{CCE1E62F-6CCE-4064-96C2-2084AF883904}" type="datetime1">
               <a:rPr lang="en-US" smtClean="0"/>
-              <a:t>10/22/2018</a:t>
+              <a:t>10/25/2018</a:t>
             </a:fld>
             <a:endParaRPr lang="en-US" dirty="0"/>
           </a:p>
@@ -4730,7 +4732,7 @@
           <a:p>
             <a:fld id="{AA615CA6-EC4D-4728-8AA6-534BE7E9B67C}" type="datetime1">
               <a:rPr lang="en-US" smtClean="0"/>
-              <a:t>10/22/2018</a:t>
+              <a:t>10/25/2018</a:t>
             </a:fld>
             <a:endParaRPr lang="en-US" dirty="0"/>
           </a:p>
@@ -5001,7 +5003,7 @@
           <a:p>
             <a:fld id="{A6139942-0A2E-443A-842F-D6DE74360370}" type="datetime1">
               <a:rPr lang="en-US" smtClean="0"/>
-              <a:t>10/22/2018</a:t>
+              <a:t>10/25/2018</a:t>
             </a:fld>
             <a:endParaRPr lang="en-US" dirty="0"/>
           </a:p>
@@ -5300,7 +5302,7 @@
           <a:p>
             <a:fld id="{C50FD434-5945-4FAF-A8C0-DAE9905532CE}" type="datetimeFigureOut">
               <a:rPr lang="en-US" smtClean="0"/>
-              <a:t>10/22/2018</a:t>
+              <a:t>10/25/2018</a:t>
             </a:fld>
             <a:endParaRPr lang="en-US"/>
           </a:p>
@@ -5353,7 +5355,7 @@
           <p:cNvPr id="8" name="Rectangle 7">
             <a:extLst>
               <a:ext uri="{FF2B5EF4-FFF2-40B4-BE49-F238E27FC236}">
-                <a16:creationId xmlns:a16="http://schemas.microsoft.com/office/drawing/2014/main" xmlns="" id="{CEC947AC-3793-4C58-9767-D55CE5C13326}"/>
+                <a16:creationId xmlns="" xmlns:a16="http://schemas.microsoft.com/office/drawing/2014/main" id="{CEC947AC-3793-4C58-9767-D55CE5C13326}"/>
               </a:ext>
             </a:extLst>
           </p:cNvPr>
@@ -5770,7 +5772,7 @@
           <a:p>
             <a:fld id="{3F138946-C5C1-4A11-BA69-F12F43F8A94B}" type="datetime1">
               <a:rPr lang="en-US" smtClean="0"/>
-              <a:t>10/22/2018</a:t>
+              <a:t>10/25/2018</a:t>
             </a:fld>
             <a:endParaRPr lang="en-US" dirty="0"/>
           </a:p>
@@ -6474,7 +6476,7 @@
           <p:cNvPr id="4" name="Footer Placeholder 3">
             <a:extLst>
               <a:ext uri="{FF2B5EF4-FFF2-40B4-BE49-F238E27FC236}">
-                <a16:creationId xmlns:a16="http://schemas.microsoft.com/office/drawing/2014/main" xmlns="" id="{1BD89EEB-0D82-48BB-B45A-39C4807CF951}"/>
+                <a16:creationId xmlns="" xmlns:a16="http://schemas.microsoft.com/office/drawing/2014/main" id="{1BD89EEB-0D82-48BB-B45A-39C4807CF951}"/>
               </a:ext>
             </a:extLst>
           </p:cNvPr>
@@ -6580,10 +6582,10 @@
           <p:cNvPr id="72" name="Group 71">
             <a:extLst>
               <a:ext uri="{FF2B5EF4-FFF2-40B4-BE49-F238E27FC236}">
-                <a16:creationId xmlns:a16="http://schemas.microsoft.com/office/drawing/2014/main" xmlns="" id="{2103B461-323C-4912-BFFD-C37582662085}"/>
+                <a16:creationId xmlns="" xmlns:a16="http://schemas.microsoft.com/office/drawing/2014/main" id="{2103B461-323C-4912-BFFD-C37582662085}"/>
               </a:ext>
               <a:ext uri="{C183D7F6-B498-43B3-948B-1728B52AA6E4}">
-                <adec:decorative xmlns:adec="http://schemas.microsoft.com/office/drawing/2017/decorative" xmlns="" val="1"/>
+                <adec:decorative xmlns="" xmlns:adec="http://schemas.microsoft.com/office/drawing/2017/decorative" val="1"/>
               </a:ext>
             </a:extLst>
           </p:cNvPr>
@@ -6593,7 +6595,7 @@
           <p:nvPr>
             <p:extLst>
               <p:ext uri="{386F3935-93C4-4BCD-93E2-E3B085C9AB24}">
-                <p16:designElem xmlns:p16="http://schemas.microsoft.com/office/powerpoint/2015/main" xmlns="" val="1"/>
+                <p16:designElem xmlns="" xmlns:p16="http://schemas.microsoft.com/office/powerpoint/2015/main" val="1"/>
               </p:ext>
             </p:extLst>
           </p:nvPr>
@@ -6611,10 +6613,10 @@
             <p:cNvPr id="73" name="Straight Connector 72">
               <a:extLst>
                 <a:ext uri="{FF2B5EF4-FFF2-40B4-BE49-F238E27FC236}">
-                  <a16:creationId xmlns:a16="http://schemas.microsoft.com/office/drawing/2014/main" xmlns="" id="{FBC21318-F4F4-4524-95D1-6B7FE0A788A3}"/>
+                  <a16:creationId xmlns="" xmlns:a16="http://schemas.microsoft.com/office/drawing/2014/main" id="{FBC21318-F4F4-4524-95D1-6B7FE0A788A3}"/>
                 </a:ext>
                 <a:ext uri="{C183D7F6-B498-43B3-948B-1728B52AA6E4}">
-                  <adec:decorative xmlns:adec="http://schemas.microsoft.com/office/drawing/2017/decorative" xmlns="" val="1"/>
+                  <adec:decorative xmlns="" xmlns:adec="http://schemas.microsoft.com/office/drawing/2017/decorative" val="1"/>
                 </a:ext>
               </a:extLst>
             </p:cNvPr>
@@ -6622,7 +6624,7 @@
             <p:nvPr>
               <p:extLst>
                 <p:ext uri="{386F3935-93C4-4BCD-93E2-E3B085C9AB24}">
-                  <p16:designElem xmlns:p16="http://schemas.microsoft.com/office/powerpoint/2015/main" xmlns="" val="1"/>
+                  <p16:designElem xmlns="" xmlns:p16="http://schemas.microsoft.com/office/powerpoint/2015/main" val="1"/>
                 </p:ext>
               </p:extLst>
             </p:nvPr>
@@ -6661,10 +6663,10 @@
             <p:cNvPr id="74" name="Straight Connector 73">
               <a:extLst>
                 <a:ext uri="{FF2B5EF4-FFF2-40B4-BE49-F238E27FC236}">
-                  <a16:creationId xmlns:a16="http://schemas.microsoft.com/office/drawing/2014/main" xmlns="" id="{D9FFA8E5-974F-409E-89C6-E185BD90933C}"/>
+                  <a16:creationId xmlns="" xmlns:a16="http://schemas.microsoft.com/office/drawing/2014/main" id="{D9FFA8E5-974F-409E-89C6-E185BD90933C}"/>
                 </a:ext>
                 <a:ext uri="{C183D7F6-B498-43B3-948B-1728B52AA6E4}">
-                  <adec:decorative xmlns:adec="http://schemas.microsoft.com/office/drawing/2017/decorative" xmlns="" val="1"/>
+                  <adec:decorative xmlns="" xmlns:adec="http://schemas.microsoft.com/office/drawing/2017/decorative" val="1"/>
                 </a:ext>
               </a:extLst>
             </p:cNvPr>
@@ -6672,7 +6674,7 @@
             <p:nvPr>
               <p:extLst>
                 <p:ext uri="{386F3935-93C4-4BCD-93E2-E3B085C9AB24}">
-                  <p16:designElem xmlns:p16="http://schemas.microsoft.com/office/powerpoint/2015/main" xmlns="" val="1"/>
+                  <p16:designElem xmlns="" xmlns:p16="http://schemas.microsoft.com/office/powerpoint/2015/main" val="1"/>
                 </p:ext>
               </p:extLst>
             </p:nvPr>
@@ -6711,10 +6713,10 @@
             <p:cNvPr id="75" name="Straight Connector 74">
               <a:extLst>
                 <a:ext uri="{FF2B5EF4-FFF2-40B4-BE49-F238E27FC236}">
-                  <a16:creationId xmlns:a16="http://schemas.microsoft.com/office/drawing/2014/main" xmlns="" id="{C384E2B1-7008-45EE-9F2E-FEF3A089780F}"/>
+                  <a16:creationId xmlns="" xmlns:a16="http://schemas.microsoft.com/office/drawing/2014/main" id="{C384E2B1-7008-45EE-9F2E-FEF3A089780F}"/>
                 </a:ext>
                 <a:ext uri="{C183D7F6-B498-43B3-948B-1728B52AA6E4}">
-                  <adec:decorative xmlns:adec="http://schemas.microsoft.com/office/drawing/2017/decorative" xmlns="" val="1"/>
+                  <adec:decorative xmlns="" xmlns:adec="http://schemas.microsoft.com/office/drawing/2017/decorative" val="1"/>
                 </a:ext>
               </a:extLst>
             </p:cNvPr>
@@ -6722,7 +6724,7 @@
             <p:nvPr>
               <p:extLst>
                 <p:ext uri="{386F3935-93C4-4BCD-93E2-E3B085C9AB24}">
-                  <p16:designElem xmlns:p16="http://schemas.microsoft.com/office/powerpoint/2015/main" xmlns="" val="1"/>
+                  <p16:designElem xmlns="" xmlns:p16="http://schemas.microsoft.com/office/powerpoint/2015/main" val="1"/>
                 </p:ext>
               </p:extLst>
             </p:nvPr>
@@ -6761,10 +6763,10 @@
             <p:cNvPr id="76" name="Straight Connector 75">
               <a:extLst>
                 <a:ext uri="{FF2B5EF4-FFF2-40B4-BE49-F238E27FC236}">
-                  <a16:creationId xmlns:a16="http://schemas.microsoft.com/office/drawing/2014/main" xmlns="" id="{D4563410-7FE9-4955-89C6-0FB9326CD3A8}"/>
+                  <a16:creationId xmlns="" xmlns:a16="http://schemas.microsoft.com/office/drawing/2014/main" id="{D4563410-7FE9-4955-89C6-0FB9326CD3A8}"/>
                 </a:ext>
                 <a:ext uri="{C183D7F6-B498-43B3-948B-1728B52AA6E4}">
-                  <adec:decorative xmlns:adec="http://schemas.microsoft.com/office/drawing/2017/decorative" xmlns="" val="1"/>
+                  <adec:decorative xmlns="" xmlns:adec="http://schemas.microsoft.com/office/drawing/2017/decorative" val="1"/>
                 </a:ext>
               </a:extLst>
             </p:cNvPr>
@@ -6772,7 +6774,7 @@
             <p:nvPr>
               <p:extLst>
                 <p:ext uri="{386F3935-93C4-4BCD-93E2-E3B085C9AB24}">
-                  <p16:designElem xmlns:p16="http://schemas.microsoft.com/office/powerpoint/2015/main" xmlns="" val="1"/>
+                  <p16:designElem xmlns="" xmlns:p16="http://schemas.microsoft.com/office/powerpoint/2015/main" val="1"/>
                 </p:ext>
               </p:extLst>
             </p:nvPr>
@@ -6811,10 +6813,10 @@
             <p:cNvPr id="77" name="Straight Connector 76">
               <a:extLst>
                 <a:ext uri="{FF2B5EF4-FFF2-40B4-BE49-F238E27FC236}">
-                  <a16:creationId xmlns:a16="http://schemas.microsoft.com/office/drawing/2014/main" xmlns="" id="{3AD14C0E-D5DF-4BDC-BD92-642CFF18018D}"/>
+                  <a16:creationId xmlns="" xmlns:a16="http://schemas.microsoft.com/office/drawing/2014/main" id="{3AD14C0E-D5DF-4BDC-BD92-642CFF18018D}"/>
                 </a:ext>
                 <a:ext uri="{C183D7F6-B498-43B3-948B-1728B52AA6E4}">
-                  <adec:decorative xmlns:adec="http://schemas.microsoft.com/office/drawing/2017/decorative" xmlns="" val="1"/>
+                  <adec:decorative xmlns="" xmlns:adec="http://schemas.microsoft.com/office/drawing/2017/decorative" val="1"/>
                 </a:ext>
               </a:extLst>
             </p:cNvPr>
@@ -6822,7 +6824,7 @@
             <p:nvPr>
               <p:extLst>
                 <p:ext uri="{386F3935-93C4-4BCD-93E2-E3B085C9AB24}">
-                  <p16:designElem xmlns:p16="http://schemas.microsoft.com/office/powerpoint/2015/main" xmlns="" val="1"/>
+                  <p16:designElem xmlns="" xmlns:p16="http://schemas.microsoft.com/office/powerpoint/2015/main" val="1"/>
                 </p:ext>
               </p:extLst>
             </p:nvPr>
@@ -6862,10 +6864,10 @@
           <p:cNvPr id="79" name="Rectangle 78">
             <a:extLst>
               <a:ext uri="{FF2B5EF4-FFF2-40B4-BE49-F238E27FC236}">
-                <a16:creationId xmlns:a16="http://schemas.microsoft.com/office/drawing/2014/main" xmlns="" id="{9A212F8F-D812-4A16-BE82-F3500DE32174}"/>
+                <a16:creationId xmlns="" xmlns:a16="http://schemas.microsoft.com/office/drawing/2014/main" id="{9A212F8F-D812-4A16-BE82-F3500DE32174}"/>
               </a:ext>
               <a:ext uri="{C183D7F6-B498-43B3-948B-1728B52AA6E4}">
-                <adec:decorative xmlns:adec="http://schemas.microsoft.com/office/drawing/2017/decorative" xmlns="" val="1"/>
+                <adec:decorative xmlns="" xmlns:adec="http://schemas.microsoft.com/office/drawing/2017/decorative" val="1"/>
               </a:ext>
             </a:extLst>
           </p:cNvPr>
@@ -6875,7 +6877,7 @@
           <p:nvPr>
             <p:extLst>
               <p:ext uri="{386F3935-93C4-4BCD-93E2-E3B085C9AB24}">
-                <p16:designElem xmlns:p16="http://schemas.microsoft.com/office/powerpoint/2015/main" xmlns="" val="1"/>
+                <p16:designElem xmlns="" xmlns:p16="http://schemas.microsoft.com/office/powerpoint/2015/main" val="1"/>
               </p:ext>
             </p:extLst>
           </p:nvPr>
@@ -6922,7 +6924,7 @@
           <p:cNvPr id="4" name="Footer Placeholder 3">
             <a:extLst>
               <a:ext uri="{FF2B5EF4-FFF2-40B4-BE49-F238E27FC236}">
-                <a16:creationId xmlns:a16="http://schemas.microsoft.com/office/drawing/2014/main" xmlns="" id="{A60BB73E-3144-49F5-80EC-02B38390AD45}"/>
+                <a16:creationId xmlns="" xmlns:a16="http://schemas.microsoft.com/office/drawing/2014/main" id="{A60BB73E-3144-49F5-80EC-02B38390AD45}"/>
               </a:ext>
             </a:extLst>
           </p:cNvPr>
@@ -6972,10 +6974,10 @@
           <p:cNvPr id="81" name="Snip Diagonal Corner Rectangle 24">
             <a:extLst>
               <a:ext uri="{FF2B5EF4-FFF2-40B4-BE49-F238E27FC236}">
-                <a16:creationId xmlns:a16="http://schemas.microsoft.com/office/drawing/2014/main" xmlns="" id="{D2CF1D1B-04ED-443D-A9FE-68BF8859BDD6}"/>
+                <a16:creationId xmlns="" xmlns:a16="http://schemas.microsoft.com/office/drawing/2014/main" id="{D2CF1D1B-04ED-443D-A9FE-68BF8859BDD6}"/>
               </a:ext>
               <a:ext uri="{C183D7F6-B498-43B3-948B-1728B52AA6E4}">
-                <adec:decorative xmlns:adec="http://schemas.microsoft.com/office/drawing/2017/decorative" xmlns="" val="1"/>
+                <adec:decorative xmlns="" xmlns:adec="http://schemas.microsoft.com/office/drawing/2017/decorative" val="1"/>
               </a:ext>
             </a:extLst>
           </p:cNvPr>
@@ -6985,7 +6987,7 @@
           <p:nvPr>
             <p:extLst>
               <p:ext uri="{386F3935-93C4-4BCD-93E2-E3B085C9AB24}">
-                <p16:designElem xmlns:p16="http://schemas.microsoft.com/office/powerpoint/2015/main" xmlns="" val="1"/>
+                <p16:designElem xmlns="" xmlns:p16="http://schemas.microsoft.com/office/powerpoint/2015/main" val="1"/>
               </p:ext>
             </p:extLst>
           </p:nvPr>
@@ -7045,7 +7047,7 @@
           <p:cNvPr id="11269" name="Picture 2" descr="Forms response chart. Question title: The lettering guide slides on what tool?. Number of responses: 14 / 14 correct responses.">
             <a:extLst>
               <a:ext uri="{FF2B5EF4-FFF2-40B4-BE49-F238E27FC236}">
-                <a16:creationId xmlns:a16="http://schemas.microsoft.com/office/drawing/2014/main" xmlns="" id="{99CD7AC6-563B-449E-B9B3-14A5AF9BF449}"/>
+                <a16:creationId xmlns="" xmlns:a16="http://schemas.microsoft.com/office/drawing/2014/main" id="{99CD7AC6-563B-449E-B9B3-14A5AF9BF449}"/>
               </a:ext>
             </a:extLst>
           </p:cNvPr>
@@ -7220,10 +7222,10 @@
           <p:cNvPr id="72" name="Group 71">
             <a:extLst>
               <a:ext uri="{FF2B5EF4-FFF2-40B4-BE49-F238E27FC236}">
-                <a16:creationId xmlns:a16="http://schemas.microsoft.com/office/drawing/2014/main" xmlns="" id="{2103B461-323C-4912-BFFD-C37582662085}"/>
+                <a16:creationId xmlns="" xmlns:a16="http://schemas.microsoft.com/office/drawing/2014/main" id="{2103B461-323C-4912-BFFD-C37582662085}"/>
               </a:ext>
               <a:ext uri="{C183D7F6-B498-43B3-948B-1728B52AA6E4}">
-                <adec:decorative xmlns:adec="http://schemas.microsoft.com/office/drawing/2017/decorative" xmlns="" val="1"/>
+                <adec:decorative xmlns="" xmlns:adec="http://schemas.microsoft.com/office/drawing/2017/decorative" val="1"/>
               </a:ext>
             </a:extLst>
           </p:cNvPr>
@@ -7233,7 +7235,7 @@
           <p:nvPr>
             <p:extLst>
               <p:ext uri="{386F3935-93C4-4BCD-93E2-E3B085C9AB24}">
-                <p16:designElem xmlns:p16="http://schemas.microsoft.com/office/powerpoint/2015/main" xmlns="" val="1"/>
+                <p16:designElem xmlns="" xmlns:p16="http://schemas.microsoft.com/office/powerpoint/2015/main" val="1"/>
               </p:ext>
             </p:extLst>
           </p:nvPr>
@@ -7251,10 +7253,10 @@
             <p:cNvPr id="73" name="Straight Connector 72">
               <a:extLst>
                 <a:ext uri="{FF2B5EF4-FFF2-40B4-BE49-F238E27FC236}">
-                  <a16:creationId xmlns:a16="http://schemas.microsoft.com/office/drawing/2014/main" xmlns="" id="{FBC21318-F4F4-4524-95D1-6B7FE0A788A3}"/>
+                  <a16:creationId xmlns="" xmlns:a16="http://schemas.microsoft.com/office/drawing/2014/main" id="{FBC21318-F4F4-4524-95D1-6B7FE0A788A3}"/>
                 </a:ext>
                 <a:ext uri="{C183D7F6-B498-43B3-948B-1728B52AA6E4}">
-                  <adec:decorative xmlns:adec="http://schemas.microsoft.com/office/drawing/2017/decorative" xmlns="" val="1"/>
+                  <adec:decorative xmlns="" xmlns:adec="http://schemas.microsoft.com/office/drawing/2017/decorative" val="1"/>
                 </a:ext>
               </a:extLst>
             </p:cNvPr>
@@ -7262,7 +7264,7 @@
             <p:nvPr>
               <p:extLst>
                 <p:ext uri="{386F3935-93C4-4BCD-93E2-E3B085C9AB24}">
-                  <p16:designElem xmlns:p16="http://schemas.microsoft.com/office/powerpoint/2015/main" xmlns="" val="1"/>
+                  <p16:designElem xmlns="" xmlns:p16="http://schemas.microsoft.com/office/powerpoint/2015/main" val="1"/>
                 </p:ext>
               </p:extLst>
             </p:nvPr>
@@ -7301,10 +7303,10 @@
             <p:cNvPr id="74" name="Straight Connector 73">
               <a:extLst>
                 <a:ext uri="{FF2B5EF4-FFF2-40B4-BE49-F238E27FC236}">
-                  <a16:creationId xmlns:a16="http://schemas.microsoft.com/office/drawing/2014/main" xmlns="" id="{D9FFA8E5-974F-409E-89C6-E185BD90933C}"/>
+                  <a16:creationId xmlns="" xmlns:a16="http://schemas.microsoft.com/office/drawing/2014/main" id="{D9FFA8E5-974F-409E-89C6-E185BD90933C}"/>
                 </a:ext>
                 <a:ext uri="{C183D7F6-B498-43B3-948B-1728B52AA6E4}">
-                  <adec:decorative xmlns:adec="http://schemas.microsoft.com/office/drawing/2017/decorative" xmlns="" val="1"/>
+                  <adec:decorative xmlns="" xmlns:adec="http://schemas.microsoft.com/office/drawing/2017/decorative" val="1"/>
                 </a:ext>
               </a:extLst>
             </p:cNvPr>
@@ -7312,7 +7314,7 @@
             <p:nvPr>
               <p:extLst>
                 <p:ext uri="{386F3935-93C4-4BCD-93E2-E3B085C9AB24}">
-                  <p16:designElem xmlns:p16="http://schemas.microsoft.com/office/powerpoint/2015/main" xmlns="" val="1"/>
+                  <p16:designElem xmlns="" xmlns:p16="http://schemas.microsoft.com/office/powerpoint/2015/main" val="1"/>
                 </p:ext>
               </p:extLst>
             </p:nvPr>
@@ -7351,10 +7353,10 @@
             <p:cNvPr id="75" name="Straight Connector 74">
               <a:extLst>
                 <a:ext uri="{FF2B5EF4-FFF2-40B4-BE49-F238E27FC236}">
-                  <a16:creationId xmlns:a16="http://schemas.microsoft.com/office/drawing/2014/main" xmlns="" id="{C384E2B1-7008-45EE-9F2E-FEF3A089780F}"/>
+                  <a16:creationId xmlns="" xmlns:a16="http://schemas.microsoft.com/office/drawing/2014/main" id="{C384E2B1-7008-45EE-9F2E-FEF3A089780F}"/>
                 </a:ext>
                 <a:ext uri="{C183D7F6-B498-43B3-948B-1728B52AA6E4}">
-                  <adec:decorative xmlns:adec="http://schemas.microsoft.com/office/drawing/2017/decorative" xmlns="" val="1"/>
+                  <adec:decorative xmlns="" xmlns:adec="http://schemas.microsoft.com/office/drawing/2017/decorative" val="1"/>
                 </a:ext>
               </a:extLst>
             </p:cNvPr>
@@ -7362,7 +7364,7 @@
             <p:nvPr>
               <p:extLst>
                 <p:ext uri="{386F3935-93C4-4BCD-93E2-E3B085C9AB24}">
-                  <p16:designElem xmlns:p16="http://schemas.microsoft.com/office/powerpoint/2015/main" xmlns="" val="1"/>
+                  <p16:designElem xmlns="" xmlns:p16="http://schemas.microsoft.com/office/powerpoint/2015/main" val="1"/>
                 </p:ext>
               </p:extLst>
             </p:nvPr>
@@ -7401,10 +7403,10 @@
             <p:cNvPr id="76" name="Straight Connector 75">
               <a:extLst>
                 <a:ext uri="{FF2B5EF4-FFF2-40B4-BE49-F238E27FC236}">
-                  <a16:creationId xmlns:a16="http://schemas.microsoft.com/office/drawing/2014/main" xmlns="" id="{D4563410-7FE9-4955-89C6-0FB9326CD3A8}"/>
+                  <a16:creationId xmlns="" xmlns:a16="http://schemas.microsoft.com/office/drawing/2014/main" id="{D4563410-7FE9-4955-89C6-0FB9326CD3A8}"/>
                 </a:ext>
                 <a:ext uri="{C183D7F6-B498-43B3-948B-1728B52AA6E4}">
-                  <adec:decorative xmlns:adec="http://schemas.microsoft.com/office/drawing/2017/decorative" xmlns="" val="1"/>
+                  <adec:decorative xmlns="" xmlns:adec="http://schemas.microsoft.com/office/drawing/2017/decorative" val="1"/>
                 </a:ext>
               </a:extLst>
             </p:cNvPr>
@@ -7412,7 +7414,7 @@
             <p:nvPr>
               <p:extLst>
                 <p:ext uri="{386F3935-93C4-4BCD-93E2-E3B085C9AB24}">
-                  <p16:designElem xmlns:p16="http://schemas.microsoft.com/office/powerpoint/2015/main" xmlns="" val="1"/>
+                  <p16:designElem xmlns="" xmlns:p16="http://schemas.microsoft.com/office/powerpoint/2015/main" val="1"/>
                 </p:ext>
               </p:extLst>
             </p:nvPr>
@@ -7451,10 +7453,10 @@
             <p:cNvPr id="77" name="Straight Connector 76">
               <a:extLst>
                 <a:ext uri="{FF2B5EF4-FFF2-40B4-BE49-F238E27FC236}">
-                  <a16:creationId xmlns:a16="http://schemas.microsoft.com/office/drawing/2014/main" xmlns="" id="{3AD14C0E-D5DF-4BDC-BD92-642CFF18018D}"/>
+                  <a16:creationId xmlns="" xmlns:a16="http://schemas.microsoft.com/office/drawing/2014/main" id="{3AD14C0E-D5DF-4BDC-BD92-642CFF18018D}"/>
                 </a:ext>
                 <a:ext uri="{C183D7F6-B498-43B3-948B-1728B52AA6E4}">
-                  <adec:decorative xmlns:adec="http://schemas.microsoft.com/office/drawing/2017/decorative" xmlns="" val="1"/>
+                  <adec:decorative xmlns="" xmlns:adec="http://schemas.microsoft.com/office/drawing/2017/decorative" val="1"/>
                 </a:ext>
               </a:extLst>
             </p:cNvPr>
@@ -7462,7 +7464,7 @@
             <p:nvPr>
               <p:extLst>
                 <p:ext uri="{386F3935-93C4-4BCD-93E2-E3B085C9AB24}">
-                  <p16:designElem xmlns:p16="http://schemas.microsoft.com/office/powerpoint/2015/main" xmlns="" val="1"/>
+                  <p16:designElem xmlns="" xmlns:p16="http://schemas.microsoft.com/office/powerpoint/2015/main" val="1"/>
                 </p:ext>
               </p:extLst>
             </p:nvPr>
@@ -7502,10 +7504,10 @@
           <p:cNvPr id="79" name="Rectangle 78">
             <a:extLst>
               <a:ext uri="{FF2B5EF4-FFF2-40B4-BE49-F238E27FC236}">
-                <a16:creationId xmlns:a16="http://schemas.microsoft.com/office/drawing/2014/main" xmlns="" id="{9A212F8F-D812-4A16-BE82-F3500DE32174}"/>
+                <a16:creationId xmlns="" xmlns:a16="http://schemas.microsoft.com/office/drawing/2014/main" id="{9A212F8F-D812-4A16-BE82-F3500DE32174}"/>
               </a:ext>
               <a:ext uri="{C183D7F6-B498-43B3-948B-1728B52AA6E4}">
-                <adec:decorative xmlns:adec="http://schemas.microsoft.com/office/drawing/2017/decorative" xmlns="" val="1"/>
+                <adec:decorative xmlns="" xmlns:adec="http://schemas.microsoft.com/office/drawing/2017/decorative" val="1"/>
               </a:ext>
             </a:extLst>
           </p:cNvPr>
@@ -7515,7 +7517,7 @@
           <p:nvPr>
             <p:extLst>
               <p:ext uri="{386F3935-93C4-4BCD-93E2-E3B085C9AB24}">
-                <p16:designElem xmlns:p16="http://schemas.microsoft.com/office/powerpoint/2015/main" xmlns="" val="1"/>
+                <p16:designElem xmlns="" xmlns:p16="http://schemas.microsoft.com/office/powerpoint/2015/main" val="1"/>
               </p:ext>
             </p:extLst>
           </p:nvPr>
@@ -7562,7 +7564,7 @@
           <p:cNvPr id="4" name="Footer Placeholder 3">
             <a:extLst>
               <a:ext uri="{FF2B5EF4-FFF2-40B4-BE49-F238E27FC236}">
-                <a16:creationId xmlns:a16="http://schemas.microsoft.com/office/drawing/2014/main" xmlns="" id="{38DF41E2-F088-4BAC-AD22-E3A9A65040A5}"/>
+                <a16:creationId xmlns="" xmlns:a16="http://schemas.microsoft.com/office/drawing/2014/main" id="{38DF41E2-F088-4BAC-AD22-E3A9A65040A5}"/>
               </a:ext>
             </a:extLst>
           </p:cNvPr>
@@ -7612,10 +7614,10 @@
           <p:cNvPr id="81" name="Snip Diagonal Corner Rectangle 24">
             <a:extLst>
               <a:ext uri="{FF2B5EF4-FFF2-40B4-BE49-F238E27FC236}">
-                <a16:creationId xmlns:a16="http://schemas.microsoft.com/office/drawing/2014/main" xmlns="" id="{D2CF1D1B-04ED-443D-A9FE-68BF8859BDD6}"/>
+                <a16:creationId xmlns="" xmlns:a16="http://schemas.microsoft.com/office/drawing/2014/main" id="{D2CF1D1B-04ED-443D-A9FE-68BF8859BDD6}"/>
               </a:ext>
               <a:ext uri="{C183D7F6-B498-43B3-948B-1728B52AA6E4}">
-                <adec:decorative xmlns:adec="http://schemas.microsoft.com/office/drawing/2017/decorative" xmlns="" val="1"/>
+                <adec:decorative xmlns="" xmlns:adec="http://schemas.microsoft.com/office/drawing/2017/decorative" val="1"/>
               </a:ext>
             </a:extLst>
           </p:cNvPr>
@@ -7625,7 +7627,7 @@
           <p:nvPr>
             <p:extLst>
               <p:ext uri="{386F3935-93C4-4BCD-93E2-E3B085C9AB24}">
-                <p16:designElem xmlns:p16="http://schemas.microsoft.com/office/powerpoint/2015/main" xmlns="" val="1"/>
+                <p16:designElem xmlns="" xmlns:p16="http://schemas.microsoft.com/office/powerpoint/2015/main" val="1"/>
               </p:ext>
             </p:extLst>
           </p:nvPr>
@@ -7685,7 +7687,7 @@
           <p:cNvPr id="12293" name="Picture 2" descr="Forms response chart. Question title: Each hole located on the left-hand side of the lettering guide is spaced apart by how many inches?. Number of responses: 13 / 14 correct responses.">
             <a:extLst>
               <a:ext uri="{FF2B5EF4-FFF2-40B4-BE49-F238E27FC236}">
-                <a16:creationId xmlns:a16="http://schemas.microsoft.com/office/drawing/2014/main" xmlns="" id="{414C191C-6BA9-4F0A-9024-B5AF7D0225DE}"/>
+                <a16:creationId xmlns="" xmlns:a16="http://schemas.microsoft.com/office/drawing/2014/main" id="{414C191C-6BA9-4F0A-9024-B5AF7D0225DE}"/>
               </a:ext>
             </a:extLst>
           </p:cNvPr>
@@ -7860,10 +7862,10 @@
           <p:cNvPr id="72" name="Group 71">
             <a:extLst>
               <a:ext uri="{FF2B5EF4-FFF2-40B4-BE49-F238E27FC236}">
-                <a16:creationId xmlns:a16="http://schemas.microsoft.com/office/drawing/2014/main" xmlns="" id="{2103B461-323C-4912-BFFD-C37582662085}"/>
+                <a16:creationId xmlns="" xmlns:a16="http://schemas.microsoft.com/office/drawing/2014/main" id="{2103B461-323C-4912-BFFD-C37582662085}"/>
               </a:ext>
               <a:ext uri="{C183D7F6-B498-43B3-948B-1728B52AA6E4}">
-                <adec:decorative xmlns:adec="http://schemas.microsoft.com/office/drawing/2017/decorative" xmlns="" val="1"/>
+                <adec:decorative xmlns="" xmlns:adec="http://schemas.microsoft.com/office/drawing/2017/decorative" val="1"/>
               </a:ext>
             </a:extLst>
           </p:cNvPr>
@@ -7873,7 +7875,7 @@
           <p:nvPr>
             <p:extLst>
               <p:ext uri="{386F3935-93C4-4BCD-93E2-E3B085C9AB24}">
-                <p16:designElem xmlns:p16="http://schemas.microsoft.com/office/powerpoint/2015/main" xmlns="" val="1"/>
+                <p16:designElem xmlns="" xmlns:p16="http://schemas.microsoft.com/office/powerpoint/2015/main" val="1"/>
               </p:ext>
             </p:extLst>
           </p:nvPr>
@@ -7891,10 +7893,10 @@
             <p:cNvPr id="73" name="Straight Connector 72">
               <a:extLst>
                 <a:ext uri="{FF2B5EF4-FFF2-40B4-BE49-F238E27FC236}">
-                  <a16:creationId xmlns:a16="http://schemas.microsoft.com/office/drawing/2014/main" xmlns="" id="{FBC21318-F4F4-4524-95D1-6B7FE0A788A3}"/>
+                  <a16:creationId xmlns="" xmlns:a16="http://schemas.microsoft.com/office/drawing/2014/main" id="{FBC21318-F4F4-4524-95D1-6B7FE0A788A3}"/>
                 </a:ext>
                 <a:ext uri="{C183D7F6-B498-43B3-948B-1728B52AA6E4}">
-                  <adec:decorative xmlns:adec="http://schemas.microsoft.com/office/drawing/2017/decorative" xmlns="" val="1"/>
+                  <adec:decorative xmlns="" xmlns:adec="http://schemas.microsoft.com/office/drawing/2017/decorative" val="1"/>
                 </a:ext>
               </a:extLst>
             </p:cNvPr>
@@ -7902,7 +7904,7 @@
             <p:nvPr>
               <p:extLst>
                 <p:ext uri="{386F3935-93C4-4BCD-93E2-E3B085C9AB24}">
-                  <p16:designElem xmlns:p16="http://schemas.microsoft.com/office/powerpoint/2015/main" xmlns="" val="1"/>
+                  <p16:designElem xmlns="" xmlns:p16="http://schemas.microsoft.com/office/powerpoint/2015/main" val="1"/>
                 </p:ext>
               </p:extLst>
             </p:nvPr>
@@ -7941,10 +7943,10 @@
             <p:cNvPr id="74" name="Straight Connector 73">
               <a:extLst>
                 <a:ext uri="{FF2B5EF4-FFF2-40B4-BE49-F238E27FC236}">
-                  <a16:creationId xmlns:a16="http://schemas.microsoft.com/office/drawing/2014/main" xmlns="" id="{D9FFA8E5-974F-409E-89C6-E185BD90933C}"/>
+                  <a16:creationId xmlns="" xmlns:a16="http://schemas.microsoft.com/office/drawing/2014/main" id="{D9FFA8E5-974F-409E-89C6-E185BD90933C}"/>
                 </a:ext>
                 <a:ext uri="{C183D7F6-B498-43B3-948B-1728B52AA6E4}">
-                  <adec:decorative xmlns:adec="http://schemas.microsoft.com/office/drawing/2017/decorative" xmlns="" val="1"/>
+                  <adec:decorative xmlns="" xmlns:adec="http://schemas.microsoft.com/office/drawing/2017/decorative" val="1"/>
                 </a:ext>
               </a:extLst>
             </p:cNvPr>
@@ -7952,7 +7954,7 @@
             <p:nvPr>
               <p:extLst>
                 <p:ext uri="{386F3935-93C4-4BCD-93E2-E3B085C9AB24}">
-                  <p16:designElem xmlns:p16="http://schemas.microsoft.com/office/powerpoint/2015/main" xmlns="" val="1"/>
+                  <p16:designElem xmlns="" xmlns:p16="http://schemas.microsoft.com/office/powerpoint/2015/main" val="1"/>
                 </p:ext>
               </p:extLst>
             </p:nvPr>
@@ -7991,10 +7993,10 @@
             <p:cNvPr id="75" name="Straight Connector 74">
               <a:extLst>
                 <a:ext uri="{FF2B5EF4-FFF2-40B4-BE49-F238E27FC236}">
-                  <a16:creationId xmlns:a16="http://schemas.microsoft.com/office/drawing/2014/main" xmlns="" id="{C384E2B1-7008-45EE-9F2E-FEF3A089780F}"/>
+                  <a16:creationId xmlns="" xmlns:a16="http://schemas.microsoft.com/office/drawing/2014/main" id="{C384E2B1-7008-45EE-9F2E-FEF3A089780F}"/>
                 </a:ext>
                 <a:ext uri="{C183D7F6-B498-43B3-948B-1728B52AA6E4}">
-                  <adec:decorative xmlns:adec="http://schemas.microsoft.com/office/drawing/2017/decorative" xmlns="" val="1"/>
+                  <adec:decorative xmlns="" xmlns:adec="http://schemas.microsoft.com/office/drawing/2017/decorative" val="1"/>
                 </a:ext>
               </a:extLst>
             </p:cNvPr>
@@ -8002,7 +8004,7 @@
             <p:nvPr>
               <p:extLst>
                 <p:ext uri="{386F3935-93C4-4BCD-93E2-E3B085C9AB24}">
-                  <p16:designElem xmlns:p16="http://schemas.microsoft.com/office/powerpoint/2015/main" xmlns="" val="1"/>
+                  <p16:designElem xmlns="" xmlns:p16="http://schemas.microsoft.com/office/powerpoint/2015/main" val="1"/>
                 </p:ext>
               </p:extLst>
             </p:nvPr>
@@ -8041,10 +8043,10 @@
             <p:cNvPr id="76" name="Straight Connector 75">
               <a:extLst>
                 <a:ext uri="{FF2B5EF4-FFF2-40B4-BE49-F238E27FC236}">
-                  <a16:creationId xmlns:a16="http://schemas.microsoft.com/office/drawing/2014/main" xmlns="" id="{D4563410-7FE9-4955-89C6-0FB9326CD3A8}"/>
+                  <a16:creationId xmlns="" xmlns:a16="http://schemas.microsoft.com/office/drawing/2014/main" id="{D4563410-7FE9-4955-89C6-0FB9326CD3A8}"/>
                 </a:ext>
                 <a:ext uri="{C183D7F6-B498-43B3-948B-1728B52AA6E4}">
-                  <adec:decorative xmlns:adec="http://schemas.microsoft.com/office/drawing/2017/decorative" xmlns="" val="1"/>
+                  <adec:decorative xmlns="" xmlns:adec="http://schemas.microsoft.com/office/drawing/2017/decorative" val="1"/>
                 </a:ext>
               </a:extLst>
             </p:cNvPr>
@@ -8052,7 +8054,7 @@
             <p:nvPr>
               <p:extLst>
                 <p:ext uri="{386F3935-93C4-4BCD-93E2-E3B085C9AB24}">
-                  <p16:designElem xmlns:p16="http://schemas.microsoft.com/office/powerpoint/2015/main" xmlns="" val="1"/>
+                  <p16:designElem xmlns="" xmlns:p16="http://schemas.microsoft.com/office/powerpoint/2015/main" val="1"/>
                 </p:ext>
               </p:extLst>
             </p:nvPr>
@@ -8091,10 +8093,10 @@
             <p:cNvPr id="77" name="Straight Connector 76">
               <a:extLst>
                 <a:ext uri="{FF2B5EF4-FFF2-40B4-BE49-F238E27FC236}">
-                  <a16:creationId xmlns:a16="http://schemas.microsoft.com/office/drawing/2014/main" xmlns="" id="{3AD14C0E-D5DF-4BDC-BD92-642CFF18018D}"/>
+                  <a16:creationId xmlns="" xmlns:a16="http://schemas.microsoft.com/office/drawing/2014/main" id="{3AD14C0E-D5DF-4BDC-BD92-642CFF18018D}"/>
                 </a:ext>
                 <a:ext uri="{C183D7F6-B498-43B3-948B-1728B52AA6E4}">
-                  <adec:decorative xmlns:adec="http://schemas.microsoft.com/office/drawing/2017/decorative" xmlns="" val="1"/>
+                  <adec:decorative xmlns="" xmlns:adec="http://schemas.microsoft.com/office/drawing/2017/decorative" val="1"/>
                 </a:ext>
               </a:extLst>
             </p:cNvPr>
@@ -8102,7 +8104,7 @@
             <p:nvPr>
               <p:extLst>
                 <p:ext uri="{386F3935-93C4-4BCD-93E2-E3B085C9AB24}">
-                  <p16:designElem xmlns:p16="http://schemas.microsoft.com/office/powerpoint/2015/main" xmlns="" val="1"/>
+                  <p16:designElem xmlns="" xmlns:p16="http://schemas.microsoft.com/office/powerpoint/2015/main" val="1"/>
                 </p:ext>
               </p:extLst>
             </p:nvPr>
@@ -8142,10 +8144,10 @@
           <p:cNvPr id="79" name="Rectangle 78">
             <a:extLst>
               <a:ext uri="{FF2B5EF4-FFF2-40B4-BE49-F238E27FC236}">
-                <a16:creationId xmlns:a16="http://schemas.microsoft.com/office/drawing/2014/main" xmlns="" id="{9A212F8F-D812-4A16-BE82-F3500DE32174}"/>
+                <a16:creationId xmlns="" xmlns:a16="http://schemas.microsoft.com/office/drawing/2014/main" id="{9A212F8F-D812-4A16-BE82-F3500DE32174}"/>
               </a:ext>
               <a:ext uri="{C183D7F6-B498-43B3-948B-1728B52AA6E4}">
-                <adec:decorative xmlns:adec="http://schemas.microsoft.com/office/drawing/2017/decorative" xmlns="" val="1"/>
+                <adec:decorative xmlns="" xmlns:adec="http://schemas.microsoft.com/office/drawing/2017/decorative" val="1"/>
               </a:ext>
             </a:extLst>
           </p:cNvPr>
@@ -8155,7 +8157,7 @@
           <p:nvPr>
             <p:extLst>
               <p:ext uri="{386F3935-93C4-4BCD-93E2-E3B085C9AB24}">
-                <p16:designElem xmlns:p16="http://schemas.microsoft.com/office/powerpoint/2015/main" xmlns="" val="1"/>
+                <p16:designElem xmlns="" xmlns:p16="http://schemas.microsoft.com/office/powerpoint/2015/main" val="1"/>
               </p:ext>
             </p:extLst>
           </p:nvPr>
@@ -8202,7 +8204,7 @@
           <p:cNvPr id="4" name="Footer Placeholder 3">
             <a:extLst>
               <a:ext uri="{FF2B5EF4-FFF2-40B4-BE49-F238E27FC236}">
-                <a16:creationId xmlns:a16="http://schemas.microsoft.com/office/drawing/2014/main" xmlns="" id="{34CE558B-7E70-4896-9D55-360998738964}"/>
+                <a16:creationId xmlns="" xmlns:a16="http://schemas.microsoft.com/office/drawing/2014/main" id="{34CE558B-7E70-4896-9D55-360998738964}"/>
               </a:ext>
             </a:extLst>
           </p:cNvPr>
@@ -8252,10 +8254,10 @@
           <p:cNvPr id="81" name="Snip Diagonal Corner Rectangle 24">
             <a:extLst>
               <a:ext uri="{FF2B5EF4-FFF2-40B4-BE49-F238E27FC236}">
-                <a16:creationId xmlns:a16="http://schemas.microsoft.com/office/drawing/2014/main" xmlns="" id="{D2CF1D1B-04ED-443D-A9FE-68BF8859BDD6}"/>
+                <a16:creationId xmlns="" xmlns:a16="http://schemas.microsoft.com/office/drawing/2014/main" id="{D2CF1D1B-04ED-443D-A9FE-68BF8859BDD6}"/>
               </a:ext>
               <a:ext uri="{C183D7F6-B498-43B3-948B-1728B52AA6E4}">
-                <adec:decorative xmlns:adec="http://schemas.microsoft.com/office/drawing/2017/decorative" xmlns="" val="1"/>
+                <adec:decorative xmlns="" xmlns:adec="http://schemas.microsoft.com/office/drawing/2017/decorative" val="1"/>
               </a:ext>
             </a:extLst>
           </p:cNvPr>
@@ -8265,7 +8267,7 @@
           <p:nvPr>
             <p:extLst>
               <p:ext uri="{386F3935-93C4-4BCD-93E2-E3B085C9AB24}">
-                <p16:designElem xmlns:p16="http://schemas.microsoft.com/office/powerpoint/2015/main" xmlns="" val="1"/>
+                <p16:designElem xmlns="" xmlns:p16="http://schemas.microsoft.com/office/powerpoint/2015/main" val="1"/>
               </p:ext>
             </p:extLst>
           </p:nvPr>
@@ -8325,7 +8327,7 @@
           <p:cNvPr id="13317" name="Picture 2" descr="Forms response chart. Question title: On our Drawing #5 titled Lettering, the left-hand side section required letters at what height?. Number of responses: 10 / 14 correct responses.">
             <a:extLst>
               <a:ext uri="{FF2B5EF4-FFF2-40B4-BE49-F238E27FC236}">
-                <a16:creationId xmlns:a16="http://schemas.microsoft.com/office/drawing/2014/main" xmlns="" id="{F016F6C0-7BE6-4219-9F05-DEB7524DBFF3}"/>
+                <a16:creationId xmlns="" xmlns:a16="http://schemas.microsoft.com/office/drawing/2014/main" id="{F016F6C0-7BE6-4219-9F05-DEB7524DBFF3}"/>
               </a:ext>
             </a:extLst>
           </p:cNvPr>
@@ -8500,10 +8502,10 @@
           <p:cNvPr id="72" name="Group 71">
             <a:extLst>
               <a:ext uri="{FF2B5EF4-FFF2-40B4-BE49-F238E27FC236}">
-                <a16:creationId xmlns:a16="http://schemas.microsoft.com/office/drawing/2014/main" xmlns="" id="{2103B461-323C-4912-BFFD-C37582662085}"/>
+                <a16:creationId xmlns="" xmlns:a16="http://schemas.microsoft.com/office/drawing/2014/main" id="{2103B461-323C-4912-BFFD-C37582662085}"/>
               </a:ext>
               <a:ext uri="{C183D7F6-B498-43B3-948B-1728B52AA6E4}">
-                <adec:decorative xmlns:adec="http://schemas.microsoft.com/office/drawing/2017/decorative" xmlns="" val="1"/>
+                <adec:decorative xmlns="" xmlns:adec="http://schemas.microsoft.com/office/drawing/2017/decorative" val="1"/>
               </a:ext>
             </a:extLst>
           </p:cNvPr>
@@ -8513,7 +8515,7 @@
           <p:nvPr>
             <p:extLst>
               <p:ext uri="{386F3935-93C4-4BCD-93E2-E3B085C9AB24}">
-                <p16:designElem xmlns:p16="http://schemas.microsoft.com/office/powerpoint/2015/main" xmlns="" val="1"/>
+                <p16:designElem xmlns="" xmlns:p16="http://schemas.microsoft.com/office/powerpoint/2015/main" val="1"/>
               </p:ext>
             </p:extLst>
           </p:nvPr>
@@ -8531,10 +8533,10 @@
             <p:cNvPr id="73" name="Straight Connector 72">
               <a:extLst>
                 <a:ext uri="{FF2B5EF4-FFF2-40B4-BE49-F238E27FC236}">
-                  <a16:creationId xmlns:a16="http://schemas.microsoft.com/office/drawing/2014/main" xmlns="" id="{FBC21318-F4F4-4524-95D1-6B7FE0A788A3}"/>
+                  <a16:creationId xmlns="" xmlns:a16="http://schemas.microsoft.com/office/drawing/2014/main" id="{FBC21318-F4F4-4524-95D1-6B7FE0A788A3}"/>
                 </a:ext>
                 <a:ext uri="{C183D7F6-B498-43B3-948B-1728B52AA6E4}">
-                  <adec:decorative xmlns:adec="http://schemas.microsoft.com/office/drawing/2017/decorative" xmlns="" val="1"/>
+                  <adec:decorative xmlns="" xmlns:adec="http://schemas.microsoft.com/office/drawing/2017/decorative" val="1"/>
                 </a:ext>
               </a:extLst>
             </p:cNvPr>
@@ -8542,7 +8544,7 @@
             <p:nvPr>
               <p:extLst>
                 <p:ext uri="{386F3935-93C4-4BCD-93E2-E3B085C9AB24}">
-                  <p16:designElem xmlns:p16="http://schemas.microsoft.com/office/powerpoint/2015/main" xmlns="" val="1"/>
+                  <p16:designElem xmlns="" xmlns:p16="http://schemas.microsoft.com/office/powerpoint/2015/main" val="1"/>
                 </p:ext>
               </p:extLst>
             </p:nvPr>
@@ -8581,10 +8583,10 @@
             <p:cNvPr id="74" name="Straight Connector 73">
               <a:extLst>
                 <a:ext uri="{FF2B5EF4-FFF2-40B4-BE49-F238E27FC236}">
-                  <a16:creationId xmlns:a16="http://schemas.microsoft.com/office/drawing/2014/main" xmlns="" id="{D9FFA8E5-974F-409E-89C6-E185BD90933C}"/>
+                  <a16:creationId xmlns="" xmlns:a16="http://schemas.microsoft.com/office/drawing/2014/main" id="{D9FFA8E5-974F-409E-89C6-E185BD90933C}"/>
                 </a:ext>
                 <a:ext uri="{C183D7F6-B498-43B3-948B-1728B52AA6E4}">
-                  <adec:decorative xmlns:adec="http://schemas.microsoft.com/office/drawing/2017/decorative" xmlns="" val="1"/>
+                  <adec:decorative xmlns="" xmlns:adec="http://schemas.microsoft.com/office/drawing/2017/decorative" val="1"/>
                 </a:ext>
               </a:extLst>
             </p:cNvPr>
@@ -8592,7 +8594,7 @@
             <p:nvPr>
               <p:extLst>
                 <p:ext uri="{386F3935-93C4-4BCD-93E2-E3B085C9AB24}">
-                  <p16:designElem xmlns:p16="http://schemas.microsoft.com/office/powerpoint/2015/main" xmlns="" val="1"/>
+                  <p16:designElem xmlns="" xmlns:p16="http://schemas.microsoft.com/office/powerpoint/2015/main" val="1"/>
                 </p:ext>
               </p:extLst>
             </p:nvPr>
@@ -8631,10 +8633,10 @@
             <p:cNvPr id="75" name="Straight Connector 74">
               <a:extLst>
                 <a:ext uri="{FF2B5EF4-FFF2-40B4-BE49-F238E27FC236}">
-                  <a16:creationId xmlns:a16="http://schemas.microsoft.com/office/drawing/2014/main" xmlns="" id="{C384E2B1-7008-45EE-9F2E-FEF3A089780F}"/>
+                  <a16:creationId xmlns="" xmlns:a16="http://schemas.microsoft.com/office/drawing/2014/main" id="{C384E2B1-7008-45EE-9F2E-FEF3A089780F}"/>
                 </a:ext>
                 <a:ext uri="{C183D7F6-B498-43B3-948B-1728B52AA6E4}">
-                  <adec:decorative xmlns:adec="http://schemas.microsoft.com/office/drawing/2017/decorative" xmlns="" val="1"/>
+                  <adec:decorative xmlns="" xmlns:adec="http://schemas.microsoft.com/office/drawing/2017/decorative" val="1"/>
                 </a:ext>
               </a:extLst>
             </p:cNvPr>
@@ -8642,7 +8644,7 @@
             <p:nvPr>
               <p:extLst>
                 <p:ext uri="{386F3935-93C4-4BCD-93E2-E3B085C9AB24}">
-                  <p16:designElem xmlns:p16="http://schemas.microsoft.com/office/powerpoint/2015/main" xmlns="" val="1"/>
+                  <p16:designElem xmlns="" xmlns:p16="http://schemas.microsoft.com/office/powerpoint/2015/main" val="1"/>
                 </p:ext>
               </p:extLst>
             </p:nvPr>
@@ -8681,10 +8683,10 @@
             <p:cNvPr id="76" name="Straight Connector 75">
               <a:extLst>
                 <a:ext uri="{FF2B5EF4-FFF2-40B4-BE49-F238E27FC236}">
-                  <a16:creationId xmlns:a16="http://schemas.microsoft.com/office/drawing/2014/main" xmlns="" id="{D4563410-7FE9-4955-89C6-0FB9326CD3A8}"/>
+                  <a16:creationId xmlns="" xmlns:a16="http://schemas.microsoft.com/office/drawing/2014/main" id="{D4563410-7FE9-4955-89C6-0FB9326CD3A8}"/>
                 </a:ext>
                 <a:ext uri="{C183D7F6-B498-43B3-948B-1728B52AA6E4}">
-                  <adec:decorative xmlns:adec="http://schemas.microsoft.com/office/drawing/2017/decorative" xmlns="" val="1"/>
+                  <adec:decorative xmlns="" xmlns:adec="http://schemas.microsoft.com/office/drawing/2017/decorative" val="1"/>
                 </a:ext>
               </a:extLst>
             </p:cNvPr>
@@ -8692,7 +8694,7 @@
             <p:nvPr>
               <p:extLst>
                 <p:ext uri="{386F3935-93C4-4BCD-93E2-E3B085C9AB24}">
-                  <p16:designElem xmlns:p16="http://schemas.microsoft.com/office/powerpoint/2015/main" xmlns="" val="1"/>
+                  <p16:designElem xmlns="" xmlns:p16="http://schemas.microsoft.com/office/powerpoint/2015/main" val="1"/>
                 </p:ext>
               </p:extLst>
             </p:nvPr>
@@ -8731,10 +8733,10 @@
             <p:cNvPr id="77" name="Straight Connector 76">
               <a:extLst>
                 <a:ext uri="{FF2B5EF4-FFF2-40B4-BE49-F238E27FC236}">
-                  <a16:creationId xmlns:a16="http://schemas.microsoft.com/office/drawing/2014/main" xmlns="" id="{3AD14C0E-D5DF-4BDC-BD92-642CFF18018D}"/>
+                  <a16:creationId xmlns="" xmlns:a16="http://schemas.microsoft.com/office/drawing/2014/main" id="{3AD14C0E-D5DF-4BDC-BD92-642CFF18018D}"/>
                 </a:ext>
                 <a:ext uri="{C183D7F6-B498-43B3-948B-1728B52AA6E4}">
-                  <adec:decorative xmlns:adec="http://schemas.microsoft.com/office/drawing/2017/decorative" xmlns="" val="1"/>
+                  <adec:decorative xmlns="" xmlns:adec="http://schemas.microsoft.com/office/drawing/2017/decorative" val="1"/>
                 </a:ext>
               </a:extLst>
             </p:cNvPr>
@@ -8742,7 +8744,7 @@
             <p:nvPr>
               <p:extLst>
                 <p:ext uri="{386F3935-93C4-4BCD-93E2-E3B085C9AB24}">
-                  <p16:designElem xmlns:p16="http://schemas.microsoft.com/office/powerpoint/2015/main" xmlns="" val="1"/>
+                  <p16:designElem xmlns="" xmlns:p16="http://schemas.microsoft.com/office/powerpoint/2015/main" val="1"/>
                 </p:ext>
               </p:extLst>
             </p:nvPr>
@@ -8782,10 +8784,10 @@
           <p:cNvPr id="79" name="Rectangle 78">
             <a:extLst>
               <a:ext uri="{FF2B5EF4-FFF2-40B4-BE49-F238E27FC236}">
-                <a16:creationId xmlns:a16="http://schemas.microsoft.com/office/drawing/2014/main" xmlns="" id="{9A212F8F-D812-4A16-BE82-F3500DE32174}"/>
+                <a16:creationId xmlns="" xmlns:a16="http://schemas.microsoft.com/office/drawing/2014/main" id="{9A212F8F-D812-4A16-BE82-F3500DE32174}"/>
               </a:ext>
               <a:ext uri="{C183D7F6-B498-43B3-948B-1728B52AA6E4}">
-                <adec:decorative xmlns:adec="http://schemas.microsoft.com/office/drawing/2017/decorative" xmlns="" val="1"/>
+                <adec:decorative xmlns="" xmlns:adec="http://schemas.microsoft.com/office/drawing/2017/decorative" val="1"/>
               </a:ext>
             </a:extLst>
           </p:cNvPr>
@@ -8795,7 +8797,7 @@
           <p:nvPr>
             <p:extLst>
               <p:ext uri="{386F3935-93C4-4BCD-93E2-E3B085C9AB24}">
-                <p16:designElem xmlns:p16="http://schemas.microsoft.com/office/powerpoint/2015/main" xmlns="" val="1"/>
+                <p16:designElem xmlns="" xmlns:p16="http://schemas.microsoft.com/office/powerpoint/2015/main" val="1"/>
               </p:ext>
             </p:extLst>
           </p:nvPr>
@@ -8842,7 +8844,7 @@
           <p:cNvPr id="4" name="Footer Placeholder 3">
             <a:extLst>
               <a:ext uri="{FF2B5EF4-FFF2-40B4-BE49-F238E27FC236}">
-                <a16:creationId xmlns:a16="http://schemas.microsoft.com/office/drawing/2014/main" xmlns="" id="{BD74D8D4-0872-4ABC-BC1C-B9B30673A4C3}"/>
+                <a16:creationId xmlns="" xmlns:a16="http://schemas.microsoft.com/office/drawing/2014/main" id="{BD74D8D4-0872-4ABC-BC1C-B9B30673A4C3}"/>
               </a:ext>
             </a:extLst>
           </p:cNvPr>
@@ -8892,10 +8894,10 @@
           <p:cNvPr id="81" name="Snip Diagonal Corner Rectangle 24">
             <a:extLst>
               <a:ext uri="{FF2B5EF4-FFF2-40B4-BE49-F238E27FC236}">
-                <a16:creationId xmlns:a16="http://schemas.microsoft.com/office/drawing/2014/main" xmlns="" id="{D2CF1D1B-04ED-443D-A9FE-68BF8859BDD6}"/>
+                <a16:creationId xmlns="" xmlns:a16="http://schemas.microsoft.com/office/drawing/2014/main" id="{D2CF1D1B-04ED-443D-A9FE-68BF8859BDD6}"/>
               </a:ext>
               <a:ext uri="{C183D7F6-B498-43B3-948B-1728B52AA6E4}">
-                <adec:decorative xmlns:adec="http://schemas.microsoft.com/office/drawing/2017/decorative" xmlns="" val="1"/>
+                <adec:decorative xmlns="" xmlns:adec="http://schemas.microsoft.com/office/drawing/2017/decorative" val="1"/>
               </a:ext>
             </a:extLst>
           </p:cNvPr>
@@ -8905,7 +8907,7 @@
           <p:nvPr>
             <p:extLst>
               <p:ext uri="{386F3935-93C4-4BCD-93E2-E3B085C9AB24}">
-                <p16:designElem xmlns:p16="http://schemas.microsoft.com/office/powerpoint/2015/main" xmlns="" val="1"/>
+                <p16:designElem xmlns="" xmlns:p16="http://schemas.microsoft.com/office/powerpoint/2015/main" val="1"/>
               </p:ext>
             </p:extLst>
           </p:nvPr>
@@ -8965,7 +8967,7 @@
           <p:cNvPr id="14341" name="Picture 2" descr="Forms response chart. Question title: On our Drawing #5 titled Lettering, what scale was this drawing made at?. Number of responses: 6 / 14 correct responses.">
             <a:extLst>
               <a:ext uri="{FF2B5EF4-FFF2-40B4-BE49-F238E27FC236}">
-                <a16:creationId xmlns:a16="http://schemas.microsoft.com/office/drawing/2014/main" xmlns="" id="{C9648429-C74D-4AA5-AEB9-0870D15D3715}"/>
+                <a16:creationId xmlns="" xmlns:a16="http://schemas.microsoft.com/office/drawing/2014/main" id="{C9648429-C74D-4AA5-AEB9-0870D15D3715}"/>
               </a:ext>
             </a:extLst>
           </p:cNvPr>
@@ -9237,7 +9239,7 @@
           <p:cNvPr id="4" name="Footer Placeholder 3">
             <a:extLst>
               <a:ext uri="{FF2B5EF4-FFF2-40B4-BE49-F238E27FC236}">
-                <a16:creationId xmlns:a16="http://schemas.microsoft.com/office/drawing/2014/main" xmlns="" id="{EADFB87E-2A3F-4815-8F5E-3CF3521EBF24}"/>
+                <a16:creationId xmlns="" xmlns:a16="http://schemas.microsoft.com/office/drawing/2014/main" id="{EADFB87E-2A3F-4815-8F5E-3CF3521EBF24}"/>
               </a:ext>
             </a:extLst>
           </p:cNvPr>
@@ -9345,10 +9347,10 @@
           <p:cNvPr id="71" name="Group 70">
             <a:extLst>
               <a:ext uri="{FF2B5EF4-FFF2-40B4-BE49-F238E27FC236}">
-                <a16:creationId xmlns:a16="http://schemas.microsoft.com/office/drawing/2014/main" xmlns="" id="{2103B461-323C-4912-BFFD-C37582662085}"/>
+                <a16:creationId xmlns="" xmlns:a16="http://schemas.microsoft.com/office/drawing/2014/main" id="{2103B461-323C-4912-BFFD-C37582662085}"/>
               </a:ext>
               <a:ext uri="{C183D7F6-B498-43B3-948B-1728B52AA6E4}">
-                <adec:decorative xmlns:adec="http://schemas.microsoft.com/office/drawing/2017/decorative" xmlns="" val="1"/>
+                <adec:decorative xmlns="" xmlns:adec="http://schemas.microsoft.com/office/drawing/2017/decorative" val="1"/>
               </a:ext>
             </a:extLst>
           </p:cNvPr>
@@ -9358,7 +9360,7 @@
           <p:nvPr>
             <p:extLst>
               <p:ext uri="{386F3935-93C4-4BCD-93E2-E3B085C9AB24}">
-                <p16:designElem xmlns:p16="http://schemas.microsoft.com/office/powerpoint/2015/main" xmlns="" val="1"/>
+                <p16:designElem xmlns="" xmlns:p16="http://schemas.microsoft.com/office/powerpoint/2015/main" val="1"/>
               </p:ext>
             </p:extLst>
           </p:nvPr>
@@ -9376,10 +9378,10 @@
             <p:cNvPr id="72" name="Straight Connector 71">
               <a:extLst>
                 <a:ext uri="{FF2B5EF4-FFF2-40B4-BE49-F238E27FC236}">
-                  <a16:creationId xmlns:a16="http://schemas.microsoft.com/office/drawing/2014/main" xmlns="" id="{FBC21318-F4F4-4524-95D1-6B7FE0A788A3}"/>
+                  <a16:creationId xmlns="" xmlns:a16="http://schemas.microsoft.com/office/drawing/2014/main" id="{FBC21318-F4F4-4524-95D1-6B7FE0A788A3}"/>
                 </a:ext>
                 <a:ext uri="{C183D7F6-B498-43B3-948B-1728B52AA6E4}">
-                  <adec:decorative xmlns:adec="http://schemas.microsoft.com/office/drawing/2017/decorative" xmlns="" val="1"/>
+                  <adec:decorative xmlns="" xmlns:adec="http://schemas.microsoft.com/office/drawing/2017/decorative" val="1"/>
                 </a:ext>
               </a:extLst>
             </p:cNvPr>
@@ -9387,7 +9389,7 @@
             <p:nvPr>
               <p:extLst>
                 <p:ext uri="{386F3935-93C4-4BCD-93E2-E3B085C9AB24}">
-                  <p16:designElem xmlns:p16="http://schemas.microsoft.com/office/powerpoint/2015/main" xmlns="" val="1"/>
+                  <p16:designElem xmlns="" xmlns:p16="http://schemas.microsoft.com/office/powerpoint/2015/main" val="1"/>
                 </p:ext>
               </p:extLst>
             </p:nvPr>
@@ -9426,10 +9428,10 @@
             <p:cNvPr id="73" name="Straight Connector 72">
               <a:extLst>
                 <a:ext uri="{FF2B5EF4-FFF2-40B4-BE49-F238E27FC236}">
-                  <a16:creationId xmlns:a16="http://schemas.microsoft.com/office/drawing/2014/main" xmlns="" id="{D9FFA8E5-974F-409E-89C6-E185BD90933C}"/>
+                  <a16:creationId xmlns="" xmlns:a16="http://schemas.microsoft.com/office/drawing/2014/main" id="{D9FFA8E5-974F-409E-89C6-E185BD90933C}"/>
                 </a:ext>
                 <a:ext uri="{C183D7F6-B498-43B3-948B-1728B52AA6E4}">
-                  <adec:decorative xmlns:adec="http://schemas.microsoft.com/office/drawing/2017/decorative" xmlns="" val="1"/>
+                  <adec:decorative xmlns="" xmlns:adec="http://schemas.microsoft.com/office/drawing/2017/decorative" val="1"/>
                 </a:ext>
               </a:extLst>
             </p:cNvPr>
@@ -9437,7 +9439,7 @@
             <p:nvPr>
               <p:extLst>
                 <p:ext uri="{386F3935-93C4-4BCD-93E2-E3B085C9AB24}">
-                  <p16:designElem xmlns:p16="http://schemas.microsoft.com/office/powerpoint/2015/main" xmlns="" val="1"/>
+                  <p16:designElem xmlns="" xmlns:p16="http://schemas.microsoft.com/office/powerpoint/2015/main" val="1"/>
                 </p:ext>
               </p:extLst>
             </p:nvPr>
@@ -9476,10 +9478,10 @@
             <p:cNvPr id="74" name="Straight Connector 73">
               <a:extLst>
                 <a:ext uri="{FF2B5EF4-FFF2-40B4-BE49-F238E27FC236}">
-                  <a16:creationId xmlns:a16="http://schemas.microsoft.com/office/drawing/2014/main" xmlns="" id="{C384E2B1-7008-45EE-9F2E-FEF3A089780F}"/>
+                  <a16:creationId xmlns="" xmlns:a16="http://schemas.microsoft.com/office/drawing/2014/main" id="{C384E2B1-7008-45EE-9F2E-FEF3A089780F}"/>
                 </a:ext>
                 <a:ext uri="{C183D7F6-B498-43B3-948B-1728B52AA6E4}">
-                  <adec:decorative xmlns:adec="http://schemas.microsoft.com/office/drawing/2017/decorative" xmlns="" val="1"/>
+                  <adec:decorative xmlns="" xmlns:adec="http://schemas.microsoft.com/office/drawing/2017/decorative" val="1"/>
                 </a:ext>
               </a:extLst>
             </p:cNvPr>
@@ -9487,7 +9489,7 @@
             <p:nvPr>
               <p:extLst>
                 <p:ext uri="{386F3935-93C4-4BCD-93E2-E3B085C9AB24}">
-                  <p16:designElem xmlns:p16="http://schemas.microsoft.com/office/powerpoint/2015/main" xmlns="" val="1"/>
+                  <p16:designElem xmlns="" xmlns:p16="http://schemas.microsoft.com/office/powerpoint/2015/main" val="1"/>
                 </p:ext>
               </p:extLst>
             </p:nvPr>
@@ -9526,10 +9528,10 @@
             <p:cNvPr id="75" name="Straight Connector 74">
               <a:extLst>
                 <a:ext uri="{FF2B5EF4-FFF2-40B4-BE49-F238E27FC236}">
-                  <a16:creationId xmlns:a16="http://schemas.microsoft.com/office/drawing/2014/main" xmlns="" id="{D4563410-7FE9-4955-89C6-0FB9326CD3A8}"/>
+                  <a16:creationId xmlns="" xmlns:a16="http://schemas.microsoft.com/office/drawing/2014/main" id="{D4563410-7FE9-4955-89C6-0FB9326CD3A8}"/>
                 </a:ext>
                 <a:ext uri="{C183D7F6-B498-43B3-948B-1728B52AA6E4}">
-                  <adec:decorative xmlns:adec="http://schemas.microsoft.com/office/drawing/2017/decorative" xmlns="" val="1"/>
+                  <adec:decorative xmlns="" xmlns:adec="http://schemas.microsoft.com/office/drawing/2017/decorative" val="1"/>
                 </a:ext>
               </a:extLst>
             </p:cNvPr>
@@ -9537,7 +9539,7 @@
             <p:nvPr>
               <p:extLst>
                 <p:ext uri="{386F3935-93C4-4BCD-93E2-E3B085C9AB24}">
-                  <p16:designElem xmlns:p16="http://schemas.microsoft.com/office/powerpoint/2015/main" xmlns="" val="1"/>
+                  <p16:designElem xmlns="" xmlns:p16="http://schemas.microsoft.com/office/powerpoint/2015/main" val="1"/>
                 </p:ext>
               </p:extLst>
             </p:nvPr>
@@ -9576,10 +9578,10 @@
             <p:cNvPr id="76" name="Straight Connector 75">
               <a:extLst>
                 <a:ext uri="{FF2B5EF4-FFF2-40B4-BE49-F238E27FC236}">
-                  <a16:creationId xmlns:a16="http://schemas.microsoft.com/office/drawing/2014/main" xmlns="" id="{3AD14C0E-D5DF-4BDC-BD92-642CFF18018D}"/>
+                  <a16:creationId xmlns="" xmlns:a16="http://schemas.microsoft.com/office/drawing/2014/main" id="{3AD14C0E-D5DF-4BDC-BD92-642CFF18018D}"/>
                 </a:ext>
                 <a:ext uri="{C183D7F6-B498-43B3-948B-1728B52AA6E4}">
-                  <adec:decorative xmlns:adec="http://schemas.microsoft.com/office/drawing/2017/decorative" xmlns="" val="1"/>
+                  <adec:decorative xmlns="" xmlns:adec="http://schemas.microsoft.com/office/drawing/2017/decorative" val="1"/>
                 </a:ext>
               </a:extLst>
             </p:cNvPr>
@@ -9587,7 +9589,7 @@
             <p:nvPr>
               <p:extLst>
                 <p:ext uri="{386F3935-93C4-4BCD-93E2-E3B085C9AB24}">
-                  <p16:designElem xmlns:p16="http://schemas.microsoft.com/office/powerpoint/2015/main" xmlns="" val="1"/>
+                  <p16:designElem xmlns="" xmlns:p16="http://schemas.microsoft.com/office/powerpoint/2015/main" val="1"/>
                 </p:ext>
               </p:extLst>
             </p:nvPr>
@@ -9627,10 +9629,10 @@
           <p:cNvPr id="78" name="Rectangle 77">
             <a:extLst>
               <a:ext uri="{FF2B5EF4-FFF2-40B4-BE49-F238E27FC236}">
-                <a16:creationId xmlns:a16="http://schemas.microsoft.com/office/drawing/2014/main" xmlns="" id="{9A212F8F-D812-4A16-BE82-F3500DE32174}"/>
+                <a16:creationId xmlns="" xmlns:a16="http://schemas.microsoft.com/office/drawing/2014/main" id="{9A212F8F-D812-4A16-BE82-F3500DE32174}"/>
               </a:ext>
               <a:ext uri="{C183D7F6-B498-43B3-948B-1728B52AA6E4}">
-                <adec:decorative xmlns:adec="http://schemas.microsoft.com/office/drawing/2017/decorative" xmlns="" val="1"/>
+                <adec:decorative xmlns="" xmlns:adec="http://schemas.microsoft.com/office/drawing/2017/decorative" val="1"/>
               </a:ext>
             </a:extLst>
           </p:cNvPr>
@@ -9640,7 +9642,7 @@
           <p:nvPr>
             <p:extLst>
               <p:ext uri="{386F3935-93C4-4BCD-93E2-E3B085C9AB24}">
-                <p16:designElem xmlns:p16="http://schemas.microsoft.com/office/powerpoint/2015/main" xmlns="" val="1"/>
+                <p16:designElem xmlns="" xmlns:p16="http://schemas.microsoft.com/office/powerpoint/2015/main" val="1"/>
               </p:ext>
             </p:extLst>
           </p:nvPr>
@@ -9687,7 +9689,7 @@
           <p:cNvPr id="4" name="Footer Placeholder 3">
             <a:extLst>
               <a:ext uri="{FF2B5EF4-FFF2-40B4-BE49-F238E27FC236}">
-                <a16:creationId xmlns:a16="http://schemas.microsoft.com/office/drawing/2014/main" xmlns="" id="{1A13F9D0-A26E-47FF-9732-AD6BC7F334E0}"/>
+                <a16:creationId xmlns="" xmlns:a16="http://schemas.microsoft.com/office/drawing/2014/main" id="{1A13F9D0-A26E-47FF-9732-AD6BC7F334E0}"/>
               </a:ext>
             </a:extLst>
           </p:cNvPr>
@@ -9737,10 +9739,10 @@
           <p:cNvPr id="80" name="Snip Diagonal Corner Rectangle 24">
             <a:extLst>
               <a:ext uri="{FF2B5EF4-FFF2-40B4-BE49-F238E27FC236}">
-                <a16:creationId xmlns:a16="http://schemas.microsoft.com/office/drawing/2014/main" xmlns="" id="{D2CF1D1B-04ED-443D-A9FE-68BF8859BDD6}"/>
+                <a16:creationId xmlns="" xmlns:a16="http://schemas.microsoft.com/office/drawing/2014/main" id="{D2CF1D1B-04ED-443D-A9FE-68BF8859BDD6}"/>
               </a:ext>
               <a:ext uri="{C183D7F6-B498-43B3-948B-1728B52AA6E4}">
-                <adec:decorative xmlns:adec="http://schemas.microsoft.com/office/drawing/2017/decorative" xmlns="" val="1"/>
+                <adec:decorative xmlns="" xmlns:adec="http://schemas.microsoft.com/office/drawing/2017/decorative" val="1"/>
               </a:ext>
             </a:extLst>
           </p:cNvPr>
@@ -9750,7 +9752,7 @@
           <p:nvPr>
             <p:extLst>
               <p:ext uri="{386F3935-93C4-4BCD-93E2-E3B085C9AB24}">
-                <p16:designElem xmlns:p16="http://schemas.microsoft.com/office/powerpoint/2015/main" xmlns="" val="1"/>
+                <p16:designElem xmlns="" xmlns:p16="http://schemas.microsoft.com/office/powerpoint/2015/main" val="1"/>
               </p:ext>
             </p:extLst>
           </p:nvPr>
@@ -9810,7 +9812,7 @@
           <p:cNvPr id="1026" name="Picture 2" descr="Image result for alphabet of lines">
             <a:extLst>
               <a:ext uri="{FF2B5EF4-FFF2-40B4-BE49-F238E27FC236}">
-                <a16:creationId xmlns:a16="http://schemas.microsoft.com/office/drawing/2014/main" xmlns="" id="{12A57023-52B4-47CC-8A57-323171CE01C1}"/>
+                <a16:creationId xmlns="" xmlns:a16="http://schemas.microsoft.com/office/drawing/2014/main" id="{12A57023-52B4-47CC-8A57-323171CE01C1}"/>
               </a:ext>
             </a:extLst>
           </p:cNvPr>
@@ -9958,7 +9960,7 @@
           <p:cNvPr id="3" name="Title 2">
             <a:extLst>
               <a:ext uri="{FF2B5EF4-FFF2-40B4-BE49-F238E27FC236}">
-                <a16:creationId xmlns:a16="http://schemas.microsoft.com/office/drawing/2014/main" xmlns="" id="{1D0AAD2F-BFCC-4A49-9DBA-E53A3C7F68BC}"/>
+                <a16:creationId xmlns="" xmlns:a16="http://schemas.microsoft.com/office/drawing/2014/main" id="{1D0AAD2F-BFCC-4A49-9DBA-E53A3C7F68BC}"/>
               </a:ext>
             </a:extLst>
           </p:cNvPr>
@@ -9986,7 +9988,7 @@
           <p:cNvPr id="4" name="Content Placeholder 3">
             <a:extLst>
               <a:ext uri="{FF2B5EF4-FFF2-40B4-BE49-F238E27FC236}">
-                <a16:creationId xmlns:a16="http://schemas.microsoft.com/office/drawing/2014/main" xmlns="" id="{B14F2403-6C75-46F0-8A7B-4068277643E3}"/>
+                <a16:creationId xmlns="" xmlns:a16="http://schemas.microsoft.com/office/drawing/2014/main" id="{B14F2403-6C75-46F0-8A7B-4068277643E3}"/>
               </a:ext>
             </a:extLst>
           </p:cNvPr>
@@ -10032,7 +10034,7 @@
           <p:cNvPr id="2" name="Footer Placeholder 1">
             <a:extLst>
               <a:ext uri="{FF2B5EF4-FFF2-40B4-BE49-F238E27FC236}">
-                <a16:creationId xmlns:a16="http://schemas.microsoft.com/office/drawing/2014/main" xmlns="" id="{553CAEDC-0A73-46A2-B721-D8F49351B4A7}"/>
+                <a16:creationId xmlns="" xmlns:a16="http://schemas.microsoft.com/office/drawing/2014/main" id="{553CAEDC-0A73-46A2-B721-D8F49351B4A7}"/>
               </a:ext>
             </a:extLst>
           </p:cNvPr>
@@ -10128,10 +10130,10 @@
           <p:cNvPr id="71" name="Group 70">
             <a:extLst>
               <a:ext uri="{FF2B5EF4-FFF2-40B4-BE49-F238E27FC236}">
-                <a16:creationId xmlns:a16="http://schemas.microsoft.com/office/drawing/2014/main" xmlns="" id="{2103B461-323C-4912-BFFD-C37582662085}"/>
+                <a16:creationId xmlns="" xmlns:a16="http://schemas.microsoft.com/office/drawing/2014/main" id="{2103B461-323C-4912-BFFD-C37582662085}"/>
               </a:ext>
               <a:ext uri="{C183D7F6-B498-43B3-948B-1728B52AA6E4}">
-                <adec:decorative xmlns:adec="http://schemas.microsoft.com/office/drawing/2017/decorative" xmlns="" val="1"/>
+                <adec:decorative xmlns="" xmlns:adec="http://schemas.microsoft.com/office/drawing/2017/decorative" val="1"/>
               </a:ext>
             </a:extLst>
           </p:cNvPr>
@@ -10141,7 +10143,7 @@
           <p:nvPr>
             <p:extLst>
               <p:ext uri="{386F3935-93C4-4BCD-93E2-E3B085C9AB24}">
-                <p16:designElem xmlns:p16="http://schemas.microsoft.com/office/powerpoint/2015/main" xmlns="" val="1"/>
+                <p16:designElem xmlns="" xmlns:p16="http://schemas.microsoft.com/office/powerpoint/2015/main" val="1"/>
               </p:ext>
             </p:extLst>
           </p:nvPr>
@@ -10159,10 +10161,10 @@
             <p:cNvPr id="72" name="Straight Connector 71">
               <a:extLst>
                 <a:ext uri="{FF2B5EF4-FFF2-40B4-BE49-F238E27FC236}">
-                  <a16:creationId xmlns:a16="http://schemas.microsoft.com/office/drawing/2014/main" xmlns="" id="{FBC21318-F4F4-4524-95D1-6B7FE0A788A3}"/>
+                  <a16:creationId xmlns="" xmlns:a16="http://schemas.microsoft.com/office/drawing/2014/main" id="{FBC21318-F4F4-4524-95D1-6B7FE0A788A3}"/>
                 </a:ext>
                 <a:ext uri="{C183D7F6-B498-43B3-948B-1728B52AA6E4}">
-                  <adec:decorative xmlns:adec="http://schemas.microsoft.com/office/drawing/2017/decorative" xmlns="" val="1"/>
+                  <adec:decorative xmlns="" xmlns:adec="http://schemas.microsoft.com/office/drawing/2017/decorative" val="1"/>
                 </a:ext>
               </a:extLst>
             </p:cNvPr>
@@ -10170,7 +10172,7 @@
             <p:nvPr>
               <p:extLst>
                 <p:ext uri="{386F3935-93C4-4BCD-93E2-E3B085C9AB24}">
-                  <p16:designElem xmlns:p16="http://schemas.microsoft.com/office/powerpoint/2015/main" xmlns="" val="1"/>
+                  <p16:designElem xmlns="" xmlns:p16="http://schemas.microsoft.com/office/powerpoint/2015/main" val="1"/>
                 </p:ext>
               </p:extLst>
             </p:nvPr>
@@ -10209,10 +10211,10 @@
             <p:cNvPr id="73" name="Straight Connector 72">
               <a:extLst>
                 <a:ext uri="{FF2B5EF4-FFF2-40B4-BE49-F238E27FC236}">
-                  <a16:creationId xmlns:a16="http://schemas.microsoft.com/office/drawing/2014/main" xmlns="" id="{D9FFA8E5-974F-409E-89C6-E185BD90933C}"/>
+                  <a16:creationId xmlns="" xmlns:a16="http://schemas.microsoft.com/office/drawing/2014/main" id="{D9FFA8E5-974F-409E-89C6-E185BD90933C}"/>
                 </a:ext>
                 <a:ext uri="{C183D7F6-B498-43B3-948B-1728B52AA6E4}">
-                  <adec:decorative xmlns:adec="http://schemas.microsoft.com/office/drawing/2017/decorative" xmlns="" val="1"/>
+                  <adec:decorative xmlns="" xmlns:adec="http://schemas.microsoft.com/office/drawing/2017/decorative" val="1"/>
                 </a:ext>
               </a:extLst>
             </p:cNvPr>
@@ -10220,7 +10222,7 @@
             <p:nvPr>
               <p:extLst>
                 <p:ext uri="{386F3935-93C4-4BCD-93E2-E3B085C9AB24}">
-                  <p16:designElem xmlns:p16="http://schemas.microsoft.com/office/powerpoint/2015/main" xmlns="" val="1"/>
+                  <p16:designElem xmlns="" xmlns:p16="http://schemas.microsoft.com/office/powerpoint/2015/main" val="1"/>
                 </p:ext>
               </p:extLst>
             </p:nvPr>
@@ -10259,10 +10261,10 @@
             <p:cNvPr id="74" name="Straight Connector 73">
               <a:extLst>
                 <a:ext uri="{FF2B5EF4-FFF2-40B4-BE49-F238E27FC236}">
-                  <a16:creationId xmlns:a16="http://schemas.microsoft.com/office/drawing/2014/main" xmlns="" id="{C384E2B1-7008-45EE-9F2E-FEF3A089780F}"/>
+                  <a16:creationId xmlns="" xmlns:a16="http://schemas.microsoft.com/office/drawing/2014/main" id="{C384E2B1-7008-45EE-9F2E-FEF3A089780F}"/>
                 </a:ext>
                 <a:ext uri="{C183D7F6-B498-43B3-948B-1728B52AA6E4}">
-                  <adec:decorative xmlns:adec="http://schemas.microsoft.com/office/drawing/2017/decorative" xmlns="" val="1"/>
+                  <adec:decorative xmlns="" xmlns:adec="http://schemas.microsoft.com/office/drawing/2017/decorative" val="1"/>
                 </a:ext>
               </a:extLst>
             </p:cNvPr>
@@ -10270,7 +10272,7 @@
             <p:nvPr>
               <p:extLst>
                 <p:ext uri="{386F3935-93C4-4BCD-93E2-E3B085C9AB24}">
-                  <p16:designElem xmlns:p16="http://schemas.microsoft.com/office/powerpoint/2015/main" xmlns="" val="1"/>
+                  <p16:designElem xmlns="" xmlns:p16="http://schemas.microsoft.com/office/powerpoint/2015/main" val="1"/>
                 </p:ext>
               </p:extLst>
             </p:nvPr>
@@ -10309,10 +10311,10 @@
             <p:cNvPr id="75" name="Straight Connector 74">
               <a:extLst>
                 <a:ext uri="{FF2B5EF4-FFF2-40B4-BE49-F238E27FC236}">
-                  <a16:creationId xmlns:a16="http://schemas.microsoft.com/office/drawing/2014/main" xmlns="" id="{D4563410-7FE9-4955-89C6-0FB9326CD3A8}"/>
+                  <a16:creationId xmlns="" xmlns:a16="http://schemas.microsoft.com/office/drawing/2014/main" id="{D4563410-7FE9-4955-89C6-0FB9326CD3A8}"/>
                 </a:ext>
                 <a:ext uri="{C183D7F6-B498-43B3-948B-1728B52AA6E4}">
-                  <adec:decorative xmlns:adec="http://schemas.microsoft.com/office/drawing/2017/decorative" xmlns="" val="1"/>
+                  <adec:decorative xmlns="" xmlns:adec="http://schemas.microsoft.com/office/drawing/2017/decorative" val="1"/>
                 </a:ext>
               </a:extLst>
             </p:cNvPr>
@@ -10320,7 +10322,7 @@
             <p:nvPr>
               <p:extLst>
                 <p:ext uri="{386F3935-93C4-4BCD-93E2-E3B085C9AB24}">
-                  <p16:designElem xmlns:p16="http://schemas.microsoft.com/office/powerpoint/2015/main" xmlns="" val="1"/>
+                  <p16:designElem xmlns="" xmlns:p16="http://schemas.microsoft.com/office/powerpoint/2015/main" val="1"/>
                 </p:ext>
               </p:extLst>
             </p:nvPr>
@@ -10359,10 +10361,10 @@
             <p:cNvPr id="76" name="Straight Connector 75">
               <a:extLst>
                 <a:ext uri="{FF2B5EF4-FFF2-40B4-BE49-F238E27FC236}">
-                  <a16:creationId xmlns:a16="http://schemas.microsoft.com/office/drawing/2014/main" xmlns="" id="{3AD14C0E-D5DF-4BDC-BD92-642CFF18018D}"/>
+                  <a16:creationId xmlns="" xmlns:a16="http://schemas.microsoft.com/office/drawing/2014/main" id="{3AD14C0E-D5DF-4BDC-BD92-642CFF18018D}"/>
                 </a:ext>
                 <a:ext uri="{C183D7F6-B498-43B3-948B-1728B52AA6E4}">
-                  <adec:decorative xmlns:adec="http://schemas.microsoft.com/office/drawing/2017/decorative" xmlns="" val="1"/>
+                  <adec:decorative xmlns="" xmlns:adec="http://schemas.microsoft.com/office/drawing/2017/decorative" val="1"/>
                 </a:ext>
               </a:extLst>
             </p:cNvPr>
@@ -10370,7 +10372,7 @@
             <p:nvPr>
               <p:extLst>
                 <p:ext uri="{386F3935-93C4-4BCD-93E2-E3B085C9AB24}">
-                  <p16:designElem xmlns:p16="http://schemas.microsoft.com/office/powerpoint/2015/main" xmlns="" val="1"/>
+                  <p16:designElem xmlns="" xmlns:p16="http://schemas.microsoft.com/office/powerpoint/2015/main" val="1"/>
                 </p:ext>
               </p:extLst>
             </p:nvPr>
@@ -10410,10 +10412,10 @@
           <p:cNvPr id="78" name="Rectangle 77">
             <a:extLst>
               <a:ext uri="{FF2B5EF4-FFF2-40B4-BE49-F238E27FC236}">
-                <a16:creationId xmlns:a16="http://schemas.microsoft.com/office/drawing/2014/main" xmlns="" id="{9A212F8F-D812-4A16-BE82-F3500DE32174}"/>
+                <a16:creationId xmlns="" xmlns:a16="http://schemas.microsoft.com/office/drawing/2014/main" id="{9A212F8F-D812-4A16-BE82-F3500DE32174}"/>
               </a:ext>
               <a:ext uri="{C183D7F6-B498-43B3-948B-1728B52AA6E4}">
-                <adec:decorative xmlns:adec="http://schemas.microsoft.com/office/drawing/2017/decorative" xmlns="" val="1"/>
+                <adec:decorative xmlns="" xmlns:adec="http://schemas.microsoft.com/office/drawing/2017/decorative" val="1"/>
               </a:ext>
             </a:extLst>
           </p:cNvPr>
@@ -10423,7 +10425,7 @@
           <p:nvPr>
             <p:extLst>
               <p:ext uri="{386F3935-93C4-4BCD-93E2-E3B085C9AB24}">
-                <p16:designElem xmlns:p16="http://schemas.microsoft.com/office/powerpoint/2015/main" xmlns="" val="1"/>
+                <p16:designElem xmlns="" xmlns:p16="http://schemas.microsoft.com/office/powerpoint/2015/main" val="1"/>
               </p:ext>
             </p:extLst>
           </p:nvPr>
@@ -10470,7 +10472,7 @@
           <p:cNvPr id="4" name="Footer Placeholder 3">
             <a:extLst>
               <a:ext uri="{FF2B5EF4-FFF2-40B4-BE49-F238E27FC236}">
-                <a16:creationId xmlns:a16="http://schemas.microsoft.com/office/drawing/2014/main" xmlns="" id="{7C72ADF2-A6BC-4530-ABFC-340FC0510C21}"/>
+                <a16:creationId xmlns="" xmlns:a16="http://schemas.microsoft.com/office/drawing/2014/main" id="{7C72ADF2-A6BC-4530-ABFC-340FC0510C21}"/>
               </a:ext>
             </a:extLst>
           </p:cNvPr>
@@ -10520,10 +10522,10 @@
           <p:cNvPr id="80" name="Snip Diagonal Corner Rectangle 24">
             <a:extLst>
               <a:ext uri="{FF2B5EF4-FFF2-40B4-BE49-F238E27FC236}">
-                <a16:creationId xmlns:a16="http://schemas.microsoft.com/office/drawing/2014/main" xmlns="" id="{D2CF1D1B-04ED-443D-A9FE-68BF8859BDD6}"/>
+                <a16:creationId xmlns="" xmlns:a16="http://schemas.microsoft.com/office/drawing/2014/main" id="{D2CF1D1B-04ED-443D-A9FE-68BF8859BDD6}"/>
               </a:ext>
               <a:ext uri="{C183D7F6-B498-43B3-948B-1728B52AA6E4}">
-                <adec:decorative xmlns:adec="http://schemas.microsoft.com/office/drawing/2017/decorative" xmlns="" val="1"/>
+                <adec:decorative xmlns="" xmlns:adec="http://schemas.microsoft.com/office/drawing/2017/decorative" val="1"/>
               </a:ext>
             </a:extLst>
           </p:cNvPr>
@@ -10533,7 +10535,7 @@
           <p:nvPr>
             <p:extLst>
               <p:ext uri="{386F3935-93C4-4BCD-93E2-E3B085C9AB24}">
-                <p16:designElem xmlns:p16="http://schemas.microsoft.com/office/powerpoint/2015/main" xmlns="" val="1"/>
+                <p16:designElem xmlns="" xmlns:p16="http://schemas.microsoft.com/office/powerpoint/2015/main" val="1"/>
               </p:ext>
             </p:extLst>
           </p:nvPr>
@@ -10593,7 +10595,7 @@
           <p:cNvPr id="2050" name="Picture 2" descr="Image result for drafting visible lines">
             <a:extLst>
               <a:ext uri="{FF2B5EF4-FFF2-40B4-BE49-F238E27FC236}">
-                <a16:creationId xmlns:a16="http://schemas.microsoft.com/office/drawing/2014/main" xmlns="" id="{0273E5D8-9DC0-4005-B937-E874F41A0C63}"/>
+                <a16:creationId xmlns="" xmlns:a16="http://schemas.microsoft.com/office/drawing/2014/main" id="{0273E5D8-9DC0-4005-B937-E874F41A0C63}"/>
               </a:ext>
             </a:extLst>
           </p:cNvPr>
@@ -10741,7 +10743,7 @@
           <p:cNvPr id="2" name="Title 1">
             <a:extLst>
               <a:ext uri="{FF2B5EF4-FFF2-40B4-BE49-F238E27FC236}">
-                <a16:creationId xmlns:a16="http://schemas.microsoft.com/office/drawing/2014/main" xmlns="" id="{A19710E6-09E9-4302-AA1F-8CFF3550F4E2}"/>
+                <a16:creationId xmlns="" xmlns:a16="http://schemas.microsoft.com/office/drawing/2014/main" id="{A19710E6-09E9-4302-AA1F-8CFF3550F4E2}"/>
               </a:ext>
             </a:extLst>
           </p:cNvPr>
@@ -10769,7 +10771,7 @@
           <p:cNvPr id="3" name="Content Placeholder 2">
             <a:extLst>
               <a:ext uri="{FF2B5EF4-FFF2-40B4-BE49-F238E27FC236}">
-                <a16:creationId xmlns:a16="http://schemas.microsoft.com/office/drawing/2014/main" xmlns="" id="{4DD6E9DA-3A41-4F33-A77F-4442DC5A7A80}"/>
+                <a16:creationId xmlns="" xmlns:a16="http://schemas.microsoft.com/office/drawing/2014/main" id="{4DD6E9DA-3A41-4F33-A77F-4442DC5A7A80}"/>
               </a:ext>
             </a:extLst>
           </p:cNvPr>
@@ -10809,7 +10811,7 @@
           <p:cNvPr id="4" name="Footer Placeholder 3">
             <a:extLst>
               <a:ext uri="{FF2B5EF4-FFF2-40B4-BE49-F238E27FC236}">
-                <a16:creationId xmlns:a16="http://schemas.microsoft.com/office/drawing/2014/main" xmlns="" id="{4698B857-E39E-49B8-9F12-8A048B7A8A23}"/>
+                <a16:creationId xmlns="" xmlns:a16="http://schemas.microsoft.com/office/drawing/2014/main" id="{4698B857-E39E-49B8-9F12-8A048B7A8A23}"/>
               </a:ext>
             </a:extLst>
           </p:cNvPr>
@@ -10905,10 +10907,10 @@
           <p:cNvPr id="71" name="Group 70">
             <a:extLst>
               <a:ext uri="{FF2B5EF4-FFF2-40B4-BE49-F238E27FC236}">
-                <a16:creationId xmlns:a16="http://schemas.microsoft.com/office/drawing/2014/main" xmlns="" id="{2103B461-323C-4912-BFFD-C37582662085}"/>
+                <a16:creationId xmlns="" xmlns:a16="http://schemas.microsoft.com/office/drawing/2014/main" id="{2103B461-323C-4912-BFFD-C37582662085}"/>
               </a:ext>
               <a:ext uri="{C183D7F6-B498-43B3-948B-1728B52AA6E4}">
-                <adec:decorative xmlns:adec="http://schemas.microsoft.com/office/drawing/2017/decorative" xmlns="" val="1"/>
+                <adec:decorative xmlns="" xmlns:adec="http://schemas.microsoft.com/office/drawing/2017/decorative" val="1"/>
               </a:ext>
             </a:extLst>
           </p:cNvPr>
@@ -10918,7 +10920,7 @@
           <p:nvPr>
             <p:extLst>
               <p:ext uri="{386F3935-93C4-4BCD-93E2-E3B085C9AB24}">
-                <p16:designElem xmlns:p16="http://schemas.microsoft.com/office/powerpoint/2015/main" xmlns="" val="1"/>
+                <p16:designElem xmlns="" xmlns:p16="http://schemas.microsoft.com/office/powerpoint/2015/main" val="1"/>
               </p:ext>
             </p:extLst>
           </p:nvPr>
@@ -10936,10 +10938,10 @@
             <p:cNvPr id="72" name="Straight Connector 71">
               <a:extLst>
                 <a:ext uri="{FF2B5EF4-FFF2-40B4-BE49-F238E27FC236}">
-                  <a16:creationId xmlns:a16="http://schemas.microsoft.com/office/drawing/2014/main" xmlns="" id="{FBC21318-F4F4-4524-95D1-6B7FE0A788A3}"/>
+                  <a16:creationId xmlns="" xmlns:a16="http://schemas.microsoft.com/office/drawing/2014/main" id="{FBC21318-F4F4-4524-95D1-6B7FE0A788A3}"/>
                 </a:ext>
                 <a:ext uri="{C183D7F6-B498-43B3-948B-1728B52AA6E4}">
-                  <adec:decorative xmlns:adec="http://schemas.microsoft.com/office/drawing/2017/decorative" xmlns="" val="1"/>
+                  <adec:decorative xmlns="" xmlns:adec="http://schemas.microsoft.com/office/drawing/2017/decorative" val="1"/>
                 </a:ext>
               </a:extLst>
             </p:cNvPr>
@@ -10947,7 +10949,7 @@
             <p:nvPr>
               <p:extLst>
                 <p:ext uri="{386F3935-93C4-4BCD-93E2-E3B085C9AB24}">
-                  <p16:designElem xmlns:p16="http://schemas.microsoft.com/office/powerpoint/2015/main" xmlns="" val="1"/>
+                  <p16:designElem xmlns="" xmlns:p16="http://schemas.microsoft.com/office/powerpoint/2015/main" val="1"/>
                 </p:ext>
               </p:extLst>
             </p:nvPr>
@@ -10986,10 +10988,10 @@
             <p:cNvPr id="73" name="Straight Connector 72">
               <a:extLst>
                 <a:ext uri="{FF2B5EF4-FFF2-40B4-BE49-F238E27FC236}">
-                  <a16:creationId xmlns:a16="http://schemas.microsoft.com/office/drawing/2014/main" xmlns="" id="{D9FFA8E5-974F-409E-89C6-E185BD90933C}"/>
+                  <a16:creationId xmlns="" xmlns:a16="http://schemas.microsoft.com/office/drawing/2014/main" id="{D9FFA8E5-974F-409E-89C6-E185BD90933C}"/>
                 </a:ext>
                 <a:ext uri="{C183D7F6-B498-43B3-948B-1728B52AA6E4}">
-                  <adec:decorative xmlns:adec="http://schemas.microsoft.com/office/drawing/2017/decorative" xmlns="" val="1"/>
+                  <adec:decorative xmlns="" xmlns:adec="http://schemas.microsoft.com/office/drawing/2017/decorative" val="1"/>
                 </a:ext>
               </a:extLst>
             </p:cNvPr>
@@ -10997,7 +10999,7 @@
             <p:nvPr>
               <p:extLst>
                 <p:ext uri="{386F3935-93C4-4BCD-93E2-E3B085C9AB24}">
-                  <p16:designElem xmlns:p16="http://schemas.microsoft.com/office/powerpoint/2015/main" xmlns="" val="1"/>
+                  <p16:designElem xmlns="" xmlns:p16="http://schemas.microsoft.com/office/powerpoint/2015/main" val="1"/>
                 </p:ext>
               </p:extLst>
             </p:nvPr>
@@ -11036,10 +11038,10 @@
             <p:cNvPr id="74" name="Straight Connector 73">
               <a:extLst>
                 <a:ext uri="{FF2B5EF4-FFF2-40B4-BE49-F238E27FC236}">
-                  <a16:creationId xmlns:a16="http://schemas.microsoft.com/office/drawing/2014/main" xmlns="" id="{C384E2B1-7008-45EE-9F2E-FEF3A089780F}"/>
+                  <a16:creationId xmlns="" xmlns:a16="http://schemas.microsoft.com/office/drawing/2014/main" id="{C384E2B1-7008-45EE-9F2E-FEF3A089780F}"/>
                 </a:ext>
                 <a:ext uri="{C183D7F6-B498-43B3-948B-1728B52AA6E4}">
-                  <adec:decorative xmlns:adec="http://schemas.microsoft.com/office/drawing/2017/decorative" xmlns="" val="1"/>
+                  <adec:decorative xmlns="" xmlns:adec="http://schemas.microsoft.com/office/drawing/2017/decorative" val="1"/>
                 </a:ext>
               </a:extLst>
             </p:cNvPr>
@@ -11047,7 +11049,7 @@
             <p:nvPr>
               <p:extLst>
                 <p:ext uri="{386F3935-93C4-4BCD-93E2-E3B085C9AB24}">
-                  <p16:designElem xmlns:p16="http://schemas.microsoft.com/office/powerpoint/2015/main" xmlns="" val="1"/>
+                  <p16:designElem xmlns="" xmlns:p16="http://schemas.microsoft.com/office/powerpoint/2015/main" val="1"/>
                 </p:ext>
               </p:extLst>
             </p:nvPr>
@@ -11086,10 +11088,10 @@
             <p:cNvPr id="75" name="Straight Connector 74">
               <a:extLst>
                 <a:ext uri="{FF2B5EF4-FFF2-40B4-BE49-F238E27FC236}">
-                  <a16:creationId xmlns:a16="http://schemas.microsoft.com/office/drawing/2014/main" xmlns="" id="{D4563410-7FE9-4955-89C6-0FB9326CD3A8}"/>
+                  <a16:creationId xmlns="" xmlns:a16="http://schemas.microsoft.com/office/drawing/2014/main" id="{D4563410-7FE9-4955-89C6-0FB9326CD3A8}"/>
                 </a:ext>
                 <a:ext uri="{C183D7F6-B498-43B3-948B-1728B52AA6E4}">
-                  <adec:decorative xmlns:adec="http://schemas.microsoft.com/office/drawing/2017/decorative" xmlns="" val="1"/>
+                  <adec:decorative xmlns="" xmlns:adec="http://schemas.microsoft.com/office/drawing/2017/decorative" val="1"/>
                 </a:ext>
               </a:extLst>
             </p:cNvPr>
@@ -11097,7 +11099,7 @@
             <p:nvPr>
               <p:extLst>
                 <p:ext uri="{386F3935-93C4-4BCD-93E2-E3B085C9AB24}">
-                  <p16:designElem xmlns:p16="http://schemas.microsoft.com/office/powerpoint/2015/main" xmlns="" val="1"/>
+                  <p16:designElem xmlns="" xmlns:p16="http://schemas.microsoft.com/office/powerpoint/2015/main" val="1"/>
                 </p:ext>
               </p:extLst>
             </p:nvPr>
@@ -11136,10 +11138,10 @@
             <p:cNvPr id="76" name="Straight Connector 75">
               <a:extLst>
                 <a:ext uri="{FF2B5EF4-FFF2-40B4-BE49-F238E27FC236}">
-                  <a16:creationId xmlns:a16="http://schemas.microsoft.com/office/drawing/2014/main" xmlns="" id="{3AD14C0E-D5DF-4BDC-BD92-642CFF18018D}"/>
+                  <a16:creationId xmlns="" xmlns:a16="http://schemas.microsoft.com/office/drawing/2014/main" id="{3AD14C0E-D5DF-4BDC-BD92-642CFF18018D}"/>
                 </a:ext>
                 <a:ext uri="{C183D7F6-B498-43B3-948B-1728B52AA6E4}">
-                  <adec:decorative xmlns:adec="http://schemas.microsoft.com/office/drawing/2017/decorative" xmlns="" val="1"/>
+                  <adec:decorative xmlns="" xmlns:adec="http://schemas.microsoft.com/office/drawing/2017/decorative" val="1"/>
                 </a:ext>
               </a:extLst>
             </p:cNvPr>
@@ -11147,7 +11149,7 @@
             <p:nvPr>
               <p:extLst>
                 <p:ext uri="{386F3935-93C4-4BCD-93E2-E3B085C9AB24}">
-                  <p16:designElem xmlns:p16="http://schemas.microsoft.com/office/powerpoint/2015/main" xmlns="" val="1"/>
+                  <p16:designElem xmlns="" xmlns:p16="http://schemas.microsoft.com/office/powerpoint/2015/main" val="1"/>
                 </p:ext>
               </p:extLst>
             </p:nvPr>
@@ -11187,10 +11189,10 @@
           <p:cNvPr id="78" name="Rectangle 77">
             <a:extLst>
               <a:ext uri="{FF2B5EF4-FFF2-40B4-BE49-F238E27FC236}">
-                <a16:creationId xmlns:a16="http://schemas.microsoft.com/office/drawing/2014/main" xmlns="" id="{9A212F8F-D812-4A16-BE82-F3500DE32174}"/>
+                <a16:creationId xmlns="" xmlns:a16="http://schemas.microsoft.com/office/drawing/2014/main" id="{9A212F8F-D812-4A16-BE82-F3500DE32174}"/>
               </a:ext>
               <a:ext uri="{C183D7F6-B498-43B3-948B-1728B52AA6E4}">
-                <adec:decorative xmlns:adec="http://schemas.microsoft.com/office/drawing/2017/decorative" xmlns="" val="1"/>
+                <adec:decorative xmlns="" xmlns:adec="http://schemas.microsoft.com/office/drawing/2017/decorative" val="1"/>
               </a:ext>
             </a:extLst>
           </p:cNvPr>
@@ -11200,7 +11202,7 @@
           <p:nvPr>
             <p:extLst>
               <p:ext uri="{386F3935-93C4-4BCD-93E2-E3B085C9AB24}">
-                <p16:designElem xmlns:p16="http://schemas.microsoft.com/office/powerpoint/2015/main" xmlns="" val="1"/>
+                <p16:designElem xmlns="" xmlns:p16="http://schemas.microsoft.com/office/powerpoint/2015/main" val="1"/>
               </p:ext>
             </p:extLst>
           </p:nvPr>
@@ -11247,7 +11249,7 @@
           <p:cNvPr id="4" name="Footer Placeholder 3">
             <a:extLst>
               <a:ext uri="{FF2B5EF4-FFF2-40B4-BE49-F238E27FC236}">
-                <a16:creationId xmlns:a16="http://schemas.microsoft.com/office/drawing/2014/main" xmlns="" id="{3EFDAF7D-2A92-4F7F-9622-570983BA3195}"/>
+                <a16:creationId xmlns="" xmlns:a16="http://schemas.microsoft.com/office/drawing/2014/main" id="{3EFDAF7D-2A92-4F7F-9622-570983BA3195}"/>
               </a:ext>
             </a:extLst>
           </p:cNvPr>
@@ -11297,10 +11299,10 @@
           <p:cNvPr id="80" name="Snip Diagonal Corner Rectangle 24">
             <a:extLst>
               <a:ext uri="{FF2B5EF4-FFF2-40B4-BE49-F238E27FC236}">
-                <a16:creationId xmlns:a16="http://schemas.microsoft.com/office/drawing/2014/main" xmlns="" id="{D2CF1D1B-04ED-443D-A9FE-68BF8859BDD6}"/>
+                <a16:creationId xmlns="" xmlns:a16="http://schemas.microsoft.com/office/drawing/2014/main" id="{D2CF1D1B-04ED-443D-A9FE-68BF8859BDD6}"/>
               </a:ext>
               <a:ext uri="{C183D7F6-B498-43B3-948B-1728B52AA6E4}">
-                <adec:decorative xmlns:adec="http://schemas.microsoft.com/office/drawing/2017/decorative" xmlns="" val="1"/>
+                <adec:decorative xmlns="" xmlns:adec="http://schemas.microsoft.com/office/drawing/2017/decorative" val="1"/>
               </a:ext>
             </a:extLst>
           </p:cNvPr>
@@ -11310,7 +11312,7 @@
           <p:nvPr>
             <p:extLst>
               <p:ext uri="{386F3935-93C4-4BCD-93E2-E3B085C9AB24}">
-                <p16:designElem xmlns:p16="http://schemas.microsoft.com/office/powerpoint/2015/main" xmlns="" val="1"/>
+                <p16:designElem xmlns="" xmlns:p16="http://schemas.microsoft.com/office/powerpoint/2015/main" val="1"/>
               </p:ext>
             </p:extLst>
           </p:nvPr>
@@ -11370,7 +11372,7 @@
           <p:cNvPr id="3074" name="Picture 2" descr="Image result for drafting hidden lines">
             <a:extLst>
               <a:ext uri="{FF2B5EF4-FFF2-40B4-BE49-F238E27FC236}">
-                <a16:creationId xmlns:a16="http://schemas.microsoft.com/office/drawing/2014/main" xmlns="" id="{3D4C5850-2ED7-4879-AA79-DB82B0FF49F7}"/>
+                <a16:creationId xmlns="" xmlns:a16="http://schemas.microsoft.com/office/drawing/2014/main" id="{3D4C5850-2ED7-4879-AA79-DB82B0FF49F7}"/>
               </a:ext>
             </a:extLst>
           </p:cNvPr>
@@ -11609,7 +11611,7 @@
           <p:cNvPr id="4" name="Footer Placeholder 3">
             <a:extLst>
               <a:ext uri="{FF2B5EF4-FFF2-40B4-BE49-F238E27FC236}">
-                <a16:creationId xmlns:a16="http://schemas.microsoft.com/office/drawing/2014/main" xmlns="" id="{EADFB87E-2A3F-4815-8F5E-3CF3521EBF24}"/>
+                <a16:creationId xmlns="" xmlns:a16="http://schemas.microsoft.com/office/drawing/2014/main" id="{EADFB87E-2A3F-4815-8F5E-3CF3521EBF24}"/>
               </a:ext>
             </a:extLst>
           </p:cNvPr>
@@ -11696,7 +11698,7 @@
           <p:cNvPr id="2" name="Title 1">
             <a:extLst>
               <a:ext uri="{FF2B5EF4-FFF2-40B4-BE49-F238E27FC236}">
-                <a16:creationId xmlns:a16="http://schemas.microsoft.com/office/drawing/2014/main" xmlns="" id="{C0A4AF7C-A673-4907-93FF-A9AE1DC17D8C}"/>
+                <a16:creationId xmlns="" xmlns:a16="http://schemas.microsoft.com/office/drawing/2014/main" id="{C0A4AF7C-A673-4907-93FF-A9AE1DC17D8C}"/>
               </a:ext>
             </a:extLst>
           </p:cNvPr>
@@ -11724,7 +11726,7 @@
           <p:cNvPr id="3" name="Content Placeholder 2">
             <a:extLst>
               <a:ext uri="{FF2B5EF4-FFF2-40B4-BE49-F238E27FC236}">
-                <a16:creationId xmlns:a16="http://schemas.microsoft.com/office/drawing/2014/main" xmlns="" id="{2EA28BED-FAA6-4C3E-B676-A79F7A8E3E28}"/>
+                <a16:creationId xmlns="" xmlns:a16="http://schemas.microsoft.com/office/drawing/2014/main" id="{2EA28BED-FAA6-4C3E-B676-A79F7A8E3E28}"/>
               </a:ext>
             </a:extLst>
           </p:cNvPr>
@@ -11764,7 +11766,7 @@
           <p:cNvPr id="4" name="Footer Placeholder 3">
             <a:extLst>
               <a:ext uri="{FF2B5EF4-FFF2-40B4-BE49-F238E27FC236}">
-                <a16:creationId xmlns:a16="http://schemas.microsoft.com/office/drawing/2014/main" xmlns="" id="{B4185092-4D64-43DA-8207-75D99EC15E7F}"/>
+                <a16:creationId xmlns="" xmlns:a16="http://schemas.microsoft.com/office/drawing/2014/main" id="{B4185092-4D64-43DA-8207-75D99EC15E7F}"/>
               </a:ext>
             </a:extLst>
           </p:cNvPr>
@@ -11835,7 +11837,7 @@
           <p:cNvPr id="4" name="Footer Placeholder 3">
             <a:extLst>
               <a:ext uri="{FF2B5EF4-FFF2-40B4-BE49-F238E27FC236}">
-                <a16:creationId xmlns:a16="http://schemas.microsoft.com/office/drawing/2014/main" xmlns="" id="{9FB77634-5DA4-4C93-BA9B-0CB4B1B53A71}"/>
+                <a16:creationId xmlns="" xmlns:a16="http://schemas.microsoft.com/office/drawing/2014/main" id="{9FB77634-5DA4-4C93-BA9B-0CB4B1B53A71}"/>
               </a:ext>
             </a:extLst>
           </p:cNvPr>
@@ -11864,7 +11866,7 @@
           <p:cNvPr id="4098" name="Picture 2" descr="Image result for drafting center lines">
             <a:extLst>
               <a:ext uri="{FF2B5EF4-FFF2-40B4-BE49-F238E27FC236}">
-                <a16:creationId xmlns:a16="http://schemas.microsoft.com/office/drawing/2014/main" xmlns="" id="{81563763-1283-4784-9D05-4178E5A9D45F}"/>
+                <a16:creationId xmlns="" xmlns:a16="http://schemas.microsoft.com/office/drawing/2014/main" id="{81563763-1283-4784-9D05-4178E5A9D45F}"/>
               </a:ext>
             </a:extLst>
           </p:cNvPr>
@@ -11953,7 +11955,7 @@
           <p:cNvPr id="2" name="Title 1">
             <a:extLst>
               <a:ext uri="{FF2B5EF4-FFF2-40B4-BE49-F238E27FC236}">
-                <a16:creationId xmlns:a16="http://schemas.microsoft.com/office/drawing/2014/main" xmlns="" id="{0DC6AD2D-6B9A-4203-926F-C110B33ED60A}"/>
+                <a16:creationId xmlns="" xmlns:a16="http://schemas.microsoft.com/office/drawing/2014/main" id="{0DC6AD2D-6B9A-4203-926F-C110B33ED60A}"/>
               </a:ext>
             </a:extLst>
           </p:cNvPr>
@@ -11981,7 +11983,7 @@
           <p:cNvPr id="3" name="Content Placeholder 2">
             <a:extLst>
               <a:ext uri="{FF2B5EF4-FFF2-40B4-BE49-F238E27FC236}">
-                <a16:creationId xmlns:a16="http://schemas.microsoft.com/office/drawing/2014/main" xmlns="" id="{67943F3C-4AD5-4BB6-9179-C7A1C093A6AC}"/>
+                <a16:creationId xmlns="" xmlns:a16="http://schemas.microsoft.com/office/drawing/2014/main" id="{67943F3C-4AD5-4BB6-9179-C7A1C093A6AC}"/>
               </a:ext>
             </a:extLst>
           </p:cNvPr>
@@ -12027,7 +12029,7 @@
           <p:cNvPr id="4" name="Footer Placeholder 3">
             <a:extLst>
               <a:ext uri="{FF2B5EF4-FFF2-40B4-BE49-F238E27FC236}">
-                <a16:creationId xmlns:a16="http://schemas.microsoft.com/office/drawing/2014/main" xmlns="" id="{7805BBE0-29DE-44CE-BDB7-642F85C4C790}"/>
+                <a16:creationId xmlns="" xmlns:a16="http://schemas.microsoft.com/office/drawing/2014/main" id="{7805BBE0-29DE-44CE-BDB7-642F85C4C790}"/>
               </a:ext>
             </a:extLst>
           </p:cNvPr>
@@ -12098,7 +12100,7 @@
           <p:cNvPr id="2" name="Title 1">
             <a:extLst>
               <a:ext uri="{FF2B5EF4-FFF2-40B4-BE49-F238E27FC236}">
-                <a16:creationId xmlns:a16="http://schemas.microsoft.com/office/drawing/2014/main" xmlns="" id="{F5445042-34C5-456B-AEF7-2A514BD8A5E3}"/>
+                <a16:creationId xmlns="" xmlns:a16="http://schemas.microsoft.com/office/drawing/2014/main" id="{F5445042-34C5-456B-AEF7-2A514BD8A5E3}"/>
               </a:ext>
             </a:extLst>
           </p:cNvPr>
@@ -12126,7 +12128,7 @@
           <p:cNvPr id="3" name="Content Placeholder 2">
             <a:extLst>
               <a:ext uri="{FF2B5EF4-FFF2-40B4-BE49-F238E27FC236}">
-                <a16:creationId xmlns:a16="http://schemas.microsoft.com/office/drawing/2014/main" xmlns="" id="{04F6C04A-2451-4D8C-A601-779B961B660A}"/>
+                <a16:creationId xmlns="" xmlns:a16="http://schemas.microsoft.com/office/drawing/2014/main" id="{04F6C04A-2451-4D8C-A601-779B961B660A}"/>
               </a:ext>
             </a:extLst>
           </p:cNvPr>
@@ -12160,7 +12162,7 @@
           <p:cNvPr id="4" name="Footer Placeholder 3">
             <a:extLst>
               <a:ext uri="{FF2B5EF4-FFF2-40B4-BE49-F238E27FC236}">
-                <a16:creationId xmlns:a16="http://schemas.microsoft.com/office/drawing/2014/main" xmlns="" id="{E1529614-A9DD-43D8-968E-C07D7F357356}"/>
+                <a16:creationId xmlns="" xmlns:a16="http://schemas.microsoft.com/office/drawing/2014/main" id="{E1529614-A9DD-43D8-968E-C07D7F357356}"/>
               </a:ext>
             </a:extLst>
           </p:cNvPr>
@@ -12231,7 +12233,7 @@
           <p:cNvPr id="5" name="Title 4">
             <a:extLst>
               <a:ext uri="{FF2B5EF4-FFF2-40B4-BE49-F238E27FC236}">
-                <a16:creationId xmlns:a16="http://schemas.microsoft.com/office/drawing/2014/main" xmlns="" id="{4367301C-9E62-4A97-A776-7C2F6EAEAB9B}"/>
+                <a16:creationId xmlns="" xmlns:a16="http://schemas.microsoft.com/office/drawing/2014/main" id="{4367301C-9E62-4A97-A776-7C2F6EAEAB9B}"/>
               </a:ext>
             </a:extLst>
           </p:cNvPr>
@@ -12259,7 +12261,7 @@
           <p:cNvPr id="4" name="Footer Placeholder 3">
             <a:extLst>
               <a:ext uri="{FF2B5EF4-FFF2-40B4-BE49-F238E27FC236}">
-                <a16:creationId xmlns:a16="http://schemas.microsoft.com/office/drawing/2014/main" xmlns="" id="{79004010-F763-427D-8147-B73D87274D90}"/>
+                <a16:creationId xmlns="" xmlns:a16="http://schemas.microsoft.com/office/drawing/2014/main" id="{79004010-F763-427D-8147-B73D87274D90}"/>
               </a:ext>
             </a:extLst>
           </p:cNvPr>
@@ -12330,7 +12332,7 @@
           <p:cNvPr id="2" name="Title 1">
             <a:extLst>
               <a:ext uri="{FF2B5EF4-FFF2-40B4-BE49-F238E27FC236}">
-                <a16:creationId xmlns:a16="http://schemas.microsoft.com/office/drawing/2014/main" xmlns="" id="{F10C1430-58DA-4707-A3DD-7400CEC50E47}"/>
+                <a16:creationId xmlns="" xmlns:a16="http://schemas.microsoft.com/office/drawing/2014/main" id="{F10C1430-58DA-4707-A3DD-7400CEC50E47}"/>
               </a:ext>
             </a:extLst>
           </p:cNvPr>
@@ -12358,7 +12360,7 @@
           <p:cNvPr id="4" name="Content Placeholder 3">
             <a:extLst>
               <a:ext uri="{FF2B5EF4-FFF2-40B4-BE49-F238E27FC236}">
-                <a16:creationId xmlns:a16="http://schemas.microsoft.com/office/drawing/2014/main" xmlns="" id="{C1B62C92-DC78-4AA7-A931-923BCFF2DA1C}"/>
+                <a16:creationId xmlns="" xmlns:a16="http://schemas.microsoft.com/office/drawing/2014/main" id="{C1B62C92-DC78-4AA7-A931-923BCFF2DA1C}"/>
               </a:ext>
             </a:extLst>
           </p:cNvPr>
@@ -12424,7 +12426,7 @@
           <p:cNvPr id="3" name="Footer Placeholder 2">
             <a:extLst>
               <a:ext uri="{FF2B5EF4-FFF2-40B4-BE49-F238E27FC236}">
-                <a16:creationId xmlns:a16="http://schemas.microsoft.com/office/drawing/2014/main" xmlns="" id="{103975A7-8EB7-469C-89C7-A9D30DEF5CEF}"/>
+                <a16:creationId xmlns="" xmlns:a16="http://schemas.microsoft.com/office/drawing/2014/main" id="{103975A7-8EB7-469C-89C7-A9D30DEF5CEF}"/>
               </a:ext>
             </a:extLst>
           </p:cNvPr>
@@ -12495,7 +12497,7 @@
           <p:cNvPr id="4" name="Title 3">
             <a:extLst>
               <a:ext uri="{FF2B5EF4-FFF2-40B4-BE49-F238E27FC236}">
-                <a16:creationId xmlns:a16="http://schemas.microsoft.com/office/drawing/2014/main" xmlns="" id="{07506127-40F4-46B4-AA13-9926B2BD096B}"/>
+                <a16:creationId xmlns="" xmlns:a16="http://schemas.microsoft.com/office/drawing/2014/main" id="{07506127-40F4-46B4-AA13-9926B2BD096B}"/>
               </a:ext>
             </a:extLst>
           </p:cNvPr>
@@ -12523,7 +12525,7 @@
           <p:cNvPr id="5" name="Subtitle 4">
             <a:extLst>
               <a:ext uri="{FF2B5EF4-FFF2-40B4-BE49-F238E27FC236}">
-                <a16:creationId xmlns:a16="http://schemas.microsoft.com/office/drawing/2014/main" xmlns="" id="{BBBCF47C-CE96-46DF-9B20-6EF8EEE99D3F}"/>
+                <a16:creationId xmlns="" xmlns:a16="http://schemas.microsoft.com/office/drawing/2014/main" id="{BBBCF47C-CE96-46DF-9B20-6EF8EEE99D3F}"/>
               </a:ext>
             </a:extLst>
           </p:cNvPr>
@@ -12551,7 +12553,7 @@
           <p:cNvPr id="3" name="Footer Placeholder 2">
             <a:extLst>
               <a:ext uri="{FF2B5EF4-FFF2-40B4-BE49-F238E27FC236}">
-                <a16:creationId xmlns:a16="http://schemas.microsoft.com/office/drawing/2014/main" xmlns="" id="{1C8B0826-5E65-4731-9543-60C266E8708C}"/>
+                <a16:creationId xmlns="" xmlns:a16="http://schemas.microsoft.com/office/drawing/2014/main" id="{1C8B0826-5E65-4731-9543-60C266E8708C}"/>
               </a:ext>
             </a:extLst>
           </p:cNvPr>
@@ -12622,7 +12624,7 @@
           <p:cNvPr id="5" name="Title 4">
             <a:extLst>
               <a:ext uri="{FF2B5EF4-FFF2-40B4-BE49-F238E27FC236}">
-                <a16:creationId xmlns:a16="http://schemas.microsoft.com/office/drawing/2014/main" xmlns="" id="{4367301C-9E62-4A97-A776-7C2F6EAEAB9B}"/>
+                <a16:creationId xmlns="" xmlns:a16="http://schemas.microsoft.com/office/drawing/2014/main" id="{4367301C-9E62-4A97-A776-7C2F6EAEAB9B}"/>
               </a:ext>
             </a:extLst>
           </p:cNvPr>
@@ -12650,7 +12652,7 @@
           <p:cNvPr id="4" name="Footer Placeholder 3">
             <a:extLst>
               <a:ext uri="{FF2B5EF4-FFF2-40B4-BE49-F238E27FC236}">
-                <a16:creationId xmlns:a16="http://schemas.microsoft.com/office/drawing/2014/main" xmlns="" id="{79004010-F763-427D-8147-B73D87274D90}"/>
+                <a16:creationId xmlns="" xmlns:a16="http://schemas.microsoft.com/office/drawing/2014/main" id="{79004010-F763-427D-8147-B73D87274D90}"/>
               </a:ext>
             </a:extLst>
           </p:cNvPr>
@@ -12721,7 +12723,7 @@
           <p:cNvPr id="4" name="Title 3">
             <a:extLst>
               <a:ext uri="{FF2B5EF4-FFF2-40B4-BE49-F238E27FC236}">
-                <a16:creationId xmlns:a16="http://schemas.microsoft.com/office/drawing/2014/main" xmlns="" id="{07506127-40F4-46B4-AA13-9926B2BD096B}"/>
+                <a16:creationId xmlns="" xmlns:a16="http://schemas.microsoft.com/office/drawing/2014/main" id="{07506127-40F4-46B4-AA13-9926B2BD096B}"/>
               </a:ext>
             </a:extLst>
           </p:cNvPr>
@@ -12749,7 +12751,7 @@
           <p:cNvPr id="5" name="Subtitle 4">
             <a:extLst>
               <a:ext uri="{FF2B5EF4-FFF2-40B4-BE49-F238E27FC236}">
-                <a16:creationId xmlns:a16="http://schemas.microsoft.com/office/drawing/2014/main" xmlns="" id="{BBBCF47C-CE96-46DF-9B20-6EF8EEE99D3F}"/>
+                <a16:creationId xmlns="" xmlns:a16="http://schemas.microsoft.com/office/drawing/2014/main" id="{BBBCF47C-CE96-46DF-9B20-6EF8EEE99D3F}"/>
               </a:ext>
             </a:extLst>
           </p:cNvPr>
@@ -12777,7 +12779,7 @@
           <p:cNvPr id="3" name="Footer Placeholder 2">
             <a:extLst>
               <a:ext uri="{FF2B5EF4-FFF2-40B4-BE49-F238E27FC236}">
-                <a16:creationId xmlns:a16="http://schemas.microsoft.com/office/drawing/2014/main" xmlns="" id="{1C8B0826-5E65-4731-9543-60C266E8708C}"/>
+                <a16:creationId xmlns="" xmlns:a16="http://schemas.microsoft.com/office/drawing/2014/main" id="{1C8B0826-5E65-4731-9543-60C266E8708C}"/>
               </a:ext>
             </a:extLst>
           </p:cNvPr>
@@ -12848,7 +12850,7 @@
           <p:cNvPr id="5" name="Title 4">
             <a:extLst>
               <a:ext uri="{FF2B5EF4-FFF2-40B4-BE49-F238E27FC236}">
-                <a16:creationId xmlns:a16="http://schemas.microsoft.com/office/drawing/2014/main" xmlns="" id="{4367301C-9E62-4A97-A776-7C2F6EAEAB9B}"/>
+                <a16:creationId xmlns="" xmlns:a16="http://schemas.microsoft.com/office/drawing/2014/main" id="{4367301C-9E62-4A97-A776-7C2F6EAEAB9B}"/>
               </a:ext>
             </a:extLst>
           </p:cNvPr>
@@ -12876,7 +12878,7 @@
           <p:cNvPr id="4" name="Footer Placeholder 3">
             <a:extLst>
               <a:ext uri="{FF2B5EF4-FFF2-40B4-BE49-F238E27FC236}">
-                <a16:creationId xmlns:a16="http://schemas.microsoft.com/office/drawing/2014/main" xmlns="" id="{79004010-F763-427D-8147-B73D87274D90}"/>
+                <a16:creationId xmlns="" xmlns:a16="http://schemas.microsoft.com/office/drawing/2014/main" id="{79004010-F763-427D-8147-B73D87274D90}"/>
               </a:ext>
             </a:extLst>
           </p:cNvPr>
@@ -12947,7 +12949,7 @@
           <p:cNvPr id="2" name="Title 1">
             <a:extLst>
               <a:ext uri="{FF2B5EF4-FFF2-40B4-BE49-F238E27FC236}">
-                <a16:creationId xmlns:a16="http://schemas.microsoft.com/office/drawing/2014/main" xmlns="" id="{E40688EB-621D-42E0-B625-CD1D9B60F1AE}"/>
+                <a16:creationId xmlns="" xmlns:a16="http://schemas.microsoft.com/office/drawing/2014/main" id="{E40688EB-621D-42E0-B625-CD1D9B60F1AE}"/>
               </a:ext>
             </a:extLst>
           </p:cNvPr>
@@ -12975,7 +12977,7 @@
           <p:cNvPr id="3" name="Content Placeholder 2">
             <a:extLst>
               <a:ext uri="{FF2B5EF4-FFF2-40B4-BE49-F238E27FC236}">
-                <a16:creationId xmlns:a16="http://schemas.microsoft.com/office/drawing/2014/main" xmlns="" id="{22E88ED5-1D68-41B1-9126-A9E5B767C05E}"/>
+                <a16:creationId xmlns="" xmlns:a16="http://schemas.microsoft.com/office/drawing/2014/main" id="{22E88ED5-1D68-41B1-9126-A9E5B767C05E}"/>
               </a:ext>
             </a:extLst>
           </p:cNvPr>
@@ -13028,7 +13030,7 @@
           <p:cNvPr id="4" name="Footer Placeholder 3">
             <a:extLst>
               <a:ext uri="{FF2B5EF4-FFF2-40B4-BE49-F238E27FC236}">
-                <a16:creationId xmlns:a16="http://schemas.microsoft.com/office/drawing/2014/main" xmlns="" id="{E412153F-FE17-4D4D-847D-1FF5D1664F8C}"/>
+                <a16:creationId xmlns="" xmlns:a16="http://schemas.microsoft.com/office/drawing/2014/main" id="{E412153F-FE17-4D4D-847D-1FF5D1664F8C}"/>
               </a:ext>
             </a:extLst>
           </p:cNvPr>
@@ -13099,7 +13101,7 @@
           <p:cNvPr id="4" name="Title 3">
             <a:extLst>
               <a:ext uri="{FF2B5EF4-FFF2-40B4-BE49-F238E27FC236}">
-                <a16:creationId xmlns:a16="http://schemas.microsoft.com/office/drawing/2014/main" xmlns="" id="{07506127-40F4-46B4-AA13-9926B2BD096B}"/>
+                <a16:creationId xmlns="" xmlns:a16="http://schemas.microsoft.com/office/drawing/2014/main" id="{07506127-40F4-46B4-AA13-9926B2BD096B}"/>
               </a:ext>
             </a:extLst>
           </p:cNvPr>
@@ -13127,7 +13129,7 @@
           <p:cNvPr id="5" name="Subtitle 4">
             <a:extLst>
               <a:ext uri="{FF2B5EF4-FFF2-40B4-BE49-F238E27FC236}">
-                <a16:creationId xmlns:a16="http://schemas.microsoft.com/office/drawing/2014/main" xmlns="" id="{BBBCF47C-CE96-46DF-9B20-6EF8EEE99D3F}"/>
+                <a16:creationId xmlns="" xmlns:a16="http://schemas.microsoft.com/office/drawing/2014/main" id="{BBBCF47C-CE96-46DF-9B20-6EF8EEE99D3F}"/>
               </a:ext>
             </a:extLst>
           </p:cNvPr>
@@ -13152,7 +13154,7 @@
           <p:cNvPr id="3" name="Footer Placeholder 2">
             <a:extLst>
               <a:ext uri="{FF2B5EF4-FFF2-40B4-BE49-F238E27FC236}">
-                <a16:creationId xmlns:a16="http://schemas.microsoft.com/office/drawing/2014/main" xmlns="" id="{1C8B0826-5E65-4731-9543-60C266E8708C}"/>
+                <a16:creationId xmlns="" xmlns:a16="http://schemas.microsoft.com/office/drawing/2014/main" id="{1C8B0826-5E65-4731-9543-60C266E8708C}"/>
               </a:ext>
             </a:extLst>
           </p:cNvPr>
@@ -13314,7 +13316,7 @@
           <p:cNvPr id="4" name="Footer Placeholder 3">
             <a:extLst>
               <a:ext uri="{FF2B5EF4-FFF2-40B4-BE49-F238E27FC236}">
-                <a16:creationId xmlns:a16="http://schemas.microsoft.com/office/drawing/2014/main" xmlns="" id="{EADFB87E-2A3F-4815-8F5E-3CF3521EBF24}"/>
+                <a16:creationId xmlns="" xmlns:a16="http://schemas.microsoft.com/office/drawing/2014/main" id="{EADFB87E-2A3F-4815-8F5E-3CF3521EBF24}"/>
               </a:ext>
             </a:extLst>
           </p:cNvPr>
@@ -13401,7 +13403,7 @@
           <p:cNvPr id="4" name="Title 3">
             <a:extLst>
               <a:ext uri="{FF2B5EF4-FFF2-40B4-BE49-F238E27FC236}">
-                <a16:creationId xmlns:a16="http://schemas.microsoft.com/office/drawing/2014/main" xmlns="" id="{C261C424-AA7E-4C83-A265-373D787780AF}"/>
+                <a16:creationId xmlns="" xmlns:a16="http://schemas.microsoft.com/office/drawing/2014/main" id="{C261C424-AA7E-4C83-A265-373D787780AF}"/>
               </a:ext>
             </a:extLst>
           </p:cNvPr>
@@ -13429,7 +13431,7 @@
           <p:cNvPr id="5" name="Content Placeholder 4">
             <a:extLst>
               <a:ext uri="{FF2B5EF4-FFF2-40B4-BE49-F238E27FC236}">
-                <a16:creationId xmlns:a16="http://schemas.microsoft.com/office/drawing/2014/main" xmlns="" id="{5FB15BB9-DF65-4384-92F0-41EA410C768D}"/>
+                <a16:creationId xmlns="" xmlns:a16="http://schemas.microsoft.com/office/drawing/2014/main" id="{5FB15BB9-DF65-4384-92F0-41EA410C768D}"/>
               </a:ext>
             </a:extLst>
           </p:cNvPr>
@@ -13493,7 +13495,7 @@
           <p:cNvPr id="3" name="Footer Placeholder 2">
             <a:extLst>
               <a:ext uri="{FF2B5EF4-FFF2-40B4-BE49-F238E27FC236}">
-                <a16:creationId xmlns:a16="http://schemas.microsoft.com/office/drawing/2014/main" xmlns="" id="{D03FB568-79CA-4314-A86F-F38E112F7BC8}"/>
+                <a16:creationId xmlns="" xmlns:a16="http://schemas.microsoft.com/office/drawing/2014/main" id="{D03FB568-79CA-4314-A86F-F38E112F7BC8}"/>
               </a:ext>
             </a:extLst>
           </p:cNvPr>
@@ -13564,7 +13566,7 @@
           <p:cNvPr id="4" name="Title 3">
             <a:extLst>
               <a:ext uri="{FF2B5EF4-FFF2-40B4-BE49-F238E27FC236}">
-                <a16:creationId xmlns:a16="http://schemas.microsoft.com/office/drawing/2014/main" xmlns="" id="{07506127-40F4-46B4-AA13-9926B2BD096B}"/>
+                <a16:creationId xmlns="" xmlns:a16="http://schemas.microsoft.com/office/drawing/2014/main" id="{07506127-40F4-46B4-AA13-9926B2BD096B}"/>
               </a:ext>
             </a:extLst>
           </p:cNvPr>
@@ -13592,7 +13594,7 @@
           <p:cNvPr id="5" name="Subtitle 4">
             <a:extLst>
               <a:ext uri="{FF2B5EF4-FFF2-40B4-BE49-F238E27FC236}">
-                <a16:creationId xmlns:a16="http://schemas.microsoft.com/office/drawing/2014/main" xmlns="" id="{BBBCF47C-CE96-46DF-9B20-6EF8EEE99D3F}"/>
+                <a16:creationId xmlns="" xmlns:a16="http://schemas.microsoft.com/office/drawing/2014/main" id="{BBBCF47C-CE96-46DF-9B20-6EF8EEE99D3F}"/>
               </a:ext>
             </a:extLst>
           </p:cNvPr>
@@ -13620,7 +13622,7 @@
           <p:cNvPr id="3" name="Footer Placeholder 2">
             <a:extLst>
               <a:ext uri="{FF2B5EF4-FFF2-40B4-BE49-F238E27FC236}">
-                <a16:creationId xmlns:a16="http://schemas.microsoft.com/office/drawing/2014/main" xmlns="" id="{1C8B0826-5E65-4731-9543-60C266E8708C}"/>
+                <a16:creationId xmlns="" xmlns:a16="http://schemas.microsoft.com/office/drawing/2014/main" id="{1C8B0826-5E65-4731-9543-60C266E8708C}"/>
               </a:ext>
             </a:extLst>
           </p:cNvPr>
@@ -13691,7 +13693,7 @@
           <p:cNvPr id="5" name="Title 4">
             <a:extLst>
               <a:ext uri="{FF2B5EF4-FFF2-40B4-BE49-F238E27FC236}">
-                <a16:creationId xmlns:a16="http://schemas.microsoft.com/office/drawing/2014/main" xmlns="" id="{4367301C-9E62-4A97-A776-7C2F6EAEAB9B}"/>
+                <a16:creationId xmlns="" xmlns:a16="http://schemas.microsoft.com/office/drawing/2014/main" id="{4367301C-9E62-4A97-A776-7C2F6EAEAB9B}"/>
               </a:ext>
             </a:extLst>
           </p:cNvPr>
@@ -13724,7 +13726,7 @@
           <p:cNvPr id="4" name="Footer Placeholder 3">
             <a:extLst>
               <a:ext uri="{FF2B5EF4-FFF2-40B4-BE49-F238E27FC236}">
-                <a16:creationId xmlns:a16="http://schemas.microsoft.com/office/drawing/2014/main" xmlns="" id="{79004010-F763-427D-8147-B73D87274D90}"/>
+                <a16:creationId xmlns="" xmlns:a16="http://schemas.microsoft.com/office/drawing/2014/main" id="{79004010-F763-427D-8147-B73D87274D90}"/>
               </a:ext>
             </a:extLst>
           </p:cNvPr>
@@ -13795,7 +13797,7 @@
           <p:cNvPr id="4" name="Title 3">
             <a:extLst>
               <a:ext uri="{FF2B5EF4-FFF2-40B4-BE49-F238E27FC236}">
-                <a16:creationId xmlns:a16="http://schemas.microsoft.com/office/drawing/2014/main" xmlns="" id="{07506127-40F4-46B4-AA13-9926B2BD096B}"/>
+                <a16:creationId xmlns="" xmlns:a16="http://schemas.microsoft.com/office/drawing/2014/main" id="{07506127-40F4-46B4-AA13-9926B2BD096B}"/>
               </a:ext>
             </a:extLst>
           </p:cNvPr>
@@ -13823,7 +13825,7 @@
           <p:cNvPr id="5" name="Subtitle 4">
             <a:extLst>
               <a:ext uri="{FF2B5EF4-FFF2-40B4-BE49-F238E27FC236}">
-                <a16:creationId xmlns:a16="http://schemas.microsoft.com/office/drawing/2014/main" xmlns="" id="{BBBCF47C-CE96-46DF-9B20-6EF8EEE99D3F}"/>
+                <a16:creationId xmlns="" xmlns:a16="http://schemas.microsoft.com/office/drawing/2014/main" id="{BBBCF47C-CE96-46DF-9B20-6EF8EEE99D3F}"/>
               </a:ext>
             </a:extLst>
           </p:cNvPr>
@@ -13848,7 +13850,7 @@
           <p:cNvPr id="3" name="Footer Placeholder 2">
             <a:extLst>
               <a:ext uri="{FF2B5EF4-FFF2-40B4-BE49-F238E27FC236}">
-                <a16:creationId xmlns:a16="http://schemas.microsoft.com/office/drawing/2014/main" xmlns="" id="{1C8B0826-5E65-4731-9543-60C266E8708C}"/>
+                <a16:creationId xmlns="" xmlns:a16="http://schemas.microsoft.com/office/drawing/2014/main" id="{1C8B0826-5E65-4731-9543-60C266E8708C}"/>
               </a:ext>
             </a:extLst>
           </p:cNvPr>
@@ -13919,7 +13921,7 @@
           <p:cNvPr id="4" name="Title 3">
             <a:extLst>
               <a:ext uri="{FF2B5EF4-FFF2-40B4-BE49-F238E27FC236}">
-                <a16:creationId xmlns:a16="http://schemas.microsoft.com/office/drawing/2014/main" xmlns="" id="{07506127-40F4-46B4-AA13-9926B2BD096B}"/>
+                <a16:creationId xmlns="" xmlns:a16="http://schemas.microsoft.com/office/drawing/2014/main" id="{07506127-40F4-46B4-AA13-9926B2BD096B}"/>
               </a:ext>
             </a:extLst>
           </p:cNvPr>
@@ -14034,7 +14036,7 @@
           <p:cNvPr id="3" name="Footer Placeholder 2">
             <a:extLst>
               <a:ext uri="{FF2B5EF4-FFF2-40B4-BE49-F238E27FC236}">
-                <a16:creationId xmlns:a16="http://schemas.microsoft.com/office/drawing/2014/main" xmlns="" id="{1C8B0826-5E65-4731-9543-60C266E8708C}"/>
+                <a16:creationId xmlns="" xmlns:a16="http://schemas.microsoft.com/office/drawing/2014/main" id="{1C8B0826-5E65-4731-9543-60C266E8708C}"/>
               </a:ext>
             </a:extLst>
           </p:cNvPr>
@@ -14062,6 +14064,309 @@
     <p:extLst>
       <p:ext uri="{BB962C8B-B14F-4D97-AF65-F5344CB8AC3E}">
         <p14:creationId xmlns:p14="http://schemas.microsoft.com/office/powerpoint/2010/main" val="3173656015"/>
+      </p:ext>
+    </p:extLst>
+  </p:cSld>
+  <p:clrMapOvr>
+    <a:masterClrMapping/>
+  </p:clrMapOvr>
+  <mc:AlternateContent xmlns:mc="http://schemas.openxmlformats.org/markup-compatibility/2006" xmlns:p14="http://schemas.microsoft.com/office/powerpoint/2010/main">
+    <mc:Choice Requires="p14">
+      <p:transition spd="med" p14:dur="700">
+        <p:fade/>
+      </p:transition>
+    </mc:Choice>
+    <mc:Fallback xmlns="">
+      <p:transition spd="med">
+        <p:fade/>
+      </p:transition>
+    </mc:Fallback>
+  </mc:AlternateContent>
+</p:sld>
+</file>
+
+<file path=ppt/slides/slide37.xml><?xml version="1.0" encoding="utf-8"?>
+<p:sld xmlns:a="http://schemas.openxmlformats.org/drawingml/2006/main" xmlns:r="http://schemas.openxmlformats.org/officeDocument/2006/relationships" xmlns:p="http://schemas.openxmlformats.org/presentationml/2006/main">
+  <p:cSld>
+    <p:spTree>
+      <p:nvGrpSpPr>
+        <p:cNvPr id="1" name=""/>
+        <p:cNvGrpSpPr/>
+        <p:nvPr/>
+      </p:nvGrpSpPr>
+      <p:grpSpPr>
+        <a:xfrm>
+          <a:off x="0" y="0"/>
+          <a:ext cx="0" cy="0"/>
+          <a:chOff x="0" y="0"/>
+          <a:chExt cx="0" cy="0"/>
+        </a:xfrm>
+      </p:grpSpPr>
+      <p:sp>
+        <p:nvSpPr>
+          <p:cNvPr id="5" name="Title 4">
+            <a:extLst>
+              <a:ext uri="{FF2B5EF4-FFF2-40B4-BE49-F238E27FC236}">
+                <a16:creationId xmlns="" xmlns:a16="http://schemas.microsoft.com/office/drawing/2014/main" id="{4367301C-9E62-4A97-A776-7C2F6EAEAB9B}"/>
+              </a:ext>
+            </a:extLst>
+          </p:cNvPr>
+          <p:cNvSpPr>
+            <a:spLocks noGrp="1"/>
+          </p:cNvSpPr>
+          <p:nvPr>
+            <p:ph type="title"/>
+          </p:nvPr>
+        </p:nvSpPr>
+        <p:spPr/>
+        <p:txBody>
+          <a:bodyPr/>
+          <a:lstStyle/>
+          <a:p>
+            <a:r>
+              <a:rPr lang="en-US" dirty="0"/>
+              <a:t>LP </a:t>
+            </a:r>
+            <a:r>
+              <a:rPr lang="en-US" dirty="0" smtClean="0"/>
+              <a:t>9</a:t>
+            </a:r>
+            <a:endParaRPr lang="en-US" dirty="0"/>
+          </a:p>
+        </p:txBody>
+      </p:sp>
+      <p:sp>
+        <p:nvSpPr>
+          <p:cNvPr id="4" name="Footer Placeholder 3">
+            <a:extLst>
+              <a:ext uri="{FF2B5EF4-FFF2-40B4-BE49-F238E27FC236}">
+                <a16:creationId xmlns="" xmlns:a16="http://schemas.microsoft.com/office/drawing/2014/main" id="{79004010-F763-427D-8147-B73D87274D90}"/>
+              </a:ext>
+            </a:extLst>
+          </p:cNvPr>
+          <p:cNvSpPr>
+            <a:spLocks noGrp="1"/>
+          </p:cNvSpPr>
+          <p:nvPr>
+            <p:ph type="ftr" sz="quarter" idx="11"/>
+          </p:nvPr>
+        </p:nvSpPr>
+        <p:spPr/>
+        <p:txBody>
+          <a:bodyPr/>
+          <a:lstStyle/>
+          <a:p>
+            <a:r>
+              <a:rPr lang="en-US"/>
+              <a:t>Add a footer</a:t>
+            </a:r>
+            <a:endParaRPr lang="en-US" dirty="0"/>
+          </a:p>
+        </p:txBody>
+      </p:sp>
+    </p:spTree>
+    <p:extLst>
+      <p:ext uri="{BB962C8B-B14F-4D97-AF65-F5344CB8AC3E}">
+        <p14:creationId xmlns:p14="http://schemas.microsoft.com/office/powerpoint/2010/main" val="2976808109"/>
+      </p:ext>
+    </p:extLst>
+  </p:cSld>
+  <p:clrMapOvr>
+    <a:masterClrMapping/>
+  </p:clrMapOvr>
+  <mc:AlternateContent xmlns:mc="http://schemas.openxmlformats.org/markup-compatibility/2006" xmlns:p14="http://schemas.microsoft.com/office/powerpoint/2010/main">
+    <mc:Choice Requires="p14">
+      <p:transition spd="med" p14:dur="700">
+        <p:fade/>
+      </p:transition>
+    </mc:Choice>
+    <mc:Fallback xmlns="">
+      <p:transition spd="med">
+        <p:fade/>
+      </p:transition>
+    </mc:Fallback>
+  </mc:AlternateContent>
+</p:sld>
+</file>
+
+<file path=ppt/slides/slide38.xml><?xml version="1.0" encoding="utf-8"?>
+<p:sld xmlns:a="http://schemas.openxmlformats.org/drawingml/2006/main" xmlns:r="http://schemas.openxmlformats.org/officeDocument/2006/relationships" xmlns:p="http://schemas.openxmlformats.org/presentationml/2006/main">
+  <p:cSld>
+    <p:spTree>
+      <p:nvGrpSpPr>
+        <p:cNvPr id="1" name=""/>
+        <p:cNvGrpSpPr/>
+        <p:nvPr/>
+      </p:nvGrpSpPr>
+      <p:grpSpPr>
+        <a:xfrm>
+          <a:off x="0" y="0"/>
+          <a:ext cx="0" cy="0"/>
+          <a:chOff x="0" y="0"/>
+          <a:chExt cx="0" cy="0"/>
+        </a:xfrm>
+      </p:grpSpPr>
+      <p:sp>
+        <p:nvSpPr>
+          <p:cNvPr id="4" name="Title 3">
+            <a:extLst>
+              <a:ext uri="{FF2B5EF4-FFF2-40B4-BE49-F238E27FC236}">
+                <a16:creationId xmlns="" xmlns:a16="http://schemas.microsoft.com/office/drawing/2014/main" id="{07506127-40F4-46B4-AA13-9926B2BD096B}"/>
+              </a:ext>
+            </a:extLst>
+          </p:cNvPr>
+          <p:cNvSpPr>
+            <a:spLocks noGrp="1"/>
+          </p:cNvSpPr>
+          <p:nvPr>
+            <p:ph type="title"/>
+          </p:nvPr>
+        </p:nvSpPr>
+        <p:spPr/>
+        <p:txBody>
+          <a:bodyPr/>
+          <a:lstStyle/>
+          <a:p>
+            <a:r>
+              <a:rPr lang="en-US" dirty="0" smtClean="0"/>
+              <a:t>DDP This week </a:t>
+            </a:r>
+            <a:endParaRPr lang="en-US" dirty="0"/>
+          </a:p>
+        </p:txBody>
+      </p:sp>
+      <p:sp>
+        <p:nvSpPr>
+          <p:cNvPr id="2" name="Content Placeholder 1"/>
+          <p:cNvSpPr>
+            <a:spLocks noGrp="1"/>
+          </p:cNvSpPr>
+          <p:nvPr>
+            <p:ph idx="1"/>
+          </p:nvPr>
+        </p:nvSpPr>
+        <p:spPr/>
+        <p:txBody>
+          <a:bodyPr/>
+          <a:lstStyle/>
+          <a:p>
+            <a:r>
+              <a:rPr lang="en-US" dirty="0" smtClean="0"/>
+              <a:t>Drawing </a:t>
+            </a:r>
+            <a:r>
+              <a:rPr lang="en-US" b="1" dirty="0" smtClean="0"/>
+              <a:t>#8 DUE </a:t>
+            </a:r>
+            <a:r>
+              <a:rPr lang="en-US" b="1" dirty="0" smtClean="0"/>
+              <a:t>MONDAY</a:t>
+            </a:r>
+            <a:r>
+              <a:rPr lang="en-US" dirty="0" smtClean="0"/>
+              <a:t>!</a:t>
+            </a:r>
+            <a:endParaRPr lang="en-US" dirty="0" smtClean="0"/>
+          </a:p>
+          <a:p>
+            <a:pPr lvl="1"/>
+            <a:r>
+              <a:rPr lang="en-US" dirty="0" smtClean="0"/>
+              <a:t>Every missed day is </a:t>
+            </a:r>
+            <a:r>
+              <a:rPr lang="en-US" b="1" dirty="0" smtClean="0"/>
+              <a:t>-10 points</a:t>
+            </a:r>
+          </a:p>
+          <a:p>
+            <a:r>
+              <a:rPr lang="en-US" dirty="0" smtClean="0"/>
+              <a:t>Start </a:t>
+            </a:r>
+            <a:r>
+              <a:rPr lang="en-US" b="1" dirty="0" smtClean="0"/>
+              <a:t>drawing #9 Tuesday</a:t>
+            </a:r>
+          </a:p>
+          <a:p>
+            <a:pPr lvl="1"/>
+            <a:r>
+              <a:rPr lang="en-US" dirty="0" smtClean="0"/>
+              <a:t>Handout</a:t>
+            </a:r>
+          </a:p>
+          <a:p>
+            <a:pPr lvl="1"/>
+            <a:r>
+              <a:rPr lang="en-US" b="1" dirty="0" smtClean="0"/>
+              <a:t>DUE </a:t>
+            </a:r>
+            <a:r>
+              <a:rPr lang="en-US" b="1" dirty="0" smtClean="0"/>
+              <a:t>TODAY Thursday </a:t>
+            </a:r>
+            <a:r>
+              <a:rPr lang="en-US" b="1" dirty="0" smtClean="0"/>
+              <a:t>10/25</a:t>
+            </a:r>
+          </a:p>
+          <a:p>
+            <a:r>
+              <a:rPr lang="en-US" b="1" dirty="0" smtClean="0"/>
+              <a:t>Unit 4 quiz opens up Friday </a:t>
+            </a:r>
+            <a:r>
+              <a:rPr lang="en-US" dirty="0" smtClean="0"/>
+              <a:t>at 9AM</a:t>
+            </a:r>
+          </a:p>
+          <a:p>
+            <a:r>
+              <a:rPr lang="en-US" dirty="0" smtClean="0"/>
+              <a:t>Keep in mind about an </a:t>
+            </a:r>
+            <a:r>
+              <a:rPr lang="en-US" b="1" dirty="0" smtClean="0"/>
+              <a:t>80/20 rule project</a:t>
+            </a:r>
+            <a:endParaRPr lang="en-US" b="1" dirty="0"/>
+          </a:p>
+        </p:txBody>
+      </p:sp>
+      <p:sp>
+        <p:nvSpPr>
+          <p:cNvPr id="3" name="Footer Placeholder 2">
+            <a:extLst>
+              <a:ext uri="{FF2B5EF4-FFF2-40B4-BE49-F238E27FC236}">
+                <a16:creationId xmlns="" xmlns:a16="http://schemas.microsoft.com/office/drawing/2014/main" id="{1C8B0826-5E65-4731-9543-60C266E8708C}"/>
+              </a:ext>
+            </a:extLst>
+          </p:cNvPr>
+          <p:cNvSpPr>
+            <a:spLocks noGrp="1"/>
+          </p:cNvSpPr>
+          <p:nvPr>
+            <p:ph type="ftr" sz="quarter" idx="11"/>
+          </p:nvPr>
+        </p:nvSpPr>
+        <p:spPr/>
+        <p:txBody>
+          <a:bodyPr/>
+          <a:lstStyle/>
+          <a:p>
+            <a:r>
+              <a:rPr lang="en-US"/>
+              <a:t>Add a footer</a:t>
+            </a:r>
+            <a:endParaRPr lang="en-US" dirty="0"/>
+          </a:p>
+        </p:txBody>
+      </p:sp>
+    </p:spTree>
+    <p:extLst>
+      <p:ext uri="{BB962C8B-B14F-4D97-AF65-F5344CB8AC3E}">
+        <p14:creationId xmlns:p14="http://schemas.microsoft.com/office/powerpoint/2010/main" val="4011625459"/>
       </p:ext>
     </p:extLst>
   </p:cSld>
@@ -14130,10 +14435,10 @@
           <p:cNvPr id="72" name="Group 71">
             <a:extLst>
               <a:ext uri="{FF2B5EF4-FFF2-40B4-BE49-F238E27FC236}">
-                <a16:creationId xmlns:a16="http://schemas.microsoft.com/office/drawing/2014/main" xmlns="" id="{2103B461-323C-4912-BFFD-C37582662085}"/>
+                <a16:creationId xmlns="" xmlns:a16="http://schemas.microsoft.com/office/drawing/2014/main" id="{2103B461-323C-4912-BFFD-C37582662085}"/>
               </a:ext>
               <a:ext uri="{C183D7F6-B498-43B3-948B-1728B52AA6E4}">
-                <adec:decorative xmlns:adec="http://schemas.microsoft.com/office/drawing/2017/decorative" xmlns="" val="1"/>
+                <adec:decorative xmlns="" xmlns:adec="http://schemas.microsoft.com/office/drawing/2017/decorative" val="1"/>
               </a:ext>
             </a:extLst>
           </p:cNvPr>
@@ -14143,7 +14448,7 @@
           <p:nvPr>
             <p:extLst>
               <p:ext uri="{386F3935-93C4-4BCD-93E2-E3B085C9AB24}">
-                <p16:designElem xmlns:p16="http://schemas.microsoft.com/office/powerpoint/2015/main" xmlns="" val="1"/>
+                <p16:designElem xmlns="" xmlns:p16="http://schemas.microsoft.com/office/powerpoint/2015/main" val="1"/>
               </p:ext>
             </p:extLst>
           </p:nvPr>
@@ -14161,10 +14466,10 @@
             <p:cNvPr id="73" name="Straight Connector 72">
               <a:extLst>
                 <a:ext uri="{FF2B5EF4-FFF2-40B4-BE49-F238E27FC236}">
-                  <a16:creationId xmlns:a16="http://schemas.microsoft.com/office/drawing/2014/main" xmlns="" id="{FBC21318-F4F4-4524-95D1-6B7FE0A788A3}"/>
+                  <a16:creationId xmlns="" xmlns:a16="http://schemas.microsoft.com/office/drawing/2014/main" id="{FBC21318-F4F4-4524-95D1-6B7FE0A788A3}"/>
                 </a:ext>
                 <a:ext uri="{C183D7F6-B498-43B3-948B-1728B52AA6E4}">
-                  <adec:decorative xmlns:adec="http://schemas.microsoft.com/office/drawing/2017/decorative" xmlns="" val="1"/>
+                  <adec:decorative xmlns="" xmlns:adec="http://schemas.microsoft.com/office/drawing/2017/decorative" val="1"/>
                 </a:ext>
               </a:extLst>
             </p:cNvPr>
@@ -14172,7 +14477,7 @@
             <p:nvPr>
               <p:extLst>
                 <p:ext uri="{386F3935-93C4-4BCD-93E2-E3B085C9AB24}">
-                  <p16:designElem xmlns:p16="http://schemas.microsoft.com/office/powerpoint/2015/main" xmlns="" val="1"/>
+                  <p16:designElem xmlns="" xmlns:p16="http://schemas.microsoft.com/office/powerpoint/2015/main" val="1"/>
                 </p:ext>
               </p:extLst>
             </p:nvPr>
@@ -14211,10 +14516,10 @@
             <p:cNvPr id="74" name="Straight Connector 73">
               <a:extLst>
                 <a:ext uri="{FF2B5EF4-FFF2-40B4-BE49-F238E27FC236}">
-                  <a16:creationId xmlns:a16="http://schemas.microsoft.com/office/drawing/2014/main" xmlns="" id="{D9FFA8E5-974F-409E-89C6-E185BD90933C}"/>
+                  <a16:creationId xmlns="" xmlns:a16="http://schemas.microsoft.com/office/drawing/2014/main" id="{D9FFA8E5-974F-409E-89C6-E185BD90933C}"/>
                 </a:ext>
                 <a:ext uri="{C183D7F6-B498-43B3-948B-1728B52AA6E4}">
-                  <adec:decorative xmlns:adec="http://schemas.microsoft.com/office/drawing/2017/decorative" xmlns="" val="1"/>
+                  <adec:decorative xmlns="" xmlns:adec="http://schemas.microsoft.com/office/drawing/2017/decorative" val="1"/>
                 </a:ext>
               </a:extLst>
             </p:cNvPr>
@@ -14222,7 +14527,7 @@
             <p:nvPr>
               <p:extLst>
                 <p:ext uri="{386F3935-93C4-4BCD-93E2-E3B085C9AB24}">
-                  <p16:designElem xmlns:p16="http://schemas.microsoft.com/office/powerpoint/2015/main" xmlns="" val="1"/>
+                  <p16:designElem xmlns="" xmlns:p16="http://schemas.microsoft.com/office/powerpoint/2015/main" val="1"/>
                 </p:ext>
               </p:extLst>
             </p:nvPr>
@@ -14261,10 +14566,10 @@
             <p:cNvPr id="75" name="Straight Connector 74">
               <a:extLst>
                 <a:ext uri="{FF2B5EF4-FFF2-40B4-BE49-F238E27FC236}">
-                  <a16:creationId xmlns:a16="http://schemas.microsoft.com/office/drawing/2014/main" xmlns="" id="{C384E2B1-7008-45EE-9F2E-FEF3A089780F}"/>
+                  <a16:creationId xmlns="" xmlns:a16="http://schemas.microsoft.com/office/drawing/2014/main" id="{C384E2B1-7008-45EE-9F2E-FEF3A089780F}"/>
                 </a:ext>
                 <a:ext uri="{C183D7F6-B498-43B3-948B-1728B52AA6E4}">
-                  <adec:decorative xmlns:adec="http://schemas.microsoft.com/office/drawing/2017/decorative" xmlns="" val="1"/>
+                  <adec:decorative xmlns="" xmlns:adec="http://schemas.microsoft.com/office/drawing/2017/decorative" val="1"/>
                 </a:ext>
               </a:extLst>
             </p:cNvPr>
@@ -14272,7 +14577,7 @@
             <p:nvPr>
               <p:extLst>
                 <p:ext uri="{386F3935-93C4-4BCD-93E2-E3B085C9AB24}">
-                  <p16:designElem xmlns:p16="http://schemas.microsoft.com/office/powerpoint/2015/main" xmlns="" val="1"/>
+                  <p16:designElem xmlns="" xmlns:p16="http://schemas.microsoft.com/office/powerpoint/2015/main" val="1"/>
                 </p:ext>
               </p:extLst>
             </p:nvPr>
@@ -14311,10 +14616,10 @@
             <p:cNvPr id="76" name="Straight Connector 75">
               <a:extLst>
                 <a:ext uri="{FF2B5EF4-FFF2-40B4-BE49-F238E27FC236}">
-                  <a16:creationId xmlns:a16="http://schemas.microsoft.com/office/drawing/2014/main" xmlns="" id="{D4563410-7FE9-4955-89C6-0FB9326CD3A8}"/>
+                  <a16:creationId xmlns="" xmlns:a16="http://schemas.microsoft.com/office/drawing/2014/main" id="{D4563410-7FE9-4955-89C6-0FB9326CD3A8}"/>
                 </a:ext>
                 <a:ext uri="{C183D7F6-B498-43B3-948B-1728B52AA6E4}">
-                  <adec:decorative xmlns:adec="http://schemas.microsoft.com/office/drawing/2017/decorative" xmlns="" val="1"/>
+                  <adec:decorative xmlns="" xmlns:adec="http://schemas.microsoft.com/office/drawing/2017/decorative" val="1"/>
                 </a:ext>
               </a:extLst>
             </p:cNvPr>
@@ -14322,7 +14627,7 @@
             <p:nvPr>
               <p:extLst>
                 <p:ext uri="{386F3935-93C4-4BCD-93E2-E3B085C9AB24}">
-                  <p16:designElem xmlns:p16="http://schemas.microsoft.com/office/powerpoint/2015/main" xmlns="" val="1"/>
+                  <p16:designElem xmlns="" xmlns:p16="http://schemas.microsoft.com/office/powerpoint/2015/main" val="1"/>
                 </p:ext>
               </p:extLst>
             </p:nvPr>
@@ -14361,10 +14666,10 @@
             <p:cNvPr id="77" name="Straight Connector 76">
               <a:extLst>
                 <a:ext uri="{FF2B5EF4-FFF2-40B4-BE49-F238E27FC236}">
-                  <a16:creationId xmlns:a16="http://schemas.microsoft.com/office/drawing/2014/main" xmlns="" id="{3AD14C0E-D5DF-4BDC-BD92-642CFF18018D}"/>
+                  <a16:creationId xmlns="" xmlns:a16="http://schemas.microsoft.com/office/drawing/2014/main" id="{3AD14C0E-D5DF-4BDC-BD92-642CFF18018D}"/>
                 </a:ext>
                 <a:ext uri="{C183D7F6-B498-43B3-948B-1728B52AA6E4}">
-                  <adec:decorative xmlns:adec="http://schemas.microsoft.com/office/drawing/2017/decorative" xmlns="" val="1"/>
+                  <adec:decorative xmlns="" xmlns:adec="http://schemas.microsoft.com/office/drawing/2017/decorative" val="1"/>
                 </a:ext>
               </a:extLst>
             </p:cNvPr>
@@ -14372,7 +14677,7 @@
             <p:nvPr>
               <p:extLst>
                 <p:ext uri="{386F3935-93C4-4BCD-93E2-E3B085C9AB24}">
-                  <p16:designElem xmlns:p16="http://schemas.microsoft.com/office/powerpoint/2015/main" xmlns="" val="1"/>
+                  <p16:designElem xmlns="" xmlns:p16="http://schemas.microsoft.com/office/powerpoint/2015/main" val="1"/>
                 </p:ext>
               </p:extLst>
             </p:nvPr>
@@ -14412,10 +14717,10 @@
           <p:cNvPr id="79" name="Rectangle 78">
             <a:extLst>
               <a:ext uri="{FF2B5EF4-FFF2-40B4-BE49-F238E27FC236}">
-                <a16:creationId xmlns:a16="http://schemas.microsoft.com/office/drawing/2014/main" xmlns="" id="{9A212F8F-D812-4A16-BE82-F3500DE32174}"/>
+                <a16:creationId xmlns="" xmlns:a16="http://schemas.microsoft.com/office/drawing/2014/main" id="{9A212F8F-D812-4A16-BE82-F3500DE32174}"/>
               </a:ext>
               <a:ext uri="{C183D7F6-B498-43B3-948B-1728B52AA6E4}">
-                <adec:decorative xmlns:adec="http://schemas.microsoft.com/office/drawing/2017/decorative" xmlns="" val="1"/>
+                <adec:decorative xmlns="" xmlns:adec="http://schemas.microsoft.com/office/drawing/2017/decorative" val="1"/>
               </a:ext>
             </a:extLst>
           </p:cNvPr>
@@ -14425,7 +14730,7 @@
           <p:nvPr>
             <p:extLst>
               <p:ext uri="{386F3935-93C4-4BCD-93E2-E3B085C9AB24}">
-                <p16:designElem xmlns:p16="http://schemas.microsoft.com/office/powerpoint/2015/main" xmlns="" val="1"/>
+                <p16:designElem xmlns="" xmlns:p16="http://schemas.microsoft.com/office/powerpoint/2015/main" val="1"/>
               </p:ext>
             </p:extLst>
           </p:nvPr>
@@ -14472,7 +14777,7 @@
           <p:cNvPr id="4" name="Footer Placeholder 3">
             <a:extLst>
               <a:ext uri="{FF2B5EF4-FFF2-40B4-BE49-F238E27FC236}">
-                <a16:creationId xmlns:a16="http://schemas.microsoft.com/office/drawing/2014/main" xmlns="" id="{15F9798A-E339-43DA-A69F-CA4C3A8139DA}"/>
+                <a16:creationId xmlns="" xmlns:a16="http://schemas.microsoft.com/office/drawing/2014/main" id="{15F9798A-E339-43DA-A69F-CA4C3A8139DA}"/>
               </a:ext>
             </a:extLst>
           </p:cNvPr>
@@ -14522,10 +14827,10 @@
           <p:cNvPr id="81" name="Snip Diagonal Corner Rectangle 24">
             <a:extLst>
               <a:ext uri="{FF2B5EF4-FFF2-40B4-BE49-F238E27FC236}">
-                <a16:creationId xmlns:a16="http://schemas.microsoft.com/office/drawing/2014/main" xmlns="" id="{D2CF1D1B-04ED-443D-A9FE-68BF8859BDD6}"/>
+                <a16:creationId xmlns="" xmlns:a16="http://schemas.microsoft.com/office/drawing/2014/main" id="{D2CF1D1B-04ED-443D-A9FE-68BF8859BDD6}"/>
               </a:ext>
               <a:ext uri="{C183D7F6-B498-43B3-948B-1728B52AA6E4}">
-                <adec:decorative xmlns:adec="http://schemas.microsoft.com/office/drawing/2017/decorative" xmlns="" val="1"/>
+                <adec:decorative xmlns="" xmlns:adec="http://schemas.microsoft.com/office/drawing/2017/decorative" val="1"/>
               </a:ext>
             </a:extLst>
           </p:cNvPr>
@@ -14535,7 +14840,7 @@
           <p:nvPr>
             <p:extLst>
               <p:ext uri="{386F3935-93C4-4BCD-93E2-E3B085C9AB24}">
-                <p16:designElem xmlns:p16="http://schemas.microsoft.com/office/powerpoint/2015/main" xmlns="" val="1"/>
+                <p16:designElem xmlns="" xmlns:p16="http://schemas.microsoft.com/office/powerpoint/2015/main" val="1"/>
               </p:ext>
             </p:extLst>
           </p:nvPr>
@@ -14595,7 +14900,7 @@
           <p:cNvPr id="5125" name="Picture 2" descr="Forms response chart. Question title: Why is lettering so important?. Number of responses: 7 / 14 correct responses.">
             <a:extLst>
               <a:ext uri="{FF2B5EF4-FFF2-40B4-BE49-F238E27FC236}">
-                <a16:creationId xmlns:a16="http://schemas.microsoft.com/office/drawing/2014/main" xmlns="" id="{9CF9E375-9C80-49B2-BABF-352EAE60886B}"/>
+                <a16:creationId xmlns="" xmlns:a16="http://schemas.microsoft.com/office/drawing/2014/main" id="{9CF9E375-9C80-49B2-BABF-352EAE60886B}"/>
               </a:ext>
             </a:extLst>
           </p:cNvPr>
@@ -14770,10 +15075,10 @@
           <p:cNvPr id="72" name="Group 71">
             <a:extLst>
               <a:ext uri="{FF2B5EF4-FFF2-40B4-BE49-F238E27FC236}">
-                <a16:creationId xmlns:a16="http://schemas.microsoft.com/office/drawing/2014/main" xmlns="" id="{2103B461-323C-4912-BFFD-C37582662085}"/>
+                <a16:creationId xmlns="" xmlns:a16="http://schemas.microsoft.com/office/drawing/2014/main" id="{2103B461-323C-4912-BFFD-C37582662085}"/>
               </a:ext>
               <a:ext uri="{C183D7F6-B498-43B3-948B-1728B52AA6E4}">
-                <adec:decorative xmlns:adec="http://schemas.microsoft.com/office/drawing/2017/decorative" xmlns="" val="1"/>
+                <adec:decorative xmlns="" xmlns:adec="http://schemas.microsoft.com/office/drawing/2017/decorative" val="1"/>
               </a:ext>
             </a:extLst>
           </p:cNvPr>
@@ -14783,7 +15088,7 @@
           <p:nvPr>
             <p:extLst>
               <p:ext uri="{386F3935-93C4-4BCD-93E2-E3B085C9AB24}">
-                <p16:designElem xmlns:p16="http://schemas.microsoft.com/office/powerpoint/2015/main" xmlns="" val="1"/>
+                <p16:designElem xmlns="" xmlns:p16="http://schemas.microsoft.com/office/powerpoint/2015/main" val="1"/>
               </p:ext>
             </p:extLst>
           </p:nvPr>
@@ -14801,10 +15106,10 @@
             <p:cNvPr id="73" name="Straight Connector 72">
               <a:extLst>
                 <a:ext uri="{FF2B5EF4-FFF2-40B4-BE49-F238E27FC236}">
-                  <a16:creationId xmlns:a16="http://schemas.microsoft.com/office/drawing/2014/main" xmlns="" id="{FBC21318-F4F4-4524-95D1-6B7FE0A788A3}"/>
+                  <a16:creationId xmlns="" xmlns:a16="http://schemas.microsoft.com/office/drawing/2014/main" id="{FBC21318-F4F4-4524-95D1-6B7FE0A788A3}"/>
                 </a:ext>
                 <a:ext uri="{C183D7F6-B498-43B3-948B-1728B52AA6E4}">
-                  <adec:decorative xmlns:adec="http://schemas.microsoft.com/office/drawing/2017/decorative" xmlns="" val="1"/>
+                  <adec:decorative xmlns="" xmlns:adec="http://schemas.microsoft.com/office/drawing/2017/decorative" val="1"/>
                 </a:ext>
               </a:extLst>
             </p:cNvPr>
@@ -14812,7 +15117,7 @@
             <p:nvPr>
               <p:extLst>
                 <p:ext uri="{386F3935-93C4-4BCD-93E2-E3B085C9AB24}">
-                  <p16:designElem xmlns:p16="http://schemas.microsoft.com/office/powerpoint/2015/main" xmlns="" val="1"/>
+                  <p16:designElem xmlns="" xmlns:p16="http://schemas.microsoft.com/office/powerpoint/2015/main" val="1"/>
                 </p:ext>
               </p:extLst>
             </p:nvPr>
@@ -14851,10 +15156,10 @@
             <p:cNvPr id="74" name="Straight Connector 73">
               <a:extLst>
                 <a:ext uri="{FF2B5EF4-FFF2-40B4-BE49-F238E27FC236}">
-                  <a16:creationId xmlns:a16="http://schemas.microsoft.com/office/drawing/2014/main" xmlns="" id="{D9FFA8E5-974F-409E-89C6-E185BD90933C}"/>
+                  <a16:creationId xmlns="" xmlns:a16="http://schemas.microsoft.com/office/drawing/2014/main" id="{D9FFA8E5-974F-409E-89C6-E185BD90933C}"/>
                 </a:ext>
                 <a:ext uri="{C183D7F6-B498-43B3-948B-1728B52AA6E4}">
-                  <adec:decorative xmlns:adec="http://schemas.microsoft.com/office/drawing/2017/decorative" xmlns="" val="1"/>
+                  <adec:decorative xmlns="" xmlns:adec="http://schemas.microsoft.com/office/drawing/2017/decorative" val="1"/>
                 </a:ext>
               </a:extLst>
             </p:cNvPr>
@@ -14862,7 +15167,7 @@
             <p:nvPr>
               <p:extLst>
                 <p:ext uri="{386F3935-93C4-4BCD-93E2-E3B085C9AB24}">
-                  <p16:designElem xmlns:p16="http://schemas.microsoft.com/office/powerpoint/2015/main" xmlns="" val="1"/>
+                  <p16:designElem xmlns="" xmlns:p16="http://schemas.microsoft.com/office/powerpoint/2015/main" val="1"/>
                 </p:ext>
               </p:extLst>
             </p:nvPr>
@@ -14901,10 +15206,10 @@
             <p:cNvPr id="75" name="Straight Connector 74">
               <a:extLst>
                 <a:ext uri="{FF2B5EF4-FFF2-40B4-BE49-F238E27FC236}">
-                  <a16:creationId xmlns:a16="http://schemas.microsoft.com/office/drawing/2014/main" xmlns="" id="{C384E2B1-7008-45EE-9F2E-FEF3A089780F}"/>
+                  <a16:creationId xmlns="" xmlns:a16="http://schemas.microsoft.com/office/drawing/2014/main" id="{C384E2B1-7008-45EE-9F2E-FEF3A089780F}"/>
                 </a:ext>
                 <a:ext uri="{C183D7F6-B498-43B3-948B-1728B52AA6E4}">
-                  <adec:decorative xmlns:adec="http://schemas.microsoft.com/office/drawing/2017/decorative" xmlns="" val="1"/>
+                  <adec:decorative xmlns="" xmlns:adec="http://schemas.microsoft.com/office/drawing/2017/decorative" val="1"/>
                 </a:ext>
               </a:extLst>
             </p:cNvPr>
@@ -14912,7 +15217,7 @@
             <p:nvPr>
               <p:extLst>
                 <p:ext uri="{386F3935-93C4-4BCD-93E2-E3B085C9AB24}">
-                  <p16:designElem xmlns:p16="http://schemas.microsoft.com/office/powerpoint/2015/main" xmlns="" val="1"/>
+                  <p16:designElem xmlns="" xmlns:p16="http://schemas.microsoft.com/office/powerpoint/2015/main" val="1"/>
                 </p:ext>
               </p:extLst>
             </p:nvPr>
@@ -14951,10 +15256,10 @@
             <p:cNvPr id="76" name="Straight Connector 75">
               <a:extLst>
                 <a:ext uri="{FF2B5EF4-FFF2-40B4-BE49-F238E27FC236}">
-                  <a16:creationId xmlns:a16="http://schemas.microsoft.com/office/drawing/2014/main" xmlns="" id="{D4563410-7FE9-4955-89C6-0FB9326CD3A8}"/>
+                  <a16:creationId xmlns="" xmlns:a16="http://schemas.microsoft.com/office/drawing/2014/main" id="{D4563410-7FE9-4955-89C6-0FB9326CD3A8}"/>
                 </a:ext>
                 <a:ext uri="{C183D7F6-B498-43B3-948B-1728B52AA6E4}">
-                  <adec:decorative xmlns:adec="http://schemas.microsoft.com/office/drawing/2017/decorative" xmlns="" val="1"/>
+                  <adec:decorative xmlns="" xmlns:adec="http://schemas.microsoft.com/office/drawing/2017/decorative" val="1"/>
                 </a:ext>
               </a:extLst>
             </p:cNvPr>
@@ -14962,7 +15267,7 @@
             <p:nvPr>
               <p:extLst>
                 <p:ext uri="{386F3935-93C4-4BCD-93E2-E3B085C9AB24}">
-                  <p16:designElem xmlns:p16="http://schemas.microsoft.com/office/powerpoint/2015/main" xmlns="" val="1"/>
+                  <p16:designElem xmlns="" xmlns:p16="http://schemas.microsoft.com/office/powerpoint/2015/main" val="1"/>
                 </p:ext>
               </p:extLst>
             </p:nvPr>
@@ -15001,10 +15306,10 @@
             <p:cNvPr id="77" name="Straight Connector 76">
               <a:extLst>
                 <a:ext uri="{FF2B5EF4-FFF2-40B4-BE49-F238E27FC236}">
-                  <a16:creationId xmlns:a16="http://schemas.microsoft.com/office/drawing/2014/main" xmlns="" id="{3AD14C0E-D5DF-4BDC-BD92-642CFF18018D}"/>
+                  <a16:creationId xmlns="" xmlns:a16="http://schemas.microsoft.com/office/drawing/2014/main" id="{3AD14C0E-D5DF-4BDC-BD92-642CFF18018D}"/>
                 </a:ext>
                 <a:ext uri="{C183D7F6-B498-43B3-948B-1728B52AA6E4}">
-                  <adec:decorative xmlns:adec="http://schemas.microsoft.com/office/drawing/2017/decorative" xmlns="" val="1"/>
+                  <adec:decorative xmlns="" xmlns:adec="http://schemas.microsoft.com/office/drawing/2017/decorative" val="1"/>
                 </a:ext>
               </a:extLst>
             </p:cNvPr>
@@ -15012,7 +15317,7 @@
             <p:nvPr>
               <p:extLst>
                 <p:ext uri="{386F3935-93C4-4BCD-93E2-E3B085C9AB24}">
-                  <p16:designElem xmlns:p16="http://schemas.microsoft.com/office/powerpoint/2015/main" xmlns="" val="1"/>
+                  <p16:designElem xmlns="" xmlns:p16="http://schemas.microsoft.com/office/powerpoint/2015/main" val="1"/>
                 </p:ext>
               </p:extLst>
             </p:nvPr>
@@ -15052,10 +15357,10 @@
           <p:cNvPr id="79" name="Rectangle 78">
             <a:extLst>
               <a:ext uri="{FF2B5EF4-FFF2-40B4-BE49-F238E27FC236}">
-                <a16:creationId xmlns:a16="http://schemas.microsoft.com/office/drawing/2014/main" xmlns="" id="{9A212F8F-D812-4A16-BE82-F3500DE32174}"/>
+                <a16:creationId xmlns="" xmlns:a16="http://schemas.microsoft.com/office/drawing/2014/main" id="{9A212F8F-D812-4A16-BE82-F3500DE32174}"/>
               </a:ext>
               <a:ext uri="{C183D7F6-B498-43B3-948B-1728B52AA6E4}">
-                <adec:decorative xmlns:adec="http://schemas.microsoft.com/office/drawing/2017/decorative" xmlns="" val="1"/>
+                <adec:decorative xmlns="" xmlns:adec="http://schemas.microsoft.com/office/drawing/2017/decorative" val="1"/>
               </a:ext>
             </a:extLst>
           </p:cNvPr>
@@ -15065,7 +15370,7 @@
           <p:nvPr>
             <p:extLst>
               <p:ext uri="{386F3935-93C4-4BCD-93E2-E3B085C9AB24}">
-                <p16:designElem xmlns:p16="http://schemas.microsoft.com/office/powerpoint/2015/main" xmlns="" val="1"/>
+                <p16:designElem xmlns="" xmlns:p16="http://schemas.microsoft.com/office/powerpoint/2015/main" val="1"/>
               </p:ext>
             </p:extLst>
           </p:nvPr>
@@ -15112,7 +15417,7 @@
           <p:cNvPr id="4" name="Footer Placeholder 3">
             <a:extLst>
               <a:ext uri="{FF2B5EF4-FFF2-40B4-BE49-F238E27FC236}">
-                <a16:creationId xmlns:a16="http://schemas.microsoft.com/office/drawing/2014/main" xmlns="" id="{1706A07F-523B-4EB7-8912-0BC49C2A7E6F}"/>
+                <a16:creationId xmlns="" xmlns:a16="http://schemas.microsoft.com/office/drawing/2014/main" id="{1706A07F-523B-4EB7-8912-0BC49C2A7E6F}"/>
               </a:ext>
             </a:extLst>
           </p:cNvPr>
@@ -15162,10 +15467,10 @@
           <p:cNvPr id="81" name="Snip Diagonal Corner Rectangle 24">
             <a:extLst>
               <a:ext uri="{FF2B5EF4-FFF2-40B4-BE49-F238E27FC236}">
-                <a16:creationId xmlns:a16="http://schemas.microsoft.com/office/drawing/2014/main" xmlns="" id="{D2CF1D1B-04ED-443D-A9FE-68BF8859BDD6}"/>
+                <a16:creationId xmlns="" xmlns:a16="http://schemas.microsoft.com/office/drawing/2014/main" id="{D2CF1D1B-04ED-443D-A9FE-68BF8859BDD6}"/>
               </a:ext>
               <a:ext uri="{C183D7F6-B498-43B3-948B-1728B52AA6E4}">
-                <adec:decorative xmlns:adec="http://schemas.microsoft.com/office/drawing/2017/decorative" xmlns="" val="1"/>
+                <adec:decorative xmlns="" xmlns:adec="http://schemas.microsoft.com/office/drawing/2017/decorative" val="1"/>
               </a:ext>
             </a:extLst>
           </p:cNvPr>
@@ -15175,7 +15480,7 @@
           <p:nvPr>
             <p:extLst>
               <p:ext uri="{386F3935-93C4-4BCD-93E2-E3B085C9AB24}">
-                <p16:designElem xmlns:p16="http://schemas.microsoft.com/office/powerpoint/2015/main" xmlns="" val="1"/>
+                <p16:designElem xmlns="" xmlns:p16="http://schemas.microsoft.com/office/powerpoint/2015/main" val="1"/>
               </p:ext>
             </p:extLst>
           </p:nvPr>
@@ -15235,7 +15540,7 @@
           <p:cNvPr id="6149" name="Picture 2" descr="Forms response chart. Question title: On average, lettering consumes how much of a drafters time per project?. Number of responses: 11 / 14 correct responses.">
             <a:extLst>
               <a:ext uri="{FF2B5EF4-FFF2-40B4-BE49-F238E27FC236}">
-                <a16:creationId xmlns:a16="http://schemas.microsoft.com/office/drawing/2014/main" xmlns="" id="{FAC1FEFB-41ED-4ACD-8561-97AFC72922CE}"/>
+                <a16:creationId xmlns="" xmlns:a16="http://schemas.microsoft.com/office/drawing/2014/main" id="{FAC1FEFB-41ED-4ACD-8561-97AFC72922CE}"/>
               </a:ext>
             </a:extLst>
           </p:cNvPr>
@@ -15410,10 +15715,10 @@
           <p:cNvPr id="80" name="Group 79">
             <a:extLst>
               <a:ext uri="{FF2B5EF4-FFF2-40B4-BE49-F238E27FC236}">
-                <a16:creationId xmlns:a16="http://schemas.microsoft.com/office/drawing/2014/main" xmlns="" id="{2103B461-323C-4912-BFFD-C37582662085}"/>
+                <a16:creationId xmlns="" xmlns:a16="http://schemas.microsoft.com/office/drawing/2014/main" id="{2103B461-323C-4912-BFFD-C37582662085}"/>
               </a:ext>
               <a:ext uri="{C183D7F6-B498-43B3-948B-1728B52AA6E4}">
-                <adec:decorative xmlns:adec="http://schemas.microsoft.com/office/drawing/2017/decorative" xmlns="" val="1"/>
+                <adec:decorative xmlns="" xmlns:adec="http://schemas.microsoft.com/office/drawing/2017/decorative" val="1"/>
               </a:ext>
             </a:extLst>
           </p:cNvPr>
@@ -15423,7 +15728,7 @@
           <p:nvPr>
             <p:extLst>
               <p:ext uri="{386F3935-93C4-4BCD-93E2-E3B085C9AB24}">
-                <p16:designElem xmlns:p16="http://schemas.microsoft.com/office/powerpoint/2015/main" xmlns="" val="1"/>
+                <p16:designElem xmlns="" xmlns:p16="http://schemas.microsoft.com/office/powerpoint/2015/main" val="1"/>
               </p:ext>
             </p:extLst>
           </p:nvPr>
@@ -15441,10 +15746,10 @@
             <p:cNvPr id="7175" name="Straight Connector 80">
               <a:extLst>
                 <a:ext uri="{FF2B5EF4-FFF2-40B4-BE49-F238E27FC236}">
-                  <a16:creationId xmlns:a16="http://schemas.microsoft.com/office/drawing/2014/main" xmlns="" id="{FBC21318-F4F4-4524-95D1-6B7FE0A788A3}"/>
+                  <a16:creationId xmlns="" xmlns:a16="http://schemas.microsoft.com/office/drawing/2014/main" id="{FBC21318-F4F4-4524-95D1-6B7FE0A788A3}"/>
                 </a:ext>
                 <a:ext uri="{C183D7F6-B498-43B3-948B-1728B52AA6E4}">
-                  <adec:decorative xmlns:adec="http://schemas.microsoft.com/office/drawing/2017/decorative" xmlns="" val="1"/>
+                  <adec:decorative xmlns="" xmlns:adec="http://schemas.microsoft.com/office/drawing/2017/decorative" val="1"/>
                 </a:ext>
               </a:extLst>
             </p:cNvPr>
@@ -15452,7 +15757,7 @@
             <p:nvPr>
               <p:extLst>
                 <p:ext uri="{386F3935-93C4-4BCD-93E2-E3B085C9AB24}">
-                  <p16:designElem xmlns:p16="http://schemas.microsoft.com/office/powerpoint/2015/main" xmlns="" val="1"/>
+                  <p16:designElem xmlns="" xmlns:p16="http://schemas.microsoft.com/office/powerpoint/2015/main" val="1"/>
                 </p:ext>
               </p:extLst>
             </p:nvPr>
@@ -15491,10 +15796,10 @@
             <p:cNvPr id="88" name="Straight Connector 87">
               <a:extLst>
                 <a:ext uri="{FF2B5EF4-FFF2-40B4-BE49-F238E27FC236}">
-                  <a16:creationId xmlns:a16="http://schemas.microsoft.com/office/drawing/2014/main" xmlns="" id="{D9FFA8E5-974F-409E-89C6-E185BD90933C}"/>
+                  <a16:creationId xmlns="" xmlns:a16="http://schemas.microsoft.com/office/drawing/2014/main" id="{D9FFA8E5-974F-409E-89C6-E185BD90933C}"/>
                 </a:ext>
                 <a:ext uri="{C183D7F6-B498-43B3-948B-1728B52AA6E4}">
-                  <adec:decorative xmlns:adec="http://schemas.microsoft.com/office/drawing/2017/decorative" xmlns="" val="1"/>
+                  <adec:decorative xmlns="" xmlns:adec="http://schemas.microsoft.com/office/drawing/2017/decorative" val="1"/>
                 </a:ext>
               </a:extLst>
             </p:cNvPr>
@@ -15502,7 +15807,7 @@
             <p:nvPr>
               <p:extLst>
                 <p:ext uri="{386F3935-93C4-4BCD-93E2-E3B085C9AB24}">
-                  <p16:designElem xmlns:p16="http://schemas.microsoft.com/office/powerpoint/2015/main" xmlns="" val="1"/>
+                  <p16:designElem xmlns="" xmlns:p16="http://schemas.microsoft.com/office/powerpoint/2015/main" val="1"/>
                 </p:ext>
               </p:extLst>
             </p:nvPr>
@@ -15541,10 +15846,10 @@
             <p:cNvPr id="89" name="Straight Connector 88">
               <a:extLst>
                 <a:ext uri="{FF2B5EF4-FFF2-40B4-BE49-F238E27FC236}">
-                  <a16:creationId xmlns:a16="http://schemas.microsoft.com/office/drawing/2014/main" xmlns="" id="{C384E2B1-7008-45EE-9F2E-FEF3A089780F}"/>
+                  <a16:creationId xmlns="" xmlns:a16="http://schemas.microsoft.com/office/drawing/2014/main" id="{C384E2B1-7008-45EE-9F2E-FEF3A089780F}"/>
                 </a:ext>
                 <a:ext uri="{C183D7F6-B498-43B3-948B-1728B52AA6E4}">
-                  <adec:decorative xmlns:adec="http://schemas.microsoft.com/office/drawing/2017/decorative" xmlns="" val="1"/>
+                  <adec:decorative xmlns="" xmlns:adec="http://schemas.microsoft.com/office/drawing/2017/decorative" val="1"/>
                 </a:ext>
               </a:extLst>
             </p:cNvPr>
@@ -15552,7 +15857,7 @@
             <p:nvPr>
               <p:extLst>
                 <p:ext uri="{386F3935-93C4-4BCD-93E2-E3B085C9AB24}">
-                  <p16:designElem xmlns:p16="http://schemas.microsoft.com/office/powerpoint/2015/main" xmlns="" val="1"/>
+                  <p16:designElem xmlns="" xmlns:p16="http://schemas.microsoft.com/office/powerpoint/2015/main" val="1"/>
                 </p:ext>
               </p:extLst>
             </p:nvPr>
@@ -15591,10 +15896,10 @@
             <p:cNvPr id="90" name="Straight Connector 89">
               <a:extLst>
                 <a:ext uri="{FF2B5EF4-FFF2-40B4-BE49-F238E27FC236}">
-                  <a16:creationId xmlns:a16="http://schemas.microsoft.com/office/drawing/2014/main" xmlns="" id="{D4563410-7FE9-4955-89C6-0FB9326CD3A8}"/>
+                  <a16:creationId xmlns="" xmlns:a16="http://schemas.microsoft.com/office/drawing/2014/main" id="{D4563410-7FE9-4955-89C6-0FB9326CD3A8}"/>
                 </a:ext>
                 <a:ext uri="{C183D7F6-B498-43B3-948B-1728B52AA6E4}">
-                  <adec:decorative xmlns:adec="http://schemas.microsoft.com/office/drawing/2017/decorative" xmlns="" val="1"/>
+                  <adec:decorative xmlns="" xmlns:adec="http://schemas.microsoft.com/office/drawing/2017/decorative" val="1"/>
                 </a:ext>
               </a:extLst>
             </p:cNvPr>
@@ -15602,7 +15907,7 @@
             <p:nvPr>
               <p:extLst>
                 <p:ext uri="{386F3935-93C4-4BCD-93E2-E3B085C9AB24}">
-                  <p16:designElem xmlns:p16="http://schemas.microsoft.com/office/powerpoint/2015/main" xmlns="" val="1"/>
+                  <p16:designElem xmlns="" xmlns:p16="http://schemas.microsoft.com/office/powerpoint/2015/main" val="1"/>
                 </p:ext>
               </p:extLst>
             </p:nvPr>
@@ -15641,10 +15946,10 @@
             <p:cNvPr id="91" name="Straight Connector 90">
               <a:extLst>
                 <a:ext uri="{FF2B5EF4-FFF2-40B4-BE49-F238E27FC236}">
-                  <a16:creationId xmlns:a16="http://schemas.microsoft.com/office/drawing/2014/main" xmlns="" id="{3AD14C0E-D5DF-4BDC-BD92-642CFF18018D}"/>
+                  <a16:creationId xmlns="" xmlns:a16="http://schemas.microsoft.com/office/drawing/2014/main" id="{3AD14C0E-D5DF-4BDC-BD92-642CFF18018D}"/>
                 </a:ext>
                 <a:ext uri="{C183D7F6-B498-43B3-948B-1728B52AA6E4}">
-                  <adec:decorative xmlns:adec="http://schemas.microsoft.com/office/drawing/2017/decorative" xmlns="" val="1"/>
+                  <adec:decorative xmlns="" xmlns:adec="http://schemas.microsoft.com/office/drawing/2017/decorative" val="1"/>
                 </a:ext>
               </a:extLst>
             </p:cNvPr>
@@ -15652,7 +15957,7 @@
             <p:nvPr>
               <p:extLst>
                 <p:ext uri="{386F3935-93C4-4BCD-93E2-E3B085C9AB24}">
-                  <p16:designElem xmlns:p16="http://schemas.microsoft.com/office/powerpoint/2015/main" xmlns="" val="1"/>
+                  <p16:designElem xmlns="" xmlns:p16="http://schemas.microsoft.com/office/powerpoint/2015/main" val="1"/>
                 </p:ext>
               </p:extLst>
             </p:nvPr>
@@ -15692,10 +15997,10 @@
           <p:cNvPr id="92" name="Rectangle 91">
             <a:extLst>
               <a:ext uri="{FF2B5EF4-FFF2-40B4-BE49-F238E27FC236}">
-                <a16:creationId xmlns:a16="http://schemas.microsoft.com/office/drawing/2014/main" xmlns="" id="{9A212F8F-D812-4A16-BE82-F3500DE32174}"/>
+                <a16:creationId xmlns="" xmlns:a16="http://schemas.microsoft.com/office/drawing/2014/main" id="{9A212F8F-D812-4A16-BE82-F3500DE32174}"/>
               </a:ext>
               <a:ext uri="{C183D7F6-B498-43B3-948B-1728B52AA6E4}">
-                <adec:decorative xmlns:adec="http://schemas.microsoft.com/office/drawing/2017/decorative" xmlns="" val="1"/>
+                <adec:decorative xmlns="" xmlns:adec="http://schemas.microsoft.com/office/drawing/2017/decorative" val="1"/>
               </a:ext>
             </a:extLst>
           </p:cNvPr>
@@ -15705,7 +16010,7 @@
           <p:nvPr>
             <p:extLst>
               <p:ext uri="{386F3935-93C4-4BCD-93E2-E3B085C9AB24}">
-                <p16:designElem xmlns:p16="http://schemas.microsoft.com/office/powerpoint/2015/main" xmlns="" val="1"/>
+                <p16:designElem xmlns="" xmlns:p16="http://schemas.microsoft.com/office/powerpoint/2015/main" val="1"/>
               </p:ext>
             </p:extLst>
           </p:nvPr>
@@ -15752,7 +16057,7 @@
           <p:cNvPr id="4" name="Footer Placeholder 3">
             <a:extLst>
               <a:ext uri="{FF2B5EF4-FFF2-40B4-BE49-F238E27FC236}">
-                <a16:creationId xmlns:a16="http://schemas.microsoft.com/office/drawing/2014/main" xmlns="" id="{397A5A4B-B901-4898-9A58-FECE2B7385A2}"/>
+                <a16:creationId xmlns="" xmlns:a16="http://schemas.microsoft.com/office/drawing/2014/main" id="{397A5A4B-B901-4898-9A58-FECE2B7385A2}"/>
               </a:ext>
             </a:extLst>
           </p:cNvPr>
@@ -15802,10 +16107,10 @@
           <p:cNvPr id="93" name="Snip Diagonal Corner Rectangle 24">
             <a:extLst>
               <a:ext uri="{FF2B5EF4-FFF2-40B4-BE49-F238E27FC236}">
-                <a16:creationId xmlns:a16="http://schemas.microsoft.com/office/drawing/2014/main" xmlns="" id="{D2CF1D1B-04ED-443D-A9FE-68BF8859BDD6}"/>
+                <a16:creationId xmlns="" xmlns:a16="http://schemas.microsoft.com/office/drawing/2014/main" id="{D2CF1D1B-04ED-443D-A9FE-68BF8859BDD6}"/>
               </a:ext>
               <a:ext uri="{C183D7F6-B498-43B3-948B-1728B52AA6E4}">
-                <adec:decorative xmlns:adec="http://schemas.microsoft.com/office/drawing/2017/decorative" xmlns="" val="1"/>
+                <adec:decorative xmlns="" xmlns:adec="http://schemas.microsoft.com/office/drawing/2017/decorative" val="1"/>
               </a:ext>
             </a:extLst>
           </p:cNvPr>
@@ -15815,7 +16120,7 @@
           <p:nvPr>
             <p:extLst>
               <p:ext uri="{386F3935-93C4-4BCD-93E2-E3B085C9AB24}">
-                <p16:designElem xmlns:p16="http://schemas.microsoft.com/office/powerpoint/2015/main" xmlns="" val="1"/>
+                <p16:designElem xmlns="" xmlns:p16="http://schemas.microsoft.com/office/powerpoint/2015/main" val="1"/>
               </p:ext>
             </p:extLst>
           </p:nvPr>
@@ -15875,7 +16180,7 @@
           <p:cNvPr id="7173" name="Picture 2" descr="Forms response chart. Question title: When lettering should you push or pull your pencil so that you do not dig into your drawing?. Number of responses: 14 / 14 correct responses.">
             <a:extLst>
               <a:ext uri="{FF2B5EF4-FFF2-40B4-BE49-F238E27FC236}">
-                <a16:creationId xmlns:a16="http://schemas.microsoft.com/office/drawing/2014/main" xmlns="" id="{721B2843-28FF-4AD7-8E2A-B7D65E16E66B}"/>
+                <a16:creationId xmlns="" xmlns:a16="http://schemas.microsoft.com/office/drawing/2014/main" id="{721B2843-28FF-4AD7-8E2A-B7D65E16E66B}"/>
               </a:ext>
             </a:extLst>
           </p:cNvPr>
@@ -16048,10 +16353,10 @@
           <p:cNvPr id="138" name="Group 137">
             <a:extLst>
               <a:ext uri="{FF2B5EF4-FFF2-40B4-BE49-F238E27FC236}">
-                <a16:creationId xmlns:a16="http://schemas.microsoft.com/office/drawing/2014/main" xmlns="" id="{2103B461-323C-4912-BFFD-C37582662085}"/>
+                <a16:creationId xmlns="" xmlns:a16="http://schemas.microsoft.com/office/drawing/2014/main" id="{2103B461-323C-4912-BFFD-C37582662085}"/>
               </a:ext>
               <a:ext uri="{C183D7F6-B498-43B3-948B-1728B52AA6E4}">
-                <adec:decorative xmlns:adec="http://schemas.microsoft.com/office/drawing/2017/decorative" xmlns="" val="1"/>
+                <adec:decorative xmlns="" xmlns:adec="http://schemas.microsoft.com/office/drawing/2017/decorative" val="1"/>
               </a:ext>
             </a:extLst>
           </p:cNvPr>
@@ -16061,7 +16366,7 @@
           <p:nvPr>
             <p:extLst>
               <p:ext uri="{386F3935-93C4-4BCD-93E2-E3B085C9AB24}">
-                <p16:designElem xmlns:p16="http://schemas.microsoft.com/office/powerpoint/2015/main" xmlns="" val="1"/>
+                <p16:designElem xmlns="" xmlns:p16="http://schemas.microsoft.com/office/powerpoint/2015/main" val="1"/>
               </p:ext>
             </p:extLst>
           </p:nvPr>
@@ -16079,10 +16384,10 @@
             <p:cNvPr id="139" name="Straight Connector 138">
               <a:extLst>
                 <a:ext uri="{FF2B5EF4-FFF2-40B4-BE49-F238E27FC236}">
-                  <a16:creationId xmlns:a16="http://schemas.microsoft.com/office/drawing/2014/main" xmlns="" id="{FBC21318-F4F4-4524-95D1-6B7FE0A788A3}"/>
+                  <a16:creationId xmlns="" xmlns:a16="http://schemas.microsoft.com/office/drawing/2014/main" id="{FBC21318-F4F4-4524-95D1-6B7FE0A788A3}"/>
                 </a:ext>
                 <a:ext uri="{C183D7F6-B498-43B3-948B-1728B52AA6E4}">
-                  <adec:decorative xmlns:adec="http://schemas.microsoft.com/office/drawing/2017/decorative" xmlns="" val="1"/>
+                  <adec:decorative xmlns="" xmlns:adec="http://schemas.microsoft.com/office/drawing/2017/decorative" val="1"/>
                 </a:ext>
               </a:extLst>
             </p:cNvPr>
@@ -16090,7 +16395,7 @@
             <p:nvPr>
               <p:extLst>
                 <p:ext uri="{386F3935-93C4-4BCD-93E2-E3B085C9AB24}">
-                  <p16:designElem xmlns:p16="http://schemas.microsoft.com/office/powerpoint/2015/main" xmlns="" val="1"/>
+                  <p16:designElem xmlns="" xmlns:p16="http://schemas.microsoft.com/office/powerpoint/2015/main" val="1"/>
                 </p:ext>
               </p:extLst>
             </p:nvPr>
@@ -16129,10 +16434,10 @@
             <p:cNvPr id="140" name="Straight Connector 139">
               <a:extLst>
                 <a:ext uri="{FF2B5EF4-FFF2-40B4-BE49-F238E27FC236}">
-                  <a16:creationId xmlns:a16="http://schemas.microsoft.com/office/drawing/2014/main" xmlns="" id="{D9FFA8E5-974F-409E-89C6-E185BD90933C}"/>
+                  <a16:creationId xmlns="" xmlns:a16="http://schemas.microsoft.com/office/drawing/2014/main" id="{D9FFA8E5-974F-409E-89C6-E185BD90933C}"/>
                 </a:ext>
                 <a:ext uri="{C183D7F6-B498-43B3-948B-1728B52AA6E4}">
-                  <adec:decorative xmlns:adec="http://schemas.microsoft.com/office/drawing/2017/decorative" xmlns="" val="1"/>
+                  <adec:decorative xmlns="" xmlns:adec="http://schemas.microsoft.com/office/drawing/2017/decorative" val="1"/>
                 </a:ext>
               </a:extLst>
             </p:cNvPr>
@@ -16140,7 +16445,7 @@
             <p:nvPr>
               <p:extLst>
                 <p:ext uri="{386F3935-93C4-4BCD-93E2-E3B085C9AB24}">
-                  <p16:designElem xmlns:p16="http://schemas.microsoft.com/office/powerpoint/2015/main" xmlns="" val="1"/>
+                  <p16:designElem xmlns="" xmlns:p16="http://schemas.microsoft.com/office/powerpoint/2015/main" val="1"/>
                 </p:ext>
               </p:extLst>
             </p:nvPr>
@@ -16179,10 +16484,10 @@
             <p:cNvPr id="141" name="Straight Connector 140">
               <a:extLst>
                 <a:ext uri="{FF2B5EF4-FFF2-40B4-BE49-F238E27FC236}">
-                  <a16:creationId xmlns:a16="http://schemas.microsoft.com/office/drawing/2014/main" xmlns="" id="{C384E2B1-7008-45EE-9F2E-FEF3A089780F}"/>
+                  <a16:creationId xmlns="" xmlns:a16="http://schemas.microsoft.com/office/drawing/2014/main" id="{C384E2B1-7008-45EE-9F2E-FEF3A089780F}"/>
                 </a:ext>
                 <a:ext uri="{C183D7F6-B498-43B3-948B-1728B52AA6E4}">
-                  <adec:decorative xmlns:adec="http://schemas.microsoft.com/office/drawing/2017/decorative" xmlns="" val="1"/>
+                  <adec:decorative xmlns="" xmlns:adec="http://schemas.microsoft.com/office/drawing/2017/decorative" val="1"/>
                 </a:ext>
               </a:extLst>
             </p:cNvPr>
@@ -16190,7 +16495,7 @@
             <p:nvPr>
               <p:extLst>
                 <p:ext uri="{386F3935-93C4-4BCD-93E2-E3B085C9AB24}">
-                  <p16:designElem xmlns:p16="http://schemas.microsoft.com/office/powerpoint/2015/main" xmlns="" val="1"/>
+                  <p16:designElem xmlns="" xmlns:p16="http://schemas.microsoft.com/office/powerpoint/2015/main" val="1"/>
                 </p:ext>
               </p:extLst>
             </p:nvPr>
@@ -16229,10 +16534,10 @@
             <p:cNvPr id="142" name="Straight Connector 141">
               <a:extLst>
                 <a:ext uri="{FF2B5EF4-FFF2-40B4-BE49-F238E27FC236}">
-                  <a16:creationId xmlns:a16="http://schemas.microsoft.com/office/drawing/2014/main" xmlns="" id="{D4563410-7FE9-4955-89C6-0FB9326CD3A8}"/>
+                  <a16:creationId xmlns="" xmlns:a16="http://schemas.microsoft.com/office/drawing/2014/main" id="{D4563410-7FE9-4955-89C6-0FB9326CD3A8}"/>
                 </a:ext>
                 <a:ext uri="{C183D7F6-B498-43B3-948B-1728B52AA6E4}">
-                  <adec:decorative xmlns:adec="http://schemas.microsoft.com/office/drawing/2017/decorative" xmlns="" val="1"/>
+                  <adec:decorative xmlns="" xmlns:adec="http://schemas.microsoft.com/office/drawing/2017/decorative" val="1"/>
                 </a:ext>
               </a:extLst>
             </p:cNvPr>
@@ -16240,7 +16545,7 @@
             <p:nvPr>
               <p:extLst>
                 <p:ext uri="{386F3935-93C4-4BCD-93E2-E3B085C9AB24}">
-                  <p16:designElem xmlns:p16="http://schemas.microsoft.com/office/powerpoint/2015/main" xmlns="" val="1"/>
+                  <p16:designElem xmlns="" xmlns:p16="http://schemas.microsoft.com/office/powerpoint/2015/main" val="1"/>
                 </p:ext>
               </p:extLst>
             </p:nvPr>
@@ -16279,10 +16584,10 @@
             <p:cNvPr id="143" name="Straight Connector 142">
               <a:extLst>
                 <a:ext uri="{FF2B5EF4-FFF2-40B4-BE49-F238E27FC236}">
-                  <a16:creationId xmlns:a16="http://schemas.microsoft.com/office/drawing/2014/main" xmlns="" id="{3AD14C0E-D5DF-4BDC-BD92-642CFF18018D}"/>
+                  <a16:creationId xmlns="" xmlns:a16="http://schemas.microsoft.com/office/drawing/2014/main" id="{3AD14C0E-D5DF-4BDC-BD92-642CFF18018D}"/>
                 </a:ext>
                 <a:ext uri="{C183D7F6-B498-43B3-948B-1728B52AA6E4}">
-                  <adec:decorative xmlns:adec="http://schemas.microsoft.com/office/drawing/2017/decorative" xmlns="" val="1"/>
+                  <adec:decorative xmlns="" xmlns:adec="http://schemas.microsoft.com/office/drawing/2017/decorative" val="1"/>
                 </a:ext>
               </a:extLst>
             </p:cNvPr>
@@ -16290,7 +16595,7 @@
             <p:nvPr>
               <p:extLst>
                 <p:ext uri="{386F3935-93C4-4BCD-93E2-E3B085C9AB24}">
-                  <p16:designElem xmlns:p16="http://schemas.microsoft.com/office/powerpoint/2015/main" xmlns="" val="1"/>
+                  <p16:designElem xmlns="" xmlns:p16="http://schemas.microsoft.com/office/powerpoint/2015/main" val="1"/>
                 </p:ext>
               </p:extLst>
             </p:nvPr>
@@ -16330,10 +16635,10 @@
           <p:cNvPr id="145" name="Rectangle 144">
             <a:extLst>
               <a:ext uri="{FF2B5EF4-FFF2-40B4-BE49-F238E27FC236}">
-                <a16:creationId xmlns:a16="http://schemas.microsoft.com/office/drawing/2014/main" xmlns="" id="{9A212F8F-D812-4A16-BE82-F3500DE32174}"/>
+                <a16:creationId xmlns="" xmlns:a16="http://schemas.microsoft.com/office/drawing/2014/main" id="{9A212F8F-D812-4A16-BE82-F3500DE32174}"/>
               </a:ext>
               <a:ext uri="{C183D7F6-B498-43B3-948B-1728B52AA6E4}">
-                <adec:decorative xmlns:adec="http://schemas.microsoft.com/office/drawing/2017/decorative" xmlns="" val="1"/>
+                <adec:decorative xmlns="" xmlns:adec="http://schemas.microsoft.com/office/drawing/2017/decorative" val="1"/>
               </a:ext>
             </a:extLst>
           </p:cNvPr>
@@ -16343,7 +16648,7 @@
           <p:nvPr>
             <p:extLst>
               <p:ext uri="{386F3935-93C4-4BCD-93E2-E3B085C9AB24}">
-                <p16:designElem xmlns:p16="http://schemas.microsoft.com/office/powerpoint/2015/main" xmlns="" val="1"/>
+                <p16:designElem xmlns="" xmlns:p16="http://schemas.microsoft.com/office/powerpoint/2015/main" val="1"/>
               </p:ext>
             </p:extLst>
           </p:nvPr>
@@ -16390,7 +16695,7 @@
           <p:cNvPr id="4" name="Footer Placeholder 3">
             <a:extLst>
               <a:ext uri="{FF2B5EF4-FFF2-40B4-BE49-F238E27FC236}">
-                <a16:creationId xmlns:a16="http://schemas.microsoft.com/office/drawing/2014/main" xmlns="" id="{61B82636-F4E2-43F5-9A85-6373BC319BA9}"/>
+                <a16:creationId xmlns="" xmlns:a16="http://schemas.microsoft.com/office/drawing/2014/main" id="{61B82636-F4E2-43F5-9A85-6373BC319BA9}"/>
               </a:ext>
             </a:extLst>
           </p:cNvPr>
@@ -16440,10 +16745,10 @@
           <p:cNvPr id="147" name="Snip Diagonal Corner Rectangle 24">
             <a:extLst>
               <a:ext uri="{FF2B5EF4-FFF2-40B4-BE49-F238E27FC236}">
-                <a16:creationId xmlns:a16="http://schemas.microsoft.com/office/drawing/2014/main" xmlns="" id="{D2CF1D1B-04ED-443D-A9FE-68BF8859BDD6}"/>
+                <a16:creationId xmlns="" xmlns:a16="http://schemas.microsoft.com/office/drawing/2014/main" id="{D2CF1D1B-04ED-443D-A9FE-68BF8859BDD6}"/>
               </a:ext>
               <a:ext uri="{C183D7F6-B498-43B3-948B-1728B52AA6E4}">
-                <adec:decorative xmlns:adec="http://schemas.microsoft.com/office/drawing/2017/decorative" xmlns="" val="1"/>
+                <adec:decorative xmlns="" xmlns:adec="http://schemas.microsoft.com/office/drawing/2017/decorative" val="1"/>
               </a:ext>
             </a:extLst>
           </p:cNvPr>
@@ -16453,7 +16758,7 @@
           <p:nvPr>
             <p:extLst>
               <p:ext uri="{386F3935-93C4-4BCD-93E2-E3B085C9AB24}">
-                <p16:designElem xmlns:p16="http://schemas.microsoft.com/office/powerpoint/2015/main" xmlns="" val="1"/>
+                <p16:designElem xmlns="" xmlns:p16="http://schemas.microsoft.com/office/powerpoint/2015/main" val="1"/>
               </p:ext>
             </p:extLst>
           </p:nvPr>
@@ -16513,7 +16818,7 @@
           <p:cNvPr id="8197" name="Picture 2" descr="Forms response chart. Question title: Select proper lettering techinques. There may be more then one right answer. Number of responses: 6 / 14 correct responses.">
             <a:extLst>
               <a:ext uri="{FF2B5EF4-FFF2-40B4-BE49-F238E27FC236}">
-                <a16:creationId xmlns:a16="http://schemas.microsoft.com/office/drawing/2014/main" xmlns="" id="{95AF92CF-8D97-4C54-B7B6-B0A0E3FFD1FB}"/>
+                <a16:creationId xmlns="" xmlns:a16="http://schemas.microsoft.com/office/drawing/2014/main" id="{95AF92CF-8D97-4C54-B7B6-B0A0E3FFD1FB}"/>
               </a:ext>
             </a:extLst>
           </p:cNvPr>
@@ -16686,10 +16991,10 @@
           <p:cNvPr id="72" name="Group 71">
             <a:extLst>
               <a:ext uri="{FF2B5EF4-FFF2-40B4-BE49-F238E27FC236}">
-                <a16:creationId xmlns:a16="http://schemas.microsoft.com/office/drawing/2014/main" xmlns="" id="{2103B461-323C-4912-BFFD-C37582662085}"/>
+                <a16:creationId xmlns="" xmlns:a16="http://schemas.microsoft.com/office/drawing/2014/main" id="{2103B461-323C-4912-BFFD-C37582662085}"/>
               </a:ext>
               <a:ext uri="{C183D7F6-B498-43B3-948B-1728B52AA6E4}">
-                <adec:decorative xmlns:adec="http://schemas.microsoft.com/office/drawing/2017/decorative" xmlns="" val="1"/>
+                <adec:decorative xmlns="" xmlns:adec="http://schemas.microsoft.com/office/drawing/2017/decorative" val="1"/>
               </a:ext>
             </a:extLst>
           </p:cNvPr>
@@ -16699,7 +17004,7 @@
           <p:nvPr>
             <p:extLst>
               <p:ext uri="{386F3935-93C4-4BCD-93E2-E3B085C9AB24}">
-                <p16:designElem xmlns:p16="http://schemas.microsoft.com/office/powerpoint/2015/main" xmlns="" val="1"/>
+                <p16:designElem xmlns="" xmlns:p16="http://schemas.microsoft.com/office/powerpoint/2015/main" val="1"/>
               </p:ext>
             </p:extLst>
           </p:nvPr>
@@ -16717,10 +17022,10 @@
             <p:cNvPr id="73" name="Straight Connector 72">
               <a:extLst>
                 <a:ext uri="{FF2B5EF4-FFF2-40B4-BE49-F238E27FC236}">
-                  <a16:creationId xmlns:a16="http://schemas.microsoft.com/office/drawing/2014/main" xmlns="" id="{FBC21318-F4F4-4524-95D1-6B7FE0A788A3}"/>
+                  <a16:creationId xmlns="" xmlns:a16="http://schemas.microsoft.com/office/drawing/2014/main" id="{FBC21318-F4F4-4524-95D1-6B7FE0A788A3}"/>
                 </a:ext>
                 <a:ext uri="{C183D7F6-B498-43B3-948B-1728B52AA6E4}">
-                  <adec:decorative xmlns:adec="http://schemas.microsoft.com/office/drawing/2017/decorative" xmlns="" val="1"/>
+                  <adec:decorative xmlns="" xmlns:adec="http://schemas.microsoft.com/office/drawing/2017/decorative" val="1"/>
                 </a:ext>
               </a:extLst>
             </p:cNvPr>
@@ -16728,7 +17033,7 @@
             <p:nvPr>
               <p:extLst>
                 <p:ext uri="{386F3935-93C4-4BCD-93E2-E3B085C9AB24}">
-                  <p16:designElem xmlns:p16="http://schemas.microsoft.com/office/powerpoint/2015/main" xmlns="" val="1"/>
+                  <p16:designElem xmlns="" xmlns:p16="http://schemas.microsoft.com/office/powerpoint/2015/main" val="1"/>
                 </p:ext>
               </p:extLst>
             </p:nvPr>
@@ -16767,10 +17072,10 @@
             <p:cNvPr id="74" name="Straight Connector 73">
               <a:extLst>
                 <a:ext uri="{FF2B5EF4-FFF2-40B4-BE49-F238E27FC236}">
-                  <a16:creationId xmlns:a16="http://schemas.microsoft.com/office/drawing/2014/main" xmlns="" id="{D9FFA8E5-974F-409E-89C6-E185BD90933C}"/>
+                  <a16:creationId xmlns="" xmlns:a16="http://schemas.microsoft.com/office/drawing/2014/main" id="{D9FFA8E5-974F-409E-89C6-E185BD90933C}"/>
                 </a:ext>
                 <a:ext uri="{C183D7F6-B498-43B3-948B-1728B52AA6E4}">
-                  <adec:decorative xmlns:adec="http://schemas.microsoft.com/office/drawing/2017/decorative" xmlns="" val="1"/>
+                  <adec:decorative xmlns="" xmlns:adec="http://schemas.microsoft.com/office/drawing/2017/decorative" val="1"/>
                 </a:ext>
               </a:extLst>
             </p:cNvPr>
@@ -16778,7 +17083,7 @@
             <p:nvPr>
               <p:extLst>
                 <p:ext uri="{386F3935-93C4-4BCD-93E2-E3B085C9AB24}">
-                  <p16:designElem xmlns:p16="http://schemas.microsoft.com/office/powerpoint/2015/main" xmlns="" val="1"/>
+                  <p16:designElem xmlns="" xmlns:p16="http://schemas.microsoft.com/office/powerpoint/2015/main" val="1"/>
                 </p:ext>
               </p:extLst>
             </p:nvPr>
@@ -16817,10 +17122,10 @@
             <p:cNvPr id="75" name="Straight Connector 74">
               <a:extLst>
                 <a:ext uri="{FF2B5EF4-FFF2-40B4-BE49-F238E27FC236}">
-                  <a16:creationId xmlns:a16="http://schemas.microsoft.com/office/drawing/2014/main" xmlns="" id="{C384E2B1-7008-45EE-9F2E-FEF3A089780F}"/>
+                  <a16:creationId xmlns="" xmlns:a16="http://schemas.microsoft.com/office/drawing/2014/main" id="{C384E2B1-7008-45EE-9F2E-FEF3A089780F}"/>
                 </a:ext>
                 <a:ext uri="{C183D7F6-B498-43B3-948B-1728B52AA6E4}">
-                  <adec:decorative xmlns:adec="http://schemas.microsoft.com/office/drawing/2017/decorative" xmlns="" val="1"/>
+                  <adec:decorative xmlns="" xmlns:adec="http://schemas.microsoft.com/office/drawing/2017/decorative" val="1"/>
                 </a:ext>
               </a:extLst>
             </p:cNvPr>
@@ -16828,7 +17133,7 @@
             <p:nvPr>
               <p:extLst>
                 <p:ext uri="{386F3935-93C4-4BCD-93E2-E3B085C9AB24}">
-                  <p16:designElem xmlns:p16="http://schemas.microsoft.com/office/powerpoint/2015/main" xmlns="" val="1"/>
+                  <p16:designElem xmlns="" xmlns:p16="http://schemas.microsoft.com/office/powerpoint/2015/main" val="1"/>
                 </p:ext>
               </p:extLst>
             </p:nvPr>
@@ -16867,10 +17172,10 @@
             <p:cNvPr id="76" name="Straight Connector 75">
               <a:extLst>
                 <a:ext uri="{FF2B5EF4-FFF2-40B4-BE49-F238E27FC236}">
-                  <a16:creationId xmlns:a16="http://schemas.microsoft.com/office/drawing/2014/main" xmlns="" id="{D4563410-7FE9-4955-89C6-0FB9326CD3A8}"/>
+                  <a16:creationId xmlns="" xmlns:a16="http://schemas.microsoft.com/office/drawing/2014/main" id="{D4563410-7FE9-4955-89C6-0FB9326CD3A8}"/>
                 </a:ext>
                 <a:ext uri="{C183D7F6-B498-43B3-948B-1728B52AA6E4}">
-                  <adec:decorative xmlns:adec="http://schemas.microsoft.com/office/drawing/2017/decorative" xmlns="" val="1"/>
+                  <adec:decorative xmlns="" xmlns:adec="http://schemas.microsoft.com/office/drawing/2017/decorative" val="1"/>
                 </a:ext>
               </a:extLst>
             </p:cNvPr>
@@ -16878,7 +17183,7 @@
             <p:nvPr>
               <p:extLst>
                 <p:ext uri="{386F3935-93C4-4BCD-93E2-E3B085C9AB24}">
-                  <p16:designElem xmlns:p16="http://schemas.microsoft.com/office/powerpoint/2015/main" xmlns="" val="1"/>
+                  <p16:designElem xmlns="" xmlns:p16="http://schemas.microsoft.com/office/powerpoint/2015/main" val="1"/>
                 </p:ext>
               </p:extLst>
             </p:nvPr>
@@ -16917,10 +17222,10 @@
             <p:cNvPr id="77" name="Straight Connector 76">
               <a:extLst>
                 <a:ext uri="{FF2B5EF4-FFF2-40B4-BE49-F238E27FC236}">
-                  <a16:creationId xmlns:a16="http://schemas.microsoft.com/office/drawing/2014/main" xmlns="" id="{3AD14C0E-D5DF-4BDC-BD92-642CFF18018D}"/>
+                  <a16:creationId xmlns="" xmlns:a16="http://schemas.microsoft.com/office/drawing/2014/main" id="{3AD14C0E-D5DF-4BDC-BD92-642CFF18018D}"/>
                 </a:ext>
                 <a:ext uri="{C183D7F6-B498-43B3-948B-1728B52AA6E4}">
-                  <adec:decorative xmlns:adec="http://schemas.microsoft.com/office/drawing/2017/decorative" xmlns="" val="1"/>
+                  <adec:decorative xmlns="" xmlns:adec="http://schemas.microsoft.com/office/drawing/2017/decorative" val="1"/>
                 </a:ext>
               </a:extLst>
             </p:cNvPr>
@@ -16928,7 +17233,7 @@
             <p:nvPr>
               <p:extLst>
                 <p:ext uri="{386F3935-93C4-4BCD-93E2-E3B085C9AB24}">
-                  <p16:designElem xmlns:p16="http://schemas.microsoft.com/office/powerpoint/2015/main" xmlns="" val="1"/>
+                  <p16:designElem xmlns="" xmlns:p16="http://schemas.microsoft.com/office/powerpoint/2015/main" val="1"/>
                 </p:ext>
               </p:extLst>
             </p:nvPr>
@@ -16968,10 +17273,10 @@
           <p:cNvPr id="79" name="Rectangle 78">
             <a:extLst>
               <a:ext uri="{FF2B5EF4-FFF2-40B4-BE49-F238E27FC236}">
-                <a16:creationId xmlns:a16="http://schemas.microsoft.com/office/drawing/2014/main" xmlns="" id="{9A212F8F-D812-4A16-BE82-F3500DE32174}"/>
+                <a16:creationId xmlns="" xmlns:a16="http://schemas.microsoft.com/office/drawing/2014/main" id="{9A212F8F-D812-4A16-BE82-F3500DE32174}"/>
               </a:ext>
               <a:ext uri="{C183D7F6-B498-43B3-948B-1728B52AA6E4}">
-                <adec:decorative xmlns:adec="http://schemas.microsoft.com/office/drawing/2017/decorative" xmlns="" val="1"/>
+                <adec:decorative xmlns="" xmlns:adec="http://schemas.microsoft.com/office/drawing/2017/decorative" val="1"/>
               </a:ext>
             </a:extLst>
           </p:cNvPr>
@@ -16981,7 +17286,7 @@
           <p:nvPr>
             <p:extLst>
               <p:ext uri="{386F3935-93C4-4BCD-93E2-E3B085C9AB24}">
-                <p16:designElem xmlns:p16="http://schemas.microsoft.com/office/powerpoint/2015/main" xmlns="" val="1"/>
+                <p16:designElem xmlns="" xmlns:p16="http://schemas.microsoft.com/office/powerpoint/2015/main" val="1"/>
               </p:ext>
             </p:extLst>
           </p:nvPr>
@@ -17028,7 +17333,7 @@
           <p:cNvPr id="4" name="Footer Placeholder 3">
             <a:extLst>
               <a:ext uri="{FF2B5EF4-FFF2-40B4-BE49-F238E27FC236}">
-                <a16:creationId xmlns:a16="http://schemas.microsoft.com/office/drawing/2014/main" xmlns="" id="{FE2F3BE3-9F9C-4C1E-A7D6-B7CA2F8C659B}"/>
+                <a16:creationId xmlns="" xmlns:a16="http://schemas.microsoft.com/office/drawing/2014/main" id="{FE2F3BE3-9F9C-4C1E-A7D6-B7CA2F8C659B}"/>
               </a:ext>
             </a:extLst>
           </p:cNvPr>
@@ -17078,10 +17383,10 @@
           <p:cNvPr id="81" name="Snip Diagonal Corner Rectangle 24">
             <a:extLst>
               <a:ext uri="{FF2B5EF4-FFF2-40B4-BE49-F238E27FC236}">
-                <a16:creationId xmlns:a16="http://schemas.microsoft.com/office/drawing/2014/main" xmlns="" id="{D2CF1D1B-04ED-443D-A9FE-68BF8859BDD6}"/>
+                <a16:creationId xmlns="" xmlns:a16="http://schemas.microsoft.com/office/drawing/2014/main" id="{D2CF1D1B-04ED-443D-A9FE-68BF8859BDD6}"/>
               </a:ext>
               <a:ext uri="{C183D7F6-B498-43B3-948B-1728B52AA6E4}">
-                <adec:decorative xmlns:adec="http://schemas.microsoft.com/office/drawing/2017/decorative" xmlns="" val="1"/>
+                <adec:decorative xmlns="" xmlns:adec="http://schemas.microsoft.com/office/drawing/2017/decorative" val="1"/>
               </a:ext>
             </a:extLst>
           </p:cNvPr>
@@ -17091,7 +17396,7 @@
           <p:nvPr>
             <p:extLst>
               <p:ext uri="{386F3935-93C4-4BCD-93E2-E3B085C9AB24}">
-                <p16:designElem xmlns:p16="http://schemas.microsoft.com/office/powerpoint/2015/main" xmlns="" val="1"/>
+                <p16:designElem xmlns="" xmlns:p16="http://schemas.microsoft.com/office/powerpoint/2015/main" val="1"/>
               </p:ext>
             </p:extLst>
           </p:nvPr>
@@ -17151,7 +17456,7 @@
           <p:cNvPr id="9221" name="Picture 2" descr="Forms response chart. Question title: What tool helps provide guidelines for freehand techinical drawing?. Number of responses: 9 / 14 correct responses.">
             <a:extLst>
               <a:ext uri="{FF2B5EF4-FFF2-40B4-BE49-F238E27FC236}">
-                <a16:creationId xmlns:a16="http://schemas.microsoft.com/office/drawing/2014/main" xmlns="" id="{67E70AA8-8BF1-4042-9F46-C30EFDF91E4A}"/>
+                <a16:creationId xmlns="" xmlns:a16="http://schemas.microsoft.com/office/drawing/2014/main" id="{67E70AA8-8BF1-4042-9F46-C30EFDF91E4A}"/>
               </a:ext>
             </a:extLst>
           </p:cNvPr>
@@ -17326,10 +17631,10 @@
           <p:cNvPr id="72" name="Group 71">
             <a:extLst>
               <a:ext uri="{FF2B5EF4-FFF2-40B4-BE49-F238E27FC236}">
-                <a16:creationId xmlns:a16="http://schemas.microsoft.com/office/drawing/2014/main" xmlns="" id="{2103B461-323C-4912-BFFD-C37582662085}"/>
+                <a16:creationId xmlns="" xmlns:a16="http://schemas.microsoft.com/office/drawing/2014/main" id="{2103B461-323C-4912-BFFD-C37582662085}"/>
               </a:ext>
               <a:ext uri="{C183D7F6-B498-43B3-948B-1728B52AA6E4}">
-                <adec:decorative xmlns:adec="http://schemas.microsoft.com/office/drawing/2017/decorative" xmlns="" val="1"/>
+                <adec:decorative xmlns="" xmlns:adec="http://schemas.microsoft.com/office/drawing/2017/decorative" val="1"/>
               </a:ext>
             </a:extLst>
           </p:cNvPr>
@@ -17339,7 +17644,7 @@
           <p:nvPr>
             <p:extLst>
               <p:ext uri="{386F3935-93C4-4BCD-93E2-E3B085C9AB24}">
-                <p16:designElem xmlns:p16="http://schemas.microsoft.com/office/powerpoint/2015/main" xmlns="" val="1"/>
+                <p16:designElem xmlns="" xmlns:p16="http://schemas.microsoft.com/office/powerpoint/2015/main" val="1"/>
               </p:ext>
             </p:extLst>
           </p:nvPr>
@@ -17357,10 +17662,10 @@
             <p:cNvPr id="73" name="Straight Connector 72">
               <a:extLst>
                 <a:ext uri="{FF2B5EF4-FFF2-40B4-BE49-F238E27FC236}">
-                  <a16:creationId xmlns:a16="http://schemas.microsoft.com/office/drawing/2014/main" xmlns="" id="{FBC21318-F4F4-4524-95D1-6B7FE0A788A3}"/>
+                  <a16:creationId xmlns="" xmlns:a16="http://schemas.microsoft.com/office/drawing/2014/main" id="{FBC21318-F4F4-4524-95D1-6B7FE0A788A3}"/>
                 </a:ext>
                 <a:ext uri="{C183D7F6-B498-43B3-948B-1728B52AA6E4}">
-                  <adec:decorative xmlns:adec="http://schemas.microsoft.com/office/drawing/2017/decorative" xmlns="" val="1"/>
+                  <adec:decorative xmlns="" xmlns:adec="http://schemas.microsoft.com/office/drawing/2017/decorative" val="1"/>
                 </a:ext>
               </a:extLst>
             </p:cNvPr>
@@ -17368,7 +17673,7 @@
             <p:nvPr>
               <p:extLst>
                 <p:ext uri="{386F3935-93C4-4BCD-93E2-E3B085C9AB24}">
-                  <p16:designElem xmlns:p16="http://schemas.microsoft.com/office/powerpoint/2015/main" xmlns="" val="1"/>
+                  <p16:designElem xmlns="" xmlns:p16="http://schemas.microsoft.com/office/powerpoint/2015/main" val="1"/>
                 </p:ext>
               </p:extLst>
             </p:nvPr>
@@ -17407,10 +17712,10 @@
             <p:cNvPr id="74" name="Straight Connector 73">
               <a:extLst>
                 <a:ext uri="{FF2B5EF4-FFF2-40B4-BE49-F238E27FC236}">
-                  <a16:creationId xmlns:a16="http://schemas.microsoft.com/office/drawing/2014/main" xmlns="" id="{D9FFA8E5-974F-409E-89C6-E185BD90933C}"/>
+                  <a16:creationId xmlns="" xmlns:a16="http://schemas.microsoft.com/office/drawing/2014/main" id="{D9FFA8E5-974F-409E-89C6-E185BD90933C}"/>
                 </a:ext>
                 <a:ext uri="{C183D7F6-B498-43B3-948B-1728B52AA6E4}">
-                  <adec:decorative xmlns:adec="http://schemas.microsoft.com/office/drawing/2017/decorative" xmlns="" val="1"/>
+                  <adec:decorative xmlns="" xmlns:adec="http://schemas.microsoft.com/office/drawing/2017/decorative" val="1"/>
                 </a:ext>
               </a:extLst>
             </p:cNvPr>
@@ -17418,7 +17723,7 @@
             <p:nvPr>
               <p:extLst>
                 <p:ext uri="{386F3935-93C4-4BCD-93E2-E3B085C9AB24}">
-                  <p16:designElem xmlns:p16="http://schemas.microsoft.com/office/powerpoint/2015/main" xmlns="" val="1"/>
+                  <p16:designElem xmlns="" xmlns:p16="http://schemas.microsoft.com/office/powerpoint/2015/main" val="1"/>
                 </p:ext>
               </p:extLst>
             </p:nvPr>
@@ -17457,10 +17762,10 @@
             <p:cNvPr id="75" name="Straight Connector 74">
               <a:extLst>
                 <a:ext uri="{FF2B5EF4-FFF2-40B4-BE49-F238E27FC236}">
-                  <a16:creationId xmlns:a16="http://schemas.microsoft.com/office/drawing/2014/main" xmlns="" id="{C384E2B1-7008-45EE-9F2E-FEF3A089780F}"/>
+                  <a16:creationId xmlns="" xmlns:a16="http://schemas.microsoft.com/office/drawing/2014/main" id="{C384E2B1-7008-45EE-9F2E-FEF3A089780F}"/>
                 </a:ext>
                 <a:ext uri="{C183D7F6-B498-43B3-948B-1728B52AA6E4}">
-                  <adec:decorative xmlns:adec="http://schemas.microsoft.com/office/drawing/2017/decorative" xmlns="" val="1"/>
+                  <adec:decorative xmlns="" xmlns:adec="http://schemas.microsoft.com/office/drawing/2017/decorative" val="1"/>
                 </a:ext>
               </a:extLst>
             </p:cNvPr>
@@ -17468,7 +17773,7 @@
             <p:nvPr>
               <p:extLst>
                 <p:ext uri="{386F3935-93C4-4BCD-93E2-E3B085C9AB24}">
-                  <p16:designElem xmlns:p16="http://schemas.microsoft.com/office/powerpoint/2015/main" xmlns="" val="1"/>
+                  <p16:designElem xmlns="" xmlns:p16="http://schemas.microsoft.com/office/powerpoint/2015/main" val="1"/>
                 </p:ext>
               </p:extLst>
             </p:nvPr>
@@ -17507,10 +17812,10 @@
             <p:cNvPr id="76" name="Straight Connector 75">
               <a:extLst>
                 <a:ext uri="{FF2B5EF4-FFF2-40B4-BE49-F238E27FC236}">
-                  <a16:creationId xmlns:a16="http://schemas.microsoft.com/office/drawing/2014/main" xmlns="" id="{D4563410-7FE9-4955-89C6-0FB9326CD3A8}"/>
+                  <a16:creationId xmlns="" xmlns:a16="http://schemas.microsoft.com/office/drawing/2014/main" id="{D4563410-7FE9-4955-89C6-0FB9326CD3A8}"/>
                 </a:ext>
                 <a:ext uri="{C183D7F6-B498-43B3-948B-1728B52AA6E4}">
-                  <adec:decorative xmlns:adec="http://schemas.microsoft.com/office/drawing/2017/decorative" xmlns="" val="1"/>
+                  <adec:decorative xmlns="" xmlns:adec="http://schemas.microsoft.com/office/drawing/2017/decorative" val="1"/>
                 </a:ext>
               </a:extLst>
             </p:cNvPr>
@@ -17518,7 +17823,7 @@
             <p:nvPr>
               <p:extLst>
                 <p:ext uri="{386F3935-93C4-4BCD-93E2-E3B085C9AB24}">
-                  <p16:designElem xmlns:p16="http://schemas.microsoft.com/office/powerpoint/2015/main" xmlns="" val="1"/>
+                  <p16:designElem xmlns="" xmlns:p16="http://schemas.microsoft.com/office/powerpoint/2015/main" val="1"/>
                 </p:ext>
               </p:extLst>
             </p:nvPr>
@@ -17557,10 +17862,10 @@
             <p:cNvPr id="77" name="Straight Connector 76">
               <a:extLst>
                 <a:ext uri="{FF2B5EF4-FFF2-40B4-BE49-F238E27FC236}">
-                  <a16:creationId xmlns:a16="http://schemas.microsoft.com/office/drawing/2014/main" xmlns="" id="{3AD14C0E-D5DF-4BDC-BD92-642CFF18018D}"/>
+                  <a16:creationId xmlns="" xmlns:a16="http://schemas.microsoft.com/office/drawing/2014/main" id="{3AD14C0E-D5DF-4BDC-BD92-642CFF18018D}"/>
                 </a:ext>
                 <a:ext uri="{C183D7F6-B498-43B3-948B-1728B52AA6E4}">
-                  <adec:decorative xmlns:adec="http://schemas.microsoft.com/office/drawing/2017/decorative" xmlns="" val="1"/>
+                  <adec:decorative xmlns="" xmlns:adec="http://schemas.microsoft.com/office/drawing/2017/decorative" val="1"/>
                 </a:ext>
               </a:extLst>
             </p:cNvPr>
@@ -17568,7 +17873,7 @@
             <p:nvPr>
               <p:extLst>
                 <p:ext uri="{386F3935-93C4-4BCD-93E2-E3B085C9AB24}">
-                  <p16:designElem xmlns:p16="http://schemas.microsoft.com/office/powerpoint/2015/main" xmlns="" val="1"/>
+                  <p16:designElem xmlns="" xmlns:p16="http://schemas.microsoft.com/office/powerpoint/2015/main" val="1"/>
                 </p:ext>
               </p:extLst>
             </p:nvPr>
@@ -17608,10 +17913,10 @@
           <p:cNvPr id="79" name="Rectangle 78">
             <a:extLst>
               <a:ext uri="{FF2B5EF4-FFF2-40B4-BE49-F238E27FC236}">
-                <a16:creationId xmlns:a16="http://schemas.microsoft.com/office/drawing/2014/main" xmlns="" id="{9A212F8F-D812-4A16-BE82-F3500DE32174}"/>
+                <a16:creationId xmlns="" xmlns:a16="http://schemas.microsoft.com/office/drawing/2014/main" id="{9A212F8F-D812-4A16-BE82-F3500DE32174}"/>
               </a:ext>
               <a:ext uri="{C183D7F6-B498-43B3-948B-1728B52AA6E4}">
-                <adec:decorative xmlns:adec="http://schemas.microsoft.com/office/drawing/2017/decorative" xmlns="" val="1"/>
+                <adec:decorative xmlns="" xmlns:adec="http://schemas.microsoft.com/office/drawing/2017/decorative" val="1"/>
               </a:ext>
             </a:extLst>
           </p:cNvPr>
@@ -17621,7 +17926,7 @@
           <p:nvPr>
             <p:extLst>
               <p:ext uri="{386F3935-93C4-4BCD-93E2-E3B085C9AB24}">
-                <p16:designElem xmlns:p16="http://schemas.microsoft.com/office/powerpoint/2015/main" xmlns="" val="1"/>
+                <p16:designElem xmlns="" xmlns:p16="http://schemas.microsoft.com/office/powerpoint/2015/main" val="1"/>
               </p:ext>
             </p:extLst>
           </p:nvPr>
@@ -17668,7 +17973,7 @@
           <p:cNvPr id="4" name="Footer Placeholder 3">
             <a:extLst>
               <a:ext uri="{FF2B5EF4-FFF2-40B4-BE49-F238E27FC236}">
-                <a16:creationId xmlns:a16="http://schemas.microsoft.com/office/drawing/2014/main" xmlns="" id="{DCB1DBFB-1BB2-426C-807E-304AF87F8EBE}"/>
+                <a16:creationId xmlns="" xmlns:a16="http://schemas.microsoft.com/office/drawing/2014/main" id="{DCB1DBFB-1BB2-426C-807E-304AF87F8EBE}"/>
               </a:ext>
             </a:extLst>
           </p:cNvPr>
@@ -17718,10 +18023,10 @@
           <p:cNvPr id="81" name="Snip Diagonal Corner Rectangle 24">
             <a:extLst>
               <a:ext uri="{FF2B5EF4-FFF2-40B4-BE49-F238E27FC236}">
-                <a16:creationId xmlns:a16="http://schemas.microsoft.com/office/drawing/2014/main" xmlns="" id="{D2CF1D1B-04ED-443D-A9FE-68BF8859BDD6}"/>
+                <a16:creationId xmlns="" xmlns:a16="http://schemas.microsoft.com/office/drawing/2014/main" id="{D2CF1D1B-04ED-443D-A9FE-68BF8859BDD6}"/>
               </a:ext>
               <a:ext uri="{C183D7F6-B498-43B3-948B-1728B52AA6E4}">
-                <adec:decorative xmlns:adec="http://schemas.microsoft.com/office/drawing/2017/decorative" xmlns="" val="1"/>
+                <adec:decorative xmlns="" xmlns:adec="http://schemas.microsoft.com/office/drawing/2017/decorative" val="1"/>
               </a:ext>
             </a:extLst>
           </p:cNvPr>
@@ -17731,7 +18036,7 @@
           <p:nvPr>
             <p:extLst>
               <p:ext uri="{386F3935-93C4-4BCD-93E2-E3B085C9AB24}">
-                <p16:designElem xmlns:p16="http://schemas.microsoft.com/office/powerpoint/2015/main" xmlns="" val="1"/>
+                <p16:designElem xmlns="" xmlns:p16="http://schemas.microsoft.com/office/powerpoint/2015/main" val="1"/>
               </p:ext>
             </p:extLst>
           </p:nvPr>
@@ -17791,7 +18096,7 @@
           <p:cNvPr id="10245" name="Picture 2" descr="Forms response chart. Question title: Lettering is primarily done in. Number of responses: 14 / 14 correct responses.">
             <a:extLst>
               <a:ext uri="{FF2B5EF4-FFF2-40B4-BE49-F238E27FC236}">
-                <a16:creationId xmlns:a16="http://schemas.microsoft.com/office/drawing/2014/main" xmlns="" id="{B455112D-CDD2-466C-A9DF-EA3C38639884}"/>
+                <a16:creationId xmlns="" xmlns:a16="http://schemas.microsoft.com/office/drawing/2014/main" id="{B455112D-CDD2-466C-A9DF-EA3C38639884}"/>
               </a:ext>
             </a:extLst>
           </p:cNvPr>
